--- a/Week06/HtmlCssReviewActivity.pptx
+++ b/Week06/HtmlCssReviewActivity.pptx
@@ -5,23 +5,24 @@
     <p:sldMasterId id="2147483648" r:id="rId1"/>
   </p:sldMasterIdLst>
   <p:notesMasterIdLst>
-    <p:notesMasterId r:id="rId16"/>
+    <p:notesMasterId r:id="rId17"/>
   </p:notesMasterIdLst>
   <p:sldIdLst>
-    <p:sldId id="258" r:id="rId2"/>
-    <p:sldId id="259" r:id="rId3"/>
-    <p:sldId id="260" r:id="rId4"/>
-    <p:sldId id="261" r:id="rId5"/>
-    <p:sldId id="262" r:id="rId6"/>
-    <p:sldId id="263" r:id="rId7"/>
-    <p:sldId id="264" r:id="rId8"/>
-    <p:sldId id="265" r:id="rId9"/>
-    <p:sldId id="266" r:id="rId10"/>
-    <p:sldId id="267" r:id="rId11"/>
-    <p:sldId id="268" r:id="rId12"/>
-    <p:sldId id="269" r:id="rId13"/>
-    <p:sldId id="270" r:id="rId14"/>
+    <p:sldId id="272" r:id="rId2"/>
+    <p:sldId id="258" r:id="rId3"/>
+    <p:sldId id="259" r:id="rId4"/>
+    <p:sldId id="260" r:id="rId5"/>
+    <p:sldId id="261" r:id="rId6"/>
+    <p:sldId id="262" r:id="rId7"/>
+    <p:sldId id="263" r:id="rId8"/>
+    <p:sldId id="264" r:id="rId9"/>
+    <p:sldId id="265" r:id="rId10"/>
+    <p:sldId id="266" r:id="rId11"/>
+    <p:sldId id="267" r:id="rId12"/>
+    <p:sldId id="268" r:id="rId13"/>
+    <p:sldId id="269" r:id="rId14"/>
     <p:sldId id="271" r:id="rId15"/>
+    <p:sldId id="270" r:id="rId16"/>
   </p:sldIdLst>
   <p:sldSz cx="12192000" cy="6858000"/>
   <p:notesSz cx="6858000" cy="9144000"/>
@@ -221,7 +222,7 @@
           <a:p>
             <a:fld id="{19104133-B5B0-4351-8158-4F0E5EB1E2BF}" type="datetimeFigureOut">
               <a:rPr lang="en-US" smtClean="0"/>
-              <a:t>3/23/2020</a:t>
+              <a:t>11/16/2020</a:t>
             </a:fld>
             <a:endParaRPr lang="en-US"/>
           </a:p>
@@ -562,7 +563,7 @@
           <a:p>
             <a:fld id="{DEC8F7F9-57EC-49CF-9FCD-2B781E4B449F}" type="slidenum">
               <a:rPr lang="en-US" smtClean="0"/>
-              <a:t>1</a:t>
+              <a:t>2</a:t>
             </a:fld>
             <a:endParaRPr lang="en-US"/>
           </a:p>
@@ -771,7 +772,7 @@
             <a:fld id="{1C2D31DE-C454-491C-B5C3-F097855E3DF7}" type="datetime4">
               <a:rPr lang="en-US" smtClean="0"/>
               <a:pPr/>
-              <a:t>March 23, 2020</a:t>
+              <a:t>November 16, 2020</a:t>
             </a:fld>
             <a:endParaRPr lang="en-US" dirty="0"/>
           </a:p>
@@ -4171,7 +4172,7 @@
           <a:p>
             <a:fld id="{5958763E-B898-436D-883D-03711491D54A}" type="datetimeFigureOut">
               <a:rPr lang="en-US" smtClean="0"/>
-              <a:t>3/23/2020</a:t>
+              <a:t>11/16/2020</a:t>
             </a:fld>
             <a:endParaRPr lang="en-US"/>
           </a:p>
@@ -4372,7 +4373,7 @@
           <a:p>
             <a:fld id="{5958763E-B898-436D-883D-03711491D54A}" type="datetimeFigureOut">
               <a:rPr lang="en-US" smtClean="0"/>
-              <a:t>3/23/2020</a:t>
+              <a:t>11/16/2020</a:t>
             </a:fld>
             <a:endParaRPr lang="en-US"/>
           </a:p>
@@ -4629,7 +4630,7 @@
           <a:p>
             <a:fld id="{5958763E-B898-436D-883D-03711491D54A}" type="datetimeFigureOut">
               <a:rPr lang="en-US" smtClean="0"/>
-              <a:t>3/23/2020</a:t>
+              <a:t>11/16/2020</a:t>
             </a:fld>
             <a:endParaRPr lang="en-US"/>
           </a:p>
@@ -4984,7 +4985,7 @@
           <a:p>
             <a:fld id="{5958763E-B898-436D-883D-03711491D54A}" type="datetimeFigureOut">
               <a:rPr lang="en-US" smtClean="0"/>
-              <a:t>3/23/2020</a:t>
+              <a:t>11/16/2020</a:t>
             </a:fld>
             <a:endParaRPr lang="en-US"/>
           </a:p>
@@ -5407,7 +5408,7 @@
           <a:p>
             <a:fld id="{5958763E-B898-436D-883D-03711491D54A}" type="datetimeFigureOut">
               <a:rPr lang="en-US" smtClean="0"/>
-              <a:t>3/23/2020</a:t>
+              <a:t>11/16/2020</a:t>
             </a:fld>
             <a:endParaRPr lang="en-US"/>
           </a:p>
@@ -5915,7 +5916,7 @@
           <a:p>
             <a:fld id="{5958763E-B898-436D-883D-03711491D54A}" type="datetimeFigureOut">
               <a:rPr lang="en-US" smtClean="0"/>
-              <a:t>3/23/2020</a:t>
+              <a:t>11/16/2020</a:t>
             </a:fld>
             <a:endParaRPr lang="en-US"/>
           </a:p>
@@ -6373,7 +6374,7 @@
           <a:p>
             <a:fld id="{5958763E-B898-436D-883D-03711491D54A}" type="datetimeFigureOut">
               <a:rPr lang="en-US" smtClean="0"/>
-              <a:t>3/23/2020</a:t>
+              <a:t>11/16/2020</a:t>
             </a:fld>
             <a:endParaRPr lang="en-US"/>
           </a:p>
@@ -6991,7 +6992,7 @@
           <a:p>
             <a:fld id="{5958763E-B898-436D-883D-03711491D54A}" type="datetimeFigureOut">
               <a:rPr lang="en-US" smtClean="0"/>
-              <a:t>3/23/2020</a:t>
+              <a:t>11/16/2020</a:t>
             </a:fld>
             <a:endParaRPr lang="en-US"/>
           </a:p>
@@ -7769,7 +7770,7 @@
           <a:p>
             <a:fld id="{5958763E-B898-436D-883D-03711491D54A}" type="datetimeFigureOut">
               <a:rPr lang="en-US" smtClean="0"/>
-              <a:t>3/23/2020</a:t>
+              <a:t>11/16/2020</a:t>
             </a:fld>
             <a:endParaRPr lang="en-US"/>
           </a:p>
@@ -7880,7 +7881,7 @@
           <a:p>
             <a:fld id="{5958763E-B898-436D-883D-03711491D54A}" type="datetimeFigureOut">
               <a:rPr lang="en-US" smtClean="0"/>
-              <a:t>3/23/2020</a:t>
+              <a:t>11/16/2020</a:t>
             </a:fld>
             <a:endParaRPr lang="en-US"/>
           </a:p>
@@ -8222,7 +8223,7 @@
             <a:fld id="{1C2D31DE-C454-491C-B5C3-F097855E3DF7}" type="datetime4">
               <a:rPr lang="en-US" smtClean="0"/>
               <a:pPr/>
-              <a:t>March 23, 2020</a:t>
+              <a:t>November 16, 2020</a:t>
             </a:fld>
             <a:endParaRPr lang="en-US" dirty="0"/>
           </a:p>
@@ -11382,7 +11383,7 @@
           <a:p>
             <a:fld id="{5958763E-B898-436D-883D-03711491D54A}" type="datetimeFigureOut">
               <a:rPr lang="en-US" smtClean="0"/>
-              <a:t>3/23/2020</a:t>
+              <a:t>11/16/2020</a:t>
             </a:fld>
             <a:endParaRPr lang="en-US"/>
           </a:p>
@@ -11513,7 +11514,7 @@
           <a:p>
             <a:fld id="{5958763E-B898-436D-883D-03711491D54A}" type="datetimeFigureOut">
               <a:rPr lang="en-US" smtClean="0"/>
-              <a:t>3/23/2020</a:t>
+              <a:t>11/16/2020</a:t>
             </a:fld>
             <a:endParaRPr lang="en-US"/>
           </a:p>
@@ -11644,7 +11645,7 @@
           <a:p>
             <a:fld id="{5958763E-B898-436D-883D-03711491D54A}" type="datetimeFigureOut">
               <a:rPr lang="en-US" smtClean="0"/>
-              <a:t>3/23/2020</a:t>
+              <a:t>11/16/2020</a:t>
             </a:fld>
             <a:endParaRPr lang="en-US"/>
           </a:p>
@@ -11775,7 +11776,7 @@
           <a:p>
             <a:fld id="{5958763E-B898-436D-883D-03711491D54A}" type="datetimeFigureOut">
               <a:rPr lang="en-US" smtClean="0"/>
-              <a:t>3/23/2020</a:t>
+              <a:t>11/16/2020</a:t>
             </a:fld>
             <a:endParaRPr lang="en-US"/>
           </a:p>
@@ -11906,7 +11907,7 @@
           <a:p>
             <a:fld id="{5958763E-B898-436D-883D-03711491D54A}" type="datetimeFigureOut">
               <a:rPr lang="en-US" smtClean="0"/>
-              <a:t>3/23/2020</a:t>
+              <a:t>11/16/2020</a:t>
             </a:fld>
             <a:endParaRPr lang="en-US"/>
           </a:p>
@@ -12037,7 +12038,7 @@
           <a:p>
             <a:fld id="{5958763E-B898-436D-883D-03711491D54A}" type="datetimeFigureOut">
               <a:rPr lang="en-US" smtClean="0"/>
-              <a:t>3/23/2020</a:t>
+              <a:t>11/16/2020</a:t>
             </a:fld>
             <a:endParaRPr lang="en-US"/>
           </a:p>
@@ -12168,7 +12169,7 @@
           <a:p>
             <a:fld id="{5958763E-B898-436D-883D-03711491D54A}" type="datetimeFigureOut">
               <a:rPr lang="en-US" smtClean="0"/>
-              <a:t>3/23/2020</a:t>
+              <a:t>11/16/2020</a:t>
             </a:fld>
             <a:endParaRPr lang="en-US"/>
           </a:p>
@@ -12299,7 +12300,7 @@
           <a:p>
             <a:fld id="{5958763E-B898-436D-883D-03711491D54A}" type="datetimeFigureOut">
               <a:rPr lang="en-US" smtClean="0"/>
-              <a:t>3/23/2020</a:t>
+              <a:t>11/16/2020</a:t>
             </a:fld>
             <a:endParaRPr lang="en-US"/>
           </a:p>
@@ -12439,7 +12440,7 @@
           <a:p>
             <a:fld id="{5958763E-B898-436D-883D-03711491D54A}" type="datetimeFigureOut">
               <a:rPr lang="en-US" smtClean="0"/>
-              <a:t>3/23/2020</a:t>
+              <a:t>11/16/2020</a:t>
             </a:fld>
             <a:endParaRPr lang="en-US"/>
           </a:p>
@@ -15800,7 +15801,7 @@
             <a:fld id="{1C2D31DE-C454-491C-B5C3-F097855E3DF7}" type="datetime4">
               <a:rPr lang="en-US" smtClean="0"/>
               <a:pPr/>
-              <a:t>March 23, 2020</a:t>
+              <a:t>November 16, 2020</a:t>
             </a:fld>
             <a:endParaRPr lang="en-US" dirty="0"/>
           </a:p>
@@ -28045,7 +28046,7 @@
           <a:p>
             <a:fld id="{5958763E-B898-436D-883D-03711491D54A}" type="datetimeFigureOut">
               <a:rPr lang="en-US" smtClean="0"/>
-              <a:t>3/23/2020</a:t>
+              <a:t>11/16/2020</a:t>
             </a:fld>
             <a:endParaRPr lang="en-US"/>
           </a:p>
@@ -28454,7 +28455,7 @@
           <a:p>
             <a:fld id="{5958763E-B898-436D-883D-03711491D54A}" type="datetimeFigureOut">
               <a:rPr lang="en-US" smtClean="0"/>
-              <a:t>3/23/2020</a:t>
+              <a:t>11/16/2020</a:t>
             </a:fld>
             <a:endParaRPr lang="en-US"/>
           </a:p>
@@ -28755,7 +28756,7 @@
           <a:p>
             <a:fld id="{5958763E-B898-436D-883D-03711491D54A}" type="datetimeFigureOut">
               <a:rPr lang="en-US" smtClean="0"/>
-              <a:t>3/23/2020</a:t>
+              <a:t>11/16/2020</a:t>
             </a:fld>
             <a:endParaRPr lang="en-US"/>
           </a:p>
@@ -28963,7 +28964,7 @@
           <a:p>
             <a:fld id="{5958763E-B898-436D-883D-03711491D54A}" type="datetimeFigureOut">
               <a:rPr lang="en-US" smtClean="0"/>
-              <a:t>3/23/2020</a:t>
+              <a:t>11/16/2020</a:t>
             </a:fld>
             <a:endParaRPr lang="en-US"/>
           </a:p>
@@ -29231,7 +29232,7 @@
           <a:p>
             <a:fld id="{5958763E-B898-436D-883D-03711491D54A}" type="datetimeFigureOut">
               <a:rPr lang="en-US" smtClean="0"/>
-              <a:t>3/23/2020</a:t>
+              <a:t>11/16/2020</a:t>
             </a:fld>
             <a:endParaRPr lang="en-US"/>
           </a:p>
@@ -29748,7 +29749,7 @@
           <a:p>
             <a:fld id="{5958763E-B898-436D-883D-03711491D54A}" type="datetimeFigureOut">
               <a:rPr lang="en-US" smtClean="0"/>
-              <a:t>3/23/2020</a:t>
+              <a:t>11/16/2020</a:t>
             </a:fld>
             <a:endParaRPr lang="en-US"/>
           </a:p>
@@ -30236,7 +30237,7 @@
           <a:p>
             <a:fld id="{5958763E-B898-436D-883D-03711491D54A}" type="datetimeFigureOut">
               <a:rPr lang="en-US" smtClean="0"/>
-              <a:t>3/23/2020</a:t>
+              <a:t>11/16/2020</a:t>
             </a:fld>
             <a:endParaRPr lang="en-US"/>
           </a:p>
@@ -31062,7 +31063,7 @@
           <a:p>
             <a:fld id="{5958763E-B898-436D-883D-03711491D54A}" type="datetimeFigureOut">
               <a:rPr lang="en-US" smtClean="0"/>
-              <a:t>3/23/2020</a:t>
+              <a:t>11/16/2020</a:t>
             </a:fld>
             <a:endParaRPr lang="en-US"/>
           </a:p>
@@ -31270,7 +31271,7 @@
           <a:p>
             <a:fld id="{5958763E-B898-436D-883D-03711491D54A}" type="datetimeFigureOut">
               <a:rPr lang="en-US" smtClean="0"/>
-              <a:t>3/23/2020</a:t>
+              <a:t>11/16/2020</a:t>
             </a:fld>
             <a:endParaRPr lang="en-US"/>
           </a:p>
@@ -31612,7 +31613,7 @@
           <a:p>
             <a:fld id="{5958763E-B898-436D-883D-03711491D54A}" type="datetimeFigureOut">
               <a:rPr lang="en-US" smtClean="0"/>
-              <a:t>3/23/2020</a:t>
+              <a:t>11/16/2020</a:t>
             </a:fld>
             <a:endParaRPr lang="en-US"/>
           </a:p>
@@ -31849,7 +31850,7 @@
           <a:p>
             <a:fld id="{5958763E-B898-436D-883D-03711491D54A}" type="datetimeFigureOut">
               <a:rPr lang="en-US" smtClean="0"/>
-              <a:t>3/23/2020</a:t>
+              <a:t>11/16/2020</a:t>
             </a:fld>
             <a:endParaRPr lang="en-US"/>
           </a:p>
@@ -32100,7 +32101,7 @@
           <a:p>
             <a:fld id="{5958763E-B898-436D-883D-03711491D54A}" type="datetimeFigureOut">
               <a:rPr lang="en-US" smtClean="0"/>
-              <a:t>3/23/2020</a:t>
+              <a:t>11/16/2020</a:t>
             </a:fld>
             <a:endParaRPr lang="en-US"/>
           </a:p>
@@ -32620,3033 +32621,144 @@
             <a:spLocks noGrp="1"/>
           </p:cNvSpPr>
           <p:nvPr>
-            <p:ph type="ctrTitle"/>
+            <p:ph type="title"/>
           </p:nvPr>
         </p:nvSpPr>
-        <p:spPr>
-          <a:xfrm>
-            <a:off x="380999" y="228600"/>
-            <a:ext cx="8801101" cy="2743200"/>
-          </a:xfrm>
-        </p:spPr>
-        <p:txBody>
-          <a:bodyPr>
-            <a:noAutofit/>
-          </a:bodyPr>
-          <a:lstStyle/>
-          <a:p>
-            <a:r>
-              <a:rPr lang="en-US" sz="6600" dirty="0" smtClean="0"/>
-              <a:t>HTML </a:t>
-            </a:r>
-            <a:r>
-              <a:rPr lang="en-US" sz="6600" dirty="0" smtClean="0"/>
-              <a:t>&amp; CSS Review</a:t>
-            </a:r>
-            <a:endParaRPr lang="en-US" sz="6600" dirty="0"/>
-          </a:p>
-        </p:txBody>
-      </p:sp>
-      <p:sp>
-        <p:nvSpPr>
-          <p:cNvPr id="3" name="Subtitle 2"/>
-          <p:cNvSpPr>
-            <a:spLocks noGrp="1"/>
-          </p:cNvSpPr>
-          <p:nvPr>
-            <p:ph type="subTitle" idx="1"/>
-          </p:nvPr>
-        </p:nvSpPr>
-        <p:spPr>
-          <a:xfrm>
-            <a:off x="381000" y="3429000"/>
-            <a:ext cx="4883068" cy="553998"/>
-          </a:xfrm>
-        </p:spPr>
+        <p:spPr/>
         <p:txBody>
           <a:bodyPr/>
           <a:lstStyle/>
           <a:p>
             <a:r>
               <a:rPr lang="en-US" dirty="0" smtClean="0"/>
-              <a:t>Hy-Tech Club: Web 101</a:t>
+              <a:t>Review Activity Teams</a:t>
             </a:r>
             <a:endParaRPr lang="en-US" dirty="0"/>
           </a:p>
         </p:txBody>
       </p:sp>
-      <p:grpSp>
-        <p:nvGrpSpPr>
-          <p:cNvPr id="7" name="Group 6"/>
-          <p:cNvGrpSpPr>
-            <a:grpSpLocks noChangeAspect="1"/>
-          </p:cNvGrpSpPr>
-          <p:nvPr/>
-        </p:nvGrpSpPr>
-        <p:grpSpPr>
-          <a:xfrm>
-            <a:off x="9966960" y="4343400"/>
-            <a:ext cx="1828800" cy="1828800"/>
-            <a:chOff x="4724400" y="2057400"/>
-            <a:chExt cx="2743200" cy="2743200"/>
-          </a:xfrm>
-        </p:grpSpPr>
-        <p:sp>
-          <p:nvSpPr>
-            <p:cNvPr id="8" name="Rectangle 7">
-              <a:extLst>
-                <a:ext uri="{FF2B5EF4-FFF2-40B4-BE49-F238E27FC236}">
-                  <a16:creationId xmlns:a16="http://schemas.microsoft.com/office/drawing/2014/main" id="{D29DC7FE-AC82-431F-98BF-29FC267130B1}"/>
-                </a:ext>
-              </a:extLst>
-            </p:cNvPr>
-            <p:cNvSpPr/>
-            <p:nvPr/>
-          </p:nvSpPr>
-          <p:spPr>
-            <a:xfrm>
-              <a:off x="4724400" y="2057400"/>
-              <a:ext cx="2743200" cy="2743200"/>
-            </a:xfrm>
-            <a:prstGeom prst="rect">
-              <a:avLst/>
-            </a:prstGeom>
-            <a:gradFill flip="none" rotWithShape="1">
-              <a:gsLst>
-                <a:gs pos="0">
-                  <a:srgbClr val="6ABF4B"/>
-                </a:gs>
-                <a:gs pos="99000">
-                  <a:srgbClr val="54C8E8"/>
-                </a:gs>
-              </a:gsLst>
-              <a:lin ang="2700000" scaled="1"/>
-              <a:tileRect/>
-            </a:gradFill>
-            <a:ln>
-              <a:noFill/>
-            </a:ln>
-          </p:spPr>
-          <p:style>
-            <a:lnRef idx="2">
-              <a:schemeClr val="accent1">
-                <a:shade val="50000"/>
-              </a:schemeClr>
-            </a:lnRef>
-            <a:fillRef idx="1">
-              <a:schemeClr val="accent1"/>
-            </a:fillRef>
-            <a:effectRef idx="0">
-              <a:schemeClr val="accent1"/>
-            </a:effectRef>
-            <a:fontRef idx="minor">
-              <a:schemeClr val="lt1"/>
-            </a:fontRef>
-          </p:style>
-          <p:txBody>
-            <a:bodyPr rot="0" spcFirstLastPara="0" vertOverflow="overflow" horzOverflow="overflow" vert="horz" wrap="square" lIns="91440" tIns="45720" rIns="91440" bIns="45720" numCol="1" spcCol="0" rtlCol="0" fromWordArt="0" anchor="ctr" anchorCtr="0" forceAA="0" compatLnSpc="1">
-              <a:prstTxWarp prst="textNoShape">
-                <a:avLst/>
-              </a:prstTxWarp>
-              <a:noAutofit/>
-            </a:bodyPr>
-            <a:lstStyle/>
-            <a:p>
-              <a:pPr algn="ctr"/>
-              <a:endParaRPr lang="en-US" sz="2700" dirty="0"/>
-            </a:p>
-          </p:txBody>
-        </p:sp>
-        <p:grpSp>
-          <p:nvGrpSpPr>
-            <p:cNvPr id="9" name="Group 4">
-              <a:extLst>
-                <a:ext uri="{FF2B5EF4-FFF2-40B4-BE49-F238E27FC236}">
-                  <a16:creationId xmlns:a16="http://schemas.microsoft.com/office/drawing/2014/main" id="{BB74FD83-EF1E-43B0-BAC9-95799264DF40}"/>
-                </a:ext>
-              </a:extLst>
-            </p:cNvPr>
-            <p:cNvGrpSpPr>
-              <a:grpSpLocks noChangeAspect="1"/>
-            </p:cNvGrpSpPr>
-            <p:nvPr userDrawn="1"/>
-          </p:nvGrpSpPr>
-          <p:grpSpPr bwMode="auto">
-            <a:xfrm>
-              <a:off x="5154168" y="3116582"/>
-              <a:ext cx="1883664" cy="624837"/>
-              <a:chOff x="4992" y="1007"/>
-              <a:chExt cx="823" cy="273"/>
-            </a:xfrm>
+      <p:sp>
+        <p:nvSpPr>
+          <p:cNvPr id="3" name="Content Placeholder 2"/>
+          <p:cNvSpPr>
+            <a:spLocks noGrp="1"/>
+          </p:cNvSpPr>
+          <p:nvPr>
+            <p:ph sz="half" idx="1"/>
+          </p:nvPr>
+        </p:nvSpPr>
+        <p:spPr>
+          <a:ln>
             <a:solidFill>
-              <a:srgbClr val="FFFFFF"/>
+              <a:schemeClr val="tx2"/>
             </a:solidFill>
-          </p:grpSpPr>
-          <p:sp>
-            <p:nvSpPr>
-              <p:cNvPr id="10" name="Freeform 5">
-                <a:extLst>
-                  <a:ext uri="{FF2B5EF4-FFF2-40B4-BE49-F238E27FC236}">
-                    <a16:creationId xmlns:a16="http://schemas.microsoft.com/office/drawing/2014/main" id="{684C248C-E801-46CE-89AA-270E8706AE3C}"/>
-                  </a:ext>
-                </a:extLst>
-              </p:cNvPr>
-              <p:cNvSpPr>
-                <a:spLocks/>
-              </p:cNvSpPr>
-              <p:nvPr/>
-            </p:nvSpPr>
-            <p:spPr bwMode="auto">
-              <a:xfrm>
-                <a:off x="4992" y="1017"/>
-                <a:ext cx="189" cy="197"/>
-              </a:xfrm>
-              <a:custGeom>
-                <a:avLst/>
-                <a:gdLst>
-                  <a:gd name="T0" fmla="*/ 0 w 189"/>
-                  <a:gd name="T1" fmla="*/ 187 h 197"/>
-                  <a:gd name="T2" fmla="*/ 21 w 189"/>
-                  <a:gd name="T3" fmla="*/ 183 h 197"/>
-                  <a:gd name="T4" fmla="*/ 21 w 189"/>
-                  <a:gd name="T5" fmla="*/ 15 h 197"/>
-                  <a:gd name="T6" fmla="*/ 0 w 189"/>
-                  <a:gd name="T7" fmla="*/ 12 h 197"/>
-                  <a:gd name="T8" fmla="*/ 0 w 189"/>
-                  <a:gd name="T9" fmla="*/ 0 h 197"/>
-                  <a:gd name="T10" fmla="*/ 66 w 189"/>
-                  <a:gd name="T11" fmla="*/ 0 h 197"/>
-                  <a:gd name="T12" fmla="*/ 66 w 189"/>
-                  <a:gd name="T13" fmla="*/ 12 h 197"/>
-                  <a:gd name="T14" fmla="*/ 46 w 189"/>
-                  <a:gd name="T15" fmla="*/ 14 h 197"/>
-                  <a:gd name="T16" fmla="*/ 46 w 189"/>
-                  <a:gd name="T17" fmla="*/ 94 h 197"/>
-                  <a:gd name="T18" fmla="*/ 143 w 189"/>
-                  <a:gd name="T19" fmla="*/ 94 h 197"/>
-                  <a:gd name="T20" fmla="*/ 143 w 189"/>
-                  <a:gd name="T21" fmla="*/ 14 h 197"/>
-                  <a:gd name="T22" fmla="*/ 122 w 189"/>
-                  <a:gd name="T23" fmla="*/ 12 h 197"/>
-                  <a:gd name="T24" fmla="*/ 122 w 189"/>
-                  <a:gd name="T25" fmla="*/ 0 h 197"/>
-                  <a:gd name="T26" fmla="*/ 188 w 189"/>
-                  <a:gd name="T27" fmla="*/ 0 h 197"/>
-                  <a:gd name="T28" fmla="*/ 188 w 189"/>
-                  <a:gd name="T29" fmla="*/ 12 h 197"/>
-                  <a:gd name="T30" fmla="*/ 168 w 189"/>
-                  <a:gd name="T31" fmla="*/ 14 h 197"/>
-                  <a:gd name="T32" fmla="*/ 168 w 189"/>
-                  <a:gd name="T33" fmla="*/ 183 h 197"/>
-                  <a:gd name="T34" fmla="*/ 189 w 189"/>
-                  <a:gd name="T35" fmla="*/ 187 h 197"/>
-                  <a:gd name="T36" fmla="*/ 189 w 189"/>
-                  <a:gd name="T37" fmla="*/ 197 h 197"/>
-                  <a:gd name="T38" fmla="*/ 121 w 189"/>
-                  <a:gd name="T39" fmla="*/ 197 h 197"/>
-                  <a:gd name="T40" fmla="*/ 121 w 189"/>
-                  <a:gd name="T41" fmla="*/ 187 h 197"/>
-                  <a:gd name="T42" fmla="*/ 143 w 189"/>
-                  <a:gd name="T43" fmla="*/ 183 h 197"/>
-                  <a:gd name="T44" fmla="*/ 143 w 189"/>
-                  <a:gd name="T45" fmla="*/ 109 h 197"/>
-                  <a:gd name="T46" fmla="*/ 46 w 189"/>
-                  <a:gd name="T47" fmla="*/ 109 h 197"/>
-                  <a:gd name="T48" fmla="*/ 46 w 189"/>
-                  <a:gd name="T49" fmla="*/ 183 h 197"/>
-                  <a:gd name="T50" fmla="*/ 68 w 189"/>
-                  <a:gd name="T51" fmla="*/ 187 h 197"/>
-                  <a:gd name="T52" fmla="*/ 68 w 189"/>
-                  <a:gd name="T53" fmla="*/ 197 h 197"/>
-                  <a:gd name="T54" fmla="*/ 0 w 189"/>
-                  <a:gd name="T55" fmla="*/ 197 h 197"/>
-                  <a:gd name="T56" fmla="*/ 0 w 189"/>
-                  <a:gd name="T57" fmla="*/ 187 h 197"/>
-                </a:gdLst>
-                <a:ahLst/>
-                <a:cxnLst>
-                  <a:cxn ang="0">
-                    <a:pos x="T0" y="T1"/>
-                  </a:cxn>
-                  <a:cxn ang="0">
-                    <a:pos x="T2" y="T3"/>
-                  </a:cxn>
-                  <a:cxn ang="0">
-                    <a:pos x="T4" y="T5"/>
-                  </a:cxn>
-                  <a:cxn ang="0">
-                    <a:pos x="T6" y="T7"/>
-                  </a:cxn>
-                  <a:cxn ang="0">
-                    <a:pos x="T8" y="T9"/>
-                  </a:cxn>
-                  <a:cxn ang="0">
-                    <a:pos x="T10" y="T11"/>
-                  </a:cxn>
-                  <a:cxn ang="0">
-                    <a:pos x="T12" y="T13"/>
-                  </a:cxn>
-                  <a:cxn ang="0">
-                    <a:pos x="T14" y="T15"/>
-                  </a:cxn>
-                  <a:cxn ang="0">
-                    <a:pos x="T16" y="T17"/>
-                  </a:cxn>
-                  <a:cxn ang="0">
-                    <a:pos x="T18" y="T19"/>
-                  </a:cxn>
-                  <a:cxn ang="0">
-                    <a:pos x="T20" y="T21"/>
-                  </a:cxn>
-                  <a:cxn ang="0">
-                    <a:pos x="T22" y="T23"/>
-                  </a:cxn>
-                  <a:cxn ang="0">
-                    <a:pos x="T24" y="T25"/>
-                  </a:cxn>
-                  <a:cxn ang="0">
-                    <a:pos x="T26" y="T27"/>
-                  </a:cxn>
-                  <a:cxn ang="0">
-                    <a:pos x="T28" y="T29"/>
-                  </a:cxn>
-                  <a:cxn ang="0">
-                    <a:pos x="T30" y="T31"/>
-                  </a:cxn>
-                  <a:cxn ang="0">
-                    <a:pos x="T32" y="T33"/>
-                  </a:cxn>
-                  <a:cxn ang="0">
-                    <a:pos x="T34" y="T35"/>
-                  </a:cxn>
-                  <a:cxn ang="0">
-                    <a:pos x="T36" y="T37"/>
-                  </a:cxn>
-                  <a:cxn ang="0">
-                    <a:pos x="T38" y="T39"/>
-                  </a:cxn>
-                  <a:cxn ang="0">
-                    <a:pos x="T40" y="T41"/>
-                  </a:cxn>
-                  <a:cxn ang="0">
-                    <a:pos x="T42" y="T43"/>
-                  </a:cxn>
-                  <a:cxn ang="0">
-                    <a:pos x="T44" y="T45"/>
-                  </a:cxn>
-                  <a:cxn ang="0">
-                    <a:pos x="T46" y="T47"/>
-                  </a:cxn>
-                  <a:cxn ang="0">
-                    <a:pos x="T48" y="T49"/>
-                  </a:cxn>
-                  <a:cxn ang="0">
-                    <a:pos x="T50" y="T51"/>
-                  </a:cxn>
-                  <a:cxn ang="0">
-                    <a:pos x="T52" y="T53"/>
-                  </a:cxn>
-                  <a:cxn ang="0">
-                    <a:pos x="T54" y="T55"/>
-                  </a:cxn>
-                  <a:cxn ang="0">
-                    <a:pos x="T56" y="T57"/>
-                  </a:cxn>
-                </a:cxnLst>
-                <a:rect l="0" t="0" r="r" b="b"/>
-                <a:pathLst>
-                  <a:path w="189" h="197">
-                    <a:moveTo>
-                      <a:pt x="0" y="187"/>
-                    </a:moveTo>
-                    <a:lnTo>
-                      <a:pt x="21" y="183"/>
-                    </a:lnTo>
-                    <a:lnTo>
-                      <a:pt x="21" y="15"/>
-                    </a:lnTo>
-                    <a:lnTo>
-                      <a:pt x="0" y="12"/>
-                    </a:lnTo>
-                    <a:lnTo>
-                      <a:pt x="0" y="0"/>
-                    </a:lnTo>
-                    <a:lnTo>
-                      <a:pt x="66" y="0"/>
-                    </a:lnTo>
-                    <a:lnTo>
-                      <a:pt x="66" y="12"/>
-                    </a:lnTo>
-                    <a:lnTo>
-                      <a:pt x="46" y="14"/>
-                    </a:lnTo>
-                    <a:lnTo>
-                      <a:pt x="46" y="94"/>
-                    </a:lnTo>
-                    <a:lnTo>
-                      <a:pt x="143" y="94"/>
-                    </a:lnTo>
-                    <a:lnTo>
-                      <a:pt x="143" y="14"/>
-                    </a:lnTo>
-                    <a:lnTo>
-                      <a:pt x="122" y="12"/>
-                    </a:lnTo>
-                    <a:lnTo>
-                      <a:pt x="122" y="0"/>
-                    </a:lnTo>
-                    <a:lnTo>
-                      <a:pt x="188" y="0"/>
-                    </a:lnTo>
-                    <a:lnTo>
-                      <a:pt x="188" y="12"/>
-                    </a:lnTo>
-                    <a:lnTo>
-                      <a:pt x="168" y="14"/>
-                    </a:lnTo>
-                    <a:lnTo>
-                      <a:pt x="168" y="183"/>
-                    </a:lnTo>
-                    <a:lnTo>
-                      <a:pt x="189" y="187"/>
-                    </a:lnTo>
-                    <a:lnTo>
-                      <a:pt x="189" y="197"/>
-                    </a:lnTo>
-                    <a:lnTo>
-                      <a:pt x="121" y="197"/>
-                    </a:lnTo>
-                    <a:lnTo>
-                      <a:pt x="121" y="187"/>
-                    </a:lnTo>
-                    <a:lnTo>
-                      <a:pt x="143" y="183"/>
-                    </a:lnTo>
-                    <a:lnTo>
-                      <a:pt x="143" y="109"/>
-                    </a:lnTo>
-                    <a:lnTo>
-                      <a:pt x="46" y="109"/>
-                    </a:lnTo>
-                    <a:lnTo>
-                      <a:pt x="46" y="183"/>
-                    </a:lnTo>
-                    <a:lnTo>
-                      <a:pt x="68" y="187"/>
-                    </a:lnTo>
-                    <a:lnTo>
-                      <a:pt x="68" y="197"/>
-                    </a:lnTo>
-                    <a:lnTo>
-                      <a:pt x="0" y="197"/>
-                    </a:lnTo>
-                    <a:lnTo>
-                      <a:pt x="0" y="187"/>
-                    </a:lnTo>
-                    <a:close/>
-                  </a:path>
-                </a:pathLst>
-              </a:custGeom>
-              <a:grpFill/>
-              <a:ln>
-                <a:noFill/>
-              </a:ln>
-              <a:extLst>
-                <a:ext uri="{91240B29-F687-4F45-9708-019B960494DF}">
-                  <a14:hiddenLine xmlns:a14="http://schemas.microsoft.com/office/drawing/2010/main" w="9525">
-                    <a:solidFill>
-                      <a:srgbClr val="000000"/>
-                    </a:solidFill>
-                    <a:round/>
-                    <a:headEnd/>
-                    <a:tailEnd/>
-                  </a14:hiddenLine>
-                </a:ext>
-              </a:extLst>
-            </p:spPr>
-            <p:txBody>
-              <a:bodyPr vert="horz" wrap="square" lIns="91440" tIns="45720" rIns="91440" bIns="45720" numCol="1" anchor="t" anchorCtr="0" compatLnSpc="1">
-                <a:prstTxWarp prst="textNoShape">
-                  <a:avLst/>
-                </a:prstTxWarp>
-              </a:bodyPr>
-              <a:lstStyle/>
-              <a:p>
-                <a:endParaRPr lang="en-US"/>
-              </a:p>
-            </p:txBody>
-          </p:sp>
-          <p:sp>
-            <p:nvSpPr>
-              <p:cNvPr id="11" name="Freeform 6">
-                <a:extLst>
-                  <a:ext uri="{FF2B5EF4-FFF2-40B4-BE49-F238E27FC236}">
-                    <a16:creationId xmlns:a16="http://schemas.microsoft.com/office/drawing/2014/main" id="{E53B33E3-324A-4532-975C-F9D23ED42041}"/>
-                  </a:ext>
-                </a:extLst>
-              </p:cNvPr>
-              <p:cNvSpPr>
-                <a:spLocks/>
-              </p:cNvSpPr>
-              <p:nvPr/>
-            </p:nvSpPr>
-            <p:spPr bwMode="auto">
-              <a:xfrm>
-                <a:off x="5173" y="1072"/>
-                <a:ext cx="146" cy="208"/>
-              </a:xfrm>
-              <a:custGeom>
-                <a:avLst/>
-                <a:gdLst>
-                  <a:gd name="T0" fmla="*/ 25 w 199"/>
-                  <a:gd name="T1" fmla="*/ 252 h 282"/>
-                  <a:gd name="T2" fmla="*/ 32 w 199"/>
-                  <a:gd name="T3" fmla="*/ 253 h 282"/>
-                  <a:gd name="T4" fmla="*/ 39 w 199"/>
-                  <a:gd name="T5" fmla="*/ 253 h 282"/>
-                  <a:gd name="T6" fmla="*/ 52 w 199"/>
-                  <a:gd name="T7" fmla="*/ 251 h 282"/>
-                  <a:gd name="T8" fmla="*/ 67 w 199"/>
-                  <a:gd name="T9" fmla="*/ 243 h 282"/>
-                  <a:gd name="T10" fmla="*/ 81 w 199"/>
-                  <a:gd name="T11" fmla="*/ 224 h 282"/>
-                  <a:gd name="T12" fmla="*/ 94 w 199"/>
-                  <a:gd name="T13" fmla="*/ 193 h 282"/>
-                  <a:gd name="T14" fmla="*/ 87 w 199"/>
-                  <a:gd name="T15" fmla="*/ 193 h 282"/>
-                  <a:gd name="T16" fmla="*/ 17 w 199"/>
-                  <a:gd name="T17" fmla="*/ 22 h 282"/>
-                  <a:gd name="T18" fmla="*/ 0 w 199"/>
-                  <a:gd name="T19" fmla="*/ 19 h 282"/>
-                  <a:gd name="T20" fmla="*/ 0 w 199"/>
-                  <a:gd name="T21" fmla="*/ 0 h 282"/>
-                  <a:gd name="T22" fmla="*/ 79 w 199"/>
-                  <a:gd name="T23" fmla="*/ 0 h 282"/>
-                  <a:gd name="T24" fmla="*/ 79 w 199"/>
-                  <a:gd name="T25" fmla="*/ 19 h 282"/>
-                  <a:gd name="T26" fmla="*/ 54 w 199"/>
-                  <a:gd name="T27" fmla="*/ 22 h 282"/>
-                  <a:gd name="T28" fmla="*/ 95 w 199"/>
-                  <a:gd name="T29" fmla="*/ 138 h 282"/>
-                  <a:gd name="T30" fmla="*/ 106 w 199"/>
-                  <a:gd name="T31" fmla="*/ 173 h 282"/>
-                  <a:gd name="T32" fmla="*/ 116 w 199"/>
-                  <a:gd name="T33" fmla="*/ 138 h 282"/>
-                  <a:gd name="T34" fmla="*/ 151 w 199"/>
-                  <a:gd name="T35" fmla="*/ 22 h 282"/>
-                  <a:gd name="T36" fmla="*/ 125 w 199"/>
-                  <a:gd name="T37" fmla="*/ 19 h 282"/>
-                  <a:gd name="T38" fmla="*/ 125 w 199"/>
-                  <a:gd name="T39" fmla="*/ 0 h 282"/>
-                  <a:gd name="T40" fmla="*/ 199 w 199"/>
-                  <a:gd name="T41" fmla="*/ 0 h 282"/>
-                  <a:gd name="T42" fmla="*/ 199 w 199"/>
-                  <a:gd name="T43" fmla="*/ 19 h 282"/>
-                  <a:gd name="T44" fmla="*/ 180 w 199"/>
-                  <a:gd name="T45" fmla="*/ 21 h 282"/>
-                  <a:gd name="T46" fmla="*/ 159 w 199"/>
-                  <a:gd name="T47" fmla="*/ 80 h 282"/>
-                  <a:gd name="T48" fmla="*/ 144 w 199"/>
-                  <a:gd name="T49" fmla="*/ 124 h 282"/>
-                  <a:gd name="T50" fmla="*/ 133 w 199"/>
-                  <a:gd name="T51" fmla="*/ 156 h 282"/>
-                  <a:gd name="T52" fmla="*/ 126 w 199"/>
-                  <a:gd name="T53" fmla="*/ 177 h 282"/>
-                  <a:gd name="T54" fmla="*/ 121 w 199"/>
-                  <a:gd name="T55" fmla="*/ 191 h 282"/>
-                  <a:gd name="T56" fmla="*/ 117 w 199"/>
-                  <a:gd name="T57" fmla="*/ 200 h 282"/>
-                  <a:gd name="T58" fmla="*/ 104 w 199"/>
-                  <a:gd name="T59" fmla="*/ 231 h 282"/>
-                  <a:gd name="T60" fmla="*/ 89 w 199"/>
-                  <a:gd name="T61" fmla="*/ 255 h 282"/>
-                  <a:gd name="T62" fmla="*/ 73 w 199"/>
-                  <a:gd name="T63" fmla="*/ 271 h 282"/>
-                  <a:gd name="T64" fmla="*/ 54 w 199"/>
-                  <a:gd name="T65" fmla="*/ 280 h 282"/>
-                  <a:gd name="T66" fmla="*/ 39 w 199"/>
-                  <a:gd name="T67" fmla="*/ 282 h 282"/>
-                  <a:gd name="T68" fmla="*/ 35 w 199"/>
-                  <a:gd name="T69" fmla="*/ 282 h 282"/>
-                  <a:gd name="T70" fmla="*/ 31 w 199"/>
-                  <a:gd name="T71" fmla="*/ 281 h 282"/>
-                  <a:gd name="T72" fmla="*/ 27 w 199"/>
-                  <a:gd name="T73" fmla="*/ 280 h 282"/>
-                  <a:gd name="T74" fmla="*/ 25 w 199"/>
-                  <a:gd name="T75" fmla="*/ 279 h 282"/>
-                  <a:gd name="T76" fmla="*/ 25 w 199"/>
-                  <a:gd name="T77" fmla="*/ 252 h 282"/>
-                </a:gdLst>
-                <a:ahLst/>
-                <a:cxnLst>
-                  <a:cxn ang="0">
-                    <a:pos x="T0" y="T1"/>
-                  </a:cxn>
-                  <a:cxn ang="0">
-                    <a:pos x="T2" y="T3"/>
-                  </a:cxn>
-                  <a:cxn ang="0">
-                    <a:pos x="T4" y="T5"/>
-                  </a:cxn>
-                  <a:cxn ang="0">
-                    <a:pos x="T6" y="T7"/>
-                  </a:cxn>
-                  <a:cxn ang="0">
-                    <a:pos x="T8" y="T9"/>
-                  </a:cxn>
-                  <a:cxn ang="0">
-                    <a:pos x="T10" y="T11"/>
-                  </a:cxn>
-                  <a:cxn ang="0">
-                    <a:pos x="T12" y="T13"/>
-                  </a:cxn>
-                  <a:cxn ang="0">
-                    <a:pos x="T14" y="T15"/>
-                  </a:cxn>
-                  <a:cxn ang="0">
-                    <a:pos x="T16" y="T17"/>
-                  </a:cxn>
-                  <a:cxn ang="0">
-                    <a:pos x="T18" y="T19"/>
-                  </a:cxn>
-                  <a:cxn ang="0">
-                    <a:pos x="T20" y="T21"/>
-                  </a:cxn>
-                  <a:cxn ang="0">
-                    <a:pos x="T22" y="T23"/>
-                  </a:cxn>
-                  <a:cxn ang="0">
-                    <a:pos x="T24" y="T25"/>
-                  </a:cxn>
-                  <a:cxn ang="0">
-                    <a:pos x="T26" y="T27"/>
-                  </a:cxn>
-                  <a:cxn ang="0">
-                    <a:pos x="T28" y="T29"/>
-                  </a:cxn>
-                  <a:cxn ang="0">
-                    <a:pos x="T30" y="T31"/>
-                  </a:cxn>
-                  <a:cxn ang="0">
-                    <a:pos x="T32" y="T33"/>
-                  </a:cxn>
-                  <a:cxn ang="0">
-                    <a:pos x="T34" y="T35"/>
-                  </a:cxn>
-                  <a:cxn ang="0">
-                    <a:pos x="T36" y="T37"/>
-                  </a:cxn>
-                  <a:cxn ang="0">
-                    <a:pos x="T38" y="T39"/>
-                  </a:cxn>
-                  <a:cxn ang="0">
-                    <a:pos x="T40" y="T41"/>
-                  </a:cxn>
-                  <a:cxn ang="0">
-                    <a:pos x="T42" y="T43"/>
-                  </a:cxn>
-                  <a:cxn ang="0">
-                    <a:pos x="T44" y="T45"/>
-                  </a:cxn>
-                  <a:cxn ang="0">
-                    <a:pos x="T46" y="T47"/>
-                  </a:cxn>
-                  <a:cxn ang="0">
-                    <a:pos x="T48" y="T49"/>
-                  </a:cxn>
-                  <a:cxn ang="0">
-                    <a:pos x="T50" y="T51"/>
-                  </a:cxn>
-                  <a:cxn ang="0">
-                    <a:pos x="T52" y="T53"/>
-                  </a:cxn>
-                  <a:cxn ang="0">
-                    <a:pos x="T54" y="T55"/>
-                  </a:cxn>
-                  <a:cxn ang="0">
-                    <a:pos x="T56" y="T57"/>
-                  </a:cxn>
-                  <a:cxn ang="0">
-                    <a:pos x="T58" y="T59"/>
-                  </a:cxn>
-                  <a:cxn ang="0">
-                    <a:pos x="T60" y="T61"/>
-                  </a:cxn>
-                  <a:cxn ang="0">
-                    <a:pos x="T62" y="T63"/>
-                  </a:cxn>
-                  <a:cxn ang="0">
-                    <a:pos x="T64" y="T65"/>
-                  </a:cxn>
-                  <a:cxn ang="0">
-                    <a:pos x="T66" y="T67"/>
-                  </a:cxn>
-                  <a:cxn ang="0">
-                    <a:pos x="T68" y="T69"/>
-                  </a:cxn>
-                  <a:cxn ang="0">
-                    <a:pos x="T70" y="T71"/>
-                  </a:cxn>
-                  <a:cxn ang="0">
-                    <a:pos x="T72" y="T73"/>
-                  </a:cxn>
-                  <a:cxn ang="0">
-                    <a:pos x="T74" y="T75"/>
-                  </a:cxn>
-                  <a:cxn ang="0">
-                    <a:pos x="T76" y="T77"/>
-                  </a:cxn>
-                </a:cxnLst>
-                <a:rect l="0" t="0" r="r" b="b"/>
-                <a:pathLst>
-                  <a:path w="199" h="282">
-                    <a:moveTo>
-                      <a:pt x="25" y="252"/>
-                    </a:moveTo>
-                    <a:cubicBezTo>
-                      <a:pt x="27" y="252"/>
-                      <a:pt x="29" y="253"/>
-                      <a:pt x="32" y="253"/>
-                    </a:cubicBezTo>
-                    <a:cubicBezTo>
-                      <a:pt x="34" y="253"/>
-                      <a:pt x="37" y="253"/>
-                      <a:pt x="39" y="253"/>
-                    </a:cubicBezTo>
-                    <a:cubicBezTo>
-                      <a:pt x="43" y="253"/>
-                      <a:pt x="47" y="253"/>
-                      <a:pt x="52" y="251"/>
-                    </a:cubicBezTo>
-                    <a:cubicBezTo>
-                      <a:pt x="57" y="250"/>
-                      <a:pt x="62" y="247"/>
-                      <a:pt x="67" y="243"/>
-                    </a:cubicBezTo>
-                    <a:cubicBezTo>
-                      <a:pt x="72" y="238"/>
-                      <a:pt x="77" y="232"/>
-                      <a:pt x="81" y="224"/>
-                    </a:cubicBezTo>
-                    <a:cubicBezTo>
-                      <a:pt x="86" y="216"/>
-                      <a:pt x="90" y="206"/>
-                      <a:pt x="94" y="193"/>
-                    </a:cubicBezTo>
-                    <a:cubicBezTo>
-                      <a:pt x="87" y="193"/>
-                      <a:pt x="87" y="193"/>
-                      <a:pt x="87" y="193"/>
-                    </a:cubicBezTo>
-                    <a:cubicBezTo>
-                      <a:pt x="17" y="22"/>
-                      <a:pt x="17" y="22"/>
-                      <a:pt x="17" y="22"/>
-                    </a:cubicBezTo>
-                    <a:cubicBezTo>
-                      <a:pt x="0" y="19"/>
-                      <a:pt x="0" y="19"/>
-                      <a:pt x="0" y="19"/>
-                    </a:cubicBezTo>
-                    <a:cubicBezTo>
-                      <a:pt x="0" y="0"/>
-                      <a:pt x="0" y="0"/>
-                      <a:pt x="0" y="0"/>
-                    </a:cubicBezTo>
-                    <a:cubicBezTo>
-                      <a:pt x="79" y="0"/>
-                      <a:pt x="79" y="0"/>
-                      <a:pt x="79" y="0"/>
-                    </a:cubicBezTo>
-                    <a:cubicBezTo>
-                      <a:pt x="79" y="19"/>
-                      <a:pt x="79" y="19"/>
-                      <a:pt x="79" y="19"/>
-                    </a:cubicBezTo>
-                    <a:cubicBezTo>
-                      <a:pt x="54" y="22"/>
-                      <a:pt x="54" y="22"/>
-                      <a:pt x="54" y="22"/>
-                    </a:cubicBezTo>
-                    <a:cubicBezTo>
-                      <a:pt x="95" y="138"/>
-                      <a:pt x="95" y="138"/>
-                      <a:pt x="95" y="138"/>
-                    </a:cubicBezTo>
-                    <a:cubicBezTo>
-                      <a:pt x="106" y="173"/>
-                      <a:pt x="106" y="173"/>
-                      <a:pt x="106" y="173"/>
-                    </a:cubicBezTo>
-                    <a:cubicBezTo>
-                      <a:pt x="116" y="138"/>
-                      <a:pt x="116" y="138"/>
-                      <a:pt x="116" y="138"/>
-                    </a:cubicBezTo>
-                    <a:cubicBezTo>
-                      <a:pt x="151" y="22"/>
-                      <a:pt x="151" y="22"/>
-                      <a:pt x="151" y="22"/>
-                    </a:cubicBezTo>
-                    <a:cubicBezTo>
-                      <a:pt x="125" y="19"/>
-                      <a:pt x="125" y="19"/>
-                      <a:pt x="125" y="19"/>
-                    </a:cubicBezTo>
-                    <a:cubicBezTo>
-                      <a:pt x="125" y="0"/>
-                      <a:pt x="125" y="0"/>
-                      <a:pt x="125" y="0"/>
-                    </a:cubicBezTo>
-                    <a:cubicBezTo>
-                      <a:pt x="199" y="0"/>
-                      <a:pt x="199" y="0"/>
-                      <a:pt x="199" y="0"/>
-                    </a:cubicBezTo>
-                    <a:cubicBezTo>
-                      <a:pt x="199" y="19"/>
-                      <a:pt x="199" y="19"/>
-                      <a:pt x="199" y="19"/>
-                    </a:cubicBezTo>
-                    <a:cubicBezTo>
-                      <a:pt x="180" y="21"/>
-                      <a:pt x="180" y="21"/>
-                      <a:pt x="180" y="21"/>
-                    </a:cubicBezTo>
-                    <a:cubicBezTo>
-                      <a:pt x="172" y="44"/>
-                      <a:pt x="165" y="63"/>
-                      <a:pt x="159" y="80"/>
-                    </a:cubicBezTo>
-                    <a:cubicBezTo>
-                      <a:pt x="154" y="97"/>
-                      <a:pt x="149" y="112"/>
-                      <a:pt x="144" y="124"/>
-                    </a:cubicBezTo>
-                    <a:cubicBezTo>
-                      <a:pt x="140" y="136"/>
-                      <a:pt x="136" y="147"/>
-                      <a:pt x="133" y="156"/>
-                    </a:cubicBezTo>
-                    <a:cubicBezTo>
-                      <a:pt x="130" y="164"/>
-                      <a:pt x="128" y="171"/>
-                      <a:pt x="126" y="177"/>
-                    </a:cubicBezTo>
-                    <a:cubicBezTo>
-                      <a:pt x="124" y="183"/>
-                      <a:pt x="122" y="187"/>
-                      <a:pt x="121" y="191"/>
-                    </a:cubicBezTo>
-                    <a:cubicBezTo>
-                      <a:pt x="119" y="195"/>
-                      <a:pt x="118" y="197"/>
-                      <a:pt x="117" y="200"/>
-                    </a:cubicBezTo>
-                    <a:cubicBezTo>
-                      <a:pt x="113" y="211"/>
-                      <a:pt x="108" y="222"/>
-                      <a:pt x="104" y="231"/>
-                    </a:cubicBezTo>
-                    <a:cubicBezTo>
-                      <a:pt x="99" y="240"/>
-                      <a:pt x="94" y="248"/>
-                      <a:pt x="89" y="255"/>
-                    </a:cubicBezTo>
-                    <a:cubicBezTo>
-                      <a:pt x="84" y="261"/>
-                      <a:pt x="79" y="267"/>
-                      <a:pt x="73" y="271"/>
-                    </a:cubicBezTo>
-                    <a:cubicBezTo>
-                      <a:pt x="67" y="275"/>
-                      <a:pt x="61" y="278"/>
-                      <a:pt x="54" y="280"/>
-                    </a:cubicBezTo>
-                    <a:cubicBezTo>
-                      <a:pt x="49" y="281"/>
-                      <a:pt x="44" y="282"/>
-                      <a:pt x="39" y="282"/>
-                    </a:cubicBezTo>
-                    <a:cubicBezTo>
-                      <a:pt x="37" y="282"/>
-                      <a:pt x="36" y="282"/>
-                      <a:pt x="35" y="282"/>
-                    </a:cubicBezTo>
-                    <a:cubicBezTo>
-                      <a:pt x="33" y="282"/>
-                      <a:pt x="32" y="281"/>
-                      <a:pt x="31" y="281"/>
-                    </a:cubicBezTo>
-                    <a:cubicBezTo>
-                      <a:pt x="29" y="281"/>
-                      <a:pt x="28" y="281"/>
-                      <a:pt x="27" y="280"/>
-                    </a:cubicBezTo>
-                    <a:cubicBezTo>
-                      <a:pt x="26" y="280"/>
-                      <a:pt x="25" y="280"/>
-                      <a:pt x="25" y="279"/>
-                    </a:cubicBezTo>
-                    <a:lnTo>
-                      <a:pt x="25" y="252"/>
-                    </a:lnTo>
-                    <a:close/>
-                  </a:path>
-                </a:pathLst>
-              </a:custGeom>
-              <a:grpFill/>
-              <a:ln>
-                <a:noFill/>
-              </a:ln>
-              <a:extLst>
-                <a:ext uri="{91240B29-F687-4F45-9708-019B960494DF}">
-                  <a14:hiddenLine xmlns:a14="http://schemas.microsoft.com/office/drawing/2010/main" w="9525">
-                    <a:solidFill>
-                      <a:srgbClr val="000000"/>
-                    </a:solidFill>
-                    <a:round/>
-                    <a:headEnd/>
-                    <a:tailEnd/>
-                  </a14:hiddenLine>
-                </a:ext>
-              </a:extLst>
-            </p:spPr>
-            <p:txBody>
-              <a:bodyPr vert="horz" wrap="square" lIns="91440" tIns="45720" rIns="91440" bIns="45720" numCol="1" anchor="t" anchorCtr="0" compatLnSpc="1">
-                <a:prstTxWarp prst="textNoShape">
-                  <a:avLst/>
-                </a:prstTxWarp>
-              </a:bodyPr>
-              <a:lstStyle/>
-              <a:p>
-                <a:endParaRPr lang="en-US"/>
-              </a:p>
-            </p:txBody>
-          </p:sp>
-          <p:sp>
-            <p:nvSpPr>
-              <p:cNvPr id="12" name="Freeform 7">
-                <a:extLst>
-                  <a:ext uri="{FF2B5EF4-FFF2-40B4-BE49-F238E27FC236}">
-                    <a16:creationId xmlns:a16="http://schemas.microsoft.com/office/drawing/2014/main" id="{FD727287-C9FF-49F5-8048-FECAA50EFFFC}"/>
-                  </a:ext>
-                </a:extLst>
-              </p:cNvPr>
-              <p:cNvSpPr>
-                <a:spLocks/>
-              </p:cNvSpPr>
-              <p:nvPr/>
-            </p:nvSpPr>
-            <p:spPr bwMode="auto">
-              <a:xfrm>
-                <a:off x="5312" y="1007"/>
-                <a:ext cx="69" cy="207"/>
-              </a:xfrm>
-              <a:custGeom>
-                <a:avLst/>
-                <a:gdLst>
-                  <a:gd name="T0" fmla="*/ 0 w 69"/>
-                  <a:gd name="T1" fmla="*/ 197 h 207"/>
-                  <a:gd name="T2" fmla="*/ 22 w 69"/>
-                  <a:gd name="T3" fmla="*/ 194 h 207"/>
-                  <a:gd name="T4" fmla="*/ 22 w 69"/>
-                  <a:gd name="T5" fmla="*/ 22 h 207"/>
-                  <a:gd name="T6" fmla="*/ 1 w 69"/>
-                  <a:gd name="T7" fmla="*/ 17 h 207"/>
-                  <a:gd name="T8" fmla="*/ 1 w 69"/>
-                  <a:gd name="T9" fmla="*/ 5 h 207"/>
-                  <a:gd name="T10" fmla="*/ 41 w 69"/>
-                  <a:gd name="T11" fmla="*/ 0 h 207"/>
-                  <a:gd name="T12" fmla="*/ 46 w 69"/>
-                  <a:gd name="T13" fmla="*/ 3 h 207"/>
-                  <a:gd name="T14" fmla="*/ 46 w 69"/>
-                  <a:gd name="T15" fmla="*/ 194 h 207"/>
-                  <a:gd name="T16" fmla="*/ 69 w 69"/>
-                  <a:gd name="T17" fmla="*/ 197 h 207"/>
-                  <a:gd name="T18" fmla="*/ 69 w 69"/>
-                  <a:gd name="T19" fmla="*/ 207 h 207"/>
-                  <a:gd name="T20" fmla="*/ 0 w 69"/>
-                  <a:gd name="T21" fmla="*/ 207 h 207"/>
-                  <a:gd name="T22" fmla="*/ 0 w 69"/>
-                  <a:gd name="T23" fmla="*/ 197 h 207"/>
-                </a:gdLst>
-                <a:ahLst/>
-                <a:cxnLst>
-                  <a:cxn ang="0">
-                    <a:pos x="T0" y="T1"/>
-                  </a:cxn>
-                  <a:cxn ang="0">
-                    <a:pos x="T2" y="T3"/>
-                  </a:cxn>
-                  <a:cxn ang="0">
-                    <a:pos x="T4" y="T5"/>
-                  </a:cxn>
-                  <a:cxn ang="0">
-                    <a:pos x="T6" y="T7"/>
-                  </a:cxn>
-                  <a:cxn ang="0">
-                    <a:pos x="T8" y="T9"/>
-                  </a:cxn>
-                  <a:cxn ang="0">
-                    <a:pos x="T10" y="T11"/>
-                  </a:cxn>
-                  <a:cxn ang="0">
-                    <a:pos x="T12" y="T13"/>
-                  </a:cxn>
-                  <a:cxn ang="0">
-                    <a:pos x="T14" y="T15"/>
-                  </a:cxn>
-                  <a:cxn ang="0">
-                    <a:pos x="T16" y="T17"/>
-                  </a:cxn>
-                  <a:cxn ang="0">
-                    <a:pos x="T18" y="T19"/>
-                  </a:cxn>
-                  <a:cxn ang="0">
-                    <a:pos x="T20" y="T21"/>
-                  </a:cxn>
-                  <a:cxn ang="0">
-                    <a:pos x="T22" y="T23"/>
-                  </a:cxn>
-                </a:cxnLst>
-                <a:rect l="0" t="0" r="r" b="b"/>
-                <a:pathLst>
-                  <a:path w="69" h="207">
-                    <a:moveTo>
-                      <a:pt x="0" y="197"/>
-                    </a:moveTo>
-                    <a:lnTo>
-                      <a:pt x="22" y="194"/>
-                    </a:lnTo>
-                    <a:lnTo>
-                      <a:pt x="22" y="22"/>
-                    </a:lnTo>
-                    <a:lnTo>
-                      <a:pt x="1" y="17"/>
-                    </a:lnTo>
-                    <a:lnTo>
-                      <a:pt x="1" y="5"/>
-                    </a:lnTo>
-                    <a:lnTo>
-                      <a:pt x="41" y="0"/>
-                    </a:lnTo>
-                    <a:lnTo>
-                      <a:pt x="46" y="3"/>
-                    </a:lnTo>
-                    <a:lnTo>
-                      <a:pt x="46" y="194"/>
-                    </a:lnTo>
-                    <a:lnTo>
-                      <a:pt x="69" y="197"/>
-                    </a:lnTo>
-                    <a:lnTo>
-                      <a:pt x="69" y="207"/>
-                    </a:lnTo>
-                    <a:lnTo>
-                      <a:pt x="0" y="207"/>
-                    </a:lnTo>
-                    <a:lnTo>
-                      <a:pt x="0" y="197"/>
-                    </a:lnTo>
-                    <a:close/>
-                  </a:path>
-                </a:pathLst>
-              </a:custGeom>
-              <a:grpFill/>
-              <a:ln>
-                <a:noFill/>
-              </a:ln>
-              <a:extLst>
-                <a:ext uri="{91240B29-F687-4F45-9708-019B960494DF}">
-                  <a14:hiddenLine xmlns:a14="http://schemas.microsoft.com/office/drawing/2010/main" w="9525">
-                    <a:solidFill>
-                      <a:srgbClr val="000000"/>
-                    </a:solidFill>
-                    <a:round/>
-                    <a:headEnd/>
-                    <a:tailEnd/>
-                  </a14:hiddenLine>
-                </a:ext>
-              </a:extLst>
-            </p:spPr>
-            <p:txBody>
-              <a:bodyPr vert="horz" wrap="square" lIns="91440" tIns="45720" rIns="91440" bIns="45720" numCol="1" anchor="t" anchorCtr="0" compatLnSpc="1">
-                <a:prstTxWarp prst="textNoShape">
-                  <a:avLst/>
-                </a:prstTxWarp>
-              </a:bodyPr>
-              <a:lstStyle/>
-              <a:p>
-                <a:endParaRPr lang="en-US"/>
-              </a:p>
-            </p:txBody>
-          </p:sp>
-          <p:sp>
-            <p:nvSpPr>
-              <p:cNvPr id="13" name="Freeform 8">
-                <a:extLst>
-                  <a:ext uri="{FF2B5EF4-FFF2-40B4-BE49-F238E27FC236}">
-                    <a16:creationId xmlns:a16="http://schemas.microsoft.com/office/drawing/2014/main" id="{45BAB9F8-3FA1-4FBD-878A-A0528C2607C8}"/>
-                  </a:ext>
-                </a:extLst>
-              </p:cNvPr>
-              <p:cNvSpPr>
-                <a:spLocks noEditPoints="1"/>
-              </p:cNvSpPr>
-              <p:nvPr/>
-            </p:nvSpPr>
-            <p:spPr bwMode="auto">
-              <a:xfrm>
-                <a:off x="5381" y="1069"/>
-                <a:ext cx="123" cy="148"/>
-              </a:xfrm>
-              <a:custGeom>
-                <a:avLst/>
-                <a:gdLst>
-                  <a:gd name="T0" fmla="*/ 1 w 167"/>
-                  <a:gd name="T1" fmla="*/ 141 h 200"/>
-                  <a:gd name="T2" fmla="*/ 8 w 167"/>
-                  <a:gd name="T3" fmla="*/ 120 h 200"/>
-                  <a:gd name="T4" fmla="*/ 24 w 167"/>
-                  <a:gd name="T5" fmla="*/ 104 h 200"/>
-                  <a:gd name="T6" fmla="*/ 46 w 167"/>
-                  <a:gd name="T7" fmla="*/ 93 h 200"/>
-                  <a:gd name="T8" fmla="*/ 70 w 167"/>
-                  <a:gd name="T9" fmla="*/ 86 h 200"/>
-                  <a:gd name="T10" fmla="*/ 93 w 167"/>
-                  <a:gd name="T11" fmla="*/ 83 h 200"/>
-                  <a:gd name="T12" fmla="*/ 112 w 167"/>
-                  <a:gd name="T13" fmla="*/ 82 h 200"/>
-                  <a:gd name="T14" fmla="*/ 112 w 167"/>
-                  <a:gd name="T15" fmla="*/ 67 h 200"/>
-                  <a:gd name="T16" fmla="*/ 108 w 167"/>
-                  <a:gd name="T17" fmla="*/ 44 h 200"/>
-                  <a:gd name="T18" fmla="*/ 98 w 167"/>
-                  <a:gd name="T19" fmla="*/ 31 h 200"/>
-                  <a:gd name="T20" fmla="*/ 83 w 167"/>
-                  <a:gd name="T21" fmla="*/ 25 h 200"/>
-                  <a:gd name="T22" fmla="*/ 64 w 167"/>
-                  <a:gd name="T23" fmla="*/ 23 h 200"/>
-                  <a:gd name="T24" fmla="*/ 53 w 167"/>
-                  <a:gd name="T25" fmla="*/ 24 h 200"/>
-                  <a:gd name="T26" fmla="*/ 40 w 167"/>
-                  <a:gd name="T27" fmla="*/ 26 h 200"/>
-                  <a:gd name="T28" fmla="*/ 27 w 167"/>
-                  <a:gd name="T29" fmla="*/ 31 h 200"/>
-                  <a:gd name="T30" fmla="*/ 14 w 167"/>
-                  <a:gd name="T31" fmla="*/ 36 h 200"/>
-                  <a:gd name="T32" fmla="*/ 8 w 167"/>
-                  <a:gd name="T33" fmla="*/ 20 h 200"/>
-                  <a:gd name="T34" fmla="*/ 24 w 167"/>
-                  <a:gd name="T35" fmla="*/ 11 h 200"/>
-                  <a:gd name="T36" fmla="*/ 43 w 167"/>
-                  <a:gd name="T37" fmla="*/ 5 h 200"/>
-                  <a:gd name="T38" fmla="*/ 61 w 167"/>
-                  <a:gd name="T39" fmla="*/ 1 h 200"/>
-                  <a:gd name="T40" fmla="*/ 77 w 167"/>
-                  <a:gd name="T41" fmla="*/ 0 h 200"/>
-                  <a:gd name="T42" fmla="*/ 103 w 167"/>
-                  <a:gd name="T43" fmla="*/ 3 h 200"/>
-                  <a:gd name="T44" fmla="*/ 125 w 167"/>
-                  <a:gd name="T45" fmla="*/ 13 h 200"/>
-                  <a:gd name="T46" fmla="*/ 139 w 167"/>
-                  <a:gd name="T47" fmla="*/ 32 h 200"/>
-                  <a:gd name="T48" fmla="*/ 145 w 167"/>
-                  <a:gd name="T49" fmla="*/ 63 h 200"/>
-                  <a:gd name="T50" fmla="*/ 145 w 167"/>
-                  <a:gd name="T51" fmla="*/ 182 h 200"/>
-                  <a:gd name="T52" fmla="*/ 167 w 167"/>
-                  <a:gd name="T53" fmla="*/ 182 h 200"/>
-                  <a:gd name="T54" fmla="*/ 167 w 167"/>
-                  <a:gd name="T55" fmla="*/ 193 h 200"/>
-                  <a:gd name="T56" fmla="*/ 152 w 167"/>
-                  <a:gd name="T57" fmla="*/ 198 h 200"/>
-                  <a:gd name="T58" fmla="*/ 134 w 167"/>
-                  <a:gd name="T59" fmla="*/ 200 h 200"/>
-                  <a:gd name="T60" fmla="*/ 127 w 167"/>
-                  <a:gd name="T61" fmla="*/ 200 h 200"/>
-                  <a:gd name="T62" fmla="*/ 121 w 167"/>
-                  <a:gd name="T63" fmla="*/ 198 h 200"/>
-                  <a:gd name="T64" fmla="*/ 116 w 167"/>
-                  <a:gd name="T65" fmla="*/ 192 h 200"/>
-                  <a:gd name="T66" fmla="*/ 114 w 167"/>
-                  <a:gd name="T67" fmla="*/ 182 h 200"/>
-                  <a:gd name="T68" fmla="*/ 114 w 167"/>
-                  <a:gd name="T69" fmla="*/ 178 h 200"/>
-                  <a:gd name="T70" fmla="*/ 104 w 167"/>
-                  <a:gd name="T71" fmla="*/ 187 h 200"/>
-                  <a:gd name="T72" fmla="*/ 92 w 167"/>
-                  <a:gd name="T73" fmla="*/ 194 h 200"/>
-                  <a:gd name="T74" fmla="*/ 76 w 167"/>
-                  <a:gd name="T75" fmla="*/ 199 h 200"/>
-                  <a:gd name="T76" fmla="*/ 56 w 167"/>
-                  <a:gd name="T77" fmla="*/ 200 h 200"/>
-                  <a:gd name="T78" fmla="*/ 32 w 167"/>
-                  <a:gd name="T79" fmla="*/ 195 h 200"/>
-                  <a:gd name="T80" fmla="*/ 14 w 167"/>
-                  <a:gd name="T81" fmla="*/ 182 h 200"/>
-                  <a:gd name="T82" fmla="*/ 3 w 167"/>
-                  <a:gd name="T83" fmla="*/ 164 h 200"/>
-                  <a:gd name="T84" fmla="*/ 1 w 167"/>
-                  <a:gd name="T85" fmla="*/ 141 h 200"/>
-                  <a:gd name="T86" fmla="*/ 34 w 167"/>
-                  <a:gd name="T87" fmla="*/ 141 h 200"/>
-                  <a:gd name="T88" fmla="*/ 37 w 167"/>
-                  <a:gd name="T89" fmla="*/ 159 h 200"/>
-                  <a:gd name="T90" fmla="*/ 45 w 167"/>
-                  <a:gd name="T91" fmla="*/ 170 h 200"/>
-                  <a:gd name="T92" fmla="*/ 58 w 167"/>
-                  <a:gd name="T93" fmla="*/ 176 h 200"/>
-                  <a:gd name="T94" fmla="*/ 75 w 167"/>
-                  <a:gd name="T95" fmla="*/ 178 h 200"/>
-                  <a:gd name="T96" fmla="*/ 85 w 167"/>
-                  <a:gd name="T97" fmla="*/ 177 h 200"/>
-                  <a:gd name="T98" fmla="*/ 95 w 167"/>
-                  <a:gd name="T99" fmla="*/ 174 h 200"/>
-                  <a:gd name="T100" fmla="*/ 105 w 167"/>
-                  <a:gd name="T101" fmla="*/ 169 h 200"/>
-                  <a:gd name="T102" fmla="*/ 111 w 167"/>
-                  <a:gd name="T103" fmla="*/ 164 h 200"/>
-                  <a:gd name="T104" fmla="*/ 111 w 167"/>
-                  <a:gd name="T105" fmla="*/ 131 h 200"/>
-                  <a:gd name="T106" fmla="*/ 112 w 167"/>
-                  <a:gd name="T107" fmla="*/ 99 h 200"/>
-                  <a:gd name="T108" fmla="*/ 96 w 167"/>
-                  <a:gd name="T109" fmla="*/ 100 h 200"/>
-                  <a:gd name="T110" fmla="*/ 79 w 167"/>
-                  <a:gd name="T111" fmla="*/ 103 h 200"/>
-                  <a:gd name="T112" fmla="*/ 62 w 167"/>
-                  <a:gd name="T113" fmla="*/ 108 h 200"/>
-                  <a:gd name="T114" fmla="*/ 48 w 167"/>
-                  <a:gd name="T115" fmla="*/ 116 h 200"/>
-                  <a:gd name="T116" fmla="*/ 38 w 167"/>
-                  <a:gd name="T117" fmla="*/ 127 h 200"/>
-                  <a:gd name="T118" fmla="*/ 34 w 167"/>
-                  <a:gd name="T119" fmla="*/ 141 h 200"/>
-                </a:gdLst>
-                <a:ahLst/>
-                <a:cxnLst>
-                  <a:cxn ang="0">
-                    <a:pos x="T0" y="T1"/>
-                  </a:cxn>
-                  <a:cxn ang="0">
-                    <a:pos x="T2" y="T3"/>
-                  </a:cxn>
-                  <a:cxn ang="0">
-                    <a:pos x="T4" y="T5"/>
-                  </a:cxn>
-                  <a:cxn ang="0">
-                    <a:pos x="T6" y="T7"/>
-                  </a:cxn>
-                  <a:cxn ang="0">
-                    <a:pos x="T8" y="T9"/>
-                  </a:cxn>
-                  <a:cxn ang="0">
-                    <a:pos x="T10" y="T11"/>
-                  </a:cxn>
-                  <a:cxn ang="0">
-                    <a:pos x="T12" y="T13"/>
-                  </a:cxn>
-                  <a:cxn ang="0">
-                    <a:pos x="T14" y="T15"/>
-                  </a:cxn>
-                  <a:cxn ang="0">
-                    <a:pos x="T16" y="T17"/>
-                  </a:cxn>
-                  <a:cxn ang="0">
-                    <a:pos x="T18" y="T19"/>
-                  </a:cxn>
-                  <a:cxn ang="0">
-                    <a:pos x="T20" y="T21"/>
-                  </a:cxn>
-                  <a:cxn ang="0">
-                    <a:pos x="T22" y="T23"/>
-                  </a:cxn>
-                  <a:cxn ang="0">
-                    <a:pos x="T24" y="T25"/>
-                  </a:cxn>
-                  <a:cxn ang="0">
-                    <a:pos x="T26" y="T27"/>
-                  </a:cxn>
-                  <a:cxn ang="0">
-                    <a:pos x="T28" y="T29"/>
-                  </a:cxn>
-                  <a:cxn ang="0">
-                    <a:pos x="T30" y="T31"/>
-                  </a:cxn>
-                  <a:cxn ang="0">
-                    <a:pos x="T32" y="T33"/>
-                  </a:cxn>
-                  <a:cxn ang="0">
-                    <a:pos x="T34" y="T35"/>
-                  </a:cxn>
-                  <a:cxn ang="0">
-                    <a:pos x="T36" y="T37"/>
-                  </a:cxn>
-                  <a:cxn ang="0">
-                    <a:pos x="T38" y="T39"/>
-                  </a:cxn>
-                  <a:cxn ang="0">
-                    <a:pos x="T40" y="T41"/>
-                  </a:cxn>
-                  <a:cxn ang="0">
-                    <a:pos x="T42" y="T43"/>
-                  </a:cxn>
-                  <a:cxn ang="0">
-                    <a:pos x="T44" y="T45"/>
-                  </a:cxn>
-                  <a:cxn ang="0">
-                    <a:pos x="T46" y="T47"/>
-                  </a:cxn>
-                  <a:cxn ang="0">
-                    <a:pos x="T48" y="T49"/>
-                  </a:cxn>
-                  <a:cxn ang="0">
-                    <a:pos x="T50" y="T51"/>
-                  </a:cxn>
-                  <a:cxn ang="0">
-                    <a:pos x="T52" y="T53"/>
-                  </a:cxn>
-                  <a:cxn ang="0">
-                    <a:pos x="T54" y="T55"/>
-                  </a:cxn>
-                  <a:cxn ang="0">
-                    <a:pos x="T56" y="T57"/>
-                  </a:cxn>
-                  <a:cxn ang="0">
-                    <a:pos x="T58" y="T59"/>
-                  </a:cxn>
-                  <a:cxn ang="0">
-                    <a:pos x="T60" y="T61"/>
-                  </a:cxn>
-                  <a:cxn ang="0">
-                    <a:pos x="T62" y="T63"/>
-                  </a:cxn>
-                  <a:cxn ang="0">
-                    <a:pos x="T64" y="T65"/>
-                  </a:cxn>
-                  <a:cxn ang="0">
-                    <a:pos x="T66" y="T67"/>
-                  </a:cxn>
-                  <a:cxn ang="0">
-                    <a:pos x="T68" y="T69"/>
-                  </a:cxn>
-                  <a:cxn ang="0">
-                    <a:pos x="T70" y="T71"/>
-                  </a:cxn>
-                  <a:cxn ang="0">
-                    <a:pos x="T72" y="T73"/>
-                  </a:cxn>
-                  <a:cxn ang="0">
-                    <a:pos x="T74" y="T75"/>
-                  </a:cxn>
-                  <a:cxn ang="0">
-                    <a:pos x="T76" y="T77"/>
-                  </a:cxn>
-                  <a:cxn ang="0">
-                    <a:pos x="T78" y="T79"/>
-                  </a:cxn>
-                  <a:cxn ang="0">
-                    <a:pos x="T80" y="T81"/>
-                  </a:cxn>
-                  <a:cxn ang="0">
-                    <a:pos x="T82" y="T83"/>
-                  </a:cxn>
-                  <a:cxn ang="0">
-                    <a:pos x="T84" y="T85"/>
-                  </a:cxn>
-                  <a:cxn ang="0">
-                    <a:pos x="T86" y="T87"/>
-                  </a:cxn>
-                  <a:cxn ang="0">
-                    <a:pos x="T88" y="T89"/>
-                  </a:cxn>
-                  <a:cxn ang="0">
-                    <a:pos x="T90" y="T91"/>
-                  </a:cxn>
-                  <a:cxn ang="0">
-                    <a:pos x="T92" y="T93"/>
-                  </a:cxn>
-                  <a:cxn ang="0">
-                    <a:pos x="T94" y="T95"/>
-                  </a:cxn>
-                  <a:cxn ang="0">
-                    <a:pos x="T96" y="T97"/>
-                  </a:cxn>
-                  <a:cxn ang="0">
-                    <a:pos x="T98" y="T99"/>
-                  </a:cxn>
-                  <a:cxn ang="0">
-                    <a:pos x="T100" y="T101"/>
-                  </a:cxn>
-                  <a:cxn ang="0">
-                    <a:pos x="T102" y="T103"/>
-                  </a:cxn>
-                  <a:cxn ang="0">
-                    <a:pos x="T104" y="T105"/>
-                  </a:cxn>
-                  <a:cxn ang="0">
-                    <a:pos x="T106" y="T107"/>
-                  </a:cxn>
-                  <a:cxn ang="0">
-                    <a:pos x="T108" y="T109"/>
-                  </a:cxn>
-                  <a:cxn ang="0">
-                    <a:pos x="T110" y="T111"/>
-                  </a:cxn>
-                  <a:cxn ang="0">
-                    <a:pos x="T112" y="T113"/>
-                  </a:cxn>
-                  <a:cxn ang="0">
-                    <a:pos x="T114" y="T115"/>
-                  </a:cxn>
-                  <a:cxn ang="0">
-                    <a:pos x="T116" y="T117"/>
-                  </a:cxn>
-                  <a:cxn ang="0">
-                    <a:pos x="T118" y="T119"/>
-                  </a:cxn>
-                </a:cxnLst>
-                <a:rect l="0" t="0" r="r" b="b"/>
-                <a:pathLst>
-                  <a:path w="167" h="200">
-                    <a:moveTo>
-                      <a:pt x="1" y="141"/>
-                    </a:moveTo>
-                    <a:cubicBezTo>
-                      <a:pt x="1" y="133"/>
-                      <a:pt x="4" y="126"/>
-                      <a:pt x="8" y="120"/>
-                    </a:cubicBezTo>
-                    <a:cubicBezTo>
-                      <a:pt x="13" y="114"/>
-                      <a:pt x="18" y="108"/>
-                      <a:pt x="24" y="104"/>
-                    </a:cubicBezTo>
-                    <a:cubicBezTo>
-                      <a:pt x="31" y="100"/>
-                      <a:pt x="38" y="96"/>
-                      <a:pt x="46" y="93"/>
-                    </a:cubicBezTo>
-                    <a:cubicBezTo>
-                      <a:pt x="54" y="90"/>
-                      <a:pt x="62" y="88"/>
-                      <a:pt x="70" y="86"/>
-                    </a:cubicBezTo>
-                    <a:cubicBezTo>
-                      <a:pt x="78" y="85"/>
-                      <a:pt x="85" y="83"/>
-                      <a:pt x="93" y="83"/>
-                    </a:cubicBezTo>
-                    <a:cubicBezTo>
-                      <a:pt x="100" y="82"/>
-                      <a:pt x="106" y="82"/>
-                      <a:pt x="112" y="82"/>
-                    </a:cubicBezTo>
-                    <a:cubicBezTo>
-                      <a:pt x="112" y="67"/>
-                      <a:pt x="112" y="67"/>
-                      <a:pt x="112" y="67"/>
-                    </a:cubicBezTo>
-                    <a:cubicBezTo>
-                      <a:pt x="112" y="58"/>
-                      <a:pt x="110" y="50"/>
-                      <a:pt x="108" y="44"/>
-                    </a:cubicBezTo>
-                    <a:cubicBezTo>
-                      <a:pt x="106" y="39"/>
-                      <a:pt x="102" y="34"/>
-                      <a:pt x="98" y="31"/>
-                    </a:cubicBezTo>
-                    <a:cubicBezTo>
-                      <a:pt x="94" y="28"/>
-                      <a:pt x="89" y="26"/>
-                      <a:pt x="83" y="25"/>
-                    </a:cubicBezTo>
-                    <a:cubicBezTo>
-                      <a:pt x="77" y="23"/>
-                      <a:pt x="71" y="23"/>
-                      <a:pt x="64" y="23"/>
-                    </a:cubicBezTo>
-                    <a:cubicBezTo>
-                      <a:pt x="61" y="23"/>
-                      <a:pt x="57" y="23"/>
-                      <a:pt x="53" y="24"/>
-                    </a:cubicBezTo>
-                    <a:cubicBezTo>
-                      <a:pt x="49" y="24"/>
-                      <a:pt x="45" y="25"/>
-                      <a:pt x="40" y="26"/>
-                    </a:cubicBezTo>
-                    <a:cubicBezTo>
-                      <a:pt x="36" y="28"/>
-                      <a:pt x="32" y="29"/>
-                      <a:pt x="27" y="31"/>
-                    </a:cubicBezTo>
-                    <a:cubicBezTo>
-                      <a:pt x="23" y="32"/>
-                      <a:pt x="18" y="34"/>
-                      <a:pt x="14" y="36"/>
-                    </a:cubicBezTo>
-                    <a:cubicBezTo>
-                      <a:pt x="8" y="20"/>
-                      <a:pt x="8" y="20"/>
-                      <a:pt x="8" y="20"/>
-                    </a:cubicBezTo>
-                    <a:cubicBezTo>
-                      <a:pt x="12" y="17"/>
-                      <a:pt x="17" y="14"/>
-                      <a:pt x="24" y="11"/>
-                    </a:cubicBezTo>
-                    <a:cubicBezTo>
-                      <a:pt x="30" y="9"/>
-                      <a:pt x="36" y="7"/>
-                      <a:pt x="43" y="5"/>
-                    </a:cubicBezTo>
-                    <a:cubicBezTo>
-                      <a:pt x="49" y="3"/>
-                      <a:pt x="55" y="2"/>
-                      <a:pt x="61" y="1"/>
-                    </a:cubicBezTo>
-                    <a:cubicBezTo>
-                      <a:pt x="68" y="0"/>
-                      <a:pt x="73" y="0"/>
-                      <a:pt x="77" y="0"/>
-                    </a:cubicBezTo>
-                    <a:cubicBezTo>
-                      <a:pt x="86" y="0"/>
-                      <a:pt x="95" y="1"/>
-                      <a:pt x="103" y="3"/>
-                    </a:cubicBezTo>
-                    <a:cubicBezTo>
-                      <a:pt x="111" y="5"/>
-                      <a:pt x="119" y="8"/>
-                      <a:pt x="125" y="13"/>
-                    </a:cubicBezTo>
-                    <a:cubicBezTo>
-                      <a:pt x="131" y="18"/>
-                      <a:pt x="136" y="24"/>
-                      <a:pt x="139" y="32"/>
-                    </a:cubicBezTo>
-                    <a:cubicBezTo>
-                      <a:pt x="143" y="40"/>
-                      <a:pt x="145" y="50"/>
-                      <a:pt x="145" y="63"/>
-                    </a:cubicBezTo>
-                    <a:cubicBezTo>
-                      <a:pt x="145" y="182"/>
-                      <a:pt x="145" y="182"/>
-                      <a:pt x="145" y="182"/>
-                    </a:cubicBezTo>
-                    <a:cubicBezTo>
-                      <a:pt x="167" y="182"/>
-                      <a:pt x="167" y="182"/>
-                      <a:pt x="167" y="182"/>
-                    </a:cubicBezTo>
-                    <a:cubicBezTo>
-                      <a:pt x="167" y="193"/>
-                      <a:pt x="167" y="193"/>
-                      <a:pt x="167" y="193"/>
-                    </a:cubicBezTo>
-                    <a:cubicBezTo>
-                      <a:pt x="163" y="195"/>
-                      <a:pt x="158" y="197"/>
-                      <a:pt x="152" y="198"/>
-                    </a:cubicBezTo>
-                    <a:cubicBezTo>
-                      <a:pt x="146" y="200"/>
-                      <a:pt x="140" y="200"/>
-                      <a:pt x="134" y="200"/>
-                    </a:cubicBezTo>
-                    <a:cubicBezTo>
-                      <a:pt x="132" y="200"/>
-                      <a:pt x="130" y="200"/>
-                      <a:pt x="127" y="200"/>
-                    </a:cubicBezTo>
-                    <a:cubicBezTo>
-                      <a:pt x="125" y="200"/>
-                      <a:pt x="123" y="199"/>
-                      <a:pt x="121" y="198"/>
-                    </a:cubicBezTo>
-                    <a:cubicBezTo>
-                      <a:pt x="119" y="197"/>
-                      <a:pt x="117" y="195"/>
-                      <a:pt x="116" y="192"/>
-                    </a:cubicBezTo>
-                    <a:cubicBezTo>
-                      <a:pt x="114" y="190"/>
-                      <a:pt x="114" y="187"/>
-                      <a:pt x="114" y="182"/>
-                    </a:cubicBezTo>
-                    <a:cubicBezTo>
-                      <a:pt x="114" y="178"/>
-                      <a:pt x="114" y="178"/>
-                      <a:pt x="114" y="178"/>
-                    </a:cubicBezTo>
-                    <a:cubicBezTo>
-                      <a:pt x="111" y="181"/>
-                      <a:pt x="108" y="184"/>
-                      <a:pt x="104" y="187"/>
-                    </a:cubicBezTo>
-                    <a:cubicBezTo>
-                      <a:pt x="101" y="189"/>
-                      <a:pt x="96" y="192"/>
-                      <a:pt x="92" y="194"/>
-                    </a:cubicBezTo>
-                    <a:cubicBezTo>
-                      <a:pt x="87" y="196"/>
-                      <a:pt x="82" y="197"/>
-                      <a:pt x="76" y="199"/>
-                    </a:cubicBezTo>
-                    <a:cubicBezTo>
-                      <a:pt x="70" y="200"/>
-                      <a:pt x="63" y="200"/>
-                      <a:pt x="56" y="200"/>
-                    </a:cubicBezTo>
-                    <a:cubicBezTo>
-                      <a:pt x="47" y="200"/>
-                      <a:pt x="39" y="199"/>
-                      <a:pt x="32" y="195"/>
-                    </a:cubicBezTo>
-                    <a:cubicBezTo>
-                      <a:pt x="25" y="192"/>
-                      <a:pt x="18" y="188"/>
-                      <a:pt x="14" y="182"/>
-                    </a:cubicBezTo>
-                    <a:cubicBezTo>
-                      <a:pt x="9" y="177"/>
-                      <a:pt x="5" y="171"/>
-                      <a:pt x="3" y="164"/>
-                    </a:cubicBezTo>
-                    <a:cubicBezTo>
-                      <a:pt x="0" y="156"/>
-                      <a:pt x="0" y="149"/>
-                      <a:pt x="1" y="141"/>
-                    </a:cubicBezTo>
-                    <a:close/>
-                    <a:moveTo>
-                      <a:pt x="34" y="141"/>
-                    </a:moveTo>
-                    <a:cubicBezTo>
-                      <a:pt x="34" y="148"/>
-                      <a:pt x="35" y="154"/>
-                      <a:pt x="37" y="159"/>
-                    </a:cubicBezTo>
-                    <a:cubicBezTo>
-                      <a:pt x="39" y="163"/>
-                      <a:pt x="41" y="167"/>
-                      <a:pt x="45" y="170"/>
-                    </a:cubicBezTo>
-                    <a:cubicBezTo>
-                      <a:pt x="48" y="173"/>
-                      <a:pt x="53" y="175"/>
-                      <a:pt x="58" y="176"/>
-                    </a:cubicBezTo>
-                    <a:cubicBezTo>
-                      <a:pt x="63" y="178"/>
-                      <a:pt x="68" y="178"/>
-                      <a:pt x="75" y="178"/>
-                    </a:cubicBezTo>
-                    <a:cubicBezTo>
-                      <a:pt x="78" y="178"/>
-                      <a:pt x="82" y="178"/>
-                      <a:pt x="85" y="177"/>
-                    </a:cubicBezTo>
-                    <a:cubicBezTo>
-                      <a:pt x="89" y="176"/>
-                      <a:pt x="92" y="175"/>
-                      <a:pt x="95" y="174"/>
-                    </a:cubicBezTo>
-                    <a:cubicBezTo>
-                      <a:pt x="99" y="172"/>
-                      <a:pt x="102" y="171"/>
-                      <a:pt x="105" y="169"/>
-                    </a:cubicBezTo>
-                    <a:cubicBezTo>
-                      <a:pt x="107" y="167"/>
-                      <a:pt x="110" y="165"/>
-                      <a:pt x="111" y="164"/>
-                    </a:cubicBezTo>
-                    <a:cubicBezTo>
-                      <a:pt x="111" y="153"/>
-                      <a:pt x="111" y="142"/>
-                      <a:pt x="111" y="131"/>
-                    </a:cubicBezTo>
-                    <a:cubicBezTo>
-                      <a:pt x="111" y="121"/>
-                      <a:pt x="112" y="110"/>
-                      <a:pt x="112" y="99"/>
-                    </a:cubicBezTo>
-                    <a:cubicBezTo>
-                      <a:pt x="107" y="99"/>
-                      <a:pt x="102" y="100"/>
-                      <a:pt x="96" y="100"/>
-                    </a:cubicBezTo>
-                    <a:cubicBezTo>
-                      <a:pt x="90" y="101"/>
-                      <a:pt x="84" y="102"/>
-                      <a:pt x="79" y="103"/>
-                    </a:cubicBezTo>
-                    <a:cubicBezTo>
-                      <a:pt x="73" y="104"/>
-                      <a:pt x="67" y="106"/>
-                      <a:pt x="62" y="108"/>
-                    </a:cubicBezTo>
-                    <a:cubicBezTo>
-                      <a:pt x="56" y="110"/>
-                      <a:pt x="52" y="112"/>
-                      <a:pt x="48" y="116"/>
-                    </a:cubicBezTo>
-                    <a:cubicBezTo>
-                      <a:pt x="43" y="119"/>
-                      <a:pt x="40" y="122"/>
-                      <a:pt x="38" y="127"/>
-                    </a:cubicBezTo>
-                    <a:cubicBezTo>
-                      <a:pt x="35" y="131"/>
-                      <a:pt x="34" y="136"/>
-                      <a:pt x="34" y="141"/>
-                    </a:cubicBezTo>
-                    <a:close/>
-                  </a:path>
-                </a:pathLst>
-              </a:custGeom>
-              <a:grpFill/>
-              <a:ln>
-                <a:noFill/>
-              </a:ln>
-              <a:extLst>
-                <a:ext uri="{91240B29-F687-4F45-9708-019B960494DF}">
-                  <a14:hiddenLine xmlns:a14="http://schemas.microsoft.com/office/drawing/2010/main" w="9525">
-                    <a:solidFill>
-                      <a:srgbClr val="000000"/>
-                    </a:solidFill>
-                    <a:round/>
-                    <a:headEnd/>
-                    <a:tailEnd/>
-                  </a14:hiddenLine>
-                </a:ext>
-              </a:extLst>
-            </p:spPr>
-            <p:txBody>
-              <a:bodyPr vert="horz" wrap="square" lIns="91440" tIns="45720" rIns="91440" bIns="45720" numCol="1" anchor="t" anchorCtr="0" compatLnSpc="1">
-                <a:prstTxWarp prst="textNoShape">
-                  <a:avLst/>
-                </a:prstTxWarp>
-              </a:bodyPr>
-              <a:lstStyle/>
-              <a:p>
-                <a:endParaRPr lang="en-US"/>
-              </a:p>
-            </p:txBody>
-          </p:sp>
-          <p:sp>
-            <p:nvSpPr>
-              <p:cNvPr id="14" name="Freeform 9">
-                <a:extLst>
-                  <a:ext uri="{FF2B5EF4-FFF2-40B4-BE49-F238E27FC236}">
-                    <a16:creationId xmlns:a16="http://schemas.microsoft.com/office/drawing/2014/main" id="{A26113FF-8A8B-473D-8F68-30656EAEABDB}"/>
-                  </a:ext>
-                </a:extLst>
-              </p:cNvPr>
-              <p:cNvSpPr>
-                <a:spLocks/>
-              </p:cNvSpPr>
-              <p:nvPr/>
-            </p:nvSpPr>
-            <p:spPr bwMode="auto">
-              <a:xfrm>
-                <a:off x="5508" y="1069"/>
-                <a:ext cx="152" cy="145"/>
-              </a:xfrm>
-              <a:custGeom>
-                <a:avLst/>
-                <a:gdLst>
-                  <a:gd name="T0" fmla="*/ 1 w 207"/>
-                  <a:gd name="T1" fmla="*/ 182 h 196"/>
-                  <a:gd name="T2" fmla="*/ 24 w 207"/>
-                  <a:gd name="T3" fmla="*/ 178 h 196"/>
-                  <a:gd name="T4" fmla="*/ 24 w 207"/>
-                  <a:gd name="T5" fmla="*/ 38 h 196"/>
-                  <a:gd name="T6" fmla="*/ 0 w 207"/>
-                  <a:gd name="T7" fmla="*/ 24 h 196"/>
-                  <a:gd name="T8" fmla="*/ 0 w 207"/>
-                  <a:gd name="T9" fmla="*/ 14 h 196"/>
-                  <a:gd name="T10" fmla="*/ 45 w 207"/>
-                  <a:gd name="T11" fmla="*/ 0 h 196"/>
-                  <a:gd name="T12" fmla="*/ 53 w 207"/>
-                  <a:gd name="T13" fmla="*/ 3 h 196"/>
-                  <a:gd name="T14" fmla="*/ 53 w 207"/>
-                  <a:gd name="T15" fmla="*/ 28 h 196"/>
-                  <a:gd name="T16" fmla="*/ 67 w 207"/>
-                  <a:gd name="T17" fmla="*/ 18 h 196"/>
-                  <a:gd name="T18" fmla="*/ 85 w 207"/>
-                  <a:gd name="T19" fmla="*/ 9 h 196"/>
-                  <a:gd name="T20" fmla="*/ 104 w 207"/>
-                  <a:gd name="T21" fmla="*/ 3 h 196"/>
-                  <a:gd name="T22" fmla="*/ 123 w 207"/>
-                  <a:gd name="T23" fmla="*/ 0 h 196"/>
-                  <a:gd name="T24" fmla="*/ 149 w 207"/>
-                  <a:gd name="T25" fmla="*/ 4 h 196"/>
-                  <a:gd name="T26" fmla="*/ 167 w 207"/>
-                  <a:gd name="T27" fmla="*/ 18 h 196"/>
-                  <a:gd name="T28" fmla="*/ 177 w 207"/>
-                  <a:gd name="T29" fmla="*/ 44 h 196"/>
-                  <a:gd name="T30" fmla="*/ 180 w 207"/>
-                  <a:gd name="T31" fmla="*/ 81 h 196"/>
-                  <a:gd name="T32" fmla="*/ 180 w 207"/>
-                  <a:gd name="T33" fmla="*/ 178 h 196"/>
-                  <a:gd name="T34" fmla="*/ 207 w 207"/>
-                  <a:gd name="T35" fmla="*/ 182 h 196"/>
-                  <a:gd name="T36" fmla="*/ 207 w 207"/>
-                  <a:gd name="T37" fmla="*/ 196 h 196"/>
-                  <a:gd name="T38" fmla="*/ 121 w 207"/>
-                  <a:gd name="T39" fmla="*/ 196 h 196"/>
-                  <a:gd name="T40" fmla="*/ 121 w 207"/>
-                  <a:gd name="T41" fmla="*/ 182 h 196"/>
-                  <a:gd name="T42" fmla="*/ 147 w 207"/>
-                  <a:gd name="T43" fmla="*/ 178 h 196"/>
-                  <a:gd name="T44" fmla="*/ 147 w 207"/>
-                  <a:gd name="T45" fmla="*/ 87 h 196"/>
-                  <a:gd name="T46" fmla="*/ 145 w 207"/>
-                  <a:gd name="T47" fmla="*/ 59 h 196"/>
-                  <a:gd name="T48" fmla="*/ 139 w 207"/>
-                  <a:gd name="T49" fmla="*/ 40 h 196"/>
-                  <a:gd name="T50" fmla="*/ 126 w 207"/>
-                  <a:gd name="T51" fmla="*/ 28 h 196"/>
-                  <a:gd name="T52" fmla="*/ 105 w 207"/>
-                  <a:gd name="T53" fmla="*/ 25 h 196"/>
-                  <a:gd name="T54" fmla="*/ 82 w 207"/>
-                  <a:gd name="T55" fmla="*/ 30 h 196"/>
-                  <a:gd name="T56" fmla="*/ 57 w 207"/>
-                  <a:gd name="T57" fmla="*/ 43 h 196"/>
-                  <a:gd name="T58" fmla="*/ 57 w 207"/>
-                  <a:gd name="T59" fmla="*/ 178 h 196"/>
-                  <a:gd name="T60" fmla="*/ 83 w 207"/>
-                  <a:gd name="T61" fmla="*/ 182 h 196"/>
-                  <a:gd name="T62" fmla="*/ 83 w 207"/>
-                  <a:gd name="T63" fmla="*/ 196 h 196"/>
-                  <a:gd name="T64" fmla="*/ 1 w 207"/>
-                  <a:gd name="T65" fmla="*/ 196 h 196"/>
-                  <a:gd name="T66" fmla="*/ 1 w 207"/>
-                  <a:gd name="T67" fmla="*/ 182 h 196"/>
-                </a:gdLst>
-                <a:ahLst/>
-                <a:cxnLst>
-                  <a:cxn ang="0">
-                    <a:pos x="T0" y="T1"/>
-                  </a:cxn>
-                  <a:cxn ang="0">
-                    <a:pos x="T2" y="T3"/>
-                  </a:cxn>
-                  <a:cxn ang="0">
-                    <a:pos x="T4" y="T5"/>
-                  </a:cxn>
-                  <a:cxn ang="0">
-                    <a:pos x="T6" y="T7"/>
-                  </a:cxn>
-                  <a:cxn ang="0">
-                    <a:pos x="T8" y="T9"/>
-                  </a:cxn>
-                  <a:cxn ang="0">
-                    <a:pos x="T10" y="T11"/>
-                  </a:cxn>
-                  <a:cxn ang="0">
-                    <a:pos x="T12" y="T13"/>
-                  </a:cxn>
-                  <a:cxn ang="0">
-                    <a:pos x="T14" y="T15"/>
-                  </a:cxn>
-                  <a:cxn ang="0">
-                    <a:pos x="T16" y="T17"/>
-                  </a:cxn>
-                  <a:cxn ang="0">
-                    <a:pos x="T18" y="T19"/>
-                  </a:cxn>
-                  <a:cxn ang="0">
-                    <a:pos x="T20" y="T21"/>
-                  </a:cxn>
-                  <a:cxn ang="0">
-                    <a:pos x="T22" y="T23"/>
-                  </a:cxn>
-                  <a:cxn ang="0">
-                    <a:pos x="T24" y="T25"/>
-                  </a:cxn>
-                  <a:cxn ang="0">
-                    <a:pos x="T26" y="T27"/>
-                  </a:cxn>
-                  <a:cxn ang="0">
-                    <a:pos x="T28" y="T29"/>
-                  </a:cxn>
-                  <a:cxn ang="0">
-                    <a:pos x="T30" y="T31"/>
-                  </a:cxn>
-                  <a:cxn ang="0">
-                    <a:pos x="T32" y="T33"/>
-                  </a:cxn>
-                  <a:cxn ang="0">
-                    <a:pos x="T34" y="T35"/>
-                  </a:cxn>
-                  <a:cxn ang="0">
-                    <a:pos x="T36" y="T37"/>
-                  </a:cxn>
-                  <a:cxn ang="0">
-                    <a:pos x="T38" y="T39"/>
-                  </a:cxn>
-                  <a:cxn ang="0">
-                    <a:pos x="T40" y="T41"/>
-                  </a:cxn>
-                  <a:cxn ang="0">
-                    <a:pos x="T42" y="T43"/>
-                  </a:cxn>
-                  <a:cxn ang="0">
-                    <a:pos x="T44" y="T45"/>
-                  </a:cxn>
-                  <a:cxn ang="0">
-                    <a:pos x="T46" y="T47"/>
-                  </a:cxn>
-                  <a:cxn ang="0">
-                    <a:pos x="T48" y="T49"/>
-                  </a:cxn>
-                  <a:cxn ang="0">
-                    <a:pos x="T50" y="T51"/>
-                  </a:cxn>
-                  <a:cxn ang="0">
-                    <a:pos x="T52" y="T53"/>
-                  </a:cxn>
-                  <a:cxn ang="0">
-                    <a:pos x="T54" y="T55"/>
-                  </a:cxn>
-                  <a:cxn ang="0">
-                    <a:pos x="T56" y="T57"/>
-                  </a:cxn>
-                  <a:cxn ang="0">
-                    <a:pos x="T58" y="T59"/>
-                  </a:cxn>
-                  <a:cxn ang="0">
-                    <a:pos x="T60" y="T61"/>
-                  </a:cxn>
-                  <a:cxn ang="0">
-                    <a:pos x="T62" y="T63"/>
-                  </a:cxn>
-                  <a:cxn ang="0">
-                    <a:pos x="T64" y="T65"/>
-                  </a:cxn>
-                  <a:cxn ang="0">
-                    <a:pos x="T66" y="T67"/>
-                  </a:cxn>
-                </a:cxnLst>
-                <a:rect l="0" t="0" r="r" b="b"/>
-                <a:pathLst>
-                  <a:path w="207" h="196">
-                    <a:moveTo>
-                      <a:pt x="1" y="182"/>
-                    </a:moveTo>
-                    <a:cubicBezTo>
-                      <a:pt x="24" y="178"/>
-                      <a:pt x="24" y="178"/>
-                      <a:pt x="24" y="178"/>
-                    </a:cubicBezTo>
-                    <a:cubicBezTo>
-                      <a:pt x="24" y="38"/>
-                      <a:pt x="24" y="38"/>
-                      <a:pt x="24" y="38"/>
-                    </a:cubicBezTo>
-                    <a:cubicBezTo>
-                      <a:pt x="0" y="24"/>
-                      <a:pt x="0" y="24"/>
-                      <a:pt x="0" y="24"/>
-                    </a:cubicBezTo>
-                    <a:cubicBezTo>
-                      <a:pt x="0" y="14"/>
-                      <a:pt x="0" y="14"/>
-                      <a:pt x="0" y="14"/>
-                    </a:cubicBezTo>
-                    <a:cubicBezTo>
-                      <a:pt x="45" y="0"/>
-                      <a:pt x="45" y="0"/>
-                      <a:pt x="45" y="0"/>
-                    </a:cubicBezTo>
-                    <a:cubicBezTo>
-                      <a:pt x="53" y="3"/>
-                      <a:pt x="53" y="3"/>
-                      <a:pt x="53" y="3"/>
-                    </a:cubicBezTo>
-                    <a:cubicBezTo>
-                      <a:pt x="53" y="28"/>
-                      <a:pt x="53" y="28"/>
-                      <a:pt x="53" y="28"/>
-                    </a:cubicBezTo>
-                    <a:cubicBezTo>
-                      <a:pt x="57" y="25"/>
-                      <a:pt x="62" y="21"/>
-                      <a:pt x="67" y="18"/>
-                    </a:cubicBezTo>
-                    <a:cubicBezTo>
-                      <a:pt x="73" y="15"/>
-                      <a:pt x="79" y="12"/>
-                      <a:pt x="85" y="9"/>
-                    </a:cubicBezTo>
-                    <a:cubicBezTo>
-                      <a:pt x="91" y="7"/>
-                      <a:pt x="97" y="4"/>
-                      <a:pt x="104" y="3"/>
-                    </a:cubicBezTo>
-                    <a:cubicBezTo>
-                      <a:pt x="111" y="1"/>
-                      <a:pt x="117" y="0"/>
-                      <a:pt x="123" y="0"/>
-                    </a:cubicBezTo>
-                    <a:cubicBezTo>
-                      <a:pt x="133" y="0"/>
-                      <a:pt x="142" y="1"/>
-                      <a:pt x="149" y="4"/>
-                    </a:cubicBezTo>
-                    <a:cubicBezTo>
-                      <a:pt x="157" y="7"/>
-                      <a:pt x="163" y="12"/>
-                      <a:pt x="167" y="18"/>
-                    </a:cubicBezTo>
-                    <a:cubicBezTo>
-                      <a:pt x="172" y="25"/>
-                      <a:pt x="175" y="33"/>
-                      <a:pt x="177" y="44"/>
-                    </a:cubicBezTo>
-                    <a:cubicBezTo>
-                      <a:pt x="179" y="54"/>
-                      <a:pt x="180" y="66"/>
-                      <a:pt x="180" y="81"/>
-                    </a:cubicBezTo>
-                    <a:cubicBezTo>
-                      <a:pt x="180" y="178"/>
-                      <a:pt x="180" y="178"/>
-                      <a:pt x="180" y="178"/>
-                    </a:cubicBezTo>
-                    <a:cubicBezTo>
-                      <a:pt x="207" y="182"/>
-                      <a:pt x="207" y="182"/>
-                      <a:pt x="207" y="182"/>
-                    </a:cubicBezTo>
-                    <a:cubicBezTo>
-                      <a:pt x="207" y="196"/>
-                      <a:pt x="207" y="196"/>
-                      <a:pt x="207" y="196"/>
-                    </a:cubicBezTo>
-                    <a:cubicBezTo>
-                      <a:pt x="121" y="196"/>
-                      <a:pt x="121" y="196"/>
-                      <a:pt x="121" y="196"/>
-                    </a:cubicBezTo>
-                    <a:cubicBezTo>
-                      <a:pt x="121" y="182"/>
-                      <a:pt x="121" y="182"/>
-                      <a:pt x="121" y="182"/>
-                    </a:cubicBezTo>
-                    <a:cubicBezTo>
-                      <a:pt x="147" y="178"/>
-                      <a:pt x="147" y="178"/>
-                      <a:pt x="147" y="178"/>
-                    </a:cubicBezTo>
-                    <a:cubicBezTo>
-                      <a:pt x="147" y="87"/>
-                      <a:pt x="147" y="87"/>
-                      <a:pt x="147" y="87"/>
-                    </a:cubicBezTo>
-                    <a:cubicBezTo>
-                      <a:pt x="147" y="76"/>
-                      <a:pt x="146" y="67"/>
-                      <a:pt x="145" y="59"/>
-                    </a:cubicBezTo>
-                    <a:cubicBezTo>
-                      <a:pt x="144" y="51"/>
-                      <a:pt x="142" y="45"/>
-                      <a:pt x="139" y="40"/>
-                    </a:cubicBezTo>
-                    <a:cubicBezTo>
-                      <a:pt x="136" y="34"/>
-                      <a:pt x="132" y="31"/>
-                      <a:pt x="126" y="28"/>
-                    </a:cubicBezTo>
-                    <a:cubicBezTo>
-                      <a:pt x="121" y="26"/>
-                      <a:pt x="114" y="25"/>
-                      <a:pt x="105" y="25"/>
-                    </a:cubicBezTo>
-                    <a:cubicBezTo>
-                      <a:pt x="98" y="25"/>
-                      <a:pt x="90" y="27"/>
-                      <a:pt x="82" y="30"/>
-                    </a:cubicBezTo>
-                    <a:cubicBezTo>
-                      <a:pt x="75" y="33"/>
-                      <a:pt x="66" y="37"/>
-                      <a:pt x="57" y="43"/>
-                    </a:cubicBezTo>
-                    <a:cubicBezTo>
-                      <a:pt x="57" y="178"/>
-                      <a:pt x="57" y="178"/>
-                      <a:pt x="57" y="178"/>
-                    </a:cubicBezTo>
-                    <a:cubicBezTo>
-                      <a:pt x="83" y="182"/>
-                      <a:pt x="83" y="182"/>
-                      <a:pt x="83" y="182"/>
-                    </a:cubicBezTo>
-                    <a:cubicBezTo>
-                      <a:pt x="83" y="196"/>
-                      <a:pt x="83" y="196"/>
-                      <a:pt x="83" y="196"/>
-                    </a:cubicBezTo>
-                    <a:cubicBezTo>
-                      <a:pt x="1" y="196"/>
-                      <a:pt x="1" y="196"/>
-                      <a:pt x="1" y="196"/>
-                    </a:cubicBezTo>
-                    <a:lnTo>
-                      <a:pt x="1" y="182"/>
-                    </a:lnTo>
-                    <a:close/>
-                  </a:path>
-                </a:pathLst>
-              </a:custGeom>
-              <a:grpFill/>
-              <a:ln>
-                <a:noFill/>
-              </a:ln>
-              <a:extLst>
-                <a:ext uri="{91240B29-F687-4F45-9708-019B960494DF}">
-                  <a14:hiddenLine xmlns:a14="http://schemas.microsoft.com/office/drawing/2010/main" w="9525">
-                    <a:solidFill>
-                      <a:srgbClr val="000000"/>
-                    </a:solidFill>
-                    <a:round/>
-                    <a:headEnd/>
-                    <a:tailEnd/>
-                  </a14:hiddenLine>
-                </a:ext>
-              </a:extLst>
-            </p:spPr>
-            <p:txBody>
-              <a:bodyPr vert="horz" wrap="square" lIns="91440" tIns="45720" rIns="91440" bIns="45720" numCol="1" anchor="t" anchorCtr="0" compatLnSpc="1">
-                <a:prstTxWarp prst="textNoShape">
-                  <a:avLst/>
-                </a:prstTxWarp>
-              </a:bodyPr>
-              <a:lstStyle/>
-              <a:p>
-                <a:endParaRPr lang="en-US"/>
-              </a:p>
-            </p:txBody>
-          </p:sp>
-          <p:sp>
-            <p:nvSpPr>
-              <p:cNvPr id="15" name="Freeform 10">
-                <a:extLst>
-                  <a:ext uri="{FF2B5EF4-FFF2-40B4-BE49-F238E27FC236}">
-                    <a16:creationId xmlns:a16="http://schemas.microsoft.com/office/drawing/2014/main" id="{0745DE31-2EA7-4FBB-A817-6C5F9741FB51}"/>
-                  </a:ext>
-                </a:extLst>
-              </p:cNvPr>
-              <p:cNvSpPr>
-                <a:spLocks noEditPoints="1"/>
-              </p:cNvSpPr>
-              <p:nvPr/>
-            </p:nvSpPr>
-            <p:spPr bwMode="auto">
-              <a:xfrm>
-                <a:off x="5654" y="1007"/>
-                <a:ext cx="139" cy="212"/>
-              </a:xfrm>
-              <a:custGeom>
-                <a:avLst/>
-                <a:gdLst>
-                  <a:gd name="T0" fmla="*/ 76 w 189"/>
-                  <a:gd name="T1" fmla="*/ 284 h 286"/>
-                  <a:gd name="T2" fmla="*/ 47 w 189"/>
-                  <a:gd name="T3" fmla="*/ 279 h 286"/>
-                  <a:gd name="T4" fmla="*/ 23 w 189"/>
-                  <a:gd name="T5" fmla="*/ 261 h 286"/>
-                  <a:gd name="T6" fmla="*/ 7 w 189"/>
-                  <a:gd name="T7" fmla="*/ 230 h 286"/>
-                  <a:gd name="T8" fmla="*/ 0 w 189"/>
-                  <a:gd name="T9" fmla="*/ 187 h 286"/>
-                  <a:gd name="T10" fmla="*/ 8 w 189"/>
-                  <a:gd name="T11" fmla="*/ 144 h 286"/>
-                  <a:gd name="T12" fmla="*/ 29 w 189"/>
-                  <a:gd name="T13" fmla="*/ 111 h 286"/>
-                  <a:gd name="T14" fmla="*/ 61 w 189"/>
-                  <a:gd name="T15" fmla="*/ 89 h 286"/>
-                  <a:gd name="T16" fmla="*/ 100 w 189"/>
-                  <a:gd name="T17" fmla="*/ 82 h 286"/>
-                  <a:gd name="T18" fmla="*/ 118 w 189"/>
-                  <a:gd name="T19" fmla="*/ 83 h 286"/>
-                  <a:gd name="T20" fmla="*/ 132 w 189"/>
-                  <a:gd name="T21" fmla="*/ 86 h 286"/>
-                  <a:gd name="T22" fmla="*/ 132 w 189"/>
-                  <a:gd name="T23" fmla="*/ 29 h 286"/>
-                  <a:gd name="T24" fmla="*/ 96 w 189"/>
-                  <a:gd name="T25" fmla="*/ 22 h 286"/>
-                  <a:gd name="T26" fmla="*/ 96 w 189"/>
-                  <a:gd name="T27" fmla="*/ 7 h 286"/>
-                  <a:gd name="T28" fmla="*/ 158 w 189"/>
-                  <a:gd name="T29" fmla="*/ 0 h 286"/>
-                  <a:gd name="T30" fmla="*/ 165 w 189"/>
-                  <a:gd name="T31" fmla="*/ 4 h 286"/>
-                  <a:gd name="T32" fmla="*/ 165 w 189"/>
-                  <a:gd name="T33" fmla="*/ 266 h 286"/>
-                  <a:gd name="T34" fmla="*/ 189 w 189"/>
-                  <a:gd name="T35" fmla="*/ 266 h 286"/>
-                  <a:gd name="T36" fmla="*/ 189 w 189"/>
-                  <a:gd name="T37" fmla="*/ 278 h 286"/>
-                  <a:gd name="T38" fmla="*/ 181 w 189"/>
-                  <a:gd name="T39" fmla="*/ 281 h 286"/>
-                  <a:gd name="T40" fmla="*/ 172 w 189"/>
-                  <a:gd name="T41" fmla="*/ 284 h 286"/>
-                  <a:gd name="T42" fmla="*/ 162 w 189"/>
-                  <a:gd name="T43" fmla="*/ 285 h 286"/>
-                  <a:gd name="T44" fmla="*/ 153 w 189"/>
-                  <a:gd name="T45" fmla="*/ 286 h 286"/>
-                  <a:gd name="T46" fmla="*/ 146 w 189"/>
-                  <a:gd name="T47" fmla="*/ 285 h 286"/>
-                  <a:gd name="T48" fmla="*/ 140 w 189"/>
-                  <a:gd name="T49" fmla="*/ 283 h 286"/>
-                  <a:gd name="T50" fmla="*/ 135 w 189"/>
-                  <a:gd name="T51" fmla="*/ 278 h 286"/>
-                  <a:gd name="T52" fmla="*/ 134 w 189"/>
-                  <a:gd name="T53" fmla="*/ 268 h 286"/>
-                  <a:gd name="T54" fmla="*/ 134 w 189"/>
-                  <a:gd name="T55" fmla="*/ 264 h 286"/>
-                  <a:gd name="T56" fmla="*/ 126 w 189"/>
-                  <a:gd name="T57" fmla="*/ 270 h 286"/>
-                  <a:gd name="T58" fmla="*/ 114 w 189"/>
-                  <a:gd name="T59" fmla="*/ 277 h 286"/>
-                  <a:gd name="T60" fmla="*/ 97 w 189"/>
-                  <a:gd name="T61" fmla="*/ 282 h 286"/>
-                  <a:gd name="T62" fmla="*/ 76 w 189"/>
-                  <a:gd name="T63" fmla="*/ 284 h 286"/>
-                  <a:gd name="T64" fmla="*/ 89 w 189"/>
-                  <a:gd name="T65" fmla="*/ 261 h 286"/>
-                  <a:gd name="T66" fmla="*/ 99 w 189"/>
-                  <a:gd name="T67" fmla="*/ 260 h 286"/>
-                  <a:gd name="T68" fmla="*/ 108 w 189"/>
-                  <a:gd name="T69" fmla="*/ 258 h 286"/>
-                  <a:gd name="T70" fmla="*/ 122 w 189"/>
-                  <a:gd name="T71" fmla="*/ 253 h 286"/>
-                  <a:gd name="T72" fmla="*/ 132 w 189"/>
-                  <a:gd name="T73" fmla="*/ 246 h 286"/>
-                  <a:gd name="T74" fmla="*/ 132 w 189"/>
-                  <a:gd name="T75" fmla="*/ 114 h 286"/>
-                  <a:gd name="T76" fmla="*/ 128 w 189"/>
-                  <a:gd name="T77" fmla="*/ 109 h 286"/>
-                  <a:gd name="T78" fmla="*/ 121 w 189"/>
-                  <a:gd name="T79" fmla="*/ 105 h 286"/>
-                  <a:gd name="T80" fmla="*/ 110 w 189"/>
-                  <a:gd name="T81" fmla="*/ 101 h 286"/>
-                  <a:gd name="T82" fmla="*/ 96 w 189"/>
-                  <a:gd name="T83" fmla="*/ 100 h 286"/>
-                  <a:gd name="T84" fmla="*/ 82 w 189"/>
-                  <a:gd name="T85" fmla="*/ 102 h 286"/>
-                  <a:gd name="T86" fmla="*/ 68 w 189"/>
-                  <a:gd name="T87" fmla="*/ 107 h 286"/>
-                  <a:gd name="T88" fmla="*/ 55 w 189"/>
-                  <a:gd name="T89" fmla="*/ 117 h 286"/>
-                  <a:gd name="T90" fmla="*/ 44 w 189"/>
-                  <a:gd name="T91" fmla="*/ 132 h 286"/>
-                  <a:gd name="T92" fmla="*/ 36 w 189"/>
-                  <a:gd name="T93" fmla="*/ 152 h 286"/>
-                  <a:gd name="T94" fmla="*/ 33 w 189"/>
-                  <a:gd name="T95" fmla="*/ 179 h 286"/>
-                  <a:gd name="T96" fmla="*/ 37 w 189"/>
-                  <a:gd name="T97" fmla="*/ 215 h 286"/>
-                  <a:gd name="T98" fmla="*/ 50 w 189"/>
-                  <a:gd name="T99" fmla="*/ 241 h 286"/>
-                  <a:gd name="T100" fmla="*/ 68 w 189"/>
-                  <a:gd name="T101" fmla="*/ 256 h 286"/>
-                  <a:gd name="T102" fmla="*/ 89 w 189"/>
-                  <a:gd name="T103" fmla="*/ 261 h 286"/>
-                </a:gdLst>
-                <a:ahLst/>
-                <a:cxnLst>
-                  <a:cxn ang="0">
-                    <a:pos x="T0" y="T1"/>
-                  </a:cxn>
-                  <a:cxn ang="0">
-                    <a:pos x="T2" y="T3"/>
-                  </a:cxn>
-                  <a:cxn ang="0">
-                    <a:pos x="T4" y="T5"/>
-                  </a:cxn>
-                  <a:cxn ang="0">
-                    <a:pos x="T6" y="T7"/>
-                  </a:cxn>
-                  <a:cxn ang="0">
-                    <a:pos x="T8" y="T9"/>
-                  </a:cxn>
-                  <a:cxn ang="0">
-                    <a:pos x="T10" y="T11"/>
-                  </a:cxn>
-                  <a:cxn ang="0">
-                    <a:pos x="T12" y="T13"/>
-                  </a:cxn>
-                  <a:cxn ang="0">
-                    <a:pos x="T14" y="T15"/>
-                  </a:cxn>
-                  <a:cxn ang="0">
-                    <a:pos x="T16" y="T17"/>
-                  </a:cxn>
-                  <a:cxn ang="0">
-                    <a:pos x="T18" y="T19"/>
-                  </a:cxn>
-                  <a:cxn ang="0">
-                    <a:pos x="T20" y="T21"/>
-                  </a:cxn>
-                  <a:cxn ang="0">
-                    <a:pos x="T22" y="T23"/>
-                  </a:cxn>
-                  <a:cxn ang="0">
-                    <a:pos x="T24" y="T25"/>
-                  </a:cxn>
-                  <a:cxn ang="0">
-                    <a:pos x="T26" y="T27"/>
-                  </a:cxn>
-                  <a:cxn ang="0">
-                    <a:pos x="T28" y="T29"/>
-                  </a:cxn>
-                  <a:cxn ang="0">
-                    <a:pos x="T30" y="T31"/>
-                  </a:cxn>
-                  <a:cxn ang="0">
-                    <a:pos x="T32" y="T33"/>
-                  </a:cxn>
-                  <a:cxn ang="0">
-                    <a:pos x="T34" y="T35"/>
-                  </a:cxn>
-                  <a:cxn ang="0">
-                    <a:pos x="T36" y="T37"/>
-                  </a:cxn>
-                  <a:cxn ang="0">
-                    <a:pos x="T38" y="T39"/>
-                  </a:cxn>
-                  <a:cxn ang="0">
-                    <a:pos x="T40" y="T41"/>
-                  </a:cxn>
-                  <a:cxn ang="0">
-                    <a:pos x="T42" y="T43"/>
-                  </a:cxn>
-                  <a:cxn ang="0">
-                    <a:pos x="T44" y="T45"/>
-                  </a:cxn>
-                  <a:cxn ang="0">
-                    <a:pos x="T46" y="T47"/>
-                  </a:cxn>
-                  <a:cxn ang="0">
-                    <a:pos x="T48" y="T49"/>
-                  </a:cxn>
-                  <a:cxn ang="0">
-                    <a:pos x="T50" y="T51"/>
-                  </a:cxn>
-                  <a:cxn ang="0">
-                    <a:pos x="T52" y="T53"/>
-                  </a:cxn>
-                  <a:cxn ang="0">
-                    <a:pos x="T54" y="T55"/>
-                  </a:cxn>
-                  <a:cxn ang="0">
-                    <a:pos x="T56" y="T57"/>
-                  </a:cxn>
-                  <a:cxn ang="0">
-                    <a:pos x="T58" y="T59"/>
-                  </a:cxn>
-                  <a:cxn ang="0">
-                    <a:pos x="T60" y="T61"/>
-                  </a:cxn>
-                  <a:cxn ang="0">
-                    <a:pos x="T62" y="T63"/>
-                  </a:cxn>
-                  <a:cxn ang="0">
-                    <a:pos x="T64" y="T65"/>
-                  </a:cxn>
-                  <a:cxn ang="0">
-                    <a:pos x="T66" y="T67"/>
-                  </a:cxn>
-                  <a:cxn ang="0">
-                    <a:pos x="T68" y="T69"/>
-                  </a:cxn>
-                  <a:cxn ang="0">
-                    <a:pos x="T70" y="T71"/>
-                  </a:cxn>
-                  <a:cxn ang="0">
-                    <a:pos x="T72" y="T73"/>
-                  </a:cxn>
-                  <a:cxn ang="0">
-                    <a:pos x="T74" y="T75"/>
-                  </a:cxn>
-                  <a:cxn ang="0">
-                    <a:pos x="T76" y="T77"/>
-                  </a:cxn>
-                  <a:cxn ang="0">
-                    <a:pos x="T78" y="T79"/>
-                  </a:cxn>
-                  <a:cxn ang="0">
-                    <a:pos x="T80" y="T81"/>
-                  </a:cxn>
-                  <a:cxn ang="0">
-                    <a:pos x="T82" y="T83"/>
-                  </a:cxn>
-                  <a:cxn ang="0">
-                    <a:pos x="T84" y="T85"/>
-                  </a:cxn>
-                  <a:cxn ang="0">
-                    <a:pos x="T86" y="T87"/>
-                  </a:cxn>
-                  <a:cxn ang="0">
-                    <a:pos x="T88" y="T89"/>
-                  </a:cxn>
-                  <a:cxn ang="0">
-                    <a:pos x="T90" y="T91"/>
-                  </a:cxn>
-                  <a:cxn ang="0">
-                    <a:pos x="T92" y="T93"/>
-                  </a:cxn>
-                  <a:cxn ang="0">
-                    <a:pos x="T94" y="T95"/>
-                  </a:cxn>
-                  <a:cxn ang="0">
-                    <a:pos x="T96" y="T97"/>
-                  </a:cxn>
-                  <a:cxn ang="0">
-                    <a:pos x="T98" y="T99"/>
-                  </a:cxn>
-                  <a:cxn ang="0">
-                    <a:pos x="T100" y="T101"/>
-                  </a:cxn>
-                  <a:cxn ang="0">
-                    <a:pos x="T102" y="T103"/>
-                  </a:cxn>
-                </a:cxnLst>
-                <a:rect l="0" t="0" r="r" b="b"/>
-                <a:pathLst>
-                  <a:path w="189" h="286">
-                    <a:moveTo>
-                      <a:pt x="76" y="284"/>
-                    </a:moveTo>
-                    <a:cubicBezTo>
-                      <a:pt x="66" y="284"/>
-                      <a:pt x="57" y="282"/>
-                      <a:pt x="47" y="279"/>
-                    </a:cubicBezTo>
-                    <a:cubicBezTo>
-                      <a:pt x="38" y="275"/>
-                      <a:pt x="30" y="269"/>
-                      <a:pt x="23" y="261"/>
-                    </a:cubicBezTo>
-                    <a:cubicBezTo>
-                      <a:pt x="17" y="253"/>
-                      <a:pt x="11" y="243"/>
-                      <a:pt x="7" y="230"/>
-                    </a:cubicBezTo>
-                    <a:cubicBezTo>
-                      <a:pt x="2" y="218"/>
-                      <a:pt x="0" y="204"/>
-                      <a:pt x="0" y="187"/>
-                    </a:cubicBezTo>
-                    <a:cubicBezTo>
-                      <a:pt x="0" y="172"/>
-                      <a:pt x="3" y="157"/>
-                      <a:pt x="8" y="144"/>
-                    </a:cubicBezTo>
-                    <a:cubicBezTo>
-                      <a:pt x="13" y="132"/>
-                      <a:pt x="20" y="120"/>
-                      <a:pt x="29" y="111"/>
-                    </a:cubicBezTo>
-                    <a:cubicBezTo>
-                      <a:pt x="38" y="102"/>
-                      <a:pt x="49" y="95"/>
-                      <a:pt x="61" y="89"/>
-                    </a:cubicBezTo>
-                    <a:cubicBezTo>
-                      <a:pt x="73" y="84"/>
-                      <a:pt x="86" y="82"/>
-                      <a:pt x="100" y="82"/>
-                    </a:cubicBezTo>
-                    <a:cubicBezTo>
-                      <a:pt x="106" y="82"/>
-                      <a:pt x="112" y="82"/>
-                      <a:pt x="118" y="83"/>
-                    </a:cubicBezTo>
-                    <a:cubicBezTo>
-                      <a:pt x="123" y="84"/>
-                      <a:pt x="128" y="85"/>
-                      <a:pt x="132" y="86"/>
-                    </a:cubicBezTo>
-                    <a:cubicBezTo>
-                      <a:pt x="132" y="29"/>
-                      <a:pt x="132" y="29"/>
-                      <a:pt x="132" y="29"/>
-                    </a:cubicBezTo>
-                    <a:cubicBezTo>
-                      <a:pt x="96" y="22"/>
-                      <a:pt x="96" y="22"/>
-                      <a:pt x="96" y="22"/>
-                    </a:cubicBezTo>
-                    <a:cubicBezTo>
-                      <a:pt x="96" y="7"/>
-                      <a:pt x="96" y="7"/>
-                      <a:pt x="96" y="7"/>
-                    </a:cubicBezTo>
-                    <a:cubicBezTo>
-                      <a:pt x="158" y="0"/>
-                      <a:pt x="158" y="0"/>
-                      <a:pt x="158" y="0"/>
-                    </a:cubicBezTo>
-                    <a:cubicBezTo>
-                      <a:pt x="165" y="4"/>
-                      <a:pt x="165" y="4"/>
-                      <a:pt x="165" y="4"/>
-                    </a:cubicBezTo>
-                    <a:cubicBezTo>
-                      <a:pt x="165" y="266"/>
-                      <a:pt x="165" y="266"/>
-                      <a:pt x="165" y="266"/>
-                    </a:cubicBezTo>
-                    <a:cubicBezTo>
-                      <a:pt x="189" y="266"/>
-                      <a:pt x="189" y="266"/>
-                      <a:pt x="189" y="266"/>
-                    </a:cubicBezTo>
-                    <a:cubicBezTo>
-                      <a:pt x="189" y="278"/>
-                      <a:pt x="189" y="278"/>
-                      <a:pt x="189" y="278"/>
-                    </a:cubicBezTo>
-                    <a:cubicBezTo>
-                      <a:pt x="187" y="279"/>
-                      <a:pt x="184" y="280"/>
-                      <a:pt x="181" y="281"/>
-                    </a:cubicBezTo>
-                    <a:cubicBezTo>
-                      <a:pt x="178" y="282"/>
-                      <a:pt x="175" y="283"/>
-                      <a:pt x="172" y="284"/>
-                    </a:cubicBezTo>
-                    <a:cubicBezTo>
-                      <a:pt x="169" y="284"/>
-                      <a:pt x="166" y="285"/>
-                      <a:pt x="162" y="285"/>
-                    </a:cubicBezTo>
-                    <a:cubicBezTo>
-                      <a:pt x="159" y="286"/>
-                      <a:pt x="156" y="286"/>
-                      <a:pt x="153" y="286"/>
-                    </a:cubicBezTo>
-                    <a:cubicBezTo>
-                      <a:pt x="151" y="286"/>
-                      <a:pt x="148" y="286"/>
-                      <a:pt x="146" y="285"/>
-                    </a:cubicBezTo>
-                    <a:cubicBezTo>
-                      <a:pt x="144" y="285"/>
-                      <a:pt x="142" y="284"/>
-                      <a:pt x="140" y="283"/>
-                    </a:cubicBezTo>
-                    <a:cubicBezTo>
-                      <a:pt x="138" y="282"/>
-                      <a:pt x="137" y="280"/>
-                      <a:pt x="135" y="278"/>
-                    </a:cubicBezTo>
-                    <a:cubicBezTo>
-                      <a:pt x="134" y="275"/>
-                      <a:pt x="134" y="272"/>
-                      <a:pt x="134" y="268"/>
-                    </a:cubicBezTo>
-                    <a:cubicBezTo>
-                      <a:pt x="134" y="264"/>
-                      <a:pt x="134" y="264"/>
-                      <a:pt x="134" y="264"/>
-                    </a:cubicBezTo>
-                    <a:cubicBezTo>
-                      <a:pt x="132" y="266"/>
-                      <a:pt x="129" y="268"/>
-                      <a:pt x="126" y="270"/>
-                    </a:cubicBezTo>
-                    <a:cubicBezTo>
-                      <a:pt x="123" y="273"/>
-                      <a:pt x="119" y="275"/>
-                      <a:pt x="114" y="277"/>
-                    </a:cubicBezTo>
-                    <a:cubicBezTo>
-                      <a:pt x="109" y="279"/>
-                      <a:pt x="103" y="281"/>
-                      <a:pt x="97" y="282"/>
-                    </a:cubicBezTo>
-                    <a:cubicBezTo>
-                      <a:pt x="90" y="284"/>
-                      <a:pt x="83" y="284"/>
-                      <a:pt x="76" y="284"/>
-                    </a:cubicBezTo>
-                    <a:close/>
-                    <a:moveTo>
-                      <a:pt x="89" y="261"/>
-                    </a:moveTo>
-                    <a:cubicBezTo>
-                      <a:pt x="93" y="261"/>
-                      <a:pt x="96" y="260"/>
-                      <a:pt x="99" y="260"/>
-                    </a:cubicBezTo>
-                    <a:cubicBezTo>
-                      <a:pt x="102" y="260"/>
-                      <a:pt x="105" y="259"/>
-                      <a:pt x="108" y="258"/>
-                    </a:cubicBezTo>
-                    <a:cubicBezTo>
-                      <a:pt x="114" y="257"/>
-                      <a:pt x="118" y="255"/>
-                      <a:pt x="122" y="253"/>
-                    </a:cubicBezTo>
-                    <a:cubicBezTo>
-                      <a:pt x="126" y="251"/>
-                      <a:pt x="130" y="248"/>
-                      <a:pt x="132" y="246"/>
-                    </a:cubicBezTo>
-                    <a:cubicBezTo>
-                      <a:pt x="132" y="114"/>
-                      <a:pt x="132" y="114"/>
-                      <a:pt x="132" y="114"/>
-                    </a:cubicBezTo>
-                    <a:cubicBezTo>
-                      <a:pt x="131" y="112"/>
-                      <a:pt x="130" y="111"/>
-                      <a:pt x="128" y="109"/>
-                    </a:cubicBezTo>
-                    <a:cubicBezTo>
-                      <a:pt x="126" y="107"/>
-                      <a:pt x="124" y="106"/>
-                      <a:pt x="121" y="105"/>
-                    </a:cubicBezTo>
-                    <a:cubicBezTo>
-                      <a:pt x="118" y="103"/>
-                      <a:pt x="114" y="102"/>
-                      <a:pt x="110" y="101"/>
-                    </a:cubicBezTo>
-                    <a:cubicBezTo>
-                      <a:pt x="106" y="100"/>
-                      <a:pt x="101" y="100"/>
-                      <a:pt x="96" y="100"/>
-                    </a:cubicBezTo>
-                    <a:cubicBezTo>
-                      <a:pt x="91" y="100"/>
-                      <a:pt x="87" y="101"/>
-                      <a:pt x="82" y="102"/>
-                    </a:cubicBezTo>
-                    <a:cubicBezTo>
-                      <a:pt x="77" y="103"/>
-                      <a:pt x="73" y="104"/>
-                      <a:pt x="68" y="107"/>
-                    </a:cubicBezTo>
-                    <a:cubicBezTo>
-                      <a:pt x="64" y="110"/>
-                      <a:pt x="59" y="113"/>
-                      <a:pt x="55" y="117"/>
-                    </a:cubicBezTo>
-                    <a:cubicBezTo>
-                      <a:pt x="51" y="121"/>
-                      <a:pt x="47" y="126"/>
-                      <a:pt x="44" y="132"/>
-                    </a:cubicBezTo>
-                    <a:cubicBezTo>
-                      <a:pt x="41" y="137"/>
-                      <a:pt x="38" y="144"/>
-                      <a:pt x="36" y="152"/>
-                    </a:cubicBezTo>
-                    <a:cubicBezTo>
-                      <a:pt x="34" y="160"/>
-                      <a:pt x="33" y="169"/>
-                      <a:pt x="33" y="179"/>
-                    </a:cubicBezTo>
-                    <a:cubicBezTo>
-                      <a:pt x="33" y="193"/>
-                      <a:pt x="34" y="205"/>
-                      <a:pt x="37" y="215"/>
-                    </a:cubicBezTo>
-                    <a:cubicBezTo>
-                      <a:pt x="41" y="226"/>
-                      <a:pt x="45" y="234"/>
-                      <a:pt x="50" y="241"/>
-                    </a:cubicBezTo>
-                    <a:cubicBezTo>
-                      <a:pt x="55" y="248"/>
-                      <a:pt x="61" y="253"/>
-                      <a:pt x="68" y="256"/>
-                    </a:cubicBezTo>
-                    <a:cubicBezTo>
-                      <a:pt x="75" y="259"/>
-                      <a:pt x="82" y="261"/>
-                      <a:pt x="89" y="261"/>
-                    </a:cubicBezTo>
-                    <a:close/>
-                  </a:path>
-                </a:pathLst>
-              </a:custGeom>
-              <a:grpFill/>
-              <a:ln>
-                <a:noFill/>
-              </a:ln>
-              <a:extLst>
-                <a:ext uri="{91240B29-F687-4F45-9708-019B960494DF}">
-                  <a14:hiddenLine xmlns:a14="http://schemas.microsoft.com/office/drawing/2010/main" w="9525">
-                    <a:solidFill>
-                      <a:srgbClr val="000000"/>
-                    </a:solidFill>
-                    <a:round/>
-                    <a:headEnd/>
-                    <a:tailEnd/>
-                  </a14:hiddenLine>
-                </a:ext>
-              </a:extLst>
-            </p:spPr>
-            <p:txBody>
-              <a:bodyPr vert="horz" wrap="square" lIns="91440" tIns="45720" rIns="91440" bIns="45720" numCol="1" anchor="t" anchorCtr="0" compatLnSpc="1">
-                <a:prstTxWarp prst="textNoShape">
-                  <a:avLst/>
-                </a:prstTxWarp>
-              </a:bodyPr>
-              <a:lstStyle/>
-              <a:p>
-                <a:endParaRPr lang="en-US"/>
-              </a:p>
-            </p:txBody>
-          </p:sp>
-          <p:sp>
-            <p:nvSpPr>
-              <p:cNvPr id="16" name="Freeform 11">
-                <a:extLst>
-                  <a:ext uri="{FF2B5EF4-FFF2-40B4-BE49-F238E27FC236}">
-                    <a16:creationId xmlns:a16="http://schemas.microsoft.com/office/drawing/2014/main" id="{03ABCE4C-8F3F-495D-81DE-0857738BB089}"/>
-                  </a:ext>
-                </a:extLst>
-              </p:cNvPr>
-              <p:cNvSpPr>
-                <a:spLocks noEditPoints="1"/>
-              </p:cNvSpPr>
-              <p:nvPr/>
-            </p:nvSpPr>
-            <p:spPr bwMode="auto">
-              <a:xfrm>
-                <a:off x="5784" y="1008"/>
-                <a:ext cx="31" cy="30"/>
-              </a:xfrm>
-              <a:custGeom>
-                <a:avLst/>
-                <a:gdLst>
-                  <a:gd name="T0" fmla="*/ 21 w 42"/>
-                  <a:gd name="T1" fmla="*/ 0 h 41"/>
-                  <a:gd name="T2" fmla="*/ 42 w 42"/>
-                  <a:gd name="T3" fmla="*/ 20 h 41"/>
-                  <a:gd name="T4" fmla="*/ 21 w 42"/>
-                  <a:gd name="T5" fmla="*/ 41 h 41"/>
-                  <a:gd name="T6" fmla="*/ 0 w 42"/>
-                  <a:gd name="T7" fmla="*/ 20 h 41"/>
-                  <a:gd name="T8" fmla="*/ 21 w 42"/>
-                  <a:gd name="T9" fmla="*/ 0 h 41"/>
-                  <a:gd name="T10" fmla="*/ 21 w 42"/>
-                  <a:gd name="T11" fmla="*/ 38 h 41"/>
-                  <a:gd name="T12" fmla="*/ 38 w 42"/>
-                  <a:gd name="T13" fmla="*/ 20 h 41"/>
-                  <a:gd name="T14" fmla="*/ 21 w 42"/>
-                  <a:gd name="T15" fmla="*/ 3 h 41"/>
-                  <a:gd name="T16" fmla="*/ 4 w 42"/>
-                  <a:gd name="T17" fmla="*/ 20 h 41"/>
-                  <a:gd name="T18" fmla="*/ 21 w 42"/>
-                  <a:gd name="T19" fmla="*/ 38 h 41"/>
-                  <a:gd name="T20" fmla="*/ 13 w 42"/>
-                  <a:gd name="T21" fmla="*/ 8 h 41"/>
-                  <a:gd name="T22" fmla="*/ 22 w 42"/>
-                  <a:gd name="T23" fmla="*/ 8 h 41"/>
-                  <a:gd name="T24" fmla="*/ 31 w 42"/>
-                  <a:gd name="T25" fmla="*/ 15 h 41"/>
-                  <a:gd name="T26" fmla="*/ 24 w 42"/>
-                  <a:gd name="T27" fmla="*/ 22 h 41"/>
-                  <a:gd name="T28" fmla="*/ 31 w 42"/>
-                  <a:gd name="T29" fmla="*/ 33 h 41"/>
-                  <a:gd name="T30" fmla="*/ 27 w 42"/>
-                  <a:gd name="T31" fmla="*/ 33 h 41"/>
-                  <a:gd name="T32" fmla="*/ 21 w 42"/>
-                  <a:gd name="T33" fmla="*/ 22 h 41"/>
-                  <a:gd name="T34" fmla="*/ 17 w 42"/>
-                  <a:gd name="T35" fmla="*/ 22 h 41"/>
-                  <a:gd name="T36" fmla="*/ 17 w 42"/>
-                  <a:gd name="T37" fmla="*/ 33 h 41"/>
-                  <a:gd name="T38" fmla="*/ 13 w 42"/>
-                  <a:gd name="T39" fmla="*/ 33 h 41"/>
-                  <a:gd name="T40" fmla="*/ 13 w 42"/>
-                  <a:gd name="T41" fmla="*/ 8 h 41"/>
-                  <a:gd name="T42" fmla="*/ 17 w 42"/>
-                  <a:gd name="T43" fmla="*/ 19 h 41"/>
-                  <a:gd name="T44" fmla="*/ 20 w 42"/>
-                  <a:gd name="T45" fmla="*/ 19 h 41"/>
-                  <a:gd name="T46" fmla="*/ 27 w 42"/>
-                  <a:gd name="T47" fmla="*/ 15 h 41"/>
-                  <a:gd name="T48" fmla="*/ 22 w 42"/>
-                  <a:gd name="T49" fmla="*/ 11 h 41"/>
-                  <a:gd name="T50" fmla="*/ 17 w 42"/>
-                  <a:gd name="T51" fmla="*/ 11 h 41"/>
-                  <a:gd name="T52" fmla="*/ 17 w 42"/>
-                  <a:gd name="T53" fmla="*/ 19 h 41"/>
-                </a:gdLst>
-                <a:ahLst/>
-                <a:cxnLst>
-                  <a:cxn ang="0">
-                    <a:pos x="T0" y="T1"/>
-                  </a:cxn>
-                  <a:cxn ang="0">
-                    <a:pos x="T2" y="T3"/>
-                  </a:cxn>
-                  <a:cxn ang="0">
-                    <a:pos x="T4" y="T5"/>
-                  </a:cxn>
-                  <a:cxn ang="0">
-                    <a:pos x="T6" y="T7"/>
-                  </a:cxn>
-                  <a:cxn ang="0">
-                    <a:pos x="T8" y="T9"/>
-                  </a:cxn>
-                  <a:cxn ang="0">
-                    <a:pos x="T10" y="T11"/>
-                  </a:cxn>
-                  <a:cxn ang="0">
-                    <a:pos x="T12" y="T13"/>
-                  </a:cxn>
-                  <a:cxn ang="0">
-                    <a:pos x="T14" y="T15"/>
-                  </a:cxn>
-                  <a:cxn ang="0">
-                    <a:pos x="T16" y="T17"/>
-                  </a:cxn>
-                  <a:cxn ang="0">
-                    <a:pos x="T18" y="T19"/>
-                  </a:cxn>
-                  <a:cxn ang="0">
-                    <a:pos x="T20" y="T21"/>
-                  </a:cxn>
-                  <a:cxn ang="0">
-                    <a:pos x="T22" y="T23"/>
-                  </a:cxn>
-                  <a:cxn ang="0">
-                    <a:pos x="T24" y="T25"/>
-                  </a:cxn>
-                  <a:cxn ang="0">
-                    <a:pos x="T26" y="T27"/>
-                  </a:cxn>
-                  <a:cxn ang="0">
-                    <a:pos x="T28" y="T29"/>
-                  </a:cxn>
-                  <a:cxn ang="0">
-                    <a:pos x="T30" y="T31"/>
-                  </a:cxn>
-                  <a:cxn ang="0">
-                    <a:pos x="T32" y="T33"/>
-                  </a:cxn>
-                  <a:cxn ang="0">
-                    <a:pos x="T34" y="T35"/>
-                  </a:cxn>
-                  <a:cxn ang="0">
-                    <a:pos x="T36" y="T37"/>
-                  </a:cxn>
-                  <a:cxn ang="0">
-                    <a:pos x="T38" y="T39"/>
-                  </a:cxn>
-                  <a:cxn ang="0">
-                    <a:pos x="T40" y="T41"/>
-                  </a:cxn>
-                  <a:cxn ang="0">
-                    <a:pos x="T42" y="T43"/>
-                  </a:cxn>
-                  <a:cxn ang="0">
-                    <a:pos x="T44" y="T45"/>
-                  </a:cxn>
-                  <a:cxn ang="0">
-                    <a:pos x="T46" y="T47"/>
-                  </a:cxn>
-                  <a:cxn ang="0">
-                    <a:pos x="T48" y="T49"/>
-                  </a:cxn>
-                  <a:cxn ang="0">
-                    <a:pos x="T50" y="T51"/>
-                  </a:cxn>
-                  <a:cxn ang="0">
-                    <a:pos x="T52" y="T53"/>
-                  </a:cxn>
-                </a:cxnLst>
-                <a:rect l="0" t="0" r="r" b="b"/>
-                <a:pathLst>
-                  <a:path w="42" h="41">
-                    <a:moveTo>
-                      <a:pt x="21" y="0"/>
-                    </a:moveTo>
-                    <a:cubicBezTo>
-                      <a:pt x="32" y="0"/>
-                      <a:pt x="42" y="9"/>
-                      <a:pt x="42" y="20"/>
-                    </a:cubicBezTo>
-                    <a:cubicBezTo>
-                      <a:pt x="42" y="32"/>
-                      <a:pt x="32" y="41"/>
-                      <a:pt x="21" y="41"/>
-                    </a:cubicBezTo>
-                    <a:cubicBezTo>
-                      <a:pt x="9" y="41"/>
-                      <a:pt x="0" y="32"/>
-                      <a:pt x="0" y="20"/>
-                    </a:cubicBezTo>
-                    <a:cubicBezTo>
-                      <a:pt x="0" y="9"/>
-                      <a:pt x="9" y="0"/>
-                      <a:pt x="21" y="0"/>
-                    </a:cubicBezTo>
-                    <a:close/>
-                    <a:moveTo>
-                      <a:pt x="21" y="38"/>
-                    </a:moveTo>
-                    <a:cubicBezTo>
-                      <a:pt x="31" y="38"/>
-                      <a:pt x="38" y="31"/>
-                      <a:pt x="38" y="20"/>
-                    </a:cubicBezTo>
-                    <a:cubicBezTo>
-                      <a:pt x="38" y="10"/>
-                      <a:pt x="31" y="3"/>
-                      <a:pt x="21" y="3"/>
-                    </a:cubicBezTo>
-                    <a:cubicBezTo>
-                      <a:pt x="11" y="3"/>
-                      <a:pt x="4" y="10"/>
-                      <a:pt x="4" y="20"/>
-                    </a:cubicBezTo>
-                    <a:cubicBezTo>
-                      <a:pt x="4" y="31"/>
-                      <a:pt x="11" y="38"/>
-                      <a:pt x="21" y="38"/>
-                    </a:cubicBezTo>
-                    <a:close/>
-                    <a:moveTo>
-                      <a:pt x="13" y="8"/>
-                    </a:moveTo>
-                    <a:cubicBezTo>
-                      <a:pt x="22" y="8"/>
-                      <a:pt x="22" y="8"/>
-                      <a:pt x="22" y="8"/>
-                    </a:cubicBezTo>
-                    <a:cubicBezTo>
-                      <a:pt x="28" y="8"/>
-                      <a:pt x="31" y="11"/>
-                      <a:pt x="31" y="15"/>
-                    </a:cubicBezTo>
-                    <a:cubicBezTo>
-                      <a:pt x="31" y="20"/>
-                      <a:pt x="28" y="22"/>
-                      <a:pt x="24" y="22"/>
-                    </a:cubicBezTo>
-                    <a:cubicBezTo>
-                      <a:pt x="31" y="33"/>
-                      <a:pt x="31" y="33"/>
-                      <a:pt x="31" y="33"/>
-                    </a:cubicBezTo>
-                    <a:cubicBezTo>
-                      <a:pt x="27" y="33"/>
-                      <a:pt x="27" y="33"/>
-                      <a:pt x="27" y="33"/>
-                    </a:cubicBezTo>
-                    <a:cubicBezTo>
-                      <a:pt x="21" y="22"/>
-                      <a:pt x="21" y="22"/>
-                      <a:pt x="21" y="22"/>
-                    </a:cubicBezTo>
-                    <a:cubicBezTo>
-                      <a:pt x="17" y="22"/>
-                      <a:pt x="17" y="22"/>
-                      <a:pt x="17" y="22"/>
-                    </a:cubicBezTo>
-                    <a:cubicBezTo>
-                      <a:pt x="17" y="33"/>
-                      <a:pt x="17" y="33"/>
-                      <a:pt x="17" y="33"/>
-                    </a:cubicBezTo>
-                    <a:cubicBezTo>
-                      <a:pt x="13" y="33"/>
-                      <a:pt x="13" y="33"/>
-                      <a:pt x="13" y="33"/>
-                    </a:cubicBezTo>
-                    <a:lnTo>
-                      <a:pt x="13" y="8"/>
-                    </a:lnTo>
-                    <a:close/>
-                    <a:moveTo>
-                      <a:pt x="17" y="19"/>
-                    </a:moveTo>
-                    <a:cubicBezTo>
-                      <a:pt x="20" y="19"/>
-                      <a:pt x="20" y="19"/>
-                      <a:pt x="20" y="19"/>
-                    </a:cubicBezTo>
-                    <a:cubicBezTo>
-                      <a:pt x="24" y="19"/>
-                      <a:pt x="27" y="19"/>
-                      <a:pt x="27" y="15"/>
-                    </a:cubicBezTo>
-                    <a:cubicBezTo>
-                      <a:pt x="27" y="12"/>
-                      <a:pt x="24" y="11"/>
-                      <a:pt x="22" y="11"/>
-                    </a:cubicBezTo>
-                    <a:cubicBezTo>
-                      <a:pt x="17" y="11"/>
-                      <a:pt x="17" y="11"/>
-                      <a:pt x="17" y="11"/>
-                    </a:cubicBezTo>
-                    <a:lnTo>
-                      <a:pt x="17" y="19"/>
-                    </a:lnTo>
-                    <a:close/>
-                  </a:path>
-                </a:pathLst>
-              </a:custGeom>
-              <a:grpFill/>
-              <a:ln>
-                <a:noFill/>
-              </a:ln>
-              <a:extLst>
-                <a:ext uri="{91240B29-F687-4F45-9708-019B960494DF}">
-                  <a14:hiddenLine xmlns:a14="http://schemas.microsoft.com/office/drawing/2010/main" w="9525">
-                    <a:solidFill>
-                      <a:srgbClr val="000000"/>
-                    </a:solidFill>
-                    <a:round/>
-                    <a:headEnd/>
-                    <a:tailEnd/>
-                  </a14:hiddenLine>
-                </a:ext>
-              </a:extLst>
-            </p:spPr>
-            <p:txBody>
-              <a:bodyPr vert="horz" wrap="square" lIns="91440" tIns="45720" rIns="91440" bIns="45720" numCol="1" anchor="t" anchorCtr="0" compatLnSpc="1">
-                <a:prstTxWarp prst="textNoShape">
-                  <a:avLst/>
-                </a:prstTxWarp>
-              </a:bodyPr>
-              <a:lstStyle/>
-              <a:p>
-                <a:endParaRPr lang="en-US"/>
-              </a:p>
-            </p:txBody>
-          </p:sp>
-        </p:grpSp>
-      </p:grpSp>
+          </a:ln>
+        </p:spPr>
+        <p:txBody>
+          <a:bodyPr/>
+          <a:lstStyle/>
+          <a:p>
+            <a:pPr marL="57150" indent="0" algn="ctr">
+              <a:buNone/>
+            </a:pPr>
+            <a:r>
+              <a:rPr lang="en-US" b="1" u="sng" dirty="0" smtClean="0"/>
+              <a:t>Team 1</a:t>
+            </a:r>
+          </a:p>
+          <a:p>
+            <a:r>
+              <a:rPr lang="en-US" dirty="0" smtClean="0"/>
+              <a:t>Student 1</a:t>
+            </a:r>
+            <a:endParaRPr lang="en-US" dirty="0"/>
+          </a:p>
+        </p:txBody>
+      </p:sp>
+      <p:sp>
+        <p:nvSpPr>
+          <p:cNvPr id="4" name="Content Placeholder 3"/>
+          <p:cNvSpPr>
+            <a:spLocks noGrp="1"/>
+          </p:cNvSpPr>
+          <p:nvPr>
+            <p:ph sz="half" idx="2"/>
+          </p:nvPr>
+        </p:nvSpPr>
+        <p:spPr>
+          <a:ln>
+            <a:solidFill>
+              <a:schemeClr val="tx2"/>
+            </a:solidFill>
+          </a:ln>
+        </p:spPr>
+        <p:txBody>
+          <a:bodyPr/>
+          <a:lstStyle/>
+          <a:p>
+            <a:pPr marL="57150" indent="0" algn="ctr">
+              <a:buNone/>
+            </a:pPr>
+            <a:r>
+              <a:rPr lang="en-US" b="1" u="sng" dirty="0" smtClean="0"/>
+              <a:t>Team 2</a:t>
+            </a:r>
+            <a:endParaRPr lang="en-US" b="1" u="sng" dirty="0"/>
+          </a:p>
+          <a:p>
+            <a:r>
+              <a:rPr lang="en-US" dirty="0"/>
+              <a:t>Student 1</a:t>
+            </a:r>
+          </a:p>
+        </p:txBody>
+      </p:sp>
+      <p:sp>
+        <p:nvSpPr>
+          <p:cNvPr id="5" name="Content Placeholder 4"/>
+          <p:cNvSpPr>
+            <a:spLocks noGrp="1"/>
+          </p:cNvSpPr>
+          <p:nvPr>
+            <p:ph sz="half" idx="10"/>
+          </p:nvPr>
+        </p:nvSpPr>
+        <p:spPr>
+          <a:ln>
+            <a:solidFill>
+              <a:schemeClr val="tx1"/>
+            </a:solidFill>
+          </a:ln>
+        </p:spPr>
+        <p:txBody>
+          <a:bodyPr/>
+          <a:lstStyle/>
+          <a:p>
+            <a:pPr marL="57150" indent="0" algn="ctr">
+              <a:buNone/>
+            </a:pPr>
+            <a:r>
+              <a:rPr lang="en-US" b="1" u="sng" dirty="0" smtClean="0"/>
+              <a:t>Team 3</a:t>
+            </a:r>
+            <a:endParaRPr lang="en-US" b="1" u="sng" dirty="0"/>
+          </a:p>
+          <a:p>
+            <a:r>
+              <a:rPr lang="en-US" dirty="0"/>
+              <a:t>Student </a:t>
+            </a:r>
+            <a:r>
+              <a:rPr lang="en-US" dirty="0" smtClean="0"/>
+              <a:t>1</a:t>
+            </a:r>
+          </a:p>
+        </p:txBody>
+      </p:sp>
     </p:spTree>
     <p:extLst>
       <p:ext uri="{BB962C8B-B14F-4D97-AF65-F5344CB8AC3E}">
-        <p14:creationId xmlns:p14="http://schemas.microsoft.com/office/powerpoint/2010/main" val="1399880830"/>
+        <p14:creationId xmlns:p14="http://schemas.microsoft.com/office/powerpoint/2010/main" val="126340359"/>
       </p:ext>
     </p:extLst>
   </p:cSld>
@@ -35700,7 +32812,196 @@
           <a:p>
             <a:r>
               <a:rPr lang="en-US" dirty="0" smtClean="0"/>
-              <a:t>What four things are required for a CSS declaration?</a:t>
+              <a:t>8. Which CSS property can make text larger?</a:t>
+            </a:r>
+            <a:endParaRPr lang="en-US" dirty="0"/>
+          </a:p>
+        </p:txBody>
+      </p:sp>
+      <p:sp>
+        <p:nvSpPr>
+          <p:cNvPr id="3" name="Content Placeholder 2"/>
+          <p:cNvSpPr>
+            <a:spLocks noGrp="1"/>
+          </p:cNvSpPr>
+          <p:nvPr>
+            <p:ph idx="1"/>
+          </p:nvPr>
+        </p:nvSpPr>
+        <p:spPr/>
+        <p:txBody>
+          <a:bodyPr anchor="ctr">
+            <a:normAutofit/>
+          </a:bodyPr>
+          <a:lstStyle/>
+          <a:p>
+            <a:pPr marL="57150" indent="0" algn="ctr">
+              <a:buNone/>
+            </a:pPr>
+            <a:r>
+              <a:rPr lang="en-US" sz="8800" dirty="0" smtClean="0">
+                <a:solidFill>
+                  <a:srgbClr val="FF0000"/>
+                </a:solidFill>
+                <a:latin typeface="Consolas" panose="020B0609020204030204" pitchFamily="49" charset="0"/>
+              </a:rPr>
+              <a:t>font-size</a:t>
+            </a:r>
+            <a:endParaRPr lang="en-US" sz="8800" b="0" dirty="0">
+              <a:solidFill>
+                <a:srgbClr val="000000"/>
+              </a:solidFill>
+              <a:effectLst/>
+              <a:latin typeface="Consolas" panose="020B0609020204030204" pitchFamily="49" charset="0"/>
+            </a:endParaRPr>
+          </a:p>
+        </p:txBody>
+      </p:sp>
+    </p:spTree>
+    <p:extLst>
+      <p:ext uri="{BB962C8B-B14F-4D97-AF65-F5344CB8AC3E}">
+        <p14:creationId xmlns:p14="http://schemas.microsoft.com/office/powerpoint/2010/main" val="284628488"/>
+      </p:ext>
+    </p:extLst>
+  </p:cSld>
+  <p:clrMapOvr>
+    <a:masterClrMapping/>
+  </p:clrMapOvr>
+  <p:transition>
+    <p:fade/>
+  </p:transition>
+  <p:timing>
+    <p:tnLst>
+      <p:par>
+        <p:cTn id="1" dur="indefinite" restart="never" nodeType="tmRoot">
+          <p:childTnLst>
+            <p:seq concurrent="1" nextAc="seek">
+              <p:cTn id="2" dur="indefinite" nodeType="mainSeq">
+                <p:childTnLst>
+                  <p:par>
+                    <p:cTn id="3" fill="hold">
+                      <p:stCondLst>
+                        <p:cond delay="indefinite"/>
+                      </p:stCondLst>
+                      <p:childTnLst>
+                        <p:par>
+                          <p:cTn id="4" fill="hold">
+                            <p:stCondLst>
+                              <p:cond delay="0"/>
+                            </p:stCondLst>
+                            <p:childTnLst>
+                              <p:par>
+                                <p:cTn id="5" presetID="10" presetClass="entr" presetSubtype="0" fill="hold" grpId="0" nodeType="clickEffect">
+                                  <p:stCondLst>
+                                    <p:cond delay="0"/>
+                                  </p:stCondLst>
+                                  <p:childTnLst>
+                                    <p:set>
+                                      <p:cBhvr>
+                                        <p:cTn id="6" dur="1" fill="hold">
+                                          <p:stCondLst>
+                                            <p:cond delay="0"/>
+                                          </p:stCondLst>
+                                        </p:cTn>
+                                        <p:tgtEl>
+                                          <p:spTgt spid="3">
+                                            <p:txEl>
+                                              <p:pRg st="0" end="0"/>
+                                            </p:txEl>
+                                          </p:spTgt>
+                                        </p:tgtEl>
+                                        <p:attrNameLst>
+                                          <p:attrName>style.visibility</p:attrName>
+                                        </p:attrNameLst>
+                                      </p:cBhvr>
+                                      <p:to>
+                                        <p:strVal val="visible"/>
+                                      </p:to>
+                                    </p:set>
+                                    <p:animEffect transition="in" filter="fade">
+                                      <p:cBhvr>
+                                        <p:cTn id="7" dur="500"/>
+                                        <p:tgtEl>
+                                          <p:spTgt spid="3">
+                                            <p:txEl>
+                                              <p:pRg st="0" end="0"/>
+                                            </p:txEl>
+                                          </p:spTgt>
+                                        </p:tgtEl>
+                                      </p:cBhvr>
+                                    </p:animEffect>
+                                  </p:childTnLst>
+                                </p:cTn>
+                              </p:par>
+                            </p:childTnLst>
+                          </p:cTn>
+                        </p:par>
+                      </p:childTnLst>
+                    </p:cTn>
+                  </p:par>
+                </p:childTnLst>
+              </p:cTn>
+              <p:prevCondLst>
+                <p:cond evt="onPrev" delay="0">
+                  <p:tgtEl>
+                    <p:sldTgt/>
+                  </p:tgtEl>
+                </p:cond>
+              </p:prevCondLst>
+              <p:nextCondLst>
+                <p:cond evt="onNext" delay="0">
+                  <p:tgtEl>
+                    <p:sldTgt/>
+                  </p:tgtEl>
+                </p:cond>
+              </p:nextCondLst>
+            </p:seq>
+          </p:childTnLst>
+        </p:cTn>
+      </p:par>
+    </p:tnLst>
+    <p:bldLst>
+      <p:bldP spid="3" grpId="0" build="p"/>
+    </p:bldLst>
+  </p:timing>
+</p:sld>
+</file>
+
+<file path=ppt/slides/slide11.xml><?xml version="1.0" encoding="utf-8"?>
+<p:sld xmlns:a="http://schemas.openxmlformats.org/drawingml/2006/main" xmlns:r="http://schemas.openxmlformats.org/officeDocument/2006/relationships" xmlns:p="http://schemas.openxmlformats.org/presentationml/2006/main">
+  <p:cSld>
+    <p:spTree>
+      <p:nvGrpSpPr>
+        <p:cNvPr id="1" name=""/>
+        <p:cNvGrpSpPr/>
+        <p:nvPr/>
+      </p:nvGrpSpPr>
+      <p:grpSpPr>
+        <a:xfrm>
+          <a:off x="0" y="0"/>
+          <a:ext cx="0" cy="0"/>
+          <a:chOff x="0" y="0"/>
+          <a:chExt cx="0" cy="0"/>
+        </a:xfrm>
+      </p:grpSpPr>
+      <p:sp>
+        <p:nvSpPr>
+          <p:cNvPr id="2" name="Title 1"/>
+          <p:cNvSpPr>
+            <a:spLocks noGrp="1"/>
+          </p:cNvSpPr>
+          <p:nvPr>
+            <p:ph type="title"/>
+          </p:nvPr>
+        </p:nvSpPr>
+        <p:spPr/>
+        <p:txBody>
+          <a:bodyPr/>
+          <a:lstStyle/>
+          <a:p>
+            <a:r>
+              <a:rPr lang="en-US" dirty="0" smtClean="0"/>
+              <a:t>9. What four things are required for a CSS declaration?</a:t>
             </a:r>
             <a:endParaRPr lang="en-US" dirty="0"/>
           </a:p>
@@ -36068,7 +33369,7 @@
 </p:sld>
 </file>
 
-<file path=ppt/slides/slide11.xml><?xml version="1.0" encoding="utf-8"?>
+<file path=ppt/slides/slide12.xml><?xml version="1.0" encoding="utf-8"?>
 <p:sld xmlns:a="http://schemas.openxmlformats.org/drawingml/2006/main" xmlns:r="http://schemas.openxmlformats.org/officeDocument/2006/relationships" xmlns:p="http://schemas.openxmlformats.org/presentationml/2006/main">
   <p:cSld>
     <p:spTree>
@@ -36102,7 +33403,7 @@
           <a:p>
             <a:r>
               <a:rPr lang="en-US" dirty="0" smtClean="0"/>
-              <a:t>Create a CSS ruleset that makes all anchor elements appear orange</a:t>
+              <a:t>10. Create a CSS ruleset that makes all anchor elements appear orange</a:t>
             </a:r>
             <a:endParaRPr lang="en-US" dirty="0"/>
           </a:p>
@@ -36415,7 +33716,7 @@
 </p:sld>
 </file>
 
-<file path=ppt/slides/slide12.xml><?xml version="1.0" encoding="utf-8"?>
+<file path=ppt/slides/slide13.xml><?xml version="1.0" encoding="utf-8"?>
 <p:sld xmlns:a="http://schemas.openxmlformats.org/drawingml/2006/main" xmlns:r="http://schemas.openxmlformats.org/officeDocument/2006/relationships" xmlns:p="http://schemas.openxmlformats.org/presentationml/2006/main">
   <p:cSld>
     <p:spTree>
@@ -36449,7 +33750,7 @@
           <a:p>
             <a:r>
               <a:rPr lang="en-US" dirty="0" smtClean="0"/>
-              <a:t>What does the following ruleset do?</a:t>
+              <a:t>11. What does the following ruleset do?</a:t>
             </a:r>
             <a:endParaRPr lang="en-US" dirty="0"/>
           </a:p>
@@ -36618,19 +33919,6 @@
               </a:rPr>
               <a:t>Makes every paragraph element bold</a:t>
             </a:r>
-            <a:endParaRPr lang="en-US" sz="4000" dirty="0" smtClean="0">
-              <a:gradFill>
-                <a:gsLst>
-                  <a:gs pos="2917">
-                    <a:schemeClr val="tx1"/>
-                  </a:gs>
-                  <a:gs pos="30000">
-                    <a:schemeClr val="tx1"/>
-                  </a:gs>
-                </a:gsLst>
-                <a:lin ang="5400000" scaled="0"/>
-              </a:gradFill>
-            </a:endParaRPr>
           </a:p>
         </p:txBody>
       </p:sp>
@@ -36736,7 +34024,7 @@
 </p:sld>
 </file>
 
-<file path=ppt/slides/slide13.xml><?xml version="1.0" encoding="utf-8"?>
+<file path=ppt/slides/slide14.xml><?xml version="1.0" encoding="utf-8"?>
 <p:sld xmlns:a="http://schemas.openxmlformats.org/drawingml/2006/main" xmlns:r="http://schemas.openxmlformats.org/officeDocument/2006/relationships" xmlns:p="http://schemas.openxmlformats.org/presentationml/2006/main">
   <p:cSld>
     <p:spTree>
@@ -36770,7 +34058,192 @@
           <a:p>
             <a:r>
               <a:rPr lang="en-US" dirty="0" smtClean="0"/>
-              <a:t>What does CSS stand for?</a:t>
+              <a:t>12. What is a CSS property?</a:t>
+            </a:r>
+            <a:endParaRPr lang="en-US" dirty="0"/>
+          </a:p>
+        </p:txBody>
+      </p:sp>
+      <p:sp>
+        <p:nvSpPr>
+          <p:cNvPr id="3" name="Content Placeholder 2"/>
+          <p:cNvSpPr>
+            <a:spLocks noGrp="1"/>
+          </p:cNvSpPr>
+          <p:nvPr>
+            <p:ph idx="1"/>
+          </p:nvPr>
+        </p:nvSpPr>
+        <p:spPr/>
+        <p:txBody>
+          <a:bodyPr anchor="ctr">
+            <a:normAutofit/>
+          </a:bodyPr>
+          <a:lstStyle/>
+          <a:p>
+            <a:pPr marL="57150" indent="0" algn="ctr">
+              <a:buNone/>
+            </a:pPr>
+            <a:r>
+              <a:rPr lang="en-US" sz="6600" dirty="0" smtClean="0">
+                <a:latin typeface="+mj-lt"/>
+              </a:rPr>
+              <a:t>An </a:t>
+            </a:r>
+            <a:r>
+              <a:rPr lang="en-US" sz="6600" dirty="0">
+                <a:latin typeface="+mj-lt"/>
+              </a:rPr>
+              <a:t>identifier that indicates which stylistic features to change</a:t>
+            </a:r>
+          </a:p>
+        </p:txBody>
+      </p:sp>
+    </p:spTree>
+    <p:extLst>
+      <p:ext uri="{BB962C8B-B14F-4D97-AF65-F5344CB8AC3E}">
+        <p14:creationId xmlns:p14="http://schemas.microsoft.com/office/powerpoint/2010/main" val="484732111"/>
+      </p:ext>
+    </p:extLst>
+  </p:cSld>
+  <p:clrMapOvr>
+    <a:masterClrMapping/>
+  </p:clrMapOvr>
+  <p:transition>
+    <p:fade/>
+  </p:transition>
+  <p:timing>
+    <p:tnLst>
+      <p:par>
+        <p:cTn id="1" dur="indefinite" restart="never" nodeType="tmRoot">
+          <p:childTnLst>
+            <p:seq concurrent="1" nextAc="seek">
+              <p:cTn id="2" dur="indefinite" nodeType="mainSeq">
+                <p:childTnLst>
+                  <p:par>
+                    <p:cTn id="3" fill="hold">
+                      <p:stCondLst>
+                        <p:cond delay="indefinite"/>
+                      </p:stCondLst>
+                      <p:childTnLst>
+                        <p:par>
+                          <p:cTn id="4" fill="hold">
+                            <p:stCondLst>
+                              <p:cond delay="0"/>
+                            </p:stCondLst>
+                            <p:childTnLst>
+                              <p:par>
+                                <p:cTn id="5" presetID="10" presetClass="entr" presetSubtype="0" fill="hold" grpId="0" nodeType="clickEffect">
+                                  <p:stCondLst>
+                                    <p:cond delay="0"/>
+                                  </p:stCondLst>
+                                  <p:childTnLst>
+                                    <p:set>
+                                      <p:cBhvr>
+                                        <p:cTn id="6" dur="1" fill="hold">
+                                          <p:stCondLst>
+                                            <p:cond delay="0"/>
+                                          </p:stCondLst>
+                                        </p:cTn>
+                                        <p:tgtEl>
+                                          <p:spTgt spid="3">
+                                            <p:txEl>
+                                              <p:pRg st="0" end="0"/>
+                                            </p:txEl>
+                                          </p:spTgt>
+                                        </p:tgtEl>
+                                        <p:attrNameLst>
+                                          <p:attrName>style.visibility</p:attrName>
+                                        </p:attrNameLst>
+                                      </p:cBhvr>
+                                      <p:to>
+                                        <p:strVal val="visible"/>
+                                      </p:to>
+                                    </p:set>
+                                    <p:animEffect transition="in" filter="fade">
+                                      <p:cBhvr>
+                                        <p:cTn id="7" dur="500"/>
+                                        <p:tgtEl>
+                                          <p:spTgt spid="3">
+                                            <p:txEl>
+                                              <p:pRg st="0" end="0"/>
+                                            </p:txEl>
+                                          </p:spTgt>
+                                        </p:tgtEl>
+                                      </p:cBhvr>
+                                    </p:animEffect>
+                                  </p:childTnLst>
+                                </p:cTn>
+                              </p:par>
+                            </p:childTnLst>
+                          </p:cTn>
+                        </p:par>
+                      </p:childTnLst>
+                    </p:cTn>
+                  </p:par>
+                </p:childTnLst>
+              </p:cTn>
+              <p:prevCondLst>
+                <p:cond evt="onPrev" delay="0">
+                  <p:tgtEl>
+                    <p:sldTgt/>
+                  </p:tgtEl>
+                </p:cond>
+              </p:prevCondLst>
+              <p:nextCondLst>
+                <p:cond evt="onNext" delay="0">
+                  <p:tgtEl>
+                    <p:sldTgt/>
+                  </p:tgtEl>
+                </p:cond>
+              </p:nextCondLst>
+            </p:seq>
+          </p:childTnLst>
+        </p:cTn>
+      </p:par>
+    </p:tnLst>
+    <p:bldLst>
+      <p:bldP spid="3" grpId="0" build="p"/>
+    </p:bldLst>
+  </p:timing>
+</p:sld>
+</file>
+
+<file path=ppt/slides/slide15.xml><?xml version="1.0" encoding="utf-8"?>
+<p:sld xmlns:a="http://schemas.openxmlformats.org/drawingml/2006/main" xmlns:r="http://schemas.openxmlformats.org/officeDocument/2006/relationships" xmlns:p="http://schemas.openxmlformats.org/presentationml/2006/main">
+  <p:cSld>
+    <p:spTree>
+      <p:nvGrpSpPr>
+        <p:cNvPr id="1" name=""/>
+        <p:cNvGrpSpPr/>
+        <p:nvPr/>
+      </p:nvGrpSpPr>
+      <p:grpSpPr>
+        <a:xfrm>
+          <a:off x="0" y="0"/>
+          <a:ext cx="0" cy="0"/>
+          <a:chOff x="0" y="0"/>
+          <a:chExt cx="0" cy="0"/>
+        </a:xfrm>
+      </p:grpSpPr>
+      <p:sp>
+        <p:nvSpPr>
+          <p:cNvPr id="2" name="Title 1"/>
+          <p:cNvSpPr>
+            <a:spLocks noGrp="1"/>
+          </p:cNvSpPr>
+          <p:nvPr>
+            <p:ph type="title"/>
+          </p:nvPr>
+        </p:nvSpPr>
+        <p:spPr/>
+        <p:txBody>
+          <a:bodyPr/>
+          <a:lstStyle/>
+          <a:p>
+            <a:r>
+              <a:rPr lang="en-US" dirty="0" smtClean="0"/>
+              <a:t>Tie-breaker: What does CSS stand for?</a:t>
             </a:r>
             <a:endParaRPr lang="en-US" dirty="0"/>
           </a:p>
@@ -36948,7 +34421,3073 @@
 </p:sld>
 </file>
 
-<file path=ppt/slides/slide14.xml><?xml version="1.0" encoding="utf-8"?>
+<file path=ppt/slides/slide2.xml><?xml version="1.0" encoding="utf-8"?>
+<p:sld xmlns:a="http://schemas.openxmlformats.org/drawingml/2006/main" xmlns:r="http://schemas.openxmlformats.org/officeDocument/2006/relationships" xmlns:p="http://schemas.openxmlformats.org/presentationml/2006/main">
+  <p:cSld>
+    <p:spTree>
+      <p:nvGrpSpPr>
+        <p:cNvPr id="1" name=""/>
+        <p:cNvGrpSpPr/>
+        <p:nvPr/>
+      </p:nvGrpSpPr>
+      <p:grpSpPr>
+        <a:xfrm>
+          <a:off x="0" y="0"/>
+          <a:ext cx="0" cy="0"/>
+          <a:chOff x="0" y="0"/>
+          <a:chExt cx="0" cy="0"/>
+        </a:xfrm>
+      </p:grpSpPr>
+      <p:sp>
+        <p:nvSpPr>
+          <p:cNvPr id="2" name="Title 1"/>
+          <p:cNvSpPr>
+            <a:spLocks noGrp="1"/>
+          </p:cNvSpPr>
+          <p:nvPr>
+            <p:ph type="ctrTitle"/>
+          </p:nvPr>
+        </p:nvSpPr>
+        <p:spPr>
+          <a:xfrm>
+            <a:off x="380999" y="228600"/>
+            <a:ext cx="8801101" cy="2743200"/>
+          </a:xfrm>
+        </p:spPr>
+        <p:txBody>
+          <a:bodyPr>
+            <a:noAutofit/>
+          </a:bodyPr>
+          <a:lstStyle/>
+          <a:p>
+            <a:r>
+              <a:rPr lang="en-US" sz="6600" dirty="0" smtClean="0"/>
+              <a:t>HTML &amp; CSS Review</a:t>
+            </a:r>
+            <a:endParaRPr lang="en-US" sz="6600" dirty="0"/>
+          </a:p>
+        </p:txBody>
+      </p:sp>
+      <p:sp>
+        <p:nvSpPr>
+          <p:cNvPr id="3" name="Subtitle 2"/>
+          <p:cNvSpPr>
+            <a:spLocks noGrp="1"/>
+          </p:cNvSpPr>
+          <p:nvPr>
+            <p:ph type="subTitle" idx="1"/>
+          </p:nvPr>
+        </p:nvSpPr>
+        <p:spPr>
+          <a:xfrm>
+            <a:off x="381000" y="3429000"/>
+            <a:ext cx="4883068" cy="553998"/>
+          </a:xfrm>
+        </p:spPr>
+        <p:txBody>
+          <a:bodyPr/>
+          <a:lstStyle/>
+          <a:p>
+            <a:r>
+              <a:rPr lang="en-US" dirty="0" smtClean="0"/>
+              <a:t>Hy-Tech Club: Web 101</a:t>
+            </a:r>
+            <a:endParaRPr lang="en-US" dirty="0"/>
+          </a:p>
+        </p:txBody>
+      </p:sp>
+      <p:grpSp>
+        <p:nvGrpSpPr>
+          <p:cNvPr id="7" name="Group 6"/>
+          <p:cNvGrpSpPr>
+            <a:grpSpLocks noChangeAspect="1"/>
+          </p:cNvGrpSpPr>
+          <p:nvPr/>
+        </p:nvGrpSpPr>
+        <p:grpSpPr>
+          <a:xfrm>
+            <a:off x="9966960" y="4343400"/>
+            <a:ext cx="1828800" cy="1828800"/>
+            <a:chOff x="4724400" y="2057400"/>
+            <a:chExt cx="2743200" cy="2743200"/>
+          </a:xfrm>
+        </p:grpSpPr>
+        <p:sp>
+          <p:nvSpPr>
+            <p:cNvPr id="8" name="Rectangle 7">
+              <a:extLst>
+                <a:ext uri="{FF2B5EF4-FFF2-40B4-BE49-F238E27FC236}">
+                  <a16:creationId xmlns:a16="http://schemas.microsoft.com/office/drawing/2014/main" id="{D29DC7FE-AC82-431F-98BF-29FC267130B1}"/>
+                </a:ext>
+              </a:extLst>
+            </p:cNvPr>
+            <p:cNvSpPr/>
+            <p:nvPr/>
+          </p:nvSpPr>
+          <p:spPr>
+            <a:xfrm>
+              <a:off x="4724400" y="2057400"/>
+              <a:ext cx="2743200" cy="2743200"/>
+            </a:xfrm>
+            <a:prstGeom prst="rect">
+              <a:avLst/>
+            </a:prstGeom>
+            <a:gradFill flip="none" rotWithShape="1">
+              <a:gsLst>
+                <a:gs pos="0">
+                  <a:srgbClr val="6ABF4B"/>
+                </a:gs>
+                <a:gs pos="99000">
+                  <a:srgbClr val="54C8E8"/>
+                </a:gs>
+              </a:gsLst>
+              <a:lin ang="2700000" scaled="1"/>
+              <a:tileRect/>
+            </a:gradFill>
+            <a:ln>
+              <a:noFill/>
+            </a:ln>
+          </p:spPr>
+          <p:style>
+            <a:lnRef idx="2">
+              <a:schemeClr val="accent1">
+                <a:shade val="50000"/>
+              </a:schemeClr>
+            </a:lnRef>
+            <a:fillRef idx="1">
+              <a:schemeClr val="accent1"/>
+            </a:fillRef>
+            <a:effectRef idx="0">
+              <a:schemeClr val="accent1"/>
+            </a:effectRef>
+            <a:fontRef idx="minor">
+              <a:schemeClr val="lt1"/>
+            </a:fontRef>
+          </p:style>
+          <p:txBody>
+            <a:bodyPr rot="0" spcFirstLastPara="0" vertOverflow="overflow" horzOverflow="overflow" vert="horz" wrap="square" lIns="91440" tIns="45720" rIns="91440" bIns="45720" numCol="1" spcCol="0" rtlCol="0" fromWordArt="0" anchor="ctr" anchorCtr="0" forceAA="0" compatLnSpc="1">
+              <a:prstTxWarp prst="textNoShape">
+                <a:avLst/>
+              </a:prstTxWarp>
+              <a:noAutofit/>
+            </a:bodyPr>
+            <a:lstStyle/>
+            <a:p>
+              <a:pPr algn="ctr"/>
+              <a:endParaRPr lang="en-US" sz="2700" dirty="0"/>
+            </a:p>
+          </p:txBody>
+        </p:sp>
+        <p:grpSp>
+          <p:nvGrpSpPr>
+            <p:cNvPr id="9" name="Group 4">
+              <a:extLst>
+                <a:ext uri="{FF2B5EF4-FFF2-40B4-BE49-F238E27FC236}">
+                  <a16:creationId xmlns:a16="http://schemas.microsoft.com/office/drawing/2014/main" id="{BB74FD83-EF1E-43B0-BAC9-95799264DF40}"/>
+                </a:ext>
+              </a:extLst>
+            </p:cNvPr>
+            <p:cNvGrpSpPr>
+              <a:grpSpLocks noChangeAspect="1"/>
+            </p:cNvGrpSpPr>
+            <p:nvPr userDrawn="1"/>
+          </p:nvGrpSpPr>
+          <p:grpSpPr bwMode="auto">
+            <a:xfrm>
+              <a:off x="5154168" y="3116582"/>
+              <a:ext cx="1883664" cy="624837"/>
+              <a:chOff x="4992" y="1007"/>
+              <a:chExt cx="823" cy="273"/>
+            </a:xfrm>
+            <a:solidFill>
+              <a:srgbClr val="FFFFFF"/>
+            </a:solidFill>
+          </p:grpSpPr>
+          <p:sp>
+            <p:nvSpPr>
+              <p:cNvPr id="10" name="Freeform 5">
+                <a:extLst>
+                  <a:ext uri="{FF2B5EF4-FFF2-40B4-BE49-F238E27FC236}">
+                    <a16:creationId xmlns:a16="http://schemas.microsoft.com/office/drawing/2014/main" id="{684C248C-E801-46CE-89AA-270E8706AE3C}"/>
+                  </a:ext>
+                </a:extLst>
+              </p:cNvPr>
+              <p:cNvSpPr>
+                <a:spLocks/>
+              </p:cNvSpPr>
+              <p:nvPr/>
+            </p:nvSpPr>
+            <p:spPr bwMode="auto">
+              <a:xfrm>
+                <a:off x="4992" y="1017"/>
+                <a:ext cx="189" cy="197"/>
+              </a:xfrm>
+              <a:custGeom>
+                <a:avLst/>
+                <a:gdLst>
+                  <a:gd name="T0" fmla="*/ 0 w 189"/>
+                  <a:gd name="T1" fmla="*/ 187 h 197"/>
+                  <a:gd name="T2" fmla="*/ 21 w 189"/>
+                  <a:gd name="T3" fmla="*/ 183 h 197"/>
+                  <a:gd name="T4" fmla="*/ 21 w 189"/>
+                  <a:gd name="T5" fmla="*/ 15 h 197"/>
+                  <a:gd name="T6" fmla="*/ 0 w 189"/>
+                  <a:gd name="T7" fmla="*/ 12 h 197"/>
+                  <a:gd name="T8" fmla="*/ 0 w 189"/>
+                  <a:gd name="T9" fmla="*/ 0 h 197"/>
+                  <a:gd name="T10" fmla="*/ 66 w 189"/>
+                  <a:gd name="T11" fmla="*/ 0 h 197"/>
+                  <a:gd name="T12" fmla="*/ 66 w 189"/>
+                  <a:gd name="T13" fmla="*/ 12 h 197"/>
+                  <a:gd name="T14" fmla="*/ 46 w 189"/>
+                  <a:gd name="T15" fmla="*/ 14 h 197"/>
+                  <a:gd name="T16" fmla="*/ 46 w 189"/>
+                  <a:gd name="T17" fmla="*/ 94 h 197"/>
+                  <a:gd name="T18" fmla="*/ 143 w 189"/>
+                  <a:gd name="T19" fmla="*/ 94 h 197"/>
+                  <a:gd name="T20" fmla="*/ 143 w 189"/>
+                  <a:gd name="T21" fmla="*/ 14 h 197"/>
+                  <a:gd name="T22" fmla="*/ 122 w 189"/>
+                  <a:gd name="T23" fmla="*/ 12 h 197"/>
+                  <a:gd name="T24" fmla="*/ 122 w 189"/>
+                  <a:gd name="T25" fmla="*/ 0 h 197"/>
+                  <a:gd name="T26" fmla="*/ 188 w 189"/>
+                  <a:gd name="T27" fmla="*/ 0 h 197"/>
+                  <a:gd name="T28" fmla="*/ 188 w 189"/>
+                  <a:gd name="T29" fmla="*/ 12 h 197"/>
+                  <a:gd name="T30" fmla="*/ 168 w 189"/>
+                  <a:gd name="T31" fmla="*/ 14 h 197"/>
+                  <a:gd name="T32" fmla="*/ 168 w 189"/>
+                  <a:gd name="T33" fmla="*/ 183 h 197"/>
+                  <a:gd name="T34" fmla="*/ 189 w 189"/>
+                  <a:gd name="T35" fmla="*/ 187 h 197"/>
+                  <a:gd name="T36" fmla="*/ 189 w 189"/>
+                  <a:gd name="T37" fmla="*/ 197 h 197"/>
+                  <a:gd name="T38" fmla="*/ 121 w 189"/>
+                  <a:gd name="T39" fmla="*/ 197 h 197"/>
+                  <a:gd name="T40" fmla="*/ 121 w 189"/>
+                  <a:gd name="T41" fmla="*/ 187 h 197"/>
+                  <a:gd name="T42" fmla="*/ 143 w 189"/>
+                  <a:gd name="T43" fmla="*/ 183 h 197"/>
+                  <a:gd name="T44" fmla="*/ 143 w 189"/>
+                  <a:gd name="T45" fmla="*/ 109 h 197"/>
+                  <a:gd name="T46" fmla="*/ 46 w 189"/>
+                  <a:gd name="T47" fmla="*/ 109 h 197"/>
+                  <a:gd name="T48" fmla="*/ 46 w 189"/>
+                  <a:gd name="T49" fmla="*/ 183 h 197"/>
+                  <a:gd name="T50" fmla="*/ 68 w 189"/>
+                  <a:gd name="T51" fmla="*/ 187 h 197"/>
+                  <a:gd name="T52" fmla="*/ 68 w 189"/>
+                  <a:gd name="T53" fmla="*/ 197 h 197"/>
+                  <a:gd name="T54" fmla="*/ 0 w 189"/>
+                  <a:gd name="T55" fmla="*/ 197 h 197"/>
+                  <a:gd name="T56" fmla="*/ 0 w 189"/>
+                  <a:gd name="T57" fmla="*/ 187 h 197"/>
+                </a:gdLst>
+                <a:ahLst/>
+                <a:cxnLst>
+                  <a:cxn ang="0">
+                    <a:pos x="T0" y="T1"/>
+                  </a:cxn>
+                  <a:cxn ang="0">
+                    <a:pos x="T2" y="T3"/>
+                  </a:cxn>
+                  <a:cxn ang="0">
+                    <a:pos x="T4" y="T5"/>
+                  </a:cxn>
+                  <a:cxn ang="0">
+                    <a:pos x="T6" y="T7"/>
+                  </a:cxn>
+                  <a:cxn ang="0">
+                    <a:pos x="T8" y="T9"/>
+                  </a:cxn>
+                  <a:cxn ang="0">
+                    <a:pos x="T10" y="T11"/>
+                  </a:cxn>
+                  <a:cxn ang="0">
+                    <a:pos x="T12" y="T13"/>
+                  </a:cxn>
+                  <a:cxn ang="0">
+                    <a:pos x="T14" y="T15"/>
+                  </a:cxn>
+                  <a:cxn ang="0">
+                    <a:pos x="T16" y="T17"/>
+                  </a:cxn>
+                  <a:cxn ang="0">
+                    <a:pos x="T18" y="T19"/>
+                  </a:cxn>
+                  <a:cxn ang="0">
+                    <a:pos x="T20" y="T21"/>
+                  </a:cxn>
+                  <a:cxn ang="0">
+                    <a:pos x="T22" y="T23"/>
+                  </a:cxn>
+                  <a:cxn ang="0">
+                    <a:pos x="T24" y="T25"/>
+                  </a:cxn>
+                  <a:cxn ang="0">
+                    <a:pos x="T26" y="T27"/>
+                  </a:cxn>
+                  <a:cxn ang="0">
+                    <a:pos x="T28" y="T29"/>
+                  </a:cxn>
+                  <a:cxn ang="0">
+                    <a:pos x="T30" y="T31"/>
+                  </a:cxn>
+                  <a:cxn ang="0">
+                    <a:pos x="T32" y="T33"/>
+                  </a:cxn>
+                  <a:cxn ang="0">
+                    <a:pos x="T34" y="T35"/>
+                  </a:cxn>
+                  <a:cxn ang="0">
+                    <a:pos x="T36" y="T37"/>
+                  </a:cxn>
+                  <a:cxn ang="0">
+                    <a:pos x="T38" y="T39"/>
+                  </a:cxn>
+                  <a:cxn ang="0">
+                    <a:pos x="T40" y="T41"/>
+                  </a:cxn>
+                  <a:cxn ang="0">
+                    <a:pos x="T42" y="T43"/>
+                  </a:cxn>
+                  <a:cxn ang="0">
+                    <a:pos x="T44" y="T45"/>
+                  </a:cxn>
+                  <a:cxn ang="0">
+                    <a:pos x="T46" y="T47"/>
+                  </a:cxn>
+                  <a:cxn ang="0">
+                    <a:pos x="T48" y="T49"/>
+                  </a:cxn>
+                  <a:cxn ang="0">
+                    <a:pos x="T50" y="T51"/>
+                  </a:cxn>
+                  <a:cxn ang="0">
+                    <a:pos x="T52" y="T53"/>
+                  </a:cxn>
+                  <a:cxn ang="0">
+                    <a:pos x="T54" y="T55"/>
+                  </a:cxn>
+                  <a:cxn ang="0">
+                    <a:pos x="T56" y="T57"/>
+                  </a:cxn>
+                </a:cxnLst>
+                <a:rect l="0" t="0" r="r" b="b"/>
+                <a:pathLst>
+                  <a:path w="189" h="197">
+                    <a:moveTo>
+                      <a:pt x="0" y="187"/>
+                    </a:moveTo>
+                    <a:lnTo>
+                      <a:pt x="21" y="183"/>
+                    </a:lnTo>
+                    <a:lnTo>
+                      <a:pt x="21" y="15"/>
+                    </a:lnTo>
+                    <a:lnTo>
+                      <a:pt x="0" y="12"/>
+                    </a:lnTo>
+                    <a:lnTo>
+                      <a:pt x="0" y="0"/>
+                    </a:lnTo>
+                    <a:lnTo>
+                      <a:pt x="66" y="0"/>
+                    </a:lnTo>
+                    <a:lnTo>
+                      <a:pt x="66" y="12"/>
+                    </a:lnTo>
+                    <a:lnTo>
+                      <a:pt x="46" y="14"/>
+                    </a:lnTo>
+                    <a:lnTo>
+                      <a:pt x="46" y="94"/>
+                    </a:lnTo>
+                    <a:lnTo>
+                      <a:pt x="143" y="94"/>
+                    </a:lnTo>
+                    <a:lnTo>
+                      <a:pt x="143" y="14"/>
+                    </a:lnTo>
+                    <a:lnTo>
+                      <a:pt x="122" y="12"/>
+                    </a:lnTo>
+                    <a:lnTo>
+                      <a:pt x="122" y="0"/>
+                    </a:lnTo>
+                    <a:lnTo>
+                      <a:pt x="188" y="0"/>
+                    </a:lnTo>
+                    <a:lnTo>
+                      <a:pt x="188" y="12"/>
+                    </a:lnTo>
+                    <a:lnTo>
+                      <a:pt x="168" y="14"/>
+                    </a:lnTo>
+                    <a:lnTo>
+                      <a:pt x="168" y="183"/>
+                    </a:lnTo>
+                    <a:lnTo>
+                      <a:pt x="189" y="187"/>
+                    </a:lnTo>
+                    <a:lnTo>
+                      <a:pt x="189" y="197"/>
+                    </a:lnTo>
+                    <a:lnTo>
+                      <a:pt x="121" y="197"/>
+                    </a:lnTo>
+                    <a:lnTo>
+                      <a:pt x="121" y="187"/>
+                    </a:lnTo>
+                    <a:lnTo>
+                      <a:pt x="143" y="183"/>
+                    </a:lnTo>
+                    <a:lnTo>
+                      <a:pt x="143" y="109"/>
+                    </a:lnTo>
+                    <a:lnTo>
+                      <a:pt x="46" y="109"/>
+                    </a:lnTo>
+                    <a:lnTo>
+                      <a:pt x="46" y="183"/>
+                    </a:lnTo>
+                    <a:lnTo>
+                      <a:pt x="68" y="187"/>
+                    </a:lnTo>
+                    <a:lnTo>
+                      <a:pt x="68" y="197"/>
+                    </a:lnTo>
+                    <a:lnTo>
+                      <a:pt x="0" y="197"/>
+                    </a:lnTo>
+                    <a:lnTo>
+                      <a:pt x="0" y="187"/>
+                    </a:lnTo>
+                    <a:close/>
+                  </a:path>
+                </a:pathLst>
+              </a:custGeom>
+              <a:grpFill/>
+              <a:ln>
+                <a:noFill/>
+              </a:ln>
+              <a:extLst>
+                <a:ext uri="{91240B29-F687-4F45-9708-019B960494DF}">
+                  <a14:hiddenLine xmlns:a14="http://schemas.microsoft.com/office/drawing/2010/main" w="9525">
+                    <a:solidFill>
+                      <a:srgbClr val="000000"/>
+                    </a:solidFill>
+                    <a:round/>
+                    <a:headEnd/>
+                    <a:tailEnd/>
+                  </a14:hiddenLine>
+                </a:ext>
+              </a:extLst>
+            </p:spPr>
+            <p:txBody>
+              <a:bodyPr vert="horz" wrap="square" lIns="91440" tIns="45720" rIns="91440" bIns="45720" numCol="1" anchor="t" anchorCtr="0" compatLnSpc="1">
+                <a:prstTxWarp prst="textNoShape">
+                  <a:avLst/>
+                </a:prstTxWarp>
+              </a:bodyPr>
+              <a:lstStyle/>
+              <a:p>
+                <a:endParaRPr lang="en-US"/>
+              </a:p>
+            </p:txBody>
+          </p:sp>
+          <p:sp>
+            <p:nvSpPr>
+              <p:cNvPr id="11" name="Freeform 6">
+                <a:extLst>
+                  <a:ext uri="{FF2B5EF4-FFF2-40B4-BE49-F238E27FC236}">
+                    <a16:creationId xmlns:a16="http://schemas.microsoft.com/office/drawing/2014/main" id="{E53B33E3-324A-4532-975C-F9D23ED42041}"/>
+                  </a:ext>
+                </a:extLst>
+              </p:cNvPr>
+              <p:cNvSpPr>
+                <a:spLocks/>
+              </p:cNvSpPr>
+              <p:nvPr/>
+            </p:nvSpPr>
+            <p:spPr bwMode="auto">
+              <a:xfrm>
+                <a:off x="5173" y="1072"/>
+                <a:ext cx="146" cy="208"/>
+              </a:xfrm>
+              <a:custGeom>
+                <a:avLst/>
+                <a:gdLst>
+                  <a:gd name="T0" fmla="*/ 25 w 199"/>
+                  <a:gd name="T1" fmla="*/ 252 h 282"/>
+                  <a:gd name="T2" fmla="*/ 32 w 199"/>
+                  <a:gd name="T3" fmla="*/ 253 h 282"/>
+                  <a:gd name="T4" fmla="*/ 39 w 199"/>
+                  <a:gd name="T5" fmla="*/ 253 h 282"/>
+                  <a:gd name="T6" fmla="*/ 52 w 199"/>
+                  <a:gd name="T7" fmla="*/ 251 h 282"/>
+                  <a:gd name="T8" fmla="*/ 67 w 199"/>
+                  <a:gd name="T9" fmla="*/ 243 h 282"/>
+                  <a:gd name="T10" fmla="*/ 81 w 199"/>
+                  <a:gd name="T11" fmla="*/ 224 h 282"/>
+                  <a:gd name="T12" fmla="*/ 94 w 199"/>
+                  <a:gd name="T13" fmla="*/ 193 h 282"/>
+                  <a:gd name="T14" fmla="*/ 87 w 199"/>
+                  <a:gd name="T15" fmla="*/ 193 h 282"/>
+                  <a:gd name="T16" fmla="*/ 17 w 199"/>
+                  <a:gd name="T17" fmla="*/ 22 h 282"/>
+                  <a:gd name="T18" fmla="*/ 0 w 199"/>
+                  <a:gd name="T19" fmla="*/ 19 h 282"/>
+                  <a:gd name="T20" fmla="*/ 0 w 199"/>
+                  <a:gd name="T21" fmla="*/ 0 h 282"/>
+                  <a:gd name="T22" fmla="*/ 79 w 199"/>
+                  <a:gd name="T23" fmla="*/ 0 h 282"/>
+                  <a:gd name="T24" fmla="*/ 79 w 199"/>
+                  <a:gd name="T25" fmla="*/ 19 h 282"/>
+                  <a:gd name="T26" fmla="*/ 54 w 199"/>
+                  <a:gd name="T27" fmla="*/ 22 h 282"/>
+                  <a:gd name="T28" fmla="*/ 95 w 199"/>
+                  <a:gd name="T29" fmla="*/ 138 h 282"/>
+                  <a:gd name="T30" fmla="*/ 106 w 199"/>
+                  <a:gd name="T31" fmla="*/ 173 h 282"/>
+                  <a:gd name="T32" fmla="*/ 116 w 199"/>
+                  <a:gd name="T33" fmla="*/ 138 h 282"/>
+                  <a:gd name="T34" fmla="*/ 151 w 199"/>
+                  <a:gd name="T35" fmla="*/ 22 h 282"/>
+                  <a:gd name="T36" fmla="*/ 125 w 199"/>
+                  <a:gd name="T37" fmla="*/ 19 h 282"/>
+                  <a:gd name="T38" fmla="*/ 125 w 199"/>
+                  <a:gd name="T39" fmla="*/ 0 h 282"/>
+                  <a:gd name="T40" fmla="*/ 199 w 199"/>
+                  <a:gd name="T41" fmla="*/ 0 h 282"/>
+                  <a:gd name="T42" fmla="*/ 199 w 199"/>
+                  <a:gd name="T43" fmla="*/ 19 h 282"/>
+                  <a:gd name="T44" fmla="*/ 180 w 199"/>
+                  <a:gd name="T45" fmla="*/ 21 h 282"/>
+                  <a:gd name="T46" fmla="*/ 159 w 199"/>
+                  <a:gd name="T47" fmla="*/ 80 h 282"/>
+                  <a:gd name="T48" fmla="*/ 144 w 199"/>
+                  <a:gd name="T49" fmla="*/ 124 h 282"/>
+                  <a:gd name="T50" fmla="*/ 133 w 199"/>
+                  <a:gd name="T51" fmla="*/ 156 h 282"/>
+                  <a:gd name="T52" fmla="*/ 126 w 199"/>
+                  <a:gd name="T53" fmla="*/ 177 h 282"/>
+                  <a:gd name="T54" fmla="*/ 121 w 199"/>
+                  <a:gd name="T55" fmla="*/ 191 h 282"/>
+                  <a:gd name="T56" fmla="*/ 117 w 199"/>
+                  <a:gd name="T57" fmla="*/ 200 h 282"/>
+                  <a:gd name="T58" fmla="*/ 104 w 199"/>
+                  <a:gd name="T59" fmla="*/ 231 h 282"/>
+                  <a:gd name="T60" fmla="*/ 89 w 199"/>
+                  <a:gd name="T61" fmla="*/ 255 h 282"/>
+                  <a:gd name="T62" fmla="*/ 73 w 199"/>
+                  <a:gd name="T63" fmla="*/ 271 h 282"/>
+                  <a:gd name="T64" fmla="*/ 54 w 199"/>
+                  <a:gd name="T65" fmla="*/ 280 h 282"/>
+                  <a:gd name="T66" fmla="*/ 39 w 199"/>
+                  <a:gd name="T67" fmla="*/ 282 h 282"/>
+                  <a:gd name="T68" fmla="*/ 35 w 199"/>
+                  <a:gd name="T69" fmla="*/ 282 h 282"/>
+                  <a:gd name="T70" fmla="*/ 31 w 199"/>
+                  <a:gd name="T71" fmla="*/ 281 h 282"/>
+                  <a:gd name="T72" fmla="*/ 27 w 199"/>
+                  <a:gd name="T73" fmla="*/ 280 h 282"/>
+                  <a:gd name="T74" fmla="*/ 25 w 199"/>
+                  <a:gd name="T75" fmla="*/ 279 h 282"/>
+                  <a:gd name="T76" fmla="*/ 25 w 199"/>
+                  <a:gd name="T77" fmla="*/ 252 h 282"/>
+                </a:gdLst>
+                <a:ahLst/>
+                <a:cxnLst>
+                  <a:cxn ang="0">
+                    <a:pos x="T0" y="T1"/>
+                  </a:cxn>
+                  <a:cxn ang="0">
+                    <a:pos x="T2" y="T3"/>
+                  </a:cxn>
+                  <a:cxn ang="0">
+                    <a:pos x="T4" y="T5"/>
+                  </a:cxn>
+                  <a:cxn ang="0">
+                    <a:pos x="T6" y="T7"/>
+                  </a:cxn>
+                  <a:cxn ang="0">
+                    <a:pos x="T8" y="T9"/>
+                  </a:cxn>
+                  <a:cxn ang="0">
+                    <a:pos x="T10" y="T11"/>
+                  </a:cxn>
+                  <a:cxn ang="0">
+                    <a:pos x="T12" y="T13"/>
+                  </a:cxn>
+                  <a:cxn ang="0">
+                    <a:pos x="T14" y="T15"/>
+                  </a:cxn>
+                  <a:cxn ang="0">
+                    <a:pos x="T16" y="T17"/>
+                  </a:cxn>
+                  <a:cxn ang="0">
+                    <a:pos x="T18" y="T19"/>
+                  </a:cxn>
+                  <a:cxn ang="0">
+                    <a:pos x="T20" y="T21"/>
+                  </a:cxn>
+                  <a:cxn ang="0">
+                    <a:pos x="T22" y="T23"/>
+                  </a:cxn>
+                  <a:cxn ang="0">
+                    <a:pos x="T24" y="T25"/>
+                  </a:cxn>
+                  <a:cxn ang="0">
+                    <a:pos x="T26" y="T27"/>
+                  </a:cxn>
+                  <a:cxn ang="0">
+                    <a:pos x="T28" y="T29"/>
+                  </a:cxn>
+                  <a:cxn ang="0">
+                    <a:pos x="T30" y="T31"/>
+                  </a:cxn>
+                  <a:cxn ang="0">
+                    <a:pos x="T32" y="T33"/>
+                  </a:cxn>
+                  <a:cxn ang="0">
+                    <a:pos x="T34" y="T35"/>
+                  </a:cxn>
+                  <a:cxn ang="0">
+                    <a:pos x="T36" y="T37"/>
+                  </a:cxn>
+                  <a:cxn ang="0">
+                    <a:pos x="T38" y="T39"/>
+                  </a:cxn>
+                  <a:cxn ang="0">
+                    <a:pos x="T40" y="T41"/>
+                  </a:cxn>
+                  <a:cxn ang="0">
+                    <a:pos x="T42" y="T43"/>
+                  </a:cxn>
+                  <a:cxn ang="0">
+                    <a:pos x="T44" y="T45"/>
+                  </a:cxn>
+                  <a:cxn ang="0">
+                    <a:pos x="T46" y="T47"/>
+                  </a:cxn>
+                  <a:cxn ang="0">
+                    <a:pos x="T48" y="T49"/>
+                  </a:cxn>
+                  <a:cxn ang="0">
+                    <a:pos x="T50" y="T51"/>
+                  </a:cxn>
+                  <a:cxn ang="0">
+                    <a:pos x="T52" y="T53"/>
+                  </a:cxn>
+                  <a:cxn ang="0">
+                    <a:pos x="T54" y="T55"/>
+                  </a:cxn>
+                  <a:cxn ang="0">
+                    <a:pos x="T56" y="T57"/>
+                  </a:cxn>
+                  <a:cxn ang="0">
+                    <a:pos x="T58" y="T59"/>
+                  </a:cxn>
+                  <a:cxn ang="0">
+                    <a:pos x="T60" y="T61"/>
+                  </a:cxn>
+                  <a:cxn ang="0">
+                    <a:pos x="T62" y="T63"/>
+                  </a:cxn>
+                  <a:cxn ang="0">
+                    <a:pos x="T64" y="T65"/>
+                  </a:cxn>
+                  <a:cxn ang="0">
+                    <a:pos x="T66" y="T67"/>
+                  </a:cxn>
+                  <a:cxn ang="0">
+                    <a:pos x="T68" y="T69"/>
+                  </a:cxn>
+                  <a:cxn ang="0">
+                    <a:pos x="T70" y="T71"/>
+                  </a:cxn>
+                  <a:cxn ang="0">
+                    <a:pos x="T72" y="T73"/>
+                  </a:cxn>
+                  <a:cxn ang="0">
+                    <a:pos x="T74" y="T75"/>
+                  </a:cxn>
+                  <a:cxn ang="0">
+                    <a:pos x="T76" y="T77"/>
+                  </a:cxn>
+                </a:cxnLst>
+                <a:rect l="0" t="0" r="r" b="b"/>
+                <a:pathLst>
+                  <a:path w="199" h="282">
+                    <a:moveTo>
+                      <a:pt x="25" y="252"/>
+                    </a:moveTo>
+                    <a:cubicBezTo>
+                      <a:pt x="27" y="252"/>
+                      <a:pt x="29" y="253"/>
+                      <a:pt x="32" y="253"/>
+                    </a:cubicBezTo>
+                    <a:cubicBezTo>
+                      <a:pt x="34" y="253"/>
+                      <a:pt x="37" y="253"/>
+                      <a:pt x="39" y="253"/>
+                    </a:cubicBezTo>
+                    <a:cubicBezTo>
+                      <a:pt x="43" y="253"/>
+                      <a:pt x="47" y="253"/>
+                      <a:pt x="52" y="251"/>
+                    </a:cubicBezTo>
+                    <a:cubicBezTo>
+                      <a:pt x="57" y="250"/>
+                      <a:pt x="62" y="247"/>
+                      <a:pt x="67" y="243"/>
+                    </a:cubicBezTo>
+                    <a:cubicBezTo>
+                      <a:pt x="72" y="238"/>
+                      <a:pt x="77" y="232"/>
+                      <a:pt x="81" y="224"/>
+                    </a:cubicBezTo>
+                    <a:cubicBezTo>
+                      <a:pt x="86" y="216"/>
+                      <a:pt x="90" y="206"/>
+                      <a:pt x="94" y="193"/>
+                    </a:cubicBezTo>
+                    <a:cubicBezTo>
+                      <a:pt x="87" y="193"/>
+                      <a:pt x="87" y="193"/>
+                      <a:pt x="87" y="193"/>
+                    </a:cubicBezTo>
+                    <a:cubicBezTo>
+                      <a:pt x="17" y="22"/>
+                      <a:pt x="17" y="22"/>
+                      <a:pt x="17" y="22"/>
+                    </a:cubicBezTo>
+                    <a:cubicBezTo>
+                      <a:pt x="0" y="19"/>
+                      <a:pt x="0" y="19"/>
+                      <a:pt x="0" y="19"/>
+                    </a:cubicBezTo>
+                    <a:cubicBezTo>
+                      <a:pt x="0" y="0"/>
+                      <a:pt x="0" y="0"/>
+                      <a:pt x="0" y="0"/>
+                    </a:cubicBezTo>
+                    <a:cubicBezTo>
+                      <a:pt x="79" y="0"/>
+                      <a:pt x="79" y="0"/>
+                      <a:pt x="79" y="0"/>
+                    </a:cubicBezTo>
+                    <a:cubicBezTo>
+                      <a:pt x="79" y="19"/>
+                      <a:pt x="79" y="19"/>
+                      <a:pt x="79" y="19"/>
+                    </a:cubicBezTo>
+                    <a:cubicBezTo>
+                      <a:pt x="54" y="22"/>
+                      <a:pt x="54" y="22"/>
+                      <a:pt x="54" y="22"/>
+                    </a:cubicBezTo>
+                    <a:cubicBezTo>
+                      <a:pt x="95" y="138"/>
+                      <a:pt x="95" y="138"/>
+                      <a:pt x="95" y="138"/>
+                    </a:cubicBezTo>
+                    <a:cubicBezTo>
+                      <a:pt x="106" y="173"/>
+                      <a:pt x="106" y="173"/>
+                      <a:pt x="106" y="173"/>
+                    </a:cubicBezTo>
+                    <a:cubicBezTo>
+                      <a:pt x="116" y="138"/>
+                      <a:pt x="116" y="138"/>
+                      <a:pt x="116" y="138"/>
+                    </a:cubicBezTo>
+                    <a:cubicBezTo>
+                      <a:pt x="151" y="22"/>
+                      <a:pt x="151" y="22"/>
+                      <a:pt x="151" y="22"/>
+                    </a:cubicBezTo>
+                    <a:cubicBezTo>
+                      <a:pt x="125" y="19"/>
+                      <a:pt x="125" y="19"/>
+                      <a:pt x="125" y="19"/>
+                    </a:cubicBezTo>
+                    <a:cubicBezTo>
+                      <a:pt x="125" y="0"/>
+                      <a:pt x="125" y="0"/>
+                      <a:pt x="125" y="0"/>
+                    </a:cubicBezTo>
+                    <a:cubicBezTo>
+                      <a:pt x="199" y="0"/>
+                      <a:pt x="199" y="0"/>
+                      <a:pt x="199" y="0"/>
+                    </a:cubicBezTo>
+                    <a:cubicBezTo>
+                      <a:pt x="199" y="19"/>
+                      <a:pt x="199" y="19"/>
+                      <a:pt x="199" y="19"/>
+                    </a:cubicBezTo>
+                    <a:cubicBezTo>
+                      <a:pt x="180" y="21"/>
+                      <a:pt x="180" y="21"/>
+                      <a:pt x="180" y="21"/>
+                    </a:cubicBezTo>
+                    <a:cubicBezTo>
+                      <a:pt x="172" y="44"/>
+                      <a:pt x="165" y="63"/>
+                      <a:pt x="159" y="80"/>
+                    </a:cubicBezTo>
+                    <a:cubicBezTo>
+                      <a:pt x="154" y="97"/>
+                      <a:pt x="149" y="112"/>
+                      <a:pt x="144" y="124"/>
+                    </a:cubicBezTo>
+                    <a:cubicBezTo>
+                      <a:pt x="140" y="136"/>
+                      <a:pt x="136" y="147"/>
+                      <a:pt x="133" y="156"/>
+                    </a:cubicBezTo>
+                    <a:cubicBezTo>
+                      <a:pt x="130" y="164"/>
+                      <a:pt x="128" y="171"/>
+                      <a:pt x="126" y="177"/>
+                    </a:cubicBezTo>
+                    <a:cubicBezTo>
+                      <a:pt x="124" y="183"/>
+                      <a:pt x="122" y="187"/>
+                      <a:pt x="121" y="191"/>
+                    </a:cubicBezTo>
+                    <a:cubicBezTo>
+                      <a:pt x="119" y="195"/>
+                      <a:pt x="118" y="197"/>
+                      <a:pt x="117" y="200"/>
+                    </a:cubicBezTo>
+                    <a:cubicBezTo>
+                      <a:pt x="113" y="211"/>
+                      <a:pt x="108" y="222"/>
+                      <a:pt x="104" y="231"/>
+                    </a:cubicBezTo>
+                    <a:cubicBezTo>
+                      <a:pt x="99" y="240"/>
+                      <a:pt x="94" y="248"/>
+                      <a:pt x="89" y="255"/>
+                    </a:cubicBezTo>
+                    <a:cubicBezTo>
+                      <a:pt x="84" y="261"/>
+                      <a:pt x="79" y="267"/>
+                      <a:pt x="73" y="271"/>
+                    </a:cubicBezTo>
+                    <a:cubicBezTo>
+                      <a:pt x="67" y="275"/>
+                      <a:pt x="61" y="278"/>
+                      <a:pt x="54" y="280"/>
+                    </a:cubicBezTo>
+                    <a:cubicBezTo>
+                      <a:pt x="49" y="281"/>
+                      <a:pt x="44" y="282"/>
+                      <a:pt x="39" y="282"/>
+                    </a:cubicBezTo>
+                    <a:cubicBezTo>
+                      <a:pt x="37" y="282"/>
+                      <a:pt x="36" y="282"/>
+                      <a:pt x="35" y="282"/>
+                    </a:cubicBezTo>
+                    <a:cubicBezTo>
+                      <a:pt x="33" y="282"/>
+                      <a:pt x="32" y="281"/>
+                      <a:pt x="31" y="281"/>
+                    </a:cubicBezTo>
+                    <a:cubicBezTo>
+                      <a:pt x="29" y="281"/>
+                      <a:pt x="28" y="281"/>
+                      <a:pt x="27" y="280"/>
+                    </a:cubicBezTo>
+                    <a:cubicBezTo>
+                      <a:pt x="26" y="280"/>
+                      <a:pt x="25" y="280"/>
+                      <a:pt x="25" y="279"/>
+                    </a:cubicBezTo>
+                    <a:lnTo>
+                      <a:pt x="25" y="252"/>
+                    </a:lnTo>
+                    <a:close/>
+                  </a:path>
+                </a:pathLst>
+              </a:custGeom>
+              <a:grpFill/>
+              <a:ln>
+                <a:noFill/>
+              </a:ln>
+              <a:extLst>
+                <a:ext uri="{91240B29-F687-4F45-9708-019B960494DF}">
+                  <a14:hiddenLine xmlns:a14="http://schemas.microsoft.com/office/drawing/2010/main" w="9525">
+                    <a:solidFill>
+                      <a:srgbClr val="000000"/>
+                    </a:solidFill>
+                    <a:round/>
+                    <a:headEnd/>
+                    <a:tailEnd/>
+                  </a14:hiddenLine>
+                </a:ext>
+              </a:extLst>
+            </p:spPr>
+            <p:txBody>
+              <a:bodyPr vert="horz" wrap="square" lIns="91440" tIns="45720" rIns="91440" bIns="45720" numCol="1" anchor="t" anchorCtr="0" compatLnSpc="1">
+                <a:prstTxWarp prst="textNoShape">
+                  <a:avLst/>
+                </a:prstTxWarp>
+              </a:bodyPr>
+              <a:lstStyle/>
+              <a:p>
+                <a:endParaRPr lang="en-US"/>
+              </a:p>
+            </p:txBody>
+          </p:sp>
+          <p:sp>
+            <p:nvSpPr>
+              <p:cNvPr id="12" name="Freeform 7">
+                <a:extLst>
+                  <a:ext uri="{FF2B5EF4-FFF2-40B4-BE49-F238E27FC236}">
+                    <a16:creationId xmlns:a16="http://schemas.microsoft.com/office/drawing/2014/main" id="{FD727287-C9FF-49F5-8048-FECAA50EFFFC}"/>
+                  </a:ext>
+                </a:extLst>
+              </p:cNvPr>
+              <p:cNvSpPr>
+                <a:spLocks/>
+              </p:cNvSpPr>
+              <p:nvPr/>
+            </p:nvSpPr>
+            <p:spPr bwMode="auto">
+              <a:xfrm>
+                <a:off x="5312" y="1007"/>
+                <a:ext cx="69" cy="207"/>
+              </a:xfrm>
+              <a:custGeom>
+                <a:avLst/>
+                <a:gdLst>
+                  <a:gd name="T0" fmla="*/ 0 w 69"/>
+                  <a:gd name="T1" fmla="*/ 197 h 207"/>
+                  <a:gd name="T2" fmla="*/ 22 w 69"/>
+                  <a:gd name="T3" fmla="*/ 194 h 207"/>
+                  <a:gd name="T4" fmla="*/ 22 w 69"/>
+                  <a:gd name="T5" fmla="*/ 22 h 207"/>
+                  <a:gd name="T6" fmla="*/ 1 w 69"/>
+                  <a:gd name="T7" fmla="*/ 17 h 207"/>
+                  <a:gd name="T8" fmla="*/ 1 w 69"/>
+                  <a:gd name="T9" fmla="*/ 5 h 207"/>
+                  <a:gd name="T10" fmla="*/ 41 w 69"/>
+                  <a:gd name="T11" fmla="*/ 0 h 207"/>
+                  <a:gd name="T12" fmla="*/ 46 w 69"/>
+                  <a:gd name="T13" fmla="*/ 3 h 207"/>
+                  <a:gd name="T14" fmla="*/ 46 w 69"/>
+                  <a:gd name="T15" fmla="*/ 194 h 207"/>
+                  <a:gd name="T16" fmla="*/ 69 w 69"/>
+                  <a:gd name="T17" fmla="*/ 197 h 207"/>
+                  <a:gd name="T18" fmla="*/ 69 w 69"/>
+                  <a:gd name="T19" fmla="*/ 207 h 207"/>
+                  <a:gd name="T20" fmla="*/ 0 w 69"/>
+                  <a:gd name="T21" fmla="*/ 207 h 207"/>
+                  <a:gd name="T22" fmla="*/ 0 w 69"/>
+                  <a:gd name="T23" fmla="*/ 197 h 207"/>
+                </a:gdLst>
+                <a:ahLst/>
+                <a:cxnLst>
+                  <a:cxn ang="0">
+                    <a:pos x="T0" y="T1"/>
+                  </a:cxn>
+                  <a:cxn ang="0">
+                    <a:pos x="T2" y="T3"/>
+                  </a:cxn>
+                  <a:cxn ang="0">
+                    <a:pos x="T4" y="T5"/>
+                  </a:cxn>
+                  <a:cxn ang="0">
+                    <a:pos x="T6" y="T7"/>
+                  </a:cxn>
+                  <a:cxn ang="0">
+                    <a:pos x="T8" y="T9"/>
+                  </a:cxn>
+                  <a:cxn ang="0">
+                    <a:pos x="T10" y="T11"/>
+                  </a:cxn>
+                  <a:cxn ang="0">
+                    <a:pos x="T12" y="T13"/>
+                  </a:cxn>
+                  <a:cxn ang="0">
+                    <a:pos x="T14" y="T15"/>
+                  </a:cxn>
+                  <a:cxn ang="0">
+                    <a:pos x="T16" y="T17"/>
+                  </a:cxn>
+                  <a:cxn ang="0">
+                    <a:pos x="T18" y="T19"/>
+                  </a:cxn>
+                  <a:cxn ang="0">
+                    <a:pos x="T20" y="T21"/>
+                  </a:cxn>
+                  <a:cxn ang="0">
+                    <a:pos x="T22" y="T23"/>
+                  </a:cxn>
+                </a:cxnLst>
+                <a:rect l="0" t="0" r="r" b="b"/>
+                <a:pathLst>
+                  <a:path w="69" h="207">
+                    <a:moveTo>
+                      <a:pt x="0" y="197"/>
+                    </a:moveTo>
+                    <a:lnTo>
+                      <a:pt x="22" y="194"/>
+                    </a:lnTo>
+                    <a:lnTo>
+                      <a:pt x="22" y="22"/>
+                    </a:lnTo>
+                    <a:lnTo>
+                      <a:pt x="1" y="17"/>
+                    </a:lnTo>
+                    <a:lnTo>
+                      <a:pt x="1" y="5"/>
+                    </a:lnTo>
+                    <a:lnTo>
+                      <a:pt x="41" y="0"/>
+                    </a:lnTo>
+                    <a:lnTo>
+                      <a:pt x="46" y="3"/>
+                    </a:lnTo>
+                    <a:lnTo>
+                      <a:pt x="46" y="194"/>
+                    </a:lnTo>
+                    <a:lnTo>
+                      <a:pt x="69" y="197"/>
+                    </a:lnTo>
+                    <a:lnTo>
+                      <a:pt x="69" y="207"/>
+                    </a:lnTo>
+                    <a:lnTo>
+                      <a:pt x="0" y="207"/>
+                    </a:lnTo>
+                    <a:lnTo>
+                      <a:pt x="0" y="197"/>
+                    </a:lnTo>
+                    <a:close/>
+                  </a:path>
+                </a:pathLst>
+              </a:custGeom>
+              <a:grpFill/>
+              <a:ln>
+                <a:noFill/>
+              </a:ln>
+              <a:extLst>
+                <a:ext uri="{91240B29-F687-4F45-9708-019B960494DF}">
+                  <a14:hiddenLine xmlns:a14="http://schemas.microsoft.com/office/drawing/2010/main" w="9525">
+                    <a:solidFill>
+                      <a:srgbClr val="000000"/>
+                    </a:solidFill>
+                    <a:round/>
+                    <a:headEnd/>
+                    <a:tailEnd/>
+                  </a14:hiddenLine>
+                </a:ext>
+              </a:extLst>
+            </p:spPr>
+            <p:txBody>
+              <a:bodyPr vert="horz" wrap="square" lIns="91440" tIns="45720" rIns="91440" bIns="45720" numCol="1" anchor="t" anchorCtr="0" compatLnSpc="1">
+                <a:prstTxWarp prst="textNoShape">
+                  <a:avLst/>
+                </a:prstTxWarp>
+              </a:bodyPr>
+              <a:lstStyle/>
+              <a:p>
+                <a:endParaRPr lang="en-US"/>
+              </a:p>
+            </p:txBody>
+          </p:sp>
+          <p:sp>
+            <p:nvSpPr>
+              <p:cNvPr id="13" name="Freeform 8">
+                <a:extLst>
+                  <a:ext uri="{FF2B5EF4-FFF2-40B4-BE49-F238E27FC236}">
+                    <a16:creationId xmlns:a16="http://schemas.microsoft.com/office/drawing/2014/main" id="{45BAB9F8-3FA1-4FBD-878A-A0528C2607C8}"/>
+                  </a:ext>
+                </a:extLst>
+              </p:cNvPr>
+              <p:cNvSpPr>
+                <a:spLocks noEditPoints="1"/>
+              </p:cNvSpPr>
+              <p:nvPr/>
+            </p:nvSpPr>
+            <p:spPr bwMode="auto">
+              <a:xfrm>
+                <a:off x="5381" y="1069"/>
+                <a:ext cx="123" cy="148"/>
+              </a:xfrm>
+              <a:custGeom>
+                <a:avLst/>
+                <a:gdLst>
+                  <a:gd name="T0" fmla="*/ 1 w 167"/>
+                  <a:gd name="T1" fmla="*/ 141 h 200"/>
+                  <a:gd name="T2" fmla="*/ 8 w 167"/>
+                  <a:gd name="T3" fmla="*/ 120 h 200"/>
+                  <a:gd name="T4" fmla="*/ 24 w 167"/>
+                  <a:gd name="T5" fmla="*/ 104 h 200"/>
+                  <a:gd name="T6" fmla="*/ 46 w 167"/>
+                  <a:gd name="T7" fmla="*/ 93 h 200"/>
+                  <a:gd name="T8" fmla="*/ 70 w 167"/>
+                  <a:gd name="T9" fmla="*/ 86 h 200"/>
+                  <a:gd name="T10" fmla="*/ 93 w 167"/>
+                  <a:gd name="T11" fmla="*/ 83 h 200"/>
+                  <a:gd name="T12" fmla="*/ 112 w 167"/>
+                  <a:gd name="T13" fmla="*/ 82 h 200"/>
+                  <a:gd name="T14" fmla="*/ 112 w 167"/>
+                  <a:gd name="T15" fmla="*/ 67 h 200"/>
+                  <a:gd name="T16" fmla="*/ 108 w 167"/>
+                  <a:gd name="T17" fmla="*/ 44 h 200"/>
+                  <a:gd name="T18" fmla="*/ 98 w 167"/>
+                  <a:gd name="T19" fmla="*/ 31 h 200"/>
+                  <a:gd name="T20" fmla="*/ 83 w 167"/>
+                  <a:gd name="T21" fmla="*/ 25 h 200"/>
+                  <a:gd name="T22" fmla="*/ 64 w 167"/>
+                  <a:gd name="T23" fmla="*/ 23 h 200"/>
+                  <a:gd name="T24" fmla="*/ 53 w 167"/>
+                  <a:gd name="T25" fmla="*/ 24 h 200"/>
+                  <a:gd name="T26" fmla="*/ 40 w 167"/>
+                  <a:gd name="T27" fmla="*/ 26 h 200"/>
+                  <a:gd name="T28" fmla="*/ 27 w 167"/>
+                  <a:gd name="T29" fmla="*/ 31 h 200"/>
+                  <a:gd name="T30" fmla="*/ 14 w 167"/>
+                  <a:gd name="T31" fmla="*/ 36 h 200"/>
+                  <a:gd name="T32" fmla="*/ 8 w 167"/>
+                  <a:gd name="T33" fmla="*/ 20 h 200"/>
+                  <a:gd name="T34" fmla="*/ 24 w 167"/>
+                  <a:gd name="T35" fmla="*/ 11 h 200"/>
+                  <a:gd name="T36" fmla="*/ 43 w 167"/>
+                  <a:gd name="T37" fmla="*/ 5 h 200"/>
+                  <a:gd name="T38" fmla="*/ 61 w 167"/>
+                  <a:gd name="T39" fmla="*/ 1 h 200"/>
+                  <a:gd name="T40" fmla="*/ 77 w 167"/>
+                  <a:gd name="T41" fmla="*/ 0 h 200"/>
+                  <a:gd name="T42" fmla="*/ 103 w 167"/>
+                  <a:gd name="T43" fmla="*/ 3 h 200"/>
+                  <a:gd name="T44" fmla="*/ 125 w 167"/>
+                  <a:gd name="T45" fmla="*/ 13 h 200"/>
+                  <a:gd name="T46" fmla="*/ 139 w 167"/>
+                  <a:gd name="T47" fmla="*/ 32 h 200"/>
+                  <a:gd name="T48" fmla="*/ 145 w 167"/>
+                  <a:gd name="T49" fmla="*/ 63 h 200"/>
+                  <a:gd name="T50" fmla="*/ 145 w 167"/>
+                  <a:gd name="T51" fmla="*/ 182 h 200"/>
+                  <a:gd name="T52" fmla="*/ 167 w 167"/>
+                  <a:gd name="T53" fmla="*/ 182 h 200"/>
+                  <a:gd name="T54" fmla="*/ 167 w 167"/>
+                  <a:gd name="T55" fmla="*/ 193 h 200"/>
+                  <a:gd name="T56" fmla="*/ 152 w 167"/>
+                  <a:gd name="T57" fmla="*/ 198 h 200"/>
+                  <a:gd name="T58" fmla="*/ 134 w 167"/>
+                  <a:gd name="T59" fmla="*/ 200 h 200"/>
+                  <a:gd name="T60" fmla="*/ 127 w 167"/>
+                  <a:gd name="T61" fmla="*/ 200 h 200"/>
+                  <a:gd name="T62" fmla="*/ 121 w 167"/>
+                  <a:gd name="T63" fmla="*/ 198 h 200"/>
+                  <a:gd name="T64" fmla="*/ 116 w 167"/>
+                  <a:gd name="T65" fmla="*/ 192 h 200"/>
+                  <a:gd name="T66" fmla="*/ 114 w 167"/>
+                  <a:gd name="T67" fmla="*/ 182 h 200"/>
+                  <a:gd name="T68" fmla="*/ 114 w 167"/>
+                  <a:gd name="T69" fmla="*/ 178 h 200"/>
+                  <a:gd name="T70" fmla="*/ 104 w 167"/>
+                  <a:gd name="T71" fmla="*/ 187 h 200"/>
+                  <a:gd name="T72" fmla="*/ 92 w 167"/>
+                  <a:gd name="T73" fmla="*/ 194 h 200"/>
+                  <a:gd name="T74" fmla="*/ 76 w 167"/>
+                  <a:gd name="T75" fmla="*/ 199 h 200"/>
+                  <a:gd name="T76" fmla="*/ 56 w 167"/>
+                  <a:gd name="T77" fmla="*/ 200 h 200"/>
+                  <a:gd name="T78" fmla="*/ 32 w 167"/>
+                  <a:gd name="T79" fmla="*/ 195 h 200"/>
+                  <a:gd name="T80" fmla="*/ 14 w 167"/>
+                  <a:gd name="T81" fmla="*/ 182 h 200"/>
+                  <a:gd name="T82" fmla="*/ 3 w 167"/>
+                  <a:gd name="T83" fmla="*/ 164 h 200"/>
+                  <a:gd name="T84" fmla="*/ 1 w 167"/>
+                  <a:gd name="T85" fmla="*/ 141 h 200"/>
+                  <a:gd name="T86" fmla="*/ 34 w 167"/>
+                  <a:gd name="T87" fmla="*/ 141 h 200"/>
+                  <a:gd name="T88" fmla="*/ 37 w 167"/>
+                  <a:gd name="T89" fmla="*/ 159 h 200"/>
+                  <a:gd name="T90" fmla="*/ 45 w 167"/>
+                  <a:gd name="T91" fmla="*/ 170 h 200"/>
+                  <a:gd name="T92" fmla="*/ 58 w 167"/>
+                  <a:gd name="T93" fmla="*/ 176 h 200"/>
+                  <a:gd name="T94" fmla="*/ 75 w 167"/>
+                  <a:gd name="T95" fmla="*/ 178 h 200"/>
+                  <a:gd name="T96" fmla="*/ 85 w 167"/>
+                  <a:gd name="T97" fmla="*/ 177 h 200"/>
+                  <a:gd name="T98" fmla="*/ 95 w 167"/>
+                  <a:gd name="T99" fmla="*/ 174 h 200"/>
+                  <a:gd name="T100" fmla="*/ 105 w 167"/>
+                  <a:gd name="T101" fmla="*/ 169 h 200"/>
+                  <a:gd name="T102" fmla="*/ 111 w 167"/>
+                  <a:gd name="T103" fmla="*/ 164 h 200"/>
+                  <a:gd name="T104" fmla="*/ 111 w 167"/>
+                  <a:gd name="T105" fmla="*/ 131 h 200"/>
+                  <a:gd name="T106" fmla="*/ 112 w 167"/>
+                  <a:gd name="T107" fmla="*/ 99 h 200"/>
+                  <a:gd name="T108" fmla="*/ 96 w 167"/>
+                  <a:gd name="T109" fmla="*/ 100 h 200"/>
+                  <a:gd name="T110" fmla="*/ 79 w 167"/>
+                  <a:gd name="T111" fmla="*/ 103 h 200"/>
+                  <a:gd name="T112" fmla="*/ 62 w 167"/>
+                  <a:gd name="T113" fmla="*/ 108 h 200"/>
+                  <a:gd name="T114" fmla="*/ 48 w 167"/>
+                  <a:gd name="T115" fmla="*/ 116 h 200"/>
+                  <a:gd name="T116" fmla="*/ 38 w 167"/>
+                  <a:gd name="T117" fmla="*/ 127 h 200"/>
+                  <a:gd name="T118" fmla="*/ 34 w 167"/>
+                  <a:gd name="T119" fmla="*/ 141 h 200"/>
+                </a:gdLst>
+                <a:ahLst/>
+                <a:cxnLst>
+                  <a:cxn ang="0">
+                    <a:pos x="T0" y="T1"/>
+                  </a:cxn>
+                  <a:cxn ang="0">
+                    <a:pos x="T2" y="T3"/>
+                  </a:cxn>
+                  <a:cxn ang="0">
+                    <a:pos x="T4" y="T5"/>
+                  </a:cxn>
+                  <a:cxn ang="0">
+                    <a:pos x="T6" y="T7"/>
+                  </a:cxn>
+                  <a:cxn ang="0">
+                    <a:pos x="T8" y="T9"/>
+                  </a:cxn>
+                  <a:cxn ang="0">
+                    <a:pos x="T10" y="T11"/>
+                  </a:cxn>
+                  <a:cxn ang="0">
+                    <a:pos x="T12" y="T13"/>
+                  </a:cxn>
+                  <a:cxn ang="0">
+                    <a:pos x="T14" y="T15"/>
+                  </a:cxn>
+                  <a:cxn ang="0">
+                    <a:pos x="T16" y="T17"/>
+                  </a:cxn>
+                  <a:cxn ang="0">
+                    <a:pos x="T18" y="T19"/>
+                  </a:cxn>
+                  <a:cxn ang="0">
+                    <a:pos x="T20" y="T21"/>
+                  </a:cxn>
+                  <a:cxn ang="0">
+                    <a:pos x="T22" y="T23"/>
+                  </a:cxn>
+                  <a:cxn ang="0">
+                    <a:pos x="T24" y="T25"/>
+                  </a:cxn>
+                  <a:cxn ang="0">
+                    <a:pos x="T26" y="T27"/>
+                  </a:cxn>
+                  <a:cxn ang="0">
+                    <a:pos x="T28" y="T29"/>
+                  </a:cxn>
+                  <a:cxn ang="0">
+                    <a:pos x="T30" y="T31"/>
+                  </a:cxn>
+                  <a:cxn ang="0">
+                    <a:pos x="T32" y="T33"/>
+                  </a:cxn>
+                  <a:cxn ang="0">
+                    <a:pos x="T34" y="T35"/>
+                  </a:cxn>
+                  <a:cxn ang="0">
+                    <a:pos x="T36" y="T37"/>
+                  </a:cxn>
+                  <a:cxn ang="0">
+                    <a:pos x="T38" y="T39"/>
+                  </a:cxn>
+                  <a:cxn ang="0">
+                    <a:pos x="T40" y="T41"/>
+                  </a:cxn>
+                  <a:cxn ang="0">
+                    <a:pos x="T42" y="T43"/>
+                  </a:cxn>
+                  <a:cxn ang="0">
+                    <a:pos x="T44" y="T45"/>
+                  </a:cxn>
+                  <a:cxn ang="0">
+                    <a:pos x="T46" y="T47"/>
+                  </a:cxn>
+                  <a:cxn ang="0">
+                    <a:pos x="T48" y="T49"/>
+                  </a:cxn>
+                  <a:cxn ang="0">
+                    <a:pos x="T50" y="T51"/>
+                  </a:cxn>
+                  <a:cxn ang="0">
+                    <a:pos x="T52" y="T53"/>
+                  </a:cxn>
+                  <a:cxn ang="0">
+                    <a:pos x="T54" y="T55"/>
+                  </a:cxn>
+                  <a:cxn ang="0">
+                    <a:pos x="T56" y="T57"/>
+                  </a:cxn>
+                  <a:cxn ang="0">
+                    <a:pos x="T58" y="T59"/>
+                  </a:cxn>
+                  <a:cxn ang="0">
+                    <a:pos x="T60" y="T61"/>
+                  </a:cxn>
+                  <a:cxn ang="0">
+                    <a:pos x="T62" y="T63"/>
+                  </a:cxn>
+                  <a:cxn ang="0">
+                    <a:pos x="T64" y="T65"/>
+                  </a:cxn>
+                  <a:cxn ang="0">
+                    <a:pos x="T66" y="T67"/>
+                  </a:cxn>
+                  <a:cxn ang="0">
+                    <a:pos x="T68" y="T69"/>
+                  </a:cxn>
+                  <a:cxn ang="0">
+                    <a:pos x="T70" y="T71"/>
+                  </a:cxn>
+                  <a:cxn ang="0">
+                    <a:pos x="T72" y="T73"/>
+                  </a:cxn>
+                  <a:cxn ang="0">
+                    <a:pos x="T74" y="T75"/>
+                  </a:cxn>
+                  <a:cxn ang="0">
+                    <a:pos x="T76" y="T77"/>
+                  </a:cxn>
+                  <a:cxn ang="0">
+                    <a:pos x="T78" y="T79"/>
+                  </a:cxn>
+                  <a:cxn ang="0">
+                    <a:pos x="T80" y="T81"/>
+                  </a:cxn>
+                  <a:cxn ang="0">
+                    <a:pos x="T82" y="T83"/>
+                  </a:cxn>
+                  <a:cxn ang="0">
+                    <a:pos x="T84" y="T85"/>
+                  </a:cxn>
+                  <a:cxn ang="0">
+                    <a:pos x="T86" y="T87"/>
+                  </a:cxn>
+                  <a:cxn ang="0">
+                    <a:pos x="T88" y="T89"/>
+                  </a:cxn>
+                  <a:cxn ang="0">
+                    <a:pos x="T90" y="T91"/>
+                  </a:cxn>
+                  <a:cxn ang="0">
+                    <a:pos x="T92" y="T93"/>
+                  </a:cxn>
+                  <a:cxn ang="0">
+                    <a:pos x="T94" y="T95"/>
+                  </a:cxn>
+                  <a:cxn ang="0">
+                    <a:pos x="T96" y="T97"/>
+                  </a:cxn>
+                  <a:cxn ang="0">
+                    <a:pos x="T98" y="T99"/>
+                  </a:cxn>
+                  <a:cxn ang="0">
+                    <a:pos x="T100" y="T101"/>
+                  </a:cxn>
+                  <a:cxn ang="0">
+                    <a:pos x="T102" y="T103"/>
+                  </a:cxn>
+                  <a:cxn ang="0">
+                    <a:pos x="T104" y="T105"/>
+                  </a:cxn>
+                  <a:cxn ang="0">
+                    <a:pos x="T106" y="T107"/>
+                  </a:cxn>
+                  <a:cxn ang="0">
+                    <a:pos x="T108" y="T109"/>
+                  </a:cxn>
+                  <a:cxn ang="0">
+                    <a:pos x="T110" y="T111"/>
+                  </a:cxn>
+                  <a:cxn ang="0">
+                    <a:pos x="T112" y="T113"/>
+                  </a:cxn>
+                  <a:cxn ang="0">
+                    <a:pos x="T114" y="T115"/>
+                  </a:cxn>
+                  <a:cxn ang="0">
+                    <a:pos x="T116" y="T117"/>
+                  </a:cxn>
+                  <a:cxn ang="0">
+                    <a:pos x="T118" y="T119"/>
+                  </a:cxn>
+                </a:cxnLst>
+                <a:rect l="0" t="0" r="r" b="b"/>
+                <a:pathLst>
+                  <a:path w="167" h="200">
+                    <a:moveTo>
+                      <a:pt x="1" y="141"/>
+                    </a:moveTo>
+                    <a:cubicBezTo>
+                      <a:pt x="1" y="133"/>
+                      <a:pt x="4" y="126"/>
+                      <a:pt x="8" y="120"/>
+                    </a:cubicBezTo>
+                    <a:cubicBezTo>
+                      <a:pt x="13" y="114"/>
+                      <a:pt x="18" y="108"/>
+                      <a:pt x="24" y="104"/>
+                    </a:cubicBezTo>
+                    <a:cubicBezTo>
+                      <a:pt x="31" y="100"/>
+                      <a:pt x="38" y="96"/>
+                      <a:pt x="46" y="93"/>
+                    </a:cubicBezTo>
+                    <a:cubicBezTo>
+                      <a:pt x="54" y="90"/>
+                      <a:pt x="62" y="88"/>
+                      <a:pt x="70" y="86"/>
+                    </a:cubicBezTo>
+                    <a:cubicBezTo>
+                      <a:pt x="78" y="85"/>
+                      <a:pt x="85" y="83"/>
+                      <a:pt x="93" y="83"/>
+                    </a:cubicBezTo>
+                    <a:cubicBezTo>
+                      <a:pt x="100" y="82"/>
+                      <a:pt x="106" y="82"/>
+                      <a:pt x="112" y="82"/>
+                    </a:cubicBezTo>
+                    <a:cubicBezTo>
+                      <a:pt x="112" y="67"/>
+                      <a:pt x="112" y="67"/>
+                      <a:pt x="112" y="67"/>
+                    </a:cubicBezTo>
+                    <a:cubicBezTo>
+                      <a:pt x="112" y="58"/>
+                      <a:pt x="110" y="50"/>
+                      <a:pt x="108" y="44"/>
+                    </a:cubicBezTo>
+                    <a:cubicBezTo>
+                      <a:pt x="106" y="39"/>
+                      <a:pt x="102" y="34"/>
+                      <a:pt x="98" y="31"/>
+                    </a:cubicBezTo>
+                    <a:cubicBezTo>
+                      <a:pt x="94" y="28"/>
+                      <a:pt x="89" y="26"/>
+                      <a:pt x="83" y="25"/>
+                    </a:cubicBezTo>
+                    <a:cubicBezTo>
+                      <a:pt x="77" y="23"/>
+                      <a:pt x="71" y="23"/>
+                      <a:pt x="64" y="23"/>
+                    </a:cubicBezTo>
+                    <a:cubicBezTo>
+                      <a:pt x="61" y="23"/>
+                      <a:pt x="57" y="23"/>
+                      <a:pt x="53" y="24"/>
+                    </a:cubicBezTo>
+                    <a:cubicBezTo>
+                      <a:pt x="49" y="24"/>
+                      <a:pt x="45" y="25"/>
+                      <a:pt x="40" y="26"/>
+                    </a:cubicBezTo>
+                    <a:cubicBezTo>
+                      <a:pt x="36" y="28"/>
+                      <a:pt x="32" y="29"/>
+                      <a:pt x="27" y="31"/>
+                    </a:cubicBezTo>
+                    <a:cubicBezTo>
+                      <a:pt x="23" y="32"/>
+                      <a:pt x="18" y="34"/>
+                      <a:pt x="14" y="36"/>
+                    </a:cubicBezTo>
+                    <a:cubicBezTo>
+                      <a:pt x="8" y="20"/>
+                      <a:pt x="8" y="20"/>
+                      <a:pt x="8" y="20"/>
+                    </a:cubicBezTo>
+                    <a:cubicBezTo>
+                      <a:pt x="12" y="17"/>
+                      <a:pt x="17" y="14"/>
+                      <a:pt x="24" y="11"/>
+                    </a:cubicBezTo>
+                    <a:cubicBezTo>
+                      <a:pt x="30" y="9"/>
+                      <a:pt x="36" y="7"/>
+                      <a:pt x="43" y="5"/>
+                    </a:cubicBezTo>
+                    <a:cubicBezTo>
+                      <a:pt x="49" y="3"/>
+                      <a:pt x="55" y="2"/>
+                      <a:pt x="61" y="1"/>
+                    </a:cubicBezTo>
+                    <a:cubicBezTo>
+                      <a:pt x="68" y="0"/>
+                      <a:pt x="73" y="0"/>
+                      <a:pt x="77" y="0"/>
+                    </a:cubicBezTo>
+                    <a:cubicBezTo>
+                      <a:pt x="86" y="0"/>
+                      <a:pt x="95" y="1"/>
+                      <a:pt x="103" y="3"/>
+                    </a:cubicBezTo>
+                    <a:cubicBezTo>
+                      <a:pt x="111" y="5"/>
+                      <a:pt x="119" y="8"/>
+                      <a:pt x="125" y="13"/>
+                    </a:cubicBezTo>
+                    <a:cubicBezTo>
+                      <a:pt x="131" y="18"/>
+                      <a:pt x="136" y="24"/>
+                      <a:pt x="139" y="32"/>
+                    </a:cubicBezTo>
+                    <a:cubicBezTo>
+                      <a:pt x="143" y="40"/>
+                      <a:pt x="145" y="50"/>
+                      <a:pt x="145" y="63"/>
+                    </a:cubicBezTo>
+                    <a:cubicBezTo>
+                      <a:pt x="145" y="182"/>
+                      <a:pt x="145" y="182"/>
+                      <a:pt x="145" y="182"/>
+                    </a:cubicBezTo>
+                    <a:cubicBezTo>
+                      <a:pt x="167" y="182"/>
+                      <a:pt x="167" y="182"/>
+                      <a:pt x="167" y="182"/>
+                    </a:cubicBezTo>
+                    <a:cubicBezTo>
+                      <a:pt x="167" y="193"/>
+                      <a:pt x="167" y="193"/>
+                      <a:pt x="167" y="193"/>
+                    </a:cubicBezTo>
+                    <a:cubicBezTo>
+                      <a:pt x="163" y="195"/>
+                      <a:pt x="158" y="197"/>
+                      <a:pt x="152" y="198"/>
+                    </a:cubicBezTo>
+                    <a:cubicBezTo>
+                      <a:pt x="146" y="200"/>
+                      <a:pt x="140" y="200"/>
+                      <a:pt x="134" y="200"/>
+                    </a:cubicBezTo>
+                    <a:cubicBezTo>
+                      <a:pt x="132" y="200"/>
+                      <a:pt x="130" y="200"/>
+                      <a:pt x="127" y="200"/>
+                    </a:cubicBezTo>
+                    <a:cubicBezTo>
+                      <a:pt x="125" y="200"/>
+                      <a:pt x="123" y="199"/>
+                      <a:pt x="121" y="198"/>
+                    </a:cubicBezTo>
+                    <a:cubicBezTo>
+                      <a:pt x="119" y="197"/>
+                      <a:pt x="117" y="195"/>
+                      <a:pt x="116" y="192"/>
+                    </a:cubicBezTo>
+                    <a:cubicBezTo>
+                      <a:pt x="114" y="190"/>
+                      <a:pt x="114" y="187"/>
+                      <a:pt x="114" y="182"/>
+                    </a:cubicBezTo>
+                    <a:cubicBezTo>
+                      <a:pt x="114" y="178"/>
+                      <a:pt x="114" y="178"/>
+                      <a:pt x="114" y="178"/>
+                    </a:cubicBezTo>
+                    <a:cubicBezTo>
+                      <a:pt x="111" y="181"/>
+                      <a:pt x="108" y="184"/>
+                      <a:pt x="104" y="187"/>
+                    </a:cubicBezTo>
+                    <a:cubicBezTo>
+                      <a:pt x="101" y="189"/>
+                      <a:pt x="96" y="192"/>
+                      <a:pt x="92" y="194"/>
+                    </a:cubicBezTo>
+                    <a:cubicBezTo>
+                      <a:pt x="87" y="196"/>
+                      <a:pt x="82" y="197"/>
+                      <a:pt x="76" y="199"/>
+                    </a:cubicBezTo>
+                    <a:cubicBezTo>
+                      <a:pt x="70" y="200"/>
+                      <a:pt x="63" y="200"/>
+                      <a:pt x="56" y="200"/>
+                    </a:cubicBezTo>
+                    <a:cubicBezTo>
+                      <a:pt x="47" y="200"/>
+                      <a:pt x="39" y="199"/>
+                      <a:pt x="32" y="195"/>
+                    </a:cubicBezTo>
+                    <a:cubicBezTo>
+                      <a:pt x="25" y="192"/>
+                      <a:pt x="18" y="188"/>
+                      <a:pt x="14" y="182"/>
+                    </a:cubicBezTo>
+                    <a:cubicBezTo>
+                      <a:pt x="9" y="177"/>
+                      <a:pt x="5" y="171"/>
+                      <a:pt x="3" y="164"/>
+                    </a:cubicBezTo>
+                    <a:cubicBezTo>
+                      <a:pt x="0" y="156"/>
+                      <a:pt x="0" y="149"/>
+                      <a:pt x="1" y="141"/>
+                    </a:cubicBezTo>
+                    <a:close/>
+                    <a:moveTo>
+                      <a:pt x="34" y="141"/>
+                    </a:moveTo>
+                    <a:cubicBezTo>
+                      <a:pt x="34" y="148"/>
+                      <a:pt x="35" y="154"/>
+                      <a:pt x="37" y="159"/>
+                    </a:cubicBezTo>
+                    <a:cubicBezTo>
+                      <a:pt x="39" y="163"/>
+                      <a:pt x="41" y="167"/>
+                      <a:pt x="45" y="170"/>
+                    </a:cubicBezTo>
+                    <a:cubicBezTo>
+                      <a:pt x="48" y="173"/>
+                      <a:pt x="53" y="175"/>
+                      <a:pt x="58" y="176"/>
+                    </a:cubicBezTo>
+                    <a:cubicBezTo>
+                      <a:pt x="63" y="178"/>
+                      <a:pt x="68" y="178"/>
+                      <a:pt x="75" y="178"/>
+                    </a:cubicBezTo>
+                    <a:cubicBezTo>
+                      <a:pt x="78" y="178"/>
+                      <a:pt x="82" y="178"/>
+                      <a:pt x="85" y="177"/>
+                    </a:cubicBezTo>
+                    <a:cubicBezTo>
+                      <a:pt x="89" y="176"/>
+                      <a:pt x="92" y="175"/>
+                      <a:pt x="95" y="174"/>
+                    </a:cubicBezTo>
+                    <a:cubicBezTo>
+                      <a:pt x="99" y="172"/>
+                      <a:pt x="102" y="171"/>
+                      <a:pt x="105" y="169"/>
+                    </a:cubicBezTo>
+                    <a:cubicBezTo>
+                      <a:pt x="107" y="167"/>
+                      <a:pt x="110" y="165"/>
+                      <a:pt x="111" y="164"/>
+                    </a:cubicBezTo>
+                    <a:cubicBezTo>
+                      <a:pt x="111" y="153"/>
+                      <a:pt x="111" y="142"/>
+                      <a:pt x="111" y="131"/>
+                    </a:cubicBezTo>
+                    <a:cubicBezTo>
+                      <a:pt x="111" y="121"/>
+                      <a:pt x="112" y="110"/>
+                      <a:pt x="112" y="99"/>
+                    </a:cubicBezTo>
+                    <a:cubicBezTo>
+                      <a:pt x="107" y="99"/>
+                      <a:pt x="102" y="100"/>
+                      <a:pt x="96" y="100"/>
+                    </a:cubicBezTo>
+                    <a:cubicBezTo>
+                      <a:pt x="90" y="101"/>
+                      <a:pt x="84" y="102"/>
+                      <a:pt x="79" y="103"/>
+                    </a:cubicBezTo>
+                    <a:cubicBezTo>
+                      <a:pt x="73" y="104"/>
+                      <a:pt x="67" y="106"/>
+                      <a:pt x="62" y="108"/>
+                    </a:cubicBezTo>
+                    <a:cubicBezTo>
+                      <a:pt x="56" y="110"/>
+                      <a:pt x="52" y="112"/>
+                      <a:pt x="48" y="116"/>
+                    </a:cubicBezTo>
+                    <a:cubicBezTo>
+                      <a:pt x="43" y="119"/>
+                      <a:pt x="40" y="122"/>
+                      <a:pt x="38" y="127"/>
+                    </a:cubicBezTo>
+                    <a:cubicBezTo>
+                      <a:pt x="35" y="131"/>
+                      <a:pt x="34" y="136"/>
+                      <a:pt x="34" y="141"/>
+                    </a:cubicBezTo>
+                    <a:close/>
+                  </a:path>
+                </a:pathLst>
+              </a:custGeom>
+              <a:grpFill/>
+              <a:ln>
+                <a:noFill/>
+              </a:ln>
+              <a:extLst>
+                <a:ext uri="{91240B29-F687-4F45-9708-019B960494DF}">
+                  <a14:hiddenLine xmlns:a14="http://schemas.microsoft.com/office/drawing/2010/main" w="9525">
+                    <a:solidFill>
+                      <a:srgbClr val="000000"/>
+                    </a:solidFill>
+                    <a:round/>
+                    <a:headEnd/>
+                    <a:tailEnd/>
+                  </a14:hiddenLine>
+                </a:ext>
+              </a:extLst>
+            </p:spPr>
+            <p:txBody>
+              <a:bodyPr vert="horz" wrap="square" lIns="91440" tIns="45720" rIns="91440" bIns="45720" numCol="1" anchor="t" anchorCtr="0" compatLnSpc="1">
+                <a:prstTxWarp prst="textNoShape">
+                  <a:avLst/>
+                </a:prstTxWarp>
+              </a:bodyPr>
+              <a:lstStyle/>
+              <a:p>
+                <a:endParaRPr lang="en-US"/>
+              </a:p>
+            </p:txBody>
+          </p:sp>
+          <p:sp>
+            <p:nvSpPr>
+              <p:cNvPr id="14" name="Freeform 9">
+                <a:extLst>
+                  <a:ext uri="{FF2B5EF4-FFF2-40B4-BE49-F238E27FC236}">
+                    <a16:creationId xmlns:a16="http://schemas.microsoft.com/office/drawing/2014/main" id="{A26113FF-8A8B-473D-8F68-30656EAEABDB}"/>
+                  </a:ext>
+                </a:extLst>
+              </p:cNvPr>
+              <p:cNvSpPr>
+                <a:spLocks/>
+              </p:cNvSpPr>
+              <p:nvPr/>
+            </p:nvSpPr>
+            <p:spPr bwMode="auto">
+              <a:xfrm>
+                <a:off x="5508" y="1069"/>
+                <a:ext cx="152" cy="145"/>
+              </a:xfrm>
+              <a:custGeom>
+                <a:avLst/>
+                <a:gdLst>
+                  <a:gd name="T0" fmla="*/ 1 w 207"/>
+                  <a:gd name="T1" fmla="*/ 182 h 196"/>
+                  <a:gd name="T2" fmla="*/ 24 w 207"/>
+                  <a:gd name="T3" fmla="*/ 178 h 196"/>
+                  <a:gd name="T4" fmla="*/ 24 w 207"/>
+                  <a:gd name="T5" fmla="*/ 38 h 196"/>
+                  <a:gd name="T6" fmla="*/ 0 w 207"/>
+                  <a:gd name="T7" fmla="*/ 24 h 196"/>
+                  <a:gd name="T8" fmla="*/ 0 w 207"/>
+                  <a:gd name="T9" fmla="*/ 14 h 196"/>
+                  <a:gd name="T10" fmla="*/ 45 w 207"/>
+                  <a:gd name="T11" fmla="*/ 0 h 196"/>
+                  <a:gd name="T12" fmla="*/ 53 w 207"/>
+                  <a:gd name="T13" fmla="*/ 3 h 196"/>
+                  <a:gd name="T14" fmla="*/ 53 w 207"/>
+                  <a:gd name="T15" fmla="*/ 28 h 196"/>
+                  <a:gd name="T16" fmla="*/ 67 w 207"/>
+                  <a:gd name="T17" fmla="*/ 18 h 196"/>
+                  <a:gd name="T18" fmla="*/ 85 w 207"/>
+                  <a:gd name="T19" fmla="*/ 9 h 196"/>
+                  <a:gd name="T20" fmla="*/ 104 w 207"/>
+                  <a:gd name="T21" fmla="*/ 3 h 196"/>
+                  <a:gd name="T22" fmla="*/ 123 w 207"/>
+                  <a:gd name="T23" fmla="*/ 0 h 196"/>
+                  <a:gd name="T24" fmla="*/ 149 w 207"/>
+                  <a:gd name="T25" fmla="*/ 4 h 196"/>
+                  <a:gd name="T26" fmla="*/ 167 w 207"/>
+                  <a:gd name="T27" fmla="*/ 18 h 196"/>
+                  <a:gd name="T28" fmla="*/ 177 w 207"/>
+                  <a:gd name="T29" fmla="*/ 44 h 196"/>
+                  <a:gd name="T30" fmla="*/ 180 w 207"/>
+                  <a:gd name="T31" fmla="*/ 81 h 196"/>
+                  <a:gd name="T32" fmla="*/ 180 w 207"/>
+                  <a:gd name="T33" fmla="*/ 178 h 196"/>
+                  <a:gd name="T34" fmla="*/ 207 w 207"/>
+                  <a:gd name="T35" fmla="*/ 182 h 196"/>
+                  <a:gd name="T36" fmla="*/ 207 w 207"/>
+                  <a:gd name="T37" fmla="*/ 196 h 196"/>
+                  <a:gd name="T38" fmla="*/ 121 w 207"/>
+                  <a:gd name="T39" fmla="*/ 196 h 196"/>
+                  <a:gd name="T40" fmla="*/ 121 w 207"/>
+                  <a:gd name="T41" fmla="*/ 182 h 196"/>
+                  <a:gd name="T42" fmla="*/ 147 w 207"/>
+                  <a:gd name="T43" fmla="*/ 178 h 196"/>
+                  <a:gd name="T44" fmla="*/ 147 w 207"/>
+                  <a:gd name="T45" fmla="*/ 87 h 196"/>
+                  <a:gd name="T46" fmla="*/ 145 w 207"/>
+                  <a:gd name="T47" fmla="*/ 59 h 196"/>
+                  <a:gd name="T48" fmla="*/ 139 w 207"/>
+                  <a:gd name="T49" fmla="*/ 40 h 196"/>
+                  <a:gd name="T50" fmla="*/ 126 w 207"/>
+                  <a:gd name="T51" fmla="*/ 28 h 196"/>
+                  <a:gd name="T52" fmla="*/ 105 w 207"/>
+                  <a:gd name="T53" fmla="*/ 25 h 196"/>
+                  <a:gd name="T54" fmla="*/ 82 w 207"/>
+                  <a:gd name="T55" fmla="*/ 30 h 196"/>
+                  <a:gd name="T56" fmla="*/ 57 w 207"/>
+                  <a:gd name="T57" fmla="*/ 43 h 196"/>
+                  <a:gd name="T58" fmla="*/ 57 w 207"/>
+                  <a:gd name="T59" fmla="*/ 178 h 196"/>
+                  <a:gd name="T60" fmla="*/ 83 w 207"/>
+                  <a:gd name="T61" fmla="*/ 182 h 196"/>
+                  <a:gd name="T62" fmla="*/ 83 w 207"/>
+                  <a:gd name="T63" fmla="*/ 196 h 196"/>
+                  <a:gd name="T64" fmla="*/ 1 w 207"/>
+                  <a:gd name="T65" fmla="*/ 196 h 196"/>
+                  <a:gd name="T66" fmla="*/ 1 w 207"/>
+                  <a:gd name="T67" fmla="*/ 182 h 196"/>
+                </a:gdLst>
+                <a:ahLst/>
+                <a:cxnLst>
+                  <a:cxn ang="0">
+                    <a:pos x="T0" y="T1"/>
+                  </a:cxn>
+                  <a:cxn ang="0">
+                    <a:pos x="T2" y="T3"/>
+                  </a:cxn>
+                  <a:cxn ang="0">
+                    <a:pos x="T4" y="T5"/>
+                  </a:cxn>
+                  <a:cxn ang="0">
+                    <a:pos x="T6" y="T7"/>
+                  </a:cxn>
+                  <a:cxn ang="0">
+                    <a:pos x="T8" y="T9"/>
+                  </a:cxn>
+                  <a:cxn ang="0">
+                    <a:pos x="T10" y="T11"/>
+                  </a:cxn>
+                  <a:cxn ang="0">
+                    <a:pos x="T12" y="T13"/>
+                  </a:cxn>
+                  <a:cxn ang="0">
+                    <a:pos x="T14" y="T15"/>
+                  </a:cxn>
+                  <a:cxn ang="0">
+                    <a:pos x="T16" y="T17"/>
+                  </a:cxn>
+                  <a:cxn ang="0">
+                    <a:pos x="T18" y="T19"/>
+                  </a:cxn>
+                  <a:cxn ang="0">
+                    <a:pos x="T20" y="T21"/>
+                  </a:cxn>
+                  <a:cxn ang="0">
+                    <a:pos x="T22" y="T23"/>
+                  </a:cxn>
+                  <a:cxn ang="0">
+                    <a:pos x="T24" y="T25"/>
+                  </a:cxn>
+                  <a:cxn ang="0">
+                    <a:pos x="T26" y="T27"/>
+                  </a:cxn>
+                  <a:cxn ang="0">
+                    <a:pos x="T28" y="T29"/>
+                  </a:cxn>
+                  <a:cxn ang="0">
+                    <a:pos x="T30" y="T31"/>
+                  </a:cxn>
+                  <a:cxn ang="0">
+                    <a:pos x="T32" y="T33"/>
+                  </a:cxn>
+                  <a:cxn ang="0">
+                    <a:pos x="T34" y="T35"/>
+                  </a:cxn>
+                  <a:cxn ang="0">
+                    <a:pos x="T36" y="T37"/>
+                  </a:cxn>
+                  <a:cxn ang="0">
+                    <a:pos x="T38" y="T39"/>
+                  </a:cxn>
+                  <a:cxn ang="0">
+                    <a:pos x="T40" y="T41"/>
+                  </a:cxn>
+                  <a:cxn ang="0">
+                    <a:pos x="T42" y="T43"/>
+                  </a:cxn>
+                  <a:cxn ang="0">
+                    <a:pos x="T44" y="T45"/>
+                  </a:cxn>
+                  <a:cxn ang="0">
+                    <a:pos x="T46" y="T47"/>
+                  </a:cxn>
+                  <a:cxn ang="0">
+                    <a:pos x="T48" y="T49"/>
+                  </a:cxn>
+                  <a:cxn ang="0">
+                    <a:pos x="T50" y="T51"/>
+                  </a:cxn>
+                  <a:cxn ang="0">
+                    <a:pos x="T52" y="T53"/>
+                  </a:cxn>
+                  <a:cxn ang="0">
+                    <a:pos x="T54" y="T55"/>
+                  </a:cxn>
+                  <a:cxn ang="0">
+                    <a:pos x="T56" y="T57"/>
+                  </a:cxn>
+                  <a:cxn ang="0">
+                    <a:pos x="T58" y="T59"/>
+                  </a:cxn>
+                  <a:cxn ang="0">
+                    <a:pos x="T60" y="T61"/>
+                  </a:cxn>
+                  <a:cxn ang="0">
+                    <a:pos x="T62" y="T63"/>
+                  </a:cxn>
+                  <a:cxn ang="0">
+                    <a:pos x="T64" y="T65"/>
+                  </a:cxn>
+                  <a:cxn ang="0">
+                    <a:pos x="T66" y="T67"/>
+                  </a:cxn>
+                </a:cxnLst>
+                <a:rect l="0" t="0" r="r" b="b"/>
+                <a:pathLst>
+                  <a:path w="207" h="196">
+                    <a:moveTo>
+                      <a:pt x="1" y="182"/>
+                    </a:moveTo>
+                    <a:cubicBezTo>
+                      <a:pt x="24" y="178"/>
+                      <a:pt x="24" y="178"/>
+                      <a:pt x="24" y="178"/>
+                    </a:cubicBezTo>
+                    <a:cubicBezTo>
+                      <a:pt x="24" y="38"/>
+                      <a:pt x="24" y="38"/>
+                      <a:pt x="24" y="38"/>
+                    </a:cubicBezTo>
+                    <a:cubicBezTo>
+                      <a:pt x="0" y="24"/>
+                      <a:pt x="0" y="24"/>
+                      <a:pt x="0" y="24"/>
+                    </a:cubicBezTo>
+                    <a:cubicBezTo>
+                      <a:pt x="0" y="14"/>
+                      <a:pt x="0" y="14"/>
+                      <a:pt x="0" y="14"/>
+                    </a:cubicBezTo>
+                    <a:cubicBezTo>
+                      <a:pt x="45" y="0"/>
+                      <a:pt x="45" y="0"/>
+                      <a:pt x="45" y="0"/>
+                    </a:cubicBezTo>
+                    <a:cubicBezTo>
+                      <a:pt x="53" y="3"/>
+                      <a:pt x="53" y="3"/>
+                      <a:pt x="53" y="3"/>
+                    </a:cubicBezTo>
+                    <a:cubicBezTo>
+                      <a:pt x="53" y="28"/>
+                      <a:pt x="53" y="28"/>
+                      <a:pt x="53" y="28"/>
+                    </a:cubicBezTo>
+                    <a:cubicBezTo>
+                      <a:pt x="57" y="25"/>
+                      <a:pt x="62" y="21"/>
+                      <a:pt x="67" y="18"/>
+                    </a:cubicBezTo>
+                    <a:cubicBezTo>
+                      <a:pt x="73" y="15"/>
+                      <a:pt x="79" y="12"/>
+                      <a:pt x="85" y="9"/>
+                    </a:cubicBezTo>
+                    <a:cubicBezTo>
+                      <a:pt x="91" y="7"/>
+                      <a:pt x="97" y="4"/>
+                      <a:pt x="104" y="3"/>
+                    </a:cubicBezTo>
+                    <a:cubicBezTo>
+                      <a:pt x="111" y="1"/>
+                      <a:pt x="117" y="0"/>
+                      <a:pt x="123" y="0"/>
+                    </a:cubicBezTo>
+                    <a:cubicBezTo>
+                      <a:pt x="133" y="0"/>
+                      <a:pt x="142" y="1"/>
+                      <a:pt x="149" y="4"/>
+                    </a:cubicBezTo>
+                    <a:cubicBezTo>
+                      <a:pt x="157" y="7"/>
+                      <a:pt x="163" y="12"/>
+                      <a:pt x="167" y="18"/>
+                    </a:cubicBezTo>
+                    <a:cubicBezTo>
+                      <a:pt x="172" y="25"/>
+                      <a:pt x="175" y="33"/>
+                      <a:pt x="177" y="44"/>
+                    </a:cubicBezTo>
+                    <a:cubicBezTo>
+                      <a:pt x="179" y="54"/>
+                      <a:pt x="180" y="66"/>
+                      <a:pt x="180" y="81"/>
+                    </a:cubicBezTo>
+                    <a:cubicBezTo>
+                      <a:pt x="180" y="178"/>
+                      <a:pt x="180" y="178"/>
+                      <a:pt x="180" y="178"/>
+                    </a:cubicBezTo>
+                    <a:cubicBezTo>
+                      <a:pt x="207" y="182"/>
+                      <a:pt x="207" y="182"/>
+                      <a:pt x="207" y="182"/>
+                    </a:cubicBezTo>
+                    <a:cubicBezTo>
+                      <a:pt x="207" y="196"/>
+                      <a:pt x="207" y="196"/>
+                      <a:pt x="207" y="196"/>
+                    </a:cubicBezTo>
+                    <a:cubicBezTo>
+                      <a:pt x="121" y="196"/>
+                      <a:pt x="121" y="196"/>
+                      <a:pt x="121" y="196"/>
+                    </a:cubicBezTo>
+                    <a:cubicBezTo>
+                      <a:pt x="121" y="182"/>
+                      <a:pt x="121" y="182"/>
+                      <a:pt x="121" y="182"/>
+                    </a:cubicBezTo>
+                    <a:cubicBezTo>
+                      <a:pt x="147" y="178"/>
+                      <a:pt x="147" y="178"/>
+                      <a:pt x="147" y="178"/>
+                    </a:cubicBezTo>
+                    <a:cubicBezTo>
+                      <a:pt x="147" y="87"/>
+                      <a:pt x="147" y="87"/>
+                      <a:pt x="147" y="87"/>
+                    </a:cubicBezTo>
+                    <a:cubicBezTo>
+                      <a:pt x="147" y="76"/>
+                      <a:pt x="146" y="67"/>
+                      <a:pt x="145" y="59"/>
+                    </a:cubicBezTo>
+                    <a:cubicBezTo>
+                      <a:pt x="144" y="51"/>
+                      <a:pt x="142" y="45"/>
+                      <a:pt x="139" y="40"/>
+                    </a:cubicBezTo>
+                    <a:cubicBezTo>
+                      <a:pt x="136" y="34"/>
+                      <a:pt x="132" y="31"/>
+                      <a:pt x="126" y="28"/>
+                    </a:cubicBezTo>
+                    <a:cubicBezTo>
+                      <a:pt x="121" y="26"/>
+                      <a:pt x="114" y="25"/>
+                      <a:pt x="105" y="25"/>
+                    </a:cubicBezTo>
+                    <a:cubicBezTo>
+                      <a:pt x="98" y="25"/>
+                      <a:pt x="90" y="27"/>
+                      <a:pt x="82" y="30"/>
+                    </a:cubicBezTo>
+                    <a:cubicBezTo>
+                      <a:pt x="75" y="33"/>
+                      <a:pt x="66" y="37"/>
+                      <a:pt x="57" y="43"/>
+                    </a:cubicBezTo>
+                    <a:cubicBezTo>
+                      <a:pt x="57" y="178"/>
+                      <a:pt x="57" y="178"/>
+                      <a:pt x="57" y="178"/>
+                    </a:cubicBezTo>
+                    <a:cubicBezTo>
+                      <a:pt x="83" y="182"/>
+                      <a:pt x="83" y="182"/>
+                      <a:pt x="83" y="182"/>
+                    </a:cubicBezTo>
+                    <a:cubicBezTo>
+                      <a:pt x="83" y="196"/>
+                      <a:pt x="83" y="196"/>
+                      <a:pt x="83" y="196"/>
+                    </a:cubicBezTo>
+                    <a:cubicBezTo>
+                      <a:pt x="1" y="196"/>
+                      <a:pt x="1" y="196"/>
+                      <a:pt x="1" y="196"/>
+                    </a:cubicBezTo>
+                    <a:lnTo>
+                      <a:pt x="1" y="182"/>
+                    </a:lnTo>
+                    <a:close/>
+                  </a:path>
+                </a:pathLst>
+              </a:custGeom>
+              <a:grpFill/>
+              <a:ln>
+                <a:noFill/>
+              </a:ln>
+              <a:extLst>
+                <a:ext uri="{91240B29-F687-4F45-9708-019B960494DF}">
+                  <a14:hiddenLine xmlns:a14="http://schemas.microsoft.com/office/drawing/2010/main" w="9525">
+                    <a:solidFill>
+                      <a:srgbClr val="000000"/>
+                    </a:solidFill>
+                    <a:round/>
+                    <a:headEnd/>
+                    <a:tailEnd/>
+                  </a14:hiddenLine>
+                </a:ext>
+              </a:extLst>
+            </p:spPr>
+            <p:txBody>
+              <a:bodyPr vert="horz" wrap="square" lIns="91440" tIns="45720" rIns="91440" bIns="45720" numCol="1" anchor="t" anchorCtr="0" compatLnSpc="1">
+                <a:prstTxWarp prst="textNoShape">
+                  <a:avLst/>
+                </a:prstTxWarp>
+              </a:bodyPr>
+              <a:lstStyle/>
+              <a:p>
+                <a:endParaRPr lang="en-US"/>
+              </a:p>
+            </p:txBody>
+          </p:sp>
+          <p:sp>
+            <p:nvSpPr>
+              <p:cNvPr id="15" name="Freeform 10">
+                <a:extLst>
+                  <a:ext uri="{FF2B5EF4-FFF2-40B4-BE49-F238E27FC236}">
+                    <a16:creationId xmlns:a16="http://schemas.microsoft.com/office/drawing/2014/main" id="{0745DE31-2EA7-4FBB-A817-6C5F9741FB51}"/>
+                  </a:ext>
+                </a:extLst>
+              </p:cNvPr>
+              <p:cNvSpPr>
+                <a:spLocks noEditPoints="1"/>
+              </p:cNvSpPr>
+              <p:nvPr/>
+            </p:nvSpPr>
+            <p:spPr bwMode="auto">
+              <a:xfrm>
+                <a:off x="5654" y="1007"/>
+                <a:ext cx="139" cy="212"/>
+              </a:xfrm>
+              <a:custGeom>
+                <a:avLst/>
+                <a:gdLst>
+                  <a:gd name="T0" fmla="*/ 76 w 189"/>
+                  <a:gd name="T1" fmla="*/ 284 h 286"/>
+                  <a:gd name="T2" fmla="*/ 47 w 189"/>
+                  <a:gd name="T3" fmla="*/ 279 h 286"/>
+                  <a:gd name="T4" fmla="*/ 23 w 189"/>
+                  <a:gd name="T5" fmla="*/ 261 h 286"/>
+                  <a:gd name="T6" fmla="*/ 7 w 189"/>
+                  <a:gd name="T7" fmla="*/ 230 h 286"/>
+                  <a:gd name="T8" fmla="*/ 0 w 189"/>
+                  <a:gd name="T9" fmla="*/ 187 h 286"/>
+                  <a:gd name="T10" fmla="*/ 8 w 189"/>
+                  <a:gd name="T11" fmla="*/ 144 h 286"/>
+                  <a:gd name="T12" fmla="*/ 29 w 189"/>
+                  <a:gd name="T13" fmla="*/ 111 h 286"/>
+                  <a:gd name="T14" fmla="*/ 61 w 189"/>
+                  <a:gd name="T15" fmla="*/ 89 h 286"/>
+                  <a:gd name="T16" fmla="*/ 100 w 189"/>
+                  <a:gd name="T17" fmla="*/ 82 h 286"/>
+                  <a:gd name="T18" fmla="*/ 118 w 189"/>
+                  <a:gd name="T19" fmla="*/ 83 h 286"/>
+                  <a:gd name="T20" fmla="*/ 132 w 189"/>
+                  <a:gd name="T21" fmla="*/ 86 h 286"/>
+                  <a:gd name="T22" fmla="*/ 132 w 189"/>
+                  <a:gd name="T23" fmla="*/ 29 h 286"/>
+                  <a:gd name="T24" fmla="*/ 96 w 189"/>
+                  <a:gd name="T25" fmla="*/ 22 h 286"/>
+                  <a:gd name="T26" fmla="*/ 96 w 189"/>
+                  <a:gd name="T27" fmla="*/ 7 h 286"/>
+                  <a:gd name="T28" fmla="*/ 158 w 189"/>
+                  <a:gd name="T29" fmla="*/ 0 h 286"/>
+                  <a:gd name="T30" fmla="*/ 165 w 189"/>
+                  <a:gd name="T31" fmla="*/ 4 h 286"/>
+                  <a:gd name="T32" fmla="*/ 165 w 189"/>
+                  <a:gd name="T33" fmla="*/ 266 h 286"/>
+                  <a:gd name="T34" fmla="*/ 189 w 189"/>
+                  <a:gd name="T35" fmla="*/ 266 h 286"/>
+                  <a:gd name="T36" fmla="*/ 189 w 189"/>
+                  <a:gd name="T37" fmla="*/ 278 h 286"/>
+                  <a:gd name="T38" fmla="*/ 181 w 189"/>
+                  <a:gd name="T39" fmla="*/ 281 h 286"/>
+                  <a:gd name="T40" fmla="*/ 172 w 189"/>
+                  <a:gd name="T41" fmla="*/ 284 h 286"/>
+                  <a:gd name="T42" fmla="*/ 162 w 189"/>
+                  <a:gd name="T43" fmla="*/ 285 h 286"/>
+                  <a:gd name="T44" fmla="*/ 153 w 189"/>
+                  <a:gd name="T45" fmla="*/ 286 h 286"/>
+                  <a:gd name="T46" fmla="*/ 146 w 189"/>
+                  <a:gd name="T47" fmla="*/ 285 h 286"/>
+                  <a:gd name="T48" fmla="*/ 140 w 189"/>
+                  <a:gd name="T49" fmla="*/ 283 h 286"/>
+                  <a:gd name="T50" fmla="*/ 135 w 189"/>
+                  <a:gd name="T51" fmla="*/ 278 h 286"/>
+                  <a:gd name="T52" fmla="*/ 134 w 189"/>
+                  <a:gd name="T53" fmla="*/ 268 h 286"/>
+                  <a:gd name="T54" fmla="*/ 134 w 189"/>
+                  <a:gd name="T55" fmla="*/ 264 h 286"/>
+                  <a:gd name="T56" fmla="*/ 126 w 189"/>
+                  <a:gd name="T57" fmla="*/ 270 h 286"/>
+                  <a:gd name="T58" fmla="*/ 114 w 189"/>
+                  <a:gd name="T59" fmla="*/ 277 h 286"/>
+                  <a:gd name="T60" fmla="*/ 97 w 189"/>
+                  <a:gd name="T61" fmla="*/ 282 h 286"/>
+                  <a:gd name="T62" fmla="*/ 76 w 189"/>
+                  <a:gd name="T63" fmla="*/ 284 h 286"/>
+                  <a:gd name="T64" fmla="*/ 89 w 189"/>
+                  <a:gd name="T65" fmla="*/ 261 h 286"/>
+                  <a:gd name="T66" fmla="*/ 99 w 189"/>
+                  <a:gd name="T67" fmla="*/ 260 h 286"/>
+                  <a:gd name="T68" fmla="*/ 108 w 189"/>
+                  <a:gd name="T69" fmla="*/ 258 h 286"/>
+                  <a:gd name="T70" fmla="*/ 122 w 189"/>
+                  <a:gd name="T71" fmla="*/ 253 h 286"/>
+                  <a:gd name="T72" fmla="*/ 132 w 189"/>
+                  <a:gd name="T73" fmla="*/ 246 h 286"/>
+                  <a:gd name="T74" fmla="*/ 132 w 189"/>
+                  <a:gd name="T75" fmla="*/ 114 h 286"/>
+                  <a:gd name="T76" fmla="*/ 128 w 189"/>
+                  <a:gd name="T77" fmla="*/ 109 h 286"/>
+                  <a:gd name="T78" fmla="*/ 121 w 189"/>
+                  <a:gd name="T79" fmla="*/ 105 h 286"/>
+                  <a:gd name="T80" fmla="*/ 110 w 189"/>
+                  <a:gd name="T81" fmla="*/ 101 h 286"/>
+                  <a:gd name="T82" fmla="*/ 96 w 189"/>
+                  <a:gd name="T83" fmla="*/ 100 h 286"/>
+                  <a:gd name="T84" fmla="*/ 82 w 189"/>
+                  <a:gd name="T85" fmla="*/ 102 h 286"/>
+                  <a:gd name="T86" fmla="*/ 68 w 189"/>
+                  <a:gd name="T87" fmla="*/ 107 h 286"/>
+                  <a:gd name="T88" fmla="*/ 55 w 189"/>
+                  <a:gd name="T89" fmla="*/ 117 h 286"/>
+                  <a:gd name="T90" fmla="*/ 44 w 189"/>
+                  <a:gd name="T91" fmla="*/ 132 h 286"/>
+                  <a:gd name="T92" fmla="*/ 36 w 189"/>
+                  <a:gd name="T93" fmla="*/ 152 h 286"/>
+                  <a:gd name="T94" fmla="*/ 33 w 189"/>
+                  <a:gd name="T95" fmla="*/ 179 h 286"/>
+                  <a:gd name="T96" fmla="*/ 37 w 189"/>
+                  <a:gd name="T97" fmla="*/ 215 h 286"/>
+                  <a:gd name="T98" fmla="*/ 50 w 189"/>
+                  <a:gd name="T99" fmla="*/ 241 h 286"/>
+                  <a:gd name="T100" fmla="*/ 68 w 189"/>
+                  <a:gd name="T101" fmla="*/ 256 h 286"/>
+                  <a:gd name="T102" fmla="*/ 89 w 189"/>
+                  <a:gd name="T103" fmla="*/ 261 h 286"/>
+                </a:gdLst>
+                <a:ahLst/>
+                <a:cxnLst>
+                  <a:cxn ang="0">
+                    <a:pos x="T0" y="T1"/>
+                  </a:cxn>
+                  <a:cxn ang="0">
+                    <a:pos x="T2" y="T3"/>
+                  </a:cxn>
+                  <a:cxn ang="0">
+                    <a:pos x="T4" y="T5"/>
+                  </a:cxn>
+                  <a:cxn ang="0">
+                    <a:pos x="T6" y="T7"/>
+                  </a:cxn>
+                  <a:cxn ang="0">
+                    <a:pos x="T8" y="T9"/>
+                  </a:cxn>
+                  <a:cxn ang="0">
+                    <a:pos x="T10" y="T11"/>
+                  </a:cxn>
+                  <a:cxn ang="0">
+                    <a:pos x="T12" y="T13"/>
+                  </a:cxn>
+                  <a:cxn ang="0">
+                    <a:pos x="T14" y="T15"/>
+                  </a:cxn>
+                  <a:cxn ang="0">
+                    <a:pos x="T16" y="T17"/>
+                  </a:cxn>
+                  <a:cxn ang="0">
+                    <a:pos x="T18" y="T19"/>
+                  </a:cxn>
+                  <a:cxn ang="0">
+                    <a:pos x="T20" y="T21"/>
+                  </a:cxn>
+                  <a:cxn ang="0">
+                    <a:pos x="T22" y="T23"/>
+                  </a:cxn>
+                  <a:cxn ang="0">
+                    <a:pos x="T24" y="T25"/>
+                  </a:cxn>
+                  <a:cxn ang="0">
+                    <a:pos x="T26" y="T27"/>
+                  </a:cxn>
+                  <a:cxn ang="0">
+                    <a:pos x="T28" y="T29"/>
+                  </a:cxn>
+                  <a:cxn ang="0">
+                    <a:pos x="T30" y="T31"/>
+                  </a:cxn>
+                  <a:cxn ang="0">
+                    <a:pos x="T32" y="T33"/>
+                  </a:cxn>
+                  <a:cxn ang="0">
+                    <a:pos x="T34" y="T35"/>
+                  </a:cxn>
+                  <a:cxn ang="0">
+                    <a:pos x="T36" y="T37"/>
+                  </a:cxn>
+                  <a:cxn ang="0">
+                    <a:pos x="T38" y="T39"/>
+                  </a:cxn>
+                  <a:cxn ang="0">
+                    <a:pos x="T40" y="T41"/>
+                  </a:cxn>
+                  <a:cxn ang="0">
+                    <a:pos x="T42" y="T43"/>
+                  </a:cxn>
+                  <a:cxn ang="0">
+                    <a:pos x="T44" y="T45"/>
+                  </a:cxn>
+                  <a:cxn ang="0">
+                    <a:pos x="T46" y="T47"/>
+                  </a:cxn>
+                  <a:cxn ang="0">
+                    <a:pos x="T48" y="T49"/>
+                  </a:cxn>
+                  <a:cxn ang="0">
+                    <a:pos x="T50" y="T51"/>
+                  </a:cxn>
+                  <a:cxn ang="0">
+                    <a:pos x="T52" y="T53"/>
+                  </a:cxn>
+                  <a:cxn ang="0">
+                    <a:pos x="T54" y="T55"/>
+                  </a:cxn>
+                  <a:cxn ang="0">
+                    <a:pos x="T56" y="T57"/>
+                  </a:cxn>
+                  <a:cxn ang="0">
+                    <a:pos x="T58" y="T59"/>
+                  </a:cxn>
+                  <a:cxn ang="0">
+                    <a:pos x="T60" y="T61"/>
+                  </a:cxn>
+                  <a:cxn ang="0">
+                    <a:pos x="T62" y="T63"/>
+                  </a:cxn>
+                  <a:cxn ang="0">
+                    <a:pos x="T64" y="T65"/>
+                  </a:cxn>
+                  <a:cxn ang="0">
+                    <a:pos x="T66" y="T67"/>
+                  </a:cxn>
+                  <a:cxn ang="0">
+                    <a:pos x="T68" y="T69"/>
+                  </a:cxn>
+                  <a:cxn ang="0">
+                    <a:pos x="T70" y="T71"/>
+                  </a:cxn>
+                  <a:cxn ang="0">
+                    <a:pos x="T72" y="T73"/>
+                  </a:cxn>
+                  <a:cxn ang="0">
+                    <a:pos x="T74" y="T75"/>
+                  </a:cxn>
+                  <a:cxn ang="0">
+                    <a:pos x="T76" y="T77"/>
+                  </a:cxn>
+                  <a:cxn ang="0">
+                    <a:pos x="T78" y="T79"/>
+                  </a:cxn>
+                  <a:cxn ang="0">
+                    <a:pos x="T80" y="T81"/>
+                  </a:cxn>
+                  <a:cxn ang="0">
+                    <a:pos x="T82" y="T83"/>
+                  </a:cxn>
+                  <a:cxn ang="0">
+                    <a:pos x="T84" y="T85"/>
+                  </a:cxn>
+                  <a:cxn ang="0">
+                    <a:pos x="T86" y="T87"/>
+                  </a:cxn>
+                  <a:cxn ang="0">
+                    <a:pos x="T88" y="T89"/>
+                  </a:cxn>
+                  <a:cxn ang="0">
+                    <a:pos x="T90" y="T91"/>
+                  </a:cxn>
+                  <a:cxn ang="0">
+                    <a:pos x="T92" y="T93"/>
+                  </a:cxn>
+                  <a:cxn ang="0">
+                    <a:pos x="T94" y="T95"/>
+                  </a:cxn>
+                  <a:cxn ang="0">
+                    <a:pos x="T96" y="T97"/>
+                  </a:cxn>
+                  <a:cxn ang="0">
+                    <a:pos x="T98" y="T99"/>
+                  </a:cxn>
+                  <a:cxn ang="0">
+                    <a:pos x="T100" y="T101"/>
+                  </a:cxn>
+                  <a:cxn ang="0">
+                    <a:pos x="T102" y="T103"/>
+                  </a:cxn>
+                </a:cxnLst>
+                <a:rect l="0" t="0" r="r" b="b"/>
+                <a:pathLst>
+                  <a:path w="189" h="286">
+                    <a:moveTo>
+                      <a:pt x="76" y="284"/>
+                    </a:moveTo>
+                    <a:cubicBezTo>
+                      <a:pt x="66" y="284"/>
+                      <a:pt x="57" y="282"/>
+                      <a:pt x="47" y="279"/>
+                    </a:cubicBezTo>
+                    <a:cubicBezTo>
+                      <a:pt x="38" y="275"/>
+                      <a:pt x="30" y="269"/>
+                      <a:pt x="23" y="261"/>
+                    </a:cubicBezTo>
+                    <a:cubicBezTo>
+                      <a:pt x="17" y="253"/>
+                      <a:pt x="11" y="243"/>
+                      <a:pt x="7" y="230"/>
+                    </a:cubicBezTo>
+                    <a:cubicBezTo>
+                      <a:pt x="2" y="218"/>
+                      <a:pt x="0" y="204"/>
+                      <a:pt x="0" y="187"/>
+                    </a:cubicBezTo>
+                    <a:cubicBezTo>
+                      <a:pt x="0" y="172"/>
+                      <a:pt x="3" y="157"/>
+                      <a:pt x="8" y="144"/>
+                    </a:cubicBezTo>
+                    <a:cubicBezTo>
+                      <a:pt x="13" y="132"/>
+                      <a:pt x="20" y="120"/>
+                      <a:pt x="29" y="111"/>
+                    </a:cubicBezTo>
+                    <a:cubicBezTo>
+                      <a:pt x="38" y="102"/>
+                      <a:pt x="49" y="95"/>
+                      <a:pt x="61" y="89"/>
+                    </a:cubicBezTo>
+                    <a:cubicBezTo>
+                      <a:pt x="73" y="84"/>
+                      <a:pt x="86" y="82"/>
+                      <a:pt x="100" y="82"/>
+                    </a:cubicBezTo>
+                    <a:cubicBezTo>
+                      <a:pt x="106" y="82"/>
+                      <a:pt x="112" y="82"/>
+                      <a:pt x="118" y="83"/>
+                    </a:cubicBezTo>
+                    <a:cubicBezTo>
+                      <a:pt x="123" y="84"/>
+                      <a:pt x="128" y="85"/>
+                      <a:pt x="132" y="86"/>
+                    </a:cubicBezTo>
+                    <a:cubicBezTo>
+                      <a:pt x="132" y="29"/>
+                      <a:pt x="132" y="29"/>
+                      <a:pt x="132" y="29"/>
+                    </a:cubicBezTo>
+                    <a:cubicBezTo>
+                      <a:pt x="96" y="22"/>
+                      <a:pt x="96" y="22"/>
+                      <a:pt x="96" y="22"/>
+                    </a:cubicBezTo>
+                    <a:cubicBezTo>
+                      <a:pt x="96" y="7"/>
+                      <a:pt x="96" y="7"/>
+                      <a:pt x="96" y="7"/>
+                    </a:cubicBezTo>
+                    <a:cubicBezTo>
+                      <a:pt x="158" y="0"/>
+                      <a:pt x="158" y="0"/>
+                      <a:pt x="158" y="0"/>
+                    </a:cubicBezTo>
+                    <a:cubicBezTo>
+                      <a:pt x="165" y="4"/>
+                      <a:pt x="165" y="4"/>
+                      <a:pt x="165" y="4"/>
+                    </a:cubicBezTo>
+                    <a:cubicBezTo>
+                      <a:pt x="165" y="266"/>
+                      <a:pt x="165" y="266"/>
+                      <a:pt x="165" y="266"/>
+                    </a:cubicBezTo>
+                    <a:cubicBezTo>
+                      <a:pt x="189" y="266"/>
+                      <a:pt x="189" y="266"/>
+                      <a:pt x="189" y="266"/>
+                    </a:cubicBezTo>
+                    <a:cubicBezTo>
+                      <a:pt x="189" y="278"/>
+                      <a:pt x="189" y="278"/>
+                      <a:pt x="189" y="278"/>
+                    </a:cubicBezTo>
+                    <a:cubicBezTo>
+                      <a:pt x="187" y="279"/>
+                      <a:pt x="184" y="280"/>
+                      <a:pt x="181" y="281"/>
+                    </a:cubicBezTo>
+                    <a:cubicBezTo>
+                      <a:pt x="178" y="282"/>
+                      <a:pt x="175" y="283"/>
+                      <a:pt x="172" y="284"/>
+                    </a:cubicBezTo>
+                    <a:cubicBezTo>
+                      <a:pt x="169" y="284"/>
+                      <a:pt x="166" y="285"/>
+                      <a:pt x="162" y="285"/>
+                    </a:cubicBezTo>
+                    <a:cubicBezTo>
+                      <a:pt x="159" y="286"/>
+                      <a:pt x="156" y="286"/>
+                      <a:pt x="153" y="286"/>
+                    </a:cubicBezTo>
+                    <a:cubicBezTo>
+                      <a:pt x="151" y="286"/>
+                      <a:pt x="148" y="286"/>
+                      <a:pt x="146" y="285"/>
+                    </a:cubicBezTo>
+                    <a:cubicBezTo>
+                      <a:pt x="144" y="285"/>
+                      <a:pt x="142" y="284"/>
+                      <a:pt x="140" y="283"/>
+                    </a:cubicBezTo>
+                    <a:cubicBezTo>
+                      <a:pt x="138" y="282"/>
+                      <a:pt x="137" y="280"/>
+                      <a:pt x="135" y="278"/>
+                    </a:cubicBezTo>
+                    <a:cubicBezTo>
+                      <a:pt x="134" y="275"/>
+                      <a:pt x="134" y="272"/>
+                      <a:pt x="134" y="268"/>
+                    </a:cubicBezTo>
+                    <a:cubicBezTo>
+                      <a:pt x="134" y="264"/>
+                      <a:pt x="134" y="264"/>
+                      <a:pt x="134" y="264"/>
+                    </a:cubicBezTo>
+                    <a:cubicBezTo>
+                      <a:pt x="132" y="266"/>
+                      <a:pt x="129" y="268"/>
+                      <a:pt x="126" y="270"/>
+                    </a:cubicBezTo>
+                    <a:cubicBezTo>
+                      <a:pt x="123" y="273"/>
+                      <a:pt x="119" y="275"/>
+                      <a:pt x="114" y="277"/>
+                    </a:cubicBezTo>
+                    <a:cubicBezTo>
+                      <a:pt x="109" y="279"/>
+                      <a:pt x="103" y="281"/>
+                      <a:pt x="97" y="282"/>
+                    </a:cubicBezTo>
+                    <a:cubicBezTo>
+                      <a:pt x="90" y="284"/>
+                      <a:pt x="83" y="284"/>
+                      <a:pt x="76" y="284"/>
+                    </a:cubicBezTo>
+                    <a:close/>
+                    <a:moveTo>
+                      <a:pt x="89" y="261"/>
+                    </a:moveTo>
+                    <a:cubicBezTo>
+                      <a:pt x="93" y="261"/>
+                      <a:pt x="96" y="260"/>
+                      <a:pt x="99" y="260"/>
+                    </a:cubicBezTo>
+                    <a:cubicBezTo>
+                      <a:pt x="102" y="260"/>
+                      <a:pt x="105" y="259"/>
+                      <a:pt x="108" y="258"/>
+                    </a:cubicBezTo>
+                    <a:cubicBezTo>
+                      <a:pt x="114" y="257"/>
+                      <a:pt x="118" y="255"/>
+                      <a:pt x="122" y="253"/>
+                    </a:cubicBezTo>
+                    <a:cubicBezTo>
+                      <a:pt x="126" y="251"/>
+                      <a:pt x="130" y="248"/>
+                      <a:pt x="132" y="246"/>
+                    </a:cubicBezTo>
+                    <a:cubicBezTo>
+                      <a:pt x="132" y="114"/>
+                      <a:pt x="132" y="114"/>
+                      <a:pt x="132" y="114"/>
+                    </a:cubicBezTo>
+                    <a:cubicBezTo>
+                      <a:pt x="131" y="112"/>
+                      <a:pt x="130" y="111"/>
+                      <a:pt x="128" y="109"/>
+                    </a:cubicBezTo>
+                    <a:cubicBezTo>
+                      <a:pt x="126" y="107"/>
+                      <a:pt x="124" y="106"/>
+                      <a:pt x="121" y="105"/>
+                    </a:cubicBezTo>
+                    <a:cubicBezTo>
+                      <a:pt x="118" y="103"/>
+                      <a:pt x="114" y="102"/>
+                      <a:pt x="110" y="101"/>
+                    </a:cubicBezTo>
+                    <a:cubicBezTo>
+                      <a:pt x="106" y="100"/>
+                      <a:pt x="101" y="100"/>
+                      <a:pt x="96" y="100"/>
+                    </a:cubicBezTo>
+                    <a:cubicBezTo>
+                      <a:pt x="91" y="100"/>
+                      <a:pt x="87" y="101"/>
+                      <a:pt x="82" y="102"/>
+                    </a:cubicBezTo>
+                    <a:cubicBezTo>
+                      <a:pt x="77" y="103"/>
+                      <a:pt x="73" y="104"/>
+                      <a:pt x="68" y="107"/>
+                    </a:cubicBezTo>
+                    <a:cubicBezTo>
+                      <a:pt x="64" y="110"/>
+                      <a:pt x="59" y="113"/>
+                      <a:pt x="55" y="117"/>
+                    </a:cubicBezTo>
+                    <a:cubicBezTo>
+                      <a:pt x="51" y="121"/>
+                      <a:pt x="47" y="126"/>
+                      <a:pt x="44" y="132"/>
+                    </a:cubicBezTo>
+                    <a:cubicBezTo>
+                      <a:pt x="41" y="137"/>
+                      <a:pt x="38" y="144"/>
+                      <a:pt x="36" y="152"/>
+                    </a:cubicBezTo>
+                    <a:cubicBezTo>
+                      <a:pt x="34" y="160"/>
+                      <a:pt x="33" y="169"/>
+                      <a:pt x="33" y="179"/>
+                    </a:cubicBezTo>
+                    <a:cubicBezTo>
+                      <a:pt x="33" y="193"/>
+                      <a:pt x="34" y="205"/>
+                      <a:pt x="37" y="215"/>
+                    </a:cubicBezTo>
+                    <a:cubicBezTo>
+                      <a:pt x="41" y="226"/>
+                      <a:pt x="45" y="234"/>
+                      <a:pt x="50" y="241"/>
+                    </a:cubicBezTo>
+                    <a:cubicBezTo>
+                      <a:pt x="55" y="248"/>
+                      <a:pt x="61" y="253"/>
+                      <a:pt x="68" y="256"/>
+                    </a:cubicBezTo>
+                    <a:cubicBezTo>
+                      <a:pt x="75" y="259"/>
+                      <a:pt x="82" y="261"/>
+                      <a:pt x="89" y="261"/>
+                    </a:cubicBezTo>
+                    <a:close/>
+                  </a:path>
+                </a:pathLst>
+              </a:custGeom>
+              <a:grpFill/>
+              <a:ln>
+                <a:noFill/>
+              </a:ln>
+              <a:extLst>
+                <a:ext uri="{91240B29-F687-4F45-9708-019B960494DF}">
+                  <a14:hiddenLine xmlns:a14="http://schemas.microsoft.com/office/drawing/2010/main" w="9525">
+                    <a:solidFill>
+                      <a:srgbClr val="000000"/>
+                    </a:solidFill>
+                    <a:round/>
+                    <a:headEnd/>
+                    <a:tailEnd/>
+                  </a14:hiddenLine>
+                </a:ext>
+              </a:extLst>
+            </p:spPr>
+            <p:txBody>
+              <a:bodyPr vert="horz" wrap="square" lIns="91440" tIns="45720" rIns="91440" bIns="45720" numCol="1" anchor="t" anchorCtr="0" compatLnSpc="1">
+                <a:prstTxWarp prst="textNoShape">
+                  <a:avLst/>
+                </a:prstTxWarp>
+              </a:bodyPr>
+              <a:lstStyle/>
+              <a:p>
+                <a:endParaRPr lang="en-US"/>
+              </a:p>
+            </p:txBody>
+          </p:sp>
+          <p:sp>
+            <p:nvSpPr>
+              <p:cNvPr id="16" name="Freeform 11">
+                <a:extLst>
+                  <a:ext uri="{FF2B5EF4-FFF2-40B4-BE49-F238E27FC236}">
+                    <a16:creationId xmlns:a16="http://schemas.microsoft.com/office/drawing/2014/main" id="{03ABCE4C-8F3F-495D-81DE-0857738BB089}"/>
+                  </a:ext>
+                </a:extLst>
+              </p:cNvPr>
+              <p:cNvSpPr>
+                <a:spLocks noEditPoints="1"/>
+              </p:cNvSpPr>
+              <p:nvPr/>
+            </p:nvSpPr>
+            <p:spPr bwMode="auto">
+              <a:xfrm>
+                <a:off x="5784" y="1008"/>
+                <a:ext cx="31" cy="30"/>
+              </a:xfrm>
+              <a:custGeom>
+                <a:avLst/>
+                <a:gdLst>
+                  <a:gd name="T0" fmla="*/ 21 w 42"/>
+                  <a:gd name="T1" fmla="*/ 0 h 41"/>
+                  <a:gd name="T2" fmla="*/ 42 w 42"/>
+                  <a:gd name="T3" fmla="*/ 20 h 41"/>
+                  <a:gd name="T4" fmla="*/ 21 w 42"/>
+                  <a:gd name="T5" fmla="*/ 41 h 41"/>
+                  <a:gd name="T6" fmla="*/ 0 w 42"/>
+                  <a:gd name="T7" fmla="*/ 20 h 41"/>
+                  <a:gd name="T8" fmla="*/ 21 w 42"/>
+                  <a:gd name="T9" fmla="*/ 0 h 41"/>
+                  <a:gd name="T10" fmla="*/ 21 w 42"/>
+                  <a:gd name="T11" fmla="*/ 38 h 41"/>
+                  <a:gd name="T12" fmla="*/ 38 w 42"/>
+                  <a:gd name="T13" fmla="*/ 20 h 41"/>
+                  <a:gd name="T14" fmla="*/ 21 w 42"/>
+                  <a:gd name="T15" fmla="*/ 3 h 41"/>
+                  <a:gd name="T16" fmla="*/ 4 w 42"/>
+                  <a:gd name="T17" fmla="*/ 20 h 41"/>
+                  <a:gd name="T18" fmla="*/ 21 w 42"/>
+                  <a:gd name="T19" fmla="*/ 38 h 41"/>
+                  <a:gd name="T20" fmla="*/ 13 w 42"/>
+                  <a:gd name="T21" fmla="*/ 8 h 41"/>
+                  <a:gd name="T22" fmla="*/ 22 w 42"/>
+                  <a:gd name="T23" fmla="*/ 8 h 41"/>
+                  <a:gd name="T24" fmla="*/ 31 w 42"/>
+                  <a:gd name="T25" fmla="*/ 15 h 41"/>
+                  <a:gd name="T26" fmla="*/ 24 w 42"/>
+                  <a:gd name="T27" fmla="*/ 22 h 41"/>
+                  <a:gd name="T28" fmla="*/ 31 w 42"/>
+                  <a:gd name="T29" fmla="*/ 33 h 41"/>
+                  <a:gd name="T30" fmla="*/ 27 w 42"/>
+                  <a:gd name="T31" fmla="*/ 33 h 41"/>
+                  <a:gd name="T32" fmla="*/ 21 w 42"/>
+                  <a:gd name="T33" fmla="*/ 22 h 41"/>
+                  <a:gd name="T34" fmla="*/ 17 w 42"/>
+                  <a:gd name="T35" fmla="*/ 22 h 41"/>
+                  <a:gd name="T36" fmla="*/ 17 w 42"/>
+                  <a:gd name="T37" fmla="*/ 33 h 41"/>
+                  <a:gd name="T38" fmla="*/ 13 w 42"/>
+                  <a:gd name="T39" fmla="*/ 33 h 41"/>
+                  <a:gd name="T40" fmla="*/ 13 w 42"/>
+                  <a:gd name="T41" fmla="*/ 8 h 41"/>
+                  <a:gd name="T42" fmla="*/ 17 w 42"/>
+                  <a:gd name="T43" fmla="*/ 19 h 41"/>
+                  <a:gd name="T44" fmla="*/ 20 w 42"/>
+                  <a:gd name="T45" fmla="*/ 19 h 41"/>
+                  <a:gd name="T46" fmla="*/ 27 w 42"/>
+                  <a:gd name="T47" fmla="*/ 15 h 41"/>
+                  <a:gd name="T48" fmla="*/ 22 w 42"/>
+                  <a:gd name="T49" fmla="*/ 11 h 41"/>
+                  <a:gd name="T50" fmla="*/ 17 w 42"/>
+                  <a:gd name="T51" fmla="*/ 11 h 41"/>
+                  <a:gd name="T52" fmla="*/ 17 w 42"/>
+                  <a:gd name="T53" fmla="*/ 19 h 41"/>
+                </a:gdLst>
+                <a:ahLst/>
+                <a:cxnLst>
+                  <a:cxn ang="0">
+                    <a:pos x="T0" y="T1"/>
+                  </a:cxn>
+                  <a:cxn ang="0">
+                    <a:pos x="T2" y="T3"/>
+                  </a:cxn>
+                  <a:cxn ang="0">
+                    <a:pos x="T4" y="T5"/>
+                  </a:cxn>
+                  <a:cxn ang="0">
+                    <a:pos x="T6" y="T7"/>
+                  </a:cxn>
+                  <a:cxn ang="0">
+                    <a:pos x="T8" y="T9"/>
+                  </a:cxn>
+                  <a:cxn ang="0">
+                    <a:pos x="T10" y="T11"/>
+                  </a:cxn>
+                  <a:cxn ang="0">
+                    <a:pos x="T12" y="T13"/>
+                  </a:cxn>
+                  <a:cxn ang="0">
+                    <a:pos x="T14" y="T15"/>
+                  </a:cxn>
+                  <a:cxn ang="0">
+                    <a:pos x="T16" y="T17"/>
+                  </a:cxn>
+                  <a:cxn ang="0">
+                    <a:pos x="T18" y="T19"/>
+                  </a:cxn>
+                  <a:cxn ang="0">
+                    <a:pos x="T20" y="T21"/>
+                  </a:cxn>
+                  <a:cxn ang="0">
+                    <a:pos x="T22" y="T23"/>
+                  </a:cxn>
+                  <a:cxn ang="0">
+                    <a:pos x="T24" y="T25"/>
+                  </a:cxn>
+                  <a:cxn ang="0">
+                    <a:pos x="T26" y="T27"/>
+                  </a:cxn>
+                  <a:cxn ang="0">
+                    <a:pos x="T28" y="T29"/>
+                  </a:cxn>
+                  <a:cxn ang="0">
+                    <a:pos x="T30" y="T31"/>
+                  </a:cxn>
+                  <a:cxn ang="0">
+                    <a:pos x="T32" y="T33"/>
+                  </a:cxn>
+                  <a:cxn ang="0">
+                    <a:pos x="T34" y="T35"/>
+                  </a:cxn>
+                  <a:cxn ang="0">
+                    <a:pos x="T36" y="T37"/>
+                  </a:cxn>
+                  <a:cxn ang="0">
+                    <a:pos x="T38" y="T39"/>
+                  </a:cxn>
+                  <a:cxn ang="0">
+                    <a:pos x="T40" y="T41"/>
+                  </a:cxn>
+                  <a:cxn ang="0">
+                    <a:pos x="T42" y="T43"/>
+                  </a:cxn>
+                  <a:cxn ang="0">
+                    <a:pos x="T44" y="T45"/>
+                  </a:cxn>
+                  <a:cxn ang="0">
+                    <a:pos x="T46" y="T47"/>
+                  </a:cxn>
+                  <a:cxn ang="0">
+                    <a:pos x="T48" y="T49"/>
+                  </a:cxn>
+                  <a:cxn ang="0">
+                    <a:pos x="T50" y="T51"/>
+                  </a:cxn>
+                  <a:cxn ang="0">
+                    <a:pos x="T52" y="T53"/>
+                  </a:cxn>
+                </a:cxnLst>
+                <a:rect l="0" t="0" r="r" b="b"/>
+                <a:pathLst>
+                  <a:path w="42" h="41">
+                    <a:moveTo>
+                      <a:pt x="21" y="0"/>
+                    </a:moveTo>
+                    <a:cubicBezTo>
+                      <a:pt x="32" y="0"/>
+                      <a:pt x="42" y="9"/>
+                      <a:pt x="42" y="20"/>
+                    </a:cubicBezTo>
+                    <a:cubicBezTo>
+                      <a:pt x="42" y="32"/>
+                      <a:pt x="32" y="41"/>
+                      <a:pt x="21" y="41"/>
+                    </a:cubicBezTo>
+                    <a:cubicBezTo>
+                      <a:pt x="9" y="41"/>
+                      <a:pt x="0" y="32"/>
+                      <a:pt x="0" y="20"/>
+                    </a:cubicBezTo>
+                    <a:cubicBezTo>
+                      <a:pt x="0" y="9"/>
+                      <a:pt x="9" y="0"/>
+                      <a:pt x="21" y="0"/>
+                    </a:cubicBezTo>
+                    <a:close/>
+                    <a:moveTo>
+                      <a:pt x="21" y="38"/>
+                    </a:moveTo>
+                    <a:cubicBezTo>
+                      <a:pt x="31" y="38"/>
+                      <a:pt x="38" y="31"/>
+                      <a:pt x="38" y="20"/>
+                    </a:cubicBezTo>
+                    <a:cubicBezTo>
+                      <a:pt x="38" y="10"/>
+                      <a:pt x="31" y="3"/>
+                      <a:pt x="21" y="3"/>
+                    </a:cubicBezTo>
+                    <a:cubicBezTo>
+                      <a:pt x="11" y="3"/>
+                      <a:pt x="4" y="10"/>
+                      <a:pt x="4" y="20"/>
+                    </a:cubicBezTo>
+                    <a:cubicBezTo>
+                      <a:pt x="4" y="31"/>
+                      <a:pt x="11" y="38"/>
+                      <a:pt x="21" y="38"/>
+                    </a:cubicBezTo>
+                    <a:close/>
+                    <a:moveTo>
+                      <a:pt x="13" y="8"/>
+                    </a:moveTo>
+                    <a:cubicBezTo>
+                      <a:pt x="22" y="8"/>
+                      <a:pt x="22" y="8"/>
+                      <a:pt x="22" y="8"/>
+                    </a:cubicBezTo>
+                    <a:cubicBezTo>
+                      <a:pt x="28" y="8"/>
+                      <a:pt x="31" y="11"/>
+                      <a:pt x="31" y="15"/>
+                    </a:cubicBezTo>
+                    <a:cubicBezTo>
+                      <a:pt x="31" y="20"/>
+                      <a:pt x="28" y="22"/>
+                      <a:pt x="24" y="22"/>
+                    </a:cubicBezTo>
+                    <a:cubicBezTo>
+                      <a:pt x="31" y="33"/>
+                      <a:pt x="31" y="33"/>
+                      <a:pt x="31" y="33"/>
+                    </a:cubicBezTo>
+                    <a:cubicBezTo>
+                      <a:pt x="27" y="33"/>
+                      <a:pt x="27" y="33"/>
+                      <a:pt x="27" y="33"/>
+                    </a:cubicBezTo>
+                    <a:cubicBezTo>
+                      <a:pt x="21" y="22"/>
+                      <a:pt x="21" y="22"/>
+                      <a:pt x="21" y="22"/>
+                    </a:cubicBezTo>
+                    <a:cubicBezTo>
+                      <a:pt x="17" y="22"/>
+                      <a:pt x="17" y="22"/>
+                      <a:pt x="17" y="22"/>
+                    </a:cubicBezTo>
+                    <a:cubicBezTo>
+                      <a:pt x="17" y="33"/>
+                      <a:pt x="17" y="33"/>
+                      <a:pt x="17" y="33"/>
+                    </a:cubicBezTo>
+                    <a:cubicBezTo>
+                      <a:pt x="13" y="33"/>
+                      <a:pt x="13" y="33"/>
+                      <a:pt x="13" y="33"/>
+                    </a:cubicBezTo>
+                    <a:lnTo>
+                      <a:pt x="13" y="8"/>
+                    </a:lnTo>
+                    <a:close/>
+                    <a:moveTo>
+                      <a:pt x="17" y="19"/>
+                    </a:moveTo>
+                    <a:cubicBezTo>
+                      <a:pt x="20" y="19"/>
+                      <a:pt x="20" y="19"/>
+                      <a:pt x="20" y="19"/>
+                    </a:cubicBezTo>
+                    <a:cubicBezTo>
+                      <a:pt x="24" y="19"/>
+                      <a:pt x="27" y="19"/>
+                      <a:pt x="27" y="15"/>
+                    </a:cubicBezTo>
+                    <a:cubicBezTo>
+                      <a:pt x="27" y="12"/>
+                      <a:pt x="24" y="11"/>
+                      <a:pt x="22" y="11"/>
+                    </a:cubicBezTo>
+                    <a:cubicBezTo>
+                      <a:pt x="17" y="11"/>
+                      <a:pt x="17" y="11"/>
+                      <a:pt x="17" y="11"/>
+                    </a:cubicBezTo>
+                    <a:lnTo>
+                      <a:pt x="17" y="19"/>
+                    </a:lnTo>
+                    <a:close/>
+                  </a:path>
+                </a:pathLst>
+              </a:custGeom>
+              <a:grpFill/>
+              <a:ln>
+                <a:noFill/>
+              </a:ln>
+              <a:extLst>
+                <a:ext uri="{91240B29-F687-4F45-9708-019B960494DF}">
+                  <a14:hiddenLine xmlns:a14="http://schemas.microsoft.com/office/drawing/2010/main" w="9525">
+                    <a:solidFill>
+                      <a:srgbClr val="000000"/>
+                    </a:solidFill>
+                    <a:round/>
+                    <a:headEnd/>
+                    <a:tailEnd/>
+                  </a14:hiddenLine>
+                </a:ext>
+              </a:extLst>
+            </p:spPr>
+            <p:txBody>
+              <a:bodyPr vert="horz" wrap="square" lIns="91440" tIns="45720" rIns="91440" bIns="45720" numCol="1" anchor="t" anchorCtr="0" compatLnSpc="1">
+                <a:prstTxWarp prst="textNoShape">
+                  <a:avLst/>
+                </a:prstTxWarp>
+              </a:bodyPr>
+              <a:lstStyle/>
+              <a:p>
+                <a:endParaRPr lang="en-US"/>
+              </a:p>
+            </p:txBody>
+          </p:sp>
+        </p:grpSp>
+      </p:grpSp>
+    </p:spTree>
+    <p:extLst>
+      <p:ext uri="{BB962C8B-B14F-4D97-AF65-F5344CB8AC3E}">
+        <p14:creationId xmlns:p14="http://schemas.microsoft.com/office/powerpoint/2010/main" val="1399880830"/>
+      </p:ext>
+    </p:extLst>
+  </p:cSld>
+  <p:clrMapOvr>
+    <a:masterClrMapping/>
+  </p:clrMapOvr>
+  <p:transition>
+    <p:fade/>
+  </p:transition>
+  <p:timing>
+    <p:tnLst>
+      <p:par>
+        <p:cTn id="1" dur="indefinite" restart="never" nodeType="tmRoot"/>
+      </p:par>
+    </p:tnLst>
+  </p:timing>
+</p:sld>
+</file>
+
+<file path=ppt/slides/slide3.xml><?xml version="1.0" encoding="utf-8"?>
 <p:sld xmlns:a="http://schemas.openxmlformats.org/drawingml/2006/main" xmlns:r="http://schemas.openxmlformats.org/officeDocument/2006/relationships" xmlns:p="http://schemas.openxmlformats.org/presentationml/2006/main">
   <p:cSld>
     <p:spTree>
@@ -36982,192 +37521,7 @@
           <a:p>
             <a:r>
               <a:rPr lang="en-US" dirty="0" smtClean="0"/>
-              <a:t>Tiebreaker: What is a CSS property?</a:t>
-            </a:r>
-            <a:endParaRPr lang="en-US" dirty="0"/>
-          </a:p>
-        </p:txBody>
-      </p:sp>
-      <p:sp>
-        <p:nvSpPr>
-          <p:cNvPr id="3" name="Content Placeholder 2"/>
-          <p:cNvSpPr>
-            <a:spLocks noGrp="1"/>
-          </p:cNvSpPr>
-          <p:nvPr>
-            <p:ph idx="1"/>
-          </p:nvPr>
-        </p:nvSpPr>
-        <p:spPr/>
-        <p:txBody>
-          <a:bodyPr anchor="ctr">
-            <a:normAutofit/>
-          </a:bodyPr>
-          <a:lstStyle/>
-          <a:p>
-            <a:pPr marL="57150" indent="0" algn="ctr">
-              <a:buNone/>
-            </a:pPr>
-            <a:r>
-              <a:rPr lang="en-US" sz="6600" dirty="0" smtClean="0">
-                <a:latin typeface="+mj-lt"/>
-              </a:rPr>
-              <a:t>An </a:t>
-            </a:r>
-            <a:r>
-              <a:rPr lang="en-US" sz="6600" dirty="0">
-                <a:latin typeface="+mj-lt"/>
-              </a:rPr>
-              <a:t>identifier that indicates which stylistic features to change</a:t>
-            </a:r>
-          </a:p>
-        </p:txBody>
-      </p:sp>
-    </p:spTree>
-    <p:extLst>
-      <p:ext uri="{BB962C8B-B14F-4D97-AF65-F5344CB8AC3E}">
-        <p14:creationId xmlns:p14="http://schemas.microsoft.com/office/powerpoint/2010/main" val="484732111"/>
-      </p:ext>
-    </p:extLst>
-  </p:cSld>
-  <p:clrMapOvr>
-    <a:masterClrMapping/>
-  </p:clrMapOvr>
-  <p:transition>
-    <p:fade/>
-  </p:transition>
-  <p:timing>
-    <p:tnLst>
-      <p:par>
-        <p:cTn id="1" dur="indefinite" restart="never" nodeType="tmRoot">
-          <p:childTnLst>
-            <p:seq concurrent="1" nextAc="seek">
-              <p:cTn id="2" dur="indefinite" nodeType="mainSeq">
-                <p:childTnLst>
-                  <p:par>
-                    <p:cTn id="3" fill="hold">
-                      <p:stCondLst>
-                        <p:cond delay="indefinite"/>
-                      </p:stCondLst>
-                      <p:childTnLst>
-                        <p:par>
-                          <p:cTn id="4" fill="hold">
-                            <p:stCondLst>
-                              <p:cond delay="0"/>
-                            </p:stCondLst>
-                            <p:childTnLst>
-                              <p:par>
-                                <p:cTn id="5" presetID="10" presetClass="entr" presetSubtype="0" fill="hold" grpId="0" nodeType="clickEffect">
-                                  <p:stCondLst>
-                                    <p:cond delay="0"/>
-                                  </p:stCondLst>
-                                  <p:childTnLst>
-                                    <p:set>
-                                      <p:cBhvr>
-                                        <p:cTn id="6" dur="1" fill="hold">
-                                          <p:stCondLst>
-                                            <p:cond delay="0"/>
-                                          </p:stCondLst>
-                                        </p:cTn>
-                                        <p:tgtEl>
-                                          <p:spTgt spid="3">
-                                            <p:txEl>
-                                              <p:pRg st="0" end="0"/>
-                                            </p:txEl>
-                                          </p:spTgt>
-                                        </p:tgtEl>
-                                        <p:attrNameLst>
-                                          <p:attrName>style.visibility</p:attrName>
-                                        </p:attrNameLst>
-                                      </p:cBhvr>
-                                      <p:to>
-                                        <p:strVal val="visible"/>
-                                      </p:to>
-                                    </p:set>
-                                    <p:animEffect transition="in" filter="fade">
-                                      <p:cBhvr>
-                                        <p:cTn id="7" dur="500"/>
-                                        <p:tgtEl>
-                                          <p:spTgt spid="3">
-                                            <p:txEl>
-                                              <p:pRg st="0" end="0"/>
-                                            </p:txEl>
-                                          </p:spTgt>
-                                        </p:tgtEl>
-                                      </p:cBhvr>
-                                    </p:animEffect>
-                                  </p:childTnLst>
-                                </p:cTn>
-                              </p:par>
-                            </p:childTnLst>
-                          </p:cTn>
-                        </p:par>
-                      </p:childTnLst>
-                    </p:cTn>
-                  </p:par>
-                </p:childTnLst>
-              </p:cTn>
-              <p:prevCondLst>
-                <p:cond evt="onPrev" delay="0">
-                  <p:tgtEl>
-                    <p:sldTgt/>
-                  </p:tgtEl>
-                </p:cond>
-              </p:prevCondLst>
-              <p:nextCondLst>
-                <p:cond evt="onNext" delay="0">
-                  <p:tgtEl>
-                    <p:sldTgt/>
-                  </p:tgtEl>
-                </p:cond>
-              </p:nextCondLst>
-            </p:seq>
-          </p:childTnLst>
-        </p:cTn>
-      </p:par>
-    </p:tnLst>
-    <p:bldLst>
-      <p:bldP spid="3" grpId="0" build="p"/>
-    </p:bldLst>
-  </p:timing>
-</p:sld>
-</file>
-
-<file path=ppt/slides/slide2.xml><?xml version="1.0" encoding="utf-8"?>
-<p:sld xmlns:a="http://schemas.openxmlformats.org/drawingml/2006/main" xmlns:r="http://schemas.openxmlformats.org/officeDocument/2006/relationships" xmlns:p="http://schemas.openxmlformats.org/presentationml/2006/main">
-  <p:cSld>
-    <p:spTree>
-      <p:nvGrpSpPr>
-        <p:cNvPr id="1" name=""/>
-        <p:cNvGrpSpPr/>
-        <p:nvPr/>
-      </p:nvGrpSpPr>
-      <p:grpSpPr>
-        <a:xfrm>
-          <a:off x="0" y="0"/>
-          <a:ext cx="0" cy="0"/>
-          <a:chOff x="0" y="0"/>
-          <a:chExt cx="0" cy="0"/>
-        </a:xfrm>
-      </p:grpSpPr>
-      <p:sp>
-        <p:nvSpPr>
-          <p:cNvPr id="2" name="Title 1"/>
-          <p:cNvSpPr>
-            <a:spLocks noGrp="1"/>
-          </p:cNvSpPr>
-          <p:nvPr>
-            <p:ph type="title"/>
-          </p:nvPr>
-        </p:nvSpPr>
-        <p:spPr/>
-        <p:txBody>
-          <a:bodyPr/>
-          <a:lstStyle/>
-          <a:p>
-            <a:r>
-              <a:rPr lang="en-US" dirty="0" smtClean="0"/>
-              <a:t>Which tags wrap an entire html document?</a:t>
+              <a:t>1. Which tags wrap an entire html document?</a:t>
             </a:r>
             <a:endParaRPr lang="en-US" dirty="0"/>
           </a:p>
@@ -37332,7 +37686,7 @@
 </p:sld>
 </file>
 
-<file path=ppt/slides/slide3.xml><?xml version="1.0" encoding="utf-8"?>
+<file path=ppt/slides/slide4.xml><?xml version="1.0" encoding="utf-8"?>
 <p:sld xmlns:a="http://schemas.openxmlformats.org/drawingml/2006/main" xmlns:r="http://schemas.openxmlformats.org/officeDocument/2006/relationships" xmlns:p="http://schemas.openxmlformats.org/presentationml/2006/main">
   <p:cSld>
     <p:spTree>
@@ -37366,7 +37720,7 @@
           <a:p>
             <a:r>
               <a:rPr lang="en-US" dirty="0" smtClean="0"/>
-              <a:t>Which header element is the largest?</a:t>
+              <a:t>2. Which header element is the largest?</a:t>
             </a:r>
             <a:endParaRPr lang="en-US" dirty="0"/>
           </a:p>
@@ -37531,7 +37885,7 @@
 </p:sld>
 </file>
 
-<file path=ppt/slides/slide4.xml><?xml version="1.0" encoding="utf-8"?>
+<file path=ppt/slides/slide5.xml><?xml version="1.0" encoding="utf-8"?>
 <p:sld xmlns:a="http://schemas.openxmlformats.org/drawingml/2006/main" xmlns:r="http://schemas.openxmlformats.org/officeDocument/2006/relationships" xmlns:p="http://schemas.openxmlformats.org/presentationml/2006/main">
   <p:cSld>
     <p:spTree>
@@ -37565,7 +37919,7 @@
           <a:p>
             <a:r>
               <a:rPr lang="en-US" dirty="0" smtClean="0"/>
-              <a:t>Create a hyperlink that says “w3” and goes to w3.org when clicked</a:t>
+              <a:t>3. Create a hyperlink that says “w3” and goes to w3.org when clicked</a:t>
             </a:r>
             <a:endParaRPr lang="en-US" dirty="0"/>
           </a:p>
@@ -37783,7 +38137,7 @@
 </p:sld>
 </file>
 
-<file path=ppt/slides/slide5.xml><?xml version="1.0" encoding="utf-8"?>
+<file path=ppt/slides/slide6.xml><?xml version="1.0" encoding="utf-8"?>
 <p:sld xmlns:a="http://schemas.openxmlformats.org/drawingml/2006/main" xmlns:r="http://schemas.openxmlformats.org/officeDocument/2006/relationships" xmlns:p="http://schemas.openxmlformats.org/presentationml/2006/main">
   <p:cSld>
     <p:spTree>
@@ -37817,7 +38171,7 @@
           <a:p>
             <a:r>
               <a:rPr lang="en-US" dirty="0" smtClean="0"/>
-              <a:t>list the elements needed to create a table</a:t>
+              <a:t>4. list the six elements needed for a table</a:t>
             </a:r>
             <a:endParaRPr lang="en-US" dirty="0"/>
           </a:p>
@@ -38363,7 +38717,7 @@
 </p:sld>
 </file>
 
-<file path=ppt/slides/slide6.xml><?xml version="1.0" encoding="utf-8"?>
+<file path=ppt/slides/slide7.xml><?xml version="1.0" encoding="utf-8"?>
 <p:sld xmlns:a="http://schemas.openxmlformats.org/drawingml/2006/main" xmlns:r="http://schemas.openxmlformats.org/officeDocument/2006/relationships" xmlns:p="http://schemas.openxmlformats.org/presentationml/2006/main">
   <p:cSld>
     <p:spTree>
@@ -38397,7 +38751,7 @@
           <a:p>
             <a:r>
               <a:rPr lang="en-US" dirty="0" smtClean="0"/>
-              <a:t>Create a numbered list of three movies</a:t>
+              <a:t>5. Create a numbered list of three movies</a:t>
             </a:r>
             <a:endParaRPr lang="en-US" dirty="0"/>
           </a:p>
@@ -38930,7 +39284,7 @@
 </p:sld>
 </file>
 
-<file path=ppt/slides/slide7.xml><?xml version="1.0" encoding="utf-8"?>
+<file path=ppt/slides/slide8.xml><?xml version="1.0" encoding="utf-8"?>
 <p:sld xmlns:a="http://schemas.openxmlformats.org/drawingml/2006/main" xmlns:r="http://schemas.openxmlformats.org/officeDocument/2006/relationships" xmlns:p="http://schemas.openxmlformats.org/presentationml/2006/main">
   <p:cSld>
     <p:spTree>
@@ -38964,7 +39318,15 @@
           <a:p>
             <a:r>
               <a:rPr lang="en-US" dirty="0" smtClean="0"/>
-              <a:t>What does the </a:t>
+              <a:t>6. In </a:t>
+            </a:r>
+            <a:r>
+              <a:rPr lang="en-US" dirty="0" err="1" smtClean="0"/>
+              <a:t>css</a:t>
+            </a:r>
+            <a:r>
+              <a:rPr lang="en-US" dirty="0" smtClean="0"/>
+              <a:t>, What does the </a:t>
             </a:r>
             <a:r>
               <a:rPr lang="en-US" sz="4000" cap="none" dirty="0" smtClean="0">
@@ -39128,7 +39490,7 @@
 </p:sld>
 </file>
 
-<file path=ppt/slides/slide8.xml><?xml version="1.0" encoding="utf-8"?>
+<file path=ppt/slides/slide9.xml><?xml version="1.0" encoding="utf-8"?>
 <p:sld xmlns:a="http://schemas.openxmlformats.org/drawingml/2006/main" xmlns:r="http://schemas.openxmlformats.org/officeDocument/2006/relationships" xmlns:p="http://schemas.openxmlformats.org/presentationml/2006/main">
   <p:cSld>
     <p:spTree>
@@ -39162,7 +39524,7 @@
           <a:p>
             <a:r>
               <a:rPr lang="en-US" dirty="0" smtClean="0"/>
-              <a:t>Which HTML element connects a CSS stylesheet to an html page?</a:t>
+              <a:t>7. Which HTML element connects a CSS stylesheet to an html page?</a:t>
             </a:r>
             <a:endParaRPr lang="en-US" dirty="0"/>
           </a:p>
@@ -39221,195 +39583,6 @@
     <p:extLst>
       <p:ext uri="{BB962C8B-B14F-4D97-AF65-F5344CB8AC3E}">
         <p14:creationId xmlns:p14="http://schemas.microsoft.com/office/powerpoint/2010/main" val="2013883105"/>
-      </p:ext>
-    </p:extLst>
-  </p:cSld>
-  <p:clrMapOvr>
-    <a:masterClrMapping/>
-  </p:clrMapOvr>
-  <p:transition>
-    <p:fade/>
-  </p:transition>
-  <p:timing>
-    <p:tnLst>
-      <p:par>
-        <p:cTn id="1" dur="indefinite" restart="never" nodeType="tmRoot">
-          <p:childTnLst>
-            <p:seq concurrent="1" nextAc="seek">
-              <p:cTn id="2" dur="indefinite" nodeType="mainSeq">
-                <p:childTnLst>
-                  <p:par>
-                    <p:cTn id="3" fill="hold">
-                      <p:stCondLst>
-                        <p:cond delay="indefinite"/>
-                      </p:stCondLst>
-                      <p:childTnLst>
-                        <p:par>
-                          <p:cTn id="4" fill="hold">
-                            <p:stCondLst>
-                              <p:cond delay="0"/>
-                            </p:stCondLst>
-                            <p:childTnLst>
-                              <p:par>
-                                <p:cTn id="5" presetID="10" presetClass="entr" presetSubtype="0" fill="hold" grpId="0" nodeType="clickEffect">
-                                  <p:stCondLst>
-                                    <p:cond delay="0"/>
-                                  </p:stCondLst>
-                                  <p:childTnLst>
-                                    <p:set>
-                                      <p:cBhvr>
-                                        <p:cTn id="6" dur="1" fill="hold">
-                                          <p:stCondLst>
-                                            <p:cond delay="0"/>
-                                          </p:stCondLst>
-                                        </p:cTn>
-                                        <p:tgtEl>
-                                          <p:spTgt spid="3">
-                                            <p:txEl>
-                                              <p:pRg st="0" end="0"/>
-                                            </p:txEl>
-                                          </p:spTgt>
-                                        </p:tgtEl>
-                                        <p:attrNameLst>
-                                          <p:attrName>style.visibility</p:attrName>
-                                        </p:attrNameLst>
-                                      </p:cBhvr>
-                                      <p:to>
-                                        <p:strVal val="visible"/>
-                                      </p:to>
-                                    </p:set>
-                                    <p:animEffect transition="in" filter="fade">
-                                      <p:cBhvr>
-                                        <p:cTn id="7" dur="500"/>
-                                        <p:tgtEl>
-                                          <p:spTgt spid="3">
-                                            <p:txEl>
-                                              <p:pRg st="0" end="0"/>
-                                            </p:txEl>
-                                          </p:spTgt>
-                                        </p:tgtEl>
-                                      </p:cBhvr>
-                                    </p:animEffect>
-                                  </p:childTnLst>
-                                </p:cTn>
-                              </p:par>
-                            </p:childTnLst>
-                          </p:cTn>
-                        </p:par>
-                      </p:childTnLst>
-                    </p:cTn>
-                  </p:par>
-                </p:childTnLst>
-              </p:cTn>
-              <p:prevCondLst>
-                <p:cond evt="onPrev" delay="0">
-                  <p:tgtEl>
-                    <p:sldTgt/>
-                  </p:tgtEl>
-                </p:cond>
-              </p:prevCondLst>
-              <p:nextCondLst>
-                <p:cond evt="onNext" delay="0">
-                  <p:tgtEl>
-                    <p:sldTgt/>
-                  </p:tgtEl>
-                </p:cond>
-              </p:nextCondLst>
-            </p:seq>
-          </p:childTnLst>
-        </p:cTn>
-      </p:par>
-    </p:tnLst>
-    <p:bldLst>
-      <p:bldP spid="3" grpId="0" build="p"/>
-    </p:bldLst>
-  </p:timing>
-</p:sld>
-</file>
-
-<file path=ppt/slides/slide9.xml><?xml version="1.0" encoding="utf-8"?>
-<p:sld xmlns:a="http://schemas.openxmlformats.org/drawingml/2006/main" xmlns:r="http://schemas.openxmlformats.org/officeDocument/2006/relationships" xmlns:p="http://schemas.openxmlformats.org/presentationml/2006/main">
-  <p:cSld>
-    <p:spTree>
-      <p:nvGrpSpPr>
-        <p:cNvPr id="1" name=""/>
-        <p:cNvGrpSpPr/>
-        <p:nvPr/>
-      </p:nvGrpSpPr>
-      <p:grpSpPr>
-        <a:xfrm>
-          <a:off x="0" y="0"/>
-          <a:ext cx="0" cy="0"/>
-          <a:chOff x="0" y="0"/>
-          <a:chExt cx="0" cy="0"/>
-        </a:xfrm>
-      </p:grpSpPr>
-      <p:sp>
-        <p:nvSpPr>
-          <p:cNvPr id="2" name="Title 1"/>
-          <p:cNvSpPr>
-            <a:spLocks noGrp="1"/>
-          </p:cNvSpPr>
-          <p:nvPr>
-            <p:ph type="title"/>
-          </p:nvPr>
-        </p:nvSpPr>
-        <p:spPr/>
-        <p:txBody>
-          <a:bodyPr/>
-          <a:lstStyle/>
-          <a:p>
-            <a:r>
-              <a:rPr lang="en-US" dirty="0" smtClean="0"/>
-              <a:t>Which CSS property can make text larger?</a:t>
-            </a:r>
-            <a:endParaRPr lang="en-US" dirty="0"/>
-          </a:p>
-        </p:txBody>
-      </p:sp>
-      <p:sp>
-        <p:nvSpPr>
-          <p:cNvPr id="3" name="Content Placeholder 2"/>
-          <p:cNvSpPr>
-            <a:spLocks noGrp="1"/>
-          </p:cNvSpPr>
-          <p:nvPr>
-            <p:ph idx="1"/>
-          </p:nvPr>
-        </p:nvSpPr>
-        <p:spPr/>
-        <p:txBody>
-          <a:bodyPr anchor="ctr">
-            <a:normAutofit/>
-          </a:bodyPr>
-          <a:lstStyle/>
-          <a:p>
-            <a:pPr marL="57150" indent="0" algn="ctr">
-              <a:buNone/>
-            </a:pPr>
-            <a:r>
-              <a:rPr lang="en-US" sz="8800" dirty="0" smtClean="0">
-                <a:solidFill>
-                  <a:srgbClr val="FF0000"/>
-                </a:solidFill>
-                <a:latin typeface="Consolas" panose="020B0609020204030204" pitchFamily="49" charset="0"/>
-              </a:rPr>
-              <a:t>font-size</a:t>
-            </a:r>
-            <a:endParaRPr lang="en-US" sz="8800" b="0" dirty="0">
-              <a:solidFill>
-                <a:srgbClr val="000000"/>
-              </a:solidFill>
-              <a:effectLst/>
-              <a:latin typeface="Consolas" panose="020B0609020204030204" pitchFamily="49" charset="0"/>
-            </a:endParaRPr>
-          </a:p>
-        </p:txBody>
-      </p:sp>
-    </p:spTree>
-    <p:extLst>
-      <p:ext uri="{BB962C8B-B14F-4D97-AF65-F5344CB8AC3E}">
-        <p14:creationId xmlns:p14="http://schemas.microsoft.com/office/powerpoint/2010/main" val="284628488"/>
       </p:ext>
     </p:extLst>
   </p:cSld>

--- a/Week06/HtmlCssReviewActivity.pptx
+++ b/Week06/HtmlCssReviewActivity.pptx
@@ -222,7 +222,7 @@
           <a:p>
             <a:fld id="{19104133-B5B0-4351-8158-4F0E5EB1E2BF}" type="datetimeFigureOut">
               <a:rPr lang="en-US" smtClean="0"/>
-              <a:t>11/16/2020</a:t>
+              <a:t>3/22/2021</a:t>
             </a:fld>
             <a:endParaRPr lang="en-US"/>
           </a:p>
@@ -286,38 +286,37 @@
           <a:p>
             <a:pPr lvl="0"/>
             <a:r>
-              <a:rPr lang="en-US" smtClean="0"/>
+              <a:rPr lang="en-US"/>
               <a:t>Edit Master text styles</a:t>
             </a:r>
           </a:p>
           <a:p>
             <a:pPr lvl="1"/>
             <a:r>
-              <a:rPr lang="en-US" smtClean="0"/>
+              <a:rPr lang="en-US"/>
               <a:t>Second level</a:t>
             </a:r>
           </a:p>
           <a:p>
             <a:pPr lvl="2"/>
             <a:r>
-              <a:rPr lang="en-US" smtClean="0"/>
+              <a:rPr lang="en-US"/>
               <a:t>Third level</a:t>
             </a:r>
           </a:p>
           <a:p>
             <a:pPr lvl="3"/>
             <a:r>
-              <a:rPr lang="en-US" smtClean="0"/>
+              <a:rPr lang="en-US"/>
               <a:t>Fourth level</a:t>
             </a:r>
           </a:p>
           <a:p>
             <a:pPr lvl="4"/>
             <a:r>
-              <a:rPr lang="en-US" smtClean="0"/>
+              <a:rPr lang="en-US"/>
               <a:t>Fifth level</a:t>
             </a:r>
-            <a:endParaRPr lang="en-US"/>
           </a:p>
         </p:txBody>
       </p:sp>
@@ -535,11 +534,11 @@
           <a:lstStyle/>
           <a:p>
             <a:r>
-              <a:rPr lang="en-US" dirty="0" smtClean="0"/>
+              <a:rPr lang="en-US" dirty="0"/>
               <a:t>Go through each</a:t>
             </a:r>
             <a:r>
-              <a:rPr lang="en-US" baseline="0" dirty="0" smtClean="0"/>
+              <a:rPr lang="en-US" baseline="0" dirty="0"/>
               <a:t> of the questions. The answers reveal on click.</a:t>
             </a:r>
             <a:endParaRPr lang="en-US" dirty="0"/>
@@ -722,15 +721,7 @@
           <a:p>
             <a:r>
               <a:rPr lang="en-US" dirty="0"/>
-              <a:t>Click to edit Master </a:t>
-            </a:r>
-            <a:r>
-              <a:rPr lang="en-US" dirty="0" smtClean="0"/>
-              <a:t>subtitle </a:t>
-            </a:r>
-            <a:r>
-              <a:rPr lang="en-US" dirty="0"/>
-              <a:t>style</a:t>
+              <a:t>Click to edit Master subtitle style</a:t>
             </a:r>
           </a:p>
         </p:txBody>
@@ -772,7 +763,7 @@
             <a:fld id="{1C2D31DE-C454-491C-B5C3-F097855E3DF7}" type="datetime4">
               <a:rPr lang="en-US" smtClean="0"/>
               <a:pPr/>
-              <a:t>November 16, 2020</a:t>
+              <a:t>March 22, 2021</a:t>
             </a:fld>
             <a:endParaRPr lang="en-US" dirty="0"/>
           </a:p>
@@ -3846,17 +3837,16 @@
           <a:p>
             <a:pPr lvl="0"/>
             <a:r>
-              <a:rPr lang="en-US" dirty="0" smtClean="0"/>
+              <a:rPr lang="en-US" dirty="0"/>
               <a:t>Presenter Name</a:t>
             </a:r>
             <a:br>
-              <a:rPr lang="en-US" dirty="0" smtClean="0"/>
+              <a:rPr lang="en-US" dirty="0"/>
             </a:br>
             <a:r>
-              <a:rPr lang="en-US" dirty="0" smtClean="0"/>
+              <a:rPr lang="en-US" dirty="0"/>
               <a:t>Presenter Title</a:t>
             </a:r>
-            <a:endParaRPr lang="en-US" dirty="0"/>
           </a:p>
         </p:txBody>
       </p:sp>
@@ -3873,13 +3863,6 @@
   <p:transition>
     <p:fade/>
   </p:transition>
-  <p:timing>
-    <p:tnLst>
-      <p:par>
-        <p:cTn id="1" dur="indefinite" restart="never" nodeType="tmRoot"/>
-      </p:par>
-    </p:tnLst>
-  </p:timing>
   <p:hf sldNum="0" hdr="0" ftr="0"/>
 </p:sldLayout>
 </file>
@@ -4172,7 +4155,7 @@
           <a:p>
             <a:fld id="{5958763E-B898-436D-883D-03711491D54A}" type="datetimeFigureOut">
               <a:rPr lang="en-US" smtClean="0"/>
-              <a:t>11/16/2020</a:t>
+              <a:t>3/22/2021</a:t>
             </a:fld>
             <a:endParaRPr lang="en-US"/>
           </a:p>
@@ -4245,13 +4228,6 @@
   <p:transition>
     <p:fade/>
   </p:transition>
-  <p:timing>
-    <p:tnLst>
-      <p:par>
-        <p:cTn id="1" dur="indefinite" restart="never" nodeType="tmRoot"/>
-      </p:par>
-    </p:tnLst>
-  </p:timing>
 </p:sldLayout>
 </file>
 
@@ -4300,10 +4276,9 @@
           </a:lstStyle>
           <a:p>
             <a:r>
-              <a:rPr lang="en-US" dirty="0" smtClean="0"/>
+              <a:rPr lang="en-US" dirty="0"/>
               <a:t>Click icon to add picture</a:t>
             </a:r>
-            <a:endParaRPr lang="en-US" dirty="0"/>
           </a:p>
         </p:txBody>
       </p:sp>
@@ -4373,7 +4348,7 @@
           <a:p>
             <a:fld id="{5958763E-B898-436D-883D-03711491D54A}" type="datetimeFigureOut">
               <a:rPr lang="en-US" smtClean="0"/>
-              <a:t>11/16/2020</a:t>
+              <a:t>3/22/2021</a:t>
             </a:fld>
             <a:endParaRPr lang="en-US"/>
           </a:p>
@@ -4446,13 +4421,6 @@
   <p:transition>
     <p:fade/>
   </p:transition>
-  <p:timing>
-    <p:tnLst>
-      <p:par>
-        <p:cTn id="1" dur="indefinite" restart="never" nodeType="tmRoot"/>
-      </p:par>
-    </p:tnLst>
-  </p:timing>
 </p:sldLayout>
 </file>
 
@@ -4630,7 +4598,7 @@
           <a:p>
             <a:fld id="{5958763E-B898-436D-883D-03711491D54A}" type="datetimeFigureOut">
               <a:rPr lang="en-US" smtClean="0"/>
-              <a:t>11/16/2020</a:t>
+              <a:t>3/22/2021</a:t>
             </a:fld>
             <a:endParaRPr lang="en-US"/>
           </a:p>
@@ -4703,13 +4671,6 @@
   <p:transition>
     <p:fade/>
   </p:transition>
-  <p:timing>
-    <p:tnLst>
-      <p:par>
-        <p:cTn id="1" dur="indefinite" restart="never" nodeType="tmRoot"/>
-      </p:par>
-    </p:tnLst>
-  </p:timing>
 </p:sldLayout>
 </file>
 
@@ -4985,7 +4946,7 @@
           <a:p>
             <a:fld id="{5958763E-B898-436D-883D-03711491D54A}" type="datetimeFigureOut">
               <a:rPr lang="en-US" smtClean="0"/>
-              <a:t>11/16/2020</a:t>
+              <a:t>3/22/2021</a:t>
             </a:fld>
             <a:endParaRPr lang="en-US"/>
           </a:p>
@@ -5046,13 +5007,6 @@
   <p:transition>
     <p:fade/>
   </p:transition>
-  <p:timing>
-    <p:tnLst>
-      <p:par>
-        <p:cTn id="1" dur="indefinite" restart="never" nodeType="tmRoot"/>
-      </p:par>
-    </p:tnLst>
-  </p:timing>
 </p:sldLayout>
 </file>
 
@@ -5408,7 +5362,7 @@
           <a:p>
             <a:fld id="{5958763E-B898-436D-883D-03711491D54A}" type="datetimeFigureOut">
               <a:rPr lang="en-US" smtClean="0"/>
-              <a:t>11/16/2020</a:t>
+              <a:t>3/22/2021</a:t>
             </a:fld>
             <a:endParaRPr lang="en-US"/>
           </a:p>
@@ -5469,13 +5423,6 @@
   <p:transition>
     <p:fade/>
   </p:transition>
-  <p:timing>
-    <p:tnLst>
-      <p:par>
-        <p:cTn id="1" dur="indefinite" restart="never" nodeType="tmRoot"/>
-      </p:par>
-    </p:tnLst>
-  </p:timing>
 </p:sldLayout>
 </file>
 
@@ -5916,7 +5863,7 @@
           <a:p>
             <a:fld id="{5958763E-B898-436D-883D-03711491D54A}" type="datetimeFigureOut">
               <a:rPr lang="en-US" smtClean="0"/>
-              <a:t>11/16/2020</a:t>
+              <a:t>3/22/2021</a:t>
             </a:fld>
             <a:endParaRPr lang="en-US"/>
           </a:p>
@@ -5977,13 +5924,6 @@
   <p:transition>
     <p:fade/>
   </p:transition>
-  <p:timing>
-    <p:tnLst>
-      <p:par>
-        <p:cTn id="1" dur="indefinite" restart="never" nodeType="tmRoot"/>
-      </p:par>
-    </p:tnLst>
-  </p:timing>
 </p:sldLayout>
 </file>
 
@@ -6374,7 +6314,7 @@
           <a:p>
             <a:fld id="{5958763E-B898-436D-883D-03711491D54A}" type="datetimeFigureOut">
               <a:rPr lang="en-US" smtClean="0"/>
-              <a:t>11/16/2020</a:t>
+              <a:t>3/22/2021</a:t>
             </a:fld>
             <a:endParaRPr lang="en-US"/>
           </a:p>
@@ -6435,13 +6375,6 @@
   <p:transition>
     <p:fade/>
   </p:transition>
-  <p:timing>
-    <p:tnLst>
-      <p:par>
-        <p:cTn id="1" dur="indefinite" restart="never" nodeType="tmRoot"/>
-      </p:par>
-    </p:tnLst>
-  </p:timing>
 </p:sldLayout>
 </file>
 
@@ -6992,7 +6925,7 @@
           <a:p>
             <a:fld id="{5958763E-B898-436D-883D-03711491D54A}" type="datetimeFigureOut">
               <a:rPr lang="en-US" smtClean="0"/>
-              <a:t>11/16/2020</a:t>
+              <a:t>3/22/2021</a:t>
             </a:fld>
             <a:endParaRPr lang="en-US"/>
           </a:p>
@@ -7053,13 +6986,6 @@
   <p:transition>
     <p:fade/>
   </p:transition>
-  <p:timing>
-    <p:tnLst>
-      <p:par>
-        <p:cTn id="1" dur="indefinite" restart="never" nodeType="tmRoot"/>
-      </p:par>
-    </p:tnLst>
-  </p:timing>
 </p:sldLayout>
 </file>
 
@@ -7770,7 +7696,7 @@
           <a:p>
             <a:fld id="{5958763E-B898-436D-883D-03711491D54A}" type="datetimeFigureOut">
               <a:rPr lang="en-US" smtClean="0"/>
-              <a:t>11/16/2020</a:t>
+              <a:t>3/22/2021</a:t>
             </a:fld>
             <a:endParaRPr lang="en-US"/>
           </a:p>
@@ -7831,13 +7757,6 @@
   <p:transition>
     <p:fade/>
   </p:transition>
-  <p:timing>
-    <p:tnLst>
-      <p:par>
-        <p:cTn id="1" dur="indefinite" restart="never" nodeType="tmRoot"/>
-      </p:par>
-    </p:tnLst>
-  </p:timing>
 </p:sldLayout>
 </file>
 
@@ -7881,7 +7800,7 @@
           <a:p>
             <a:fld id="{5958763E-B898-436D-883D-03711491D54A}" type="datetimeFigureOut">
               <a:rPr lang="en-US" smtClean="0"/>
-              <a:t>11/16/2020</a:t>
+              <a:t>3/22/2021</a:t>
             </a:fld>
             <a:endParaRPr lang="en-US"/>
           </a:p>
@@ -7954,13 +7873,6 @@
   <p:transition>
     <p:fade/>
   </p:transition>
-  <p:timing>
-    <p:tnLst>
-      <p:par>
-        <p:cTn id="1" dur="indefinite" restart="never" nodeType="tmRoot"/>
-      </p:par>
-    </p:tnLst>
-  </p:timing>
 </p:sldLayout>
 </file>
 
@@ -8040,7 +7952,7 @@
                 <a:spcPct val="0"/>
               </a:spcAft>
             </a:pPr>
-            <a:endParaRPr lang="en-US" sz="2400" dirty="0" err="1" smtClean="0">
+            <a:endParaRPr lang="en-US" sz="2400" dirty="0" err="1">
               <a:gradFill>
                 <a:gsLst>
                   <a:gs pos="0">
@@ -8173,15 +8085,7 @@
           <a:p>
             <a:r>
               <a:rPr lang="en-US" dirty="0"/>
-              <a:t>Click to edit Master </a:t>
-            </a:r>
-            <a:r>
-              <a:rPr lang="en-US" dirty="0" smtClean="0"/>
-              <a:t>subtitle </a:t>
-            </a:r>
-            <a:r>
-              <a:rPr lang="en-US" dirty="0"/>
-              <a:t>style</a:t>
+              <a:t>Click to edit Master subtitle style</a:t>
             </a:r>
           </a:p>
         </p:txBody>
@@ -8223,7 +8127,7 @@
             <a:fld id="{1C2D31DE-C454-491C-B5C3-F097855E3DF7}" type="datetime4">
               <a:rPr lang="en-US" smtClean="0"/>
               <a:pPr/>
-              <a:t>November 16, 2020</a:t>
+              <a:t>March 22, 2021</a:t>
             </a:fld>
             <a:endParaRPr lang="en-US" dirty="0"/>
           </a:p>
@@ -11297,17 +11201,16 @@
           <a:p>
             <a:pPr lvl="0"/>
             <a:r>
-              <a:rPr lang="en-US" dirty="0" smtClean="0"/>
+              <a:rPr lang="en-US" dirty="0"/>
               <a:t>Presenter Name</a:t>
             </a:r>
             <a:br>
-              <a:rPr lang="en-US" dirty="0" smtClean="0"/>
+              <a:rPr lang="en-US" dirty="0"/>
             </a:br>
             <a:r>
-              <a:rPr lang="en-US" dirty="0" smtClean="0"/>
+              <a:rPr lang="en-US" dirty="0"/>
               <a:t>Presenter Title</a:t>
             </a:r>
-            <a:endParaRPr lang="en-US" dirty="0"/>
           </a:p>
         </p:txBody>
       </p:sp>
@@ -11324,13 +11227,6 @@
   <p:transition>
     <p:fade/>
   </p:transition>
-  <p:timing>
-    <p:tnLst>
-      <p:par>
-        <p:cTn id="1" dur="indefinite" restart="never" nodeType="tmRoot"/>
-      </p:par>
-    </p:tnLst>
-  </p:timing>
   <p:hf sldNum="0" hdr="0" ftr="0"/>
 </p:sldLayout>
 </file>
@@ -11383,7 +11279,7 @@
           <a:p>
             <a:fld id="{5958763E-B898-436D-883D-03711491D54A}" type="datetimeFigureOut">
               <a:rPr lang="en-US" smtClean="0"/>
-              <a:t>11/16/2020</a:t>
+              <a:t>3/22/2021</a:t>
             </a:fld>
             <a:endParaRPr lang="en-US"/>
           </a:p>
@@ -11456,13 +11352,6 @@
   <p:transition>
     <p:fade/>
   </p:transition>
-  <p:timing>
-    <p:tnLst>
-      <p:par>
-        <p:cTn id="1" dur="indefinite" restart="never" nodeType="tmRoot"/>
-      </p:par>
-    </p:tnLst>
-  </p:timing>
 </p:sldLayout>
 </file>
 
@@ -11514,7 +11403,7 @@
           <a:p>
             <a:fld id="{5958763E-B898-436D-883D-03711491D54A}" type="datetimeFigureOut">
               <a:rPr lang="en-US" smtClean="0"/>
-              <a:t>11/16/2020</a:t>
+              <a:t>3/22/2021</a:t>
             </a:fld>
             <a:endParaRPr lang="en-US"/>
           </a:p>
@@ -11587,13 +11476,6 @@
   <p:transition>
     <p:fade/>
   </p:transition>
-  <p:timing>
-    <p:tnLst>
-      <p:par>
-        <p:cTn id="1" dur="indefinite" restart="never" nodeType="tmRoot"/>
-      </p:par>
-    </p:tnLst>
-  </p:timing>
 </p:sldLayout>
 </file>
 
@@ -11645,7 +11527,7 @@
           <a:p>
             <a:fld id="{5958763E-B898-436D-883D-03711491D54A}" type="datetimeFigureOut">
               <a:rPr lang="en-US" smtClean="0"/>
-              <a:t>11/16/2020</a:t>
+              <a:t>3/22/2021</a:t>
             </a:fld>
             <a:endParaRPr lang="en-US"/>
           </a:p>
@@ -11718,13 +11600,6 @@
   <p:transition>
     <p:fade/>
   </p:transition>
-  <p:timing>
-    <p:tnLst>
-      <p:par>
-        <p:cTn id="1" dur="indefinite" restart="never" nodeType="tmRoot"/>
-      </p:par>
-    </p:tnLst>
-  </p:timing>
 </p:sldLayout>
 </file>
 
@@ -11776,7 +11651,7 @@
           <a:p>
             <a:fld id="{5958763E-B898-436D-883D-03711491D54A}" type="datetimeFigureOut">
               <a:rPr lang="en-US" smtClean="0"/>
-              <a:t>11/16/2020</a:t>
+              <a:t>3/22/2021</a:t>
             </a:fld>
             <a:endParaRPr lang="en-US"/>
           </a:p>
@@ -11849,13 +11724,6 @@
   <p:transition>
     <p:fade/>
   </p:transition>
-  <p:timing>
-    <p:tnLst>
-      <p:par>
-        <p:cTn id="1" dur="indefinite" restart="never" nodeType="tmRoot"/>
-      </p:par>
-    </p:tnLst>
-  </p:timing>
 </p:sldLayout>
 </file>
 
@@ -11907,7 +11775,7 @@
           <a:p>
             <a:fld id="{5958763E-B898-436D-883D-03711491D54A}" type="datetimeFigureOut">
               <a:rPr lang="en-US" smtClean="0"/>
-              <a:t>11/16/2020</a:t>
+              <a:t>3/22/2021</a:t>
             </a:fld>
             <a:endParaRPr lang="en-US"/>
           </a:p>
@@ -11980,13 +11848,6 @@
   <p:transition>
     <p:fade/>
   </p:transition>
-  <p:timing>
-    <p:tnLst>
-      <p:par>
-        <p:cTn id="1" dur="indefinite" restart="never" nodeType="tmRoot"/>
-      </p:par>
-    </p:tnLst>
-  </p:timing>
 </p:sldLayout>
 </file>
 
@@ -12038,7 +11899,7 @@
           <a:p>
             <a:fld id="{5958763E-B898-436D-883D-03711491D54A}" type="datetimeFigureOut">
               <a:rPr lang="en-US" smtClean="0"/>
-              <a:t>11/16/2020</a:t>
+              <a:t>3/22/2021</a:t>
             </a:fld>
             <a:endParaRPr lang="en-US"/>
           </a:p>
@@ -12111,13 +11972,6 @@
   <p:transition>
     <p:fade/>
   </p:transition>
-  <p:timing>
-    <p:tnLst>
-      <p:par>
-        <p:cTn id="1" dur="indefinite" restart="never" nodeType="tmRoot"/>
-      </p:par>
-    </p:tnLst>
-  </p:timing>
 </p:sldLayout>
 </file>
 
@@ -12169,7 +12023,7 @@
           <a:p>
             <a:fld id="{5958763E-B898-436D-883D-03711491D54A}" type="datetimeFigureOut">
               <a:rPr lang="en-US" smtClean="0"/>
-              <a:t>11/16/2020</a:t>
+              <a:t>3/22/2021</a:t>
             </a:fld>
             <a:endParaRPr lang="en-US"/>
           </a:p>
@@ -12242,13 +12096,6 @@
   <p:transition>
     <p:fade/>
   </p:transition>
-  <p:timing>
-    <p:tnLst>
-      <p:par>
-        <p:cTn id="1" dur="indefinite" restart="never" nodeType="tmRoot"/>
-      </p:par>
-    </p:tnLst>
-  </p:timing>
 </p:sldLayout>
 </file>
 
@@ -12300,7 +12147,7 @@
           <a:p>
             <a:fld id="{5958763E-B898-436D-883D-03711491D54A}" type="datetimeFigureOut">
               <a:rPr lang="en-US" smtClean="0"/>
-              <a:t>11/16/2020</a:t>
+              <a:t>3/22/2021</a:t>
             </a:fld>
             <a:endParaRPr lang="en-US"/>
           </a:p>
@@ -12373,13 +12220,6 @@
   <p:transition>
     <p:fade/>
   </p:transition>
-  <p:timing>
-    <p:tnLst>
-      <p:par>
-        <p:cTn id="1" dur="indefinite" restart="never" nodeType="tmRoot"/>
-      </p:par>
-    </p:tnLst>
-  </p:timing>
 </p:sldLayout>
 </file>
 
@@ -12440,7 +12280,7 @@
           <a:p>
             <a:fld id="{5958763E-B898-436D-883D-03711491D54A}" type="datetimeFigureOut">
               <a:rPr lang="en-US" smtClean="0"/>
-              <a:t>11/16/2020</a:t>
+              <a:t>3/22/2021</a:t>
             </a:fld>
             <a:endParaRPr lang="en-US"/>
           </a:p>
@@ -12513,13 +12353,6 @@
   <p:transition>
     <p:fade/>
   </p:transition>
-  <p:timing>
-    <p:tnLst>
-      <p:par>
-        <p:cTn id="1" dur="indefinite" restart="never" nodeType="tmRoot"/>
-      </p:par>
-    </p:tnLst>
-  </p:timing>
 </p:sldLayout>
 </file>
 
@@ -15521,13 +15354,6 @@
   <p:transition>
     <p:fade/>
   </p:transition>
-  <p:timing>
-    <p:tnLst>
-      <p:par>
-        <p:cTn id="1" dur="indefinite" restart="never" nodeType="tmRoot"/>
-      </p:par>
-    </p:tnLst>
-  </p:timing>
 </p:sldLayout>
 </file>
 
@@ -15615,7 +15441,7 @@
                 <a:spcPct val="0"/>
               </a:spcAft>
             </a:pPr>
-            <a:endParaRPr lang="en-US" sz="2400" dirty="0" err="1" smtClean="0">
+            <a:endParaRPr lang="en-US" sz="2400" dirty="0" err="1">
               <a:gradFill>
                 <a:gsLst>
                   <a:gs pos="0">
@@ -15751,15 +15577,7 @@
           <a:p>
             <a:r>
               <a:rPr lang="en-US" dirty="0"/>
-              <a:t>Click to edit Master </a:t>
-            </a:r>
-            <a:r>
-              <a:rPr lang="en-US" dirty="0" smtClean="0"/>
-              <a:t>subtitle </a:t>
-            </a:r>
-            <a:r>
-              <a:rPr lang="en-US" dirty="0"/>
-              <a:t>style</a:t>
+              <a:t>Click to edit Master subtitle style</a:t>
             </a:r>
           </a:p>
         </p:txBody>
@@ -15801,7 +15619,7 @@
             <a:fld id="{1C2D31DE-C454-491C-B5C3-F097855E3DF7}" type="datetime4">
               <a:rPr lang="en-US" smtClean="0"/>
               <a:pPr/>
-              <a:t>November 16, 2020</a:t>
+              <a:t>March 22, 2021</a:t>
             </a:fld>
             <a:endParaRPr lang="en-US" dirty="0"/>
           </a:p>
@@ -18883,17 +18701,16 @@
           <a:p>
             <a:pPr lvl="0"/>
             <a:r>
-              <a:rPr lang="en-US" dirty="0" smtClean="0"/>
+              <a:rPr lang="en-US" dirty="0"/>
               <a:t>Presenter Name</a:t>
             </a:r>
             <a:br>
-              <a:rPr lang="en-US" dirty="0" smtClean="0"/>
+              <a:rPr lang="en-US" dirty="0"/>
             </a:br>
             <a:r>
-              <a:rPr lang="en-US" dirty="0" smtClean="0"/>
+              <a:rPr lang="en-US" dirty="0"/>
               <a:t>Presenter Title</a:t>
             </a:r>
-            <a:endParaRPr lang="en-US" dirty="0"/>
           </a:p>
         </p:txBody>
       </p:sp>
@@ -18910,13 +18727,6 @@
   <p:transition>
     <p:fade/>
   </p:transition>
-  <p:timing>
-    <p:tnLst>
-      <p:par>
-        <p:cTn id="1" dur="indefinite" restart="never" nodeType="tmRoot"/>
-      </p:par>
-    </p:tnLst>
-  </p:timing>
   <p:hf sldNum="0" hdr="0" ftr="0"/>
 </p:sldLayout>
 </file>
@@ -26426,10 +26236,9 @@
           <a:p>
             <a:pPr lvl="0"/>
             <a:r>
-              <a:rPr lang="en-US" dirty="0" smtClean="0"/>
+              <a:rPr lang="en-US" dirty="0"/>
               <a:t>&lt;Call to action&gt;</a:t>
             </a:r>
-            <a:endParaRPr lang="en-US" dirty="0"/>
           </a:p>
         </p:txBody>
       </p:sp>
@@ -28046,7 +27855,7 @@
           <a:p>
             <a:fld id="{5958763E-B898-436D-883D-03711491D54A}" type="datetimeFigureOut">
               <a:rPr lang="en-US" smtClean="0"/>
-              <a:t>11/16/2020</a:t>
+              <a:t>3/22/2021</a:t>
             </a:fld>
             <a:endParaRPr lang="en-US"/>
           </a:p>
@@ -28173,7 +27982,7 @@
                 <a:spcPct val="0"/>
               </a:spcAft>
             </a:pPr>
-            <a:endParaRPr lang="en-US" sz="2400" dirty="0" err="1" smtClean="0">
+            <a:endParaRPr lang="en-US" sz="2400" dirty="0" err="1">
               <a:gradFill>
                 <a:gsLst>
                   <a:gs pos="0">
@@ -28204,13 +28013,6 @@
   <p:transition>
     <p:fade/>
   </p:transition>
-  <p:timing>
-    <p:tnLst>
-      <p:par>
-        <p:cTn id="1" dur="indefinite" restart="never" nodeType="tmRoot"/>
-      </p:par>
-    </p:tnLst>
-  </p:timing>
 </p:sldLayout>
 </file>
 
@@ -28455,7 +28257,7 @@
           <a:p>
             <a:fld id="{5958763E-B898-436D-883D-03711491D54A}" type="datetimeFigureOut">
               <a:rPr lang="en-US" smtClean="0"/>
-              <a:t>11/16/2020</a:t>
+              <a:t>3/22/2021</a:t>
             </a:fld>
             <a:endParaRPr lang="en-US"/>
           </a:p>
@@ -28528,13 +28330,6 @@
   <p:transition>
     <p:fade/>
   </p:transition>
-  <p:timing>
-    <p:tnLst>
-      <p:par>
-        <p:cTn id="1" dur="indefinite" restart="never" nodeType="tmRoot"/>
-      </p:par>
-    </p:tnLst>
-  </p:timing>
 </p:sldLayout>
 </file>
 
@@ -28756,7 +28551,7 @@
           <a:p>
             <a:fld id="{5958763E-B898-436D-883D-03711491D54A}" type="datetimeFigureOut">
               <a:rPr lang="en-US" smtClean="0"/>
-              <a:t>11/16/2020</a:t>
+              <a:t>3/22/2021</a:t>
             </a:fld>
             <a:endParaRPr lang="en-US"/>
           </a:p>
@@ -28829,13 +28624,6 @@
   <p:transition>
     <p:fade/>
   </p:transition>
-  <p:timing>
-    <p:tnLst>
-      <p:par>
-        <p:cTn id="1" dur="indefinite" restart="never" nodeType="tmRoot"/>
-      </p:par>
-    </p:tnLst>
-  </p:timing>
 </p:sldLayout>
 </file>
 
@@ -28964,7 +28752,7 @@
           <a:p>
             <a:fld id="{5958763E-B898-436D-883D-03711491D54A}" type="datetimeFigureOut">
               <a:rPr lang="en-US" smtClean="0"/>
-              <a:t>11/16/2020</a:t>
+              <a:t>3/22/2021</a:t>
             </a:fld>
             <a:endParaRPr lang="en-US"/>
           </a:p>
@@ -29087,13 +28875,6 @@
   <p:transition>
     <p:fade/>
   </p:transition>
-  <p:timing>
-    <p:tnLst>
-      <p:par>
-        <p:cTn id="1" dur="indefinite" restart="never" nodeType="tmRoot"/>
-      </p:par>
-    </p:tnLst>
-  </p:timing>
 </p:sldLayout>
 </file>
 
@@ -29232,7 +29013,7 @@
           <a:p>
             <a:fld id="{5958763E-B898-436D-883D-03711491D54A}" type="datetimeFigureOut">
               <a:rPr lang="en-US" smtClean="0"/>
-              <a:t>11/16/2020</a:t>
+              <a:t>3/22/2021</a:t>
             </a:fld>
             <a:endParaRPr lang="en-US"/>
           </a:p>
@@ -29359,13 +29140,6 @@
   <p:transition>
     <p:fade/>
   </p:transition>
-  <p:timing>
-    <p:tnLst>
-      <p:par>
-        <p:cTn id="1" dur="indefinite" restart="never" nodeType="tmRoot"/>
-      </p:par>
-    </p:tnLst>
-  </p:timing>
 </p:sldLayout>
 </file>
 
@@ -29527,7 +29301,7 @@
                 <a:spcPct val="0"/>
               </a:spcAft>
             </a:pPr>
-            <a:endParaRPr lang="en-US" sz="2400" dirty="0" err="1" smtClean="0">
+            <a:endParaRPr lang="en-US" sz="2400" dirty="0" err="1">
               <a:gradFill>
                 <a:gsLst>
                   <a:gs pos="0">
@@ -29578,10 +29352,9 @@
           </a:lstStyle>
           <a:p>
             <a:r>
-              <a:rPr lang="en-US" dirty="0" smtClean="0"/>
+              <a:rPr lang="en-US" dirty="0"/>
               <a:t>Type “Agenda”</a:t>
             </a:r>
-            <a:endParaRPr lang="en-US" dirty="0"/>
           </a:p>
         </p:txBody>
       </p:sp>
@@ -29705,24 +29478,23 @@
           <a:p>
             <a:pPr lvl="0"/>
             <a:r>
-              <a:rPr lang="en-US" dirty="0" smtClean="0"/>
+              <a:rPr lang="en-US" dirty="0"/>
               <a:t>Item 1</a:t>
             </a:r>
           </a:p>
           <a:p>
             <a:pPr lvl="0"/>
             <a:r>
-              <a:rPr lang="en-US" dirty="0" smtClean="0"/>
+              <a:rPr lang="en-US" dirty="0"/>
               <a:t>Item 2</a:t>
             </a:r>
           </a:p>
           <a:p>
             <a:pPr lvl="0"/>
             <a:r>
-              <a:rPr lang="en-US" dirty="0" smtClean="0"/>
+              <a:rPr lang="en-US" dirty="0"/>
               <a:t>Item 3</a:t>
             </a:r>
-            <a:endParaRPr lang="en-US" dirty="0"/>
           </a:p>
         </p:txBody>
       </p:sp>
@@ -29749,7 +29521,7 @@
           <a:p>
             <a:fld id="{5958763E-B898-436D-883D-03711491D54A}" type="datetimeFigureOut">
               <a:rPr lang="en-US" smtClean="0"/>
-              <a:t>11/16/2020</a:t>
+              <a:t>3/22/2021</a:t>
             </a:fld>
             <a:endParaRPr lang="en-US"/>
           </a:p>
@@ -29856,13 +29628,6 @@
   <p:transition>
     <p:fade/>
   </p:transition>
-  <p:timing>
-    <p:tnLst>
-      <p:par>
-        <p:cTn id="1" dur="indefinite" restart="never" nodeType="tmRoot"/>
-      </p:par>
-    </p:tnLst>
-  </p:timing>
 </p:sldLayout>
 </file>
 
@@ -30024,7 +29789,7 @@
                 <a:spcPct val="0"/>
               </a:spcAft>
             </a:pPr>
-            <a:endParaRPr lang="en-US" sz="2400" dirty="0" err="1" smtClean="0">
+            <a:endParaRPr lang="en-US" sz="2400" dirty="0" err="1">
               <a:gradFill>
                 <a:gsLst>
                   <a:gs pos="0">
@@ -30077,10 +29842,9 @@
           </a:lstStyle>
           <a:p>
             <a:r>
-              <a:rPr lang="en-US" dirty="0" smtClean="0"/>
+              <a:rPr lang="en-US" dirty="0"/>
               <a:t>Notable Quote</a:t>
             </a:r>
-            <a:endParaRPr lang="en-US" dirty="0"/>
           </a:p>
         </p:txBody>
       </p:sp>
@@ -30207,10 +29971,9 @@
           <a:p>
             <a:pPr lvl="0"/>
             <a:r>
-              <a:rPr lang="en-US" dirty="0" smtClean="0"/>
+              <a:rPr lang="en-US" dirty="0"/>
               <a:t>– Attribution</a:t>
             </a:r>
-            <a:endParaRPr lang="en-US" dirty="0"/>
           </a:p>
         </p:txBody>
       </p:sp>
@@ -30237,7 +30000,7 @@
           <a:p>
             <a:fld id="{5958763E-B898-436D-883D-03711491D54A}" type="datetimeFigureOut">
               <a:rPr lang="en-US" smtClean="0"/>
-              <a:t>11/16/2020</a:t>
+              <a:t>3/22/2021</a:t>
             </a:fld>
             <a:endParaRPr lang="en-US"/>
           </a:p>
@@ -30985,13 +30748,6 @@
   <p:transition>
     <p:fade/>
   </p:transition>
-  <p:timing>
-    <p:tnLst>
-      <p:par>
-        <p:cTn id="1" dur="indefinite" restart="never" nodeType="tmRoot"/>
-      </p:par>
-    </p:tnLst>
-  </p:timing>
 </p:sldLayout>
 </file>
 
@@ -31063,7 +30819,7 @@
           <a:p>
             <a:fld id="{5958763E-B898-436D-883D-03711491D54A}" type="datetimeFigureOut">
               <a:rPr lang="en-US" smtClean="0"/>
-              <a:t>11/16/2020</a:t>
+              <a:t>3/22/2021</a:t>
             </a:fld>
             <a:endParaRPr lang="en-US"/>
           </a:p>
@@ -31136,13 +30892,6 @@
   <p:transition>
     <p:fade/>
   </p:transition>
-  <p:timing>
-    <p:tnLst>
-      <p:par>
-        <p:cTn id="1" dur="indefinite" restart="never" nodeType="tmRoot"/>
-      </p:par>
-    </p:tnLst>
-  </p:timing>
 </p:sldLayout>
 </file>
 
@@ -31271,7 +31020,7 @@
           <a:p>
             <a:fld id="{5958763E-B898-436D-883D-03711491D54A}" type="datetimeFigureOut">
               <a:rPr lang="en-US" smtClean="0"/>
-              <a:t>11/16/2020</a:t>
+              <a:t>3/22/2021</a:t>
             </a:fld>
             <a:endParaRPr lang="en-US"/>
           </a:p>
@@ -31394,13 +31143,6 @@
   <p:transition>
     <p:fade/>
   </p:transition>
-  <p:timing>
-    <p:tnLst>
-      <p:par>
-        <p:cTn id="1" dur="indefinite" restart="never" nodeType="tmRoot"/>
-      </p:par>
-    </p:tnLst>
-  </p:timing>
 </p:sldLayout>
 </file>
 
@@ -31613,7 +31355,7 @@
           <a:p>
             <a:fld id="{5958763E-B898-436D-883D-03711491D54A}" type="datetimeFigureOut">
               <a:rPr lang="en-US" smtClean="0"/>
-              <a:t>11/16/2020</a:t>
+              <a:t>3/22/2021</a:t>
             </a:fld>
             <a:endParaRPr lang="en-US"/>
           </a:p>
@@ -31686,13 +31428,6 @@
   <p:transition>
     <p:fade/>
   </p:transition>
-  <p:timing>
-    <p:tnLst>
-      <p:par>
-        <p:cTn id="1" dur="indefinite" restart="never" nodeType="tmRoot"/>
-      </p:par>
-    </p:tnLst>
-  </p:timing>
 </p:sldLayout>
 </file>
 
@@ -31850,7 +31585,7 @@
           <a:p>
             <a:fld id="{5958763E-B898-436D-883D-03711491D54A}" type="datetimeFigureOut">
               <a:rPr lang="en-US" smtClean="0"/>
-              <a:t>11/16/2020</a:t>
+              <a:t>3/22/2021</a:t>
             </a:fld>
             <a:endParaRPr lang="en-US"/>
           </a:p>
@@ -31923,13 +31658,6 @@
   <p:transition>
     <p:fade/>
   </p:transition>
-  <p:timing>
-    <p:tnLst>
-      <p:par>
-        <p:cTn id="1" dur="indefinite" restart="never" nodeType="tmRoot"/>
-      </p:par>
-    </p:tnLst>
-  </p:timing>
 </p:sldLayout>
 </file>
 
@@ -32101,7 +31829,7 @@
           <a:p>
             <a:fld id="{5958763E-B898-436D-883D-03711491D54A}" type="datetimeFigureOut">
               <a:rPr lang="en-US" smtClean="0"/>
-              <a:t>11/16/2020</a:t>
+              <a:t>3/22/2021</a:t>
             </a:fld>
             <a:endParaRPr lang="en-US"/>
           </a:p>
@@ -32247,13 +31975,6 @@
   <p:transition>
     <p:fade/>
   </p:transition>
-  <p:timing>
-    <p:tnLst>
-      <p:par>
-        <p:cTn id="1" dur="indefinite" restart="never" nodeType="tmRoot"/>
-      </p:par>
-    </p:tnLst>
-  </p:timing>
   <p:txStyles>
     <p:titleStyle>
       <a:lvl1pPr algn="l" defTabSz="914400" rtl="0" eaLnBrk="1" latinLnBrk="0" hangingPunct="1">
@@ -32558,7 +32279,7 @@
       </a:lvl9pPr>
     </p:otherStyle>
   </p:txStyles>
-  <p:extLst mod="1">
+  <p:extLst>
     <p:ext uri="{27BBF7A9-308A-43DC-89C8-2F10F3537804}">
       <p15:sldGuideLst xmlns:p15="http://schemas.microsoft.com/office/powerpoint/2012/main">
         <p15:guide id="1" orient="horz" pos="2160" userDrawn="1">
@@ -32630,10 +32351,9 @@
           <a:lstStyle/>
           <a:p>
             <a:r>
-              <a:rPr lang="en-US" dirty="0" smtClean="0"/>
+              <a:rPr lang="en-US" dirty="0"/>
               <a:t>Review Activity Teams</a:t>
             </a:r>
-            <a:endParaRPr lang="en-US" dirty="0"/>
           </a:p>
         </p:txBody>
       </p:sp>
@@ -32662,15 +32382,26 @@
               <a:buNone/>
             </a:pPr>
             <a:r>
-              <a:rPr lang="en-US" b="1" u="sng" dirty="0" smtClean="0"/>
+              <a:rPr lang="en-US" b="1" u="sng" dirty="0"/>
               <a:t>Team 1</a:t>
             </a:r>
           </a:p>
           <a:p>
             <a:r>
-              <a:rPr lang="en-US" dirty="0" smtClean="0"/>
+              <a:rPr lang="en-US" dirty="0">
+                <a:hlinkClick r:id="rId2"/>
+              </a:rPr>
+              <a:t>https://replit.com/join/wvzndelw-josephmaxwell</a:t>
+            </a:r>
+            <a:endParaRPr lang="en-US" dirty="0"/>
+          </a:p>
+          <a:p>
+            <a:r>
+              <a:rPr lang="en-US" dirty="0"/>
               <a:t>Student 1</a:t>
             </a:r>
+          </a:p>
+          <a:p>
             <a:endParaRPr lang="en-US" dirty="0"/>
           </a:p>
         </p:txBody>
@@ -32700,16 +32431,27 @@
               <a:buNone/>
             </a:pPr>
             <a:r>
-              <a:rPr lang="en-US" b="1" u="sng" dirty="0" smtClean="0"/>
+              <a:rPr lang="en-US" b="1" u="sng" dirty="0"/>
               <a:t>Team 2</a:t>
             </a:r>
-            <a:endParaRPr lang="en-US" b="1" u="sng" dirty="0"/>
+          </a:p>
+          <a:p>
+            <a:r>
+              <a:rPr lang="en-US" dirty="0">
+                <a:hlinkClick r:id="rId3"/>
+              </a:rPr>
+              <a:t>https://replit.com/join/wxqxdqpg-josephmaxwell</a:t>
+            </a:r>
+            <a:endParaRPr lang="en-US" dirty="0"/>
           </a:p>
           <a:p>
             <a:r>
               <a:rPr lang="en-US" dirty="0"/>
               <a:t>Student 1</a:t>
             </a:r>
+          </a:p>
+          <a:p>
+            <a:endParaRPr lang="en-US" dirty="0"/>
           </a:p>
         </p:txBody>
       </p:sp>
@@ -32738,19 +32480,29 @@
               <a:buNone/>
             </a:pPr>
             <a:r>
-              <a:rPr lang="en-US" b="1" u="sng" dirty="0" smtClean="0"/>
+              <a:rPr lang="en-US" b="1" u="sng" dirty="0"/>
               <a:t>Team 3</a:t>
             </a:r>
-            <a:endParaRPr lang="en-US" b="1" u="sng" dirty="0"/>
+          </a:p>
+          <a:p>
+            <a:r>
+              <a:rPr lang="en-US">
+                <a:hlinkClick r:id="rId2"/>
+              </a:rPr>
+              <a:t>https</a:t>
+            </a:r>
+            <a:r>
+              <a:rPr lang="en-US" dirty="0">
+                <a:hlinkClick r:id="rId2"/>
+              </a:rPr>
+              <a:t>://replit.com/join/wvzndelw-josephmaxwell</a:t>
+            </a:r>
+            <a:endParaRPr lang="en-US" dirty="0"/>
           </a:p>
           <a:p>
             <a:r>
               <a:rPr lang="en-US" dirty="0"/>
-              <a:t>Student </a:t>
-            </a:r>
-            <a:r>
-              <a:rPr lang="en-US" dirty="0" smtClean="0"/>
-              <a:t>1</a:t>
+              <a:t>Student 1</a:t>
             </a:r>
           </a:p>
         </p:txBody>
@@ -32768,13 +32520,6 @@
   <p:transition>
     <p:fade/>
   </p:transition>
-  <p:timing>
-    <p:tnLst>
-      <p:par>
-        <p:cTn id="1" dur="indefinite" restart="never" nodeType="tmRoot"/>
-      </p:par>
-    </p:tnLst>
-  </p:timing>
 </p:sld>
 </file>
 
@@ -32811,10 +32556,9 @@
           <a:lstStyle/>
           <a:p>
             <a:r>
-              <a:rPr lang="en-US" dirty="0" smtClean="0"/>
+              <a:rPr lang="en-US" dirty="0"/>
               <a:t>8. Which CSS property can make text larger?</a:t>
             </a:r>
-            <a:endParaRPr lang="en-US" dirty="0"/>
           </a:p>
         </p:txBody>
       </p:sp>
@@ -32839,7 +32583,7 @@
               <a:buNone/>
             </a:pPr>
             <a:r>
-              <a:rPr lang="en-US" sz="8800" dirty="0" smtClean="0">
+              <a:rPr lang="en-US" sz="8800" dirty="0">
                 <a:solidFill>
                   <a:srgbClr val="FF0000"/>
                 </a:solidFill>
@@ -33000,10 +32744,9 @@
           <a:lstStyle/>
           <a:p>
             <a:r>
-              <a:rPr lang="en-US" dirty="0" smtClean="0"/>
+              <a:rPr lang="en-US" dirty="0"/>
               <a:t>9. What four things are required for a CSS declaration?</a:t>
             </a:r>
-            <a:endParaRPr lang="en-US" dirty="0"/>
           </a:p>
         </p:txBody>
       </p:sp>
@@ -33029,7 +32772,7 @@
               <a:buAutoNum type="arabicPeriod"/>
             </a:pPr>
             <a:r>
-              <a:rPr lang="it-IT" sz="6600" dirty="0" smtClean="0">
+              <a:rPr lang="it-IT" sz="6600" dirty="0">
                 <a:latin typeface="+mj-lt"/>
               </a:rPr>
               <a:t>Property name</a:t>
@@ -33041,7 +32784,7 @@
               <a:buAutoNum type="arabicPeriod"/>
             </a:pPr>
             <a:r>
-              <a:rPr lang="it-IT" sz="6600" dirty="0" smtClean="0">
+              <a:rPr lang="it-IT" sz="6600" dirty="0">
                 <a:latin typeface="+mj-lt"/>
               </a:rPr>
               <a:t>Colon</a:t>
@@ -33053,7 +32796,7 @@
               <a:buAutoNum type="arabicPeriod"/>
             </a:pPr>
             <a:r>
-              <a:rPr lang="it-IT" sz="6600" dirty="0" smtClean="0">
+              <a:rPr lang="it-IT" sz="6600" dirty="0">
                 <a:latin typeface="+mj-lt"/>
               </a:rPr>
               <a:t>Value</a:t>
@@ -33065,14 +32808,11 @@
               <a:buAutoNum type="arabicPeriod"/>
             </a:pPr>
             <a:r>
-              <a:rPr lang="it-IT" sz="6600" dirty="0" smtClean="0">
+              <a:rPr lang="it-IT" sz="6600" dirty="0">
                 <a:latin typeface="+mj-lt"/>
               </a:rPr>
               <a:t>Semi-colon</a:t>
             </a:r>
-            <a:endParaRPr lang="it-IT" sz="6600" dirty="0">
-              <a:latin typeface="+mj-lt"/>
-            </a:endParaRPr>
           </a:p>
         </p:txBody>
       </p:sp>
@@ -33402,10 +33142,9 @@
           <a:lstStyle/>
           <a:p>
             <a:r>
-              <a:rPr lang="en-US" dirty="0" smtClean="0"/>
+              <a:rPr lang="en-US" dirty="0"/>
               <a:t>10. Create a CSS ruleset that makes all anchor elements appear orange</a:t>
             </a:r>
-            <a:endParaRPr lang="en-US" dirty="0"/>
           </a:p>
         </p:txBody>
       </p:sp>
@@ -33503,7 +33242,7 @@
               <a:buNone/>
             </a:pPr>
             <a:r>
-              <a:rPr lang="en-US" sz="6600" dirty="0" smtClean="0">
+              <a:rPr lang="en-US" sz="6600" dirty="0">
                 <a:solidFill>
                   <a:srgbClr val="000000"/>
                 </a:solidFill>
@@ -33511,12 +33250,6 @@
               </a:rPr>
               <a:t>}</a:t>
             </a:r>
-            <a:endParaRPr lang="en-US" sz="6600" dirty="0">
-              <a:solidFill>
-                <a:srgbClr val="000000"/>
-              </a:solidFill>
-              <a:latin typeface="Consolas" panose="020B0609020204030204" pitchFamily="49" charset="0"/>
-            </a:endParaRPr>
           </a:p>
         </p:txBody>
       </p:sp>
@@ -33749,10 +33482,9 @@
           <a:lstStyle/>
           <a:p>
             <a:r>
-              <a:rPr lang="en-US" dirty="0" smtClean="0"/>
+              <a:rPr lang="en-US" dirty="0"/>
               <a:t>11. What does the following ruleset do?</a:t>
             </a:r>
-            <a:endParaRPr lang="en-US" dirty="0"/>
           </a:p>
         </p:txBody>
       </p:sp>
@@ -33904,7 +33636,7 @@
               </a:spcAft>
             </a:pPr>
             <a:r>
-              <a:rPr lang="en-US" sz="4000" dirty="0" smtClean="0">
+              <a:rPr lang="en-US" sz="4000" dirty="0">
                 <a:gradFill>
                   <a:gsLst>
                     <a:gs pos="2917">
@@ -34057,10 +33789,9 @@
           <a:lstStyle/>
           <a:p>
             <a:r>
-              <a:rPr lang="en-US" dirty="0" smtClean="0"/>
+              <a:rPr lang="en-US" dirty="0"/>
               <a:t>12. What is a CSS property?</a:t>
             </a:r>
-            <a:endParaRPr lang="en-US" dirty="0"/>
           </a:p>
         </p:txBody>
       </p:sp>
@@ -34085,16 +33816,10 @@
               <a:buNone/>
             </a:pPr>
             <a:r>
-              <a:rPr lang="en-US" sz="6600" dirty="0" smtClean="0">
-                <a:latin typeface="+mj-lt"/>
-              </a:rPr>
-              <a:t>An </a:t>
-            </a:r>
-            <a:r>
               <a:rPr lang="en-US" sz="6600" dirty="0">
                 <a:latin typeface="+mj-lt"/>
               </a:rPr>
-              <a:t>identifier that indicates which stylistic features to change</a:t>
+              <a:t>An identifier that indicates which stylistic features to change</a:t>
             </a:r>
           </a:p>
         </p:txBody>
@@ -34242,10 +33967,9 @@
           <a:lstStyle/>
           <a:p>
             <a:r>
-              <a:rPr lang="en-US" dirty="0" smtClean="0"/>
+              <a:rPr lang="en-US" dirty="0"/>
               <a:t>Tie-breaker: What does CSS stand for?</a:t>
             </a:r>
-            <a:endParaRPr lang="en-US" dirty="0"/>
           </a:p>
         </p:txBody>
       </p:sp>
@@ -34270,37 +33994,37 @@
               <a:buNone/>
             </a:pPr>
             <a:r>
-              <a:rPr lang="it-IT" sz="6600" b="1" dirty="0" smtClean="0">
+              <a:rPr lang="it-IT" sz="6600" b="1" dirty="0">
                 <a:latin typeface="+mj-lt"/>
               </a:rPr>
               <a:t>C</a:t>
             </a:r>
             <a:r>
-              <a:rPr lang="it-IT" sz="6600" dirty="0" smtClean="0">
+              <a:rPr lang="it-IT" sz="6600" dirty="0">
                 <a:latin typeface="+mj-lt"/>
               </a:rPr>
               <a:t>ascading </a:t>
             </a:r>
             <a:r>
-              <a:rPr lang="it-IT" sz="6600" b="1" dirty="0" smtClean="0">
+              <a:rPr lang="it-IT" sz="6600" b="1" dirty="0">
                 <a:latin typeface="+mj-lt"/>
               </a:rPr>
               <a:t>S</a:t>
             </a:r>
             <a:r>
-              <a:rPr lang="it-IT" sz="6600" dirty="0" smtClean="0">
+              <a:rPr lang="it-IT" sz="6600" dirty="0">
                 <a:latin typeface="+mj-lt"/>
               </a:rPr>
               <a:t>tyle</a:t>
             </a:r>
             <a:r>
-              <a:rPr lang="it-IT" sz="6600" b="1" dirty="0" smtClean="0">
+              <a:rPr lang="it-IT" sz="6600" b="1" dirty="0">
                 <a:latin typeface="+mj-lt"/>
               </a:rPr>
               <a:t>s</a:t>
             </a:r>
             <a:r>
-              <a:rPr lang="it-IT" sz="6600" dirty="0" smtClean="0">
+              <a:rPr lang="it-IT" sz="6600" dirty="0">
                 <a:latin typeface="+mj-lt"/>
               </a:rPr>
               <a:t>heets</a:t>
@@ -34461,10 +34185,9 @@
           <a:lstStyle/>
           <a:p>
             <a:r>
-              <a:rPr lang="en-US" sz="6600" dirty="0" smtClean="0"/>
+              <a:rPr lang="en-US" sz="6600" dirty="0"/>
               <a:t>HTML &amp; CSS Review</a:t>
             </a:r>
-            <a:endParaRPr lang="en-US" sz="6600" dirty="0"/>
           </a:p>
         </p:txBody>
       </p:sp>
@@ -34489,10 +34212,9 @@
           <a:lstStyle/>
           <a:p>
             <a:r>
-              <a:rPr lang="en-US" dirty="0" smtClean="0"/>
+              <a:rPr lang="en-US" dirty="0"/>
               <a:t>Hy-Tech Club: Web 101</a:t>
             </a:r>
-            <a:endParaRPr lang="en-US" dirty="0"/>
           </a:p>
         </p:txBody>
       </p:sp>
@@ -37477,13 +37199,6 @@
   <p:transition>
     <p:fade/>
   </p:transition>
-  <p:timing>
-    <p:tnLst>
-      <p:par>
-        <p:cTn id="1" dur="indefinite" restart="never" nodeType="tmRoot"/>
-      </p:par>
-    </p:tnLst>
-  </p:timing>
 </p:sld>
 </file>
 
@@ -37520,10 +37235,9 @@
           <a:lstStyle/>
           <a:p>
             <a:r>
-              <a:rPr lang="en-US" dirty="0" smtClean="0"/>
+              <a:rPr lang="en-US" dirty="0"/>
               <a:t>1. Which tags wrap an entire html document?</a:t>
             </a:r>
-            <a:endParaRPr lang="en-US" dirty="0"/>
           </a:p>
         </p:txBody>
       </p:sp>
@@ -37548,7 +37262,7 @@
               <a:buNone/>
             </a:pPr>
             <a:r>
-              <a:rPr lang="pl-PL" sz="8800" dirty="0" smtClean="0">
+              <a:rPr lang="pl-PL" sz="8800" dirty="0">
                 <a:solidFill>
                   <a:srgbClr val="800000"/>
                 </a:solidFill>
@@ -37557,7 +37271,7 @@
               <a:t>&lt;</a:t>
             </a:r>
             <a:r>
-              <a:rPr lang="en-US" sz="8800" dirty="0" smtClean="0">
+              <a:rPr lang="en-US" sz="8800" dirty="0">
                 <a:solidFill>
                   <a:srgbClr val="800000"/>
                 </a:solidFill>
@@ -37719,10 +37433,9 @@
           <a:lstStyle/>
           <a:p>
             <a:r>
-              <a:rPr lang="en-US" dirty="0" smtClean="0"/>
+              <a:rPr lang="en-US" dirty="0"/>
               <a:t>2. Which header element is the largest?</a:t>
             </a:r>
-            <a:endParaRPr lang="en-US" dirty="0"/>
           </a:p>
         </p:txBody>
       </p:sp>
@@ -37747,7 +37460,7 @@
               <a:buNone/>
             </a:pPr>
             <a:r>
-              <a:rPr lang="pl-PL" sz="8800" dirty="0" smtClean="0">
+              <a:rPr lang="pl-PL" sz="8800" dirty="0">
                 <a:solidFill>
                   <a:srgbClr val="800000"/>
                 </a:solidFill>
@@ -37756,7 +37469,7 @@
               <a:t>&lt;</a:t>
             </a:r>
             <a:r>
-              <a:rPr lang="en-US" sz="8800" dirty="0" smtClean="0">
+              <a:rPr lang="en-US" sz="8800" dirty="0">
                 <a:solidFill>
                   <a:srgbClr val="800000"/>
                 </a:solidFill>
@@ -37918,10 +37631,9 @@
           <a:lstStyle/>
           <a:p>
             <a:r>
-              <a:rPr lang="en-US" dirty="0" smtClean="0"/>
+              <a:rPr lang="en-US" dirty="0"/>
               <a:t>3. Create a hyperlink that says “w3” and goes to w3.org when clicked</a:t>
             </a:r>
-            <a:endParaRPr lang="en-US" dirty="0"/>
           </a:p>
         </p:txBody>
       </p:sp>
@@ -38170,10 +37882,9 @@
           <a:lstStyle/>
           <a:p>
             <a:r>
-              <a:rPr lang="en-US" dirty="0" smtClean="0"/>
+              <a:rPr lang="en-US" dirty="0"/>
               <a:t>4. list the six elements needed for a table</a:t>
             </a:r>
-            <a:endParaRPr lang="en-US" dirty="0"/>
           </a:p>
         </p:txBody>
       </p:sp>
@@ -38195,7 +37906,7 @@
           <a:lstStyle/>
           <a:p>
             <a:r>
-              <a:rPr lang="en-US" sz="4800" b="0" dirty="0" smtClean="0">
+              <a:rPr lang="en-US" sz="4800" b="0" dirty="0">
                 <a:solidFill>
                   <a:srgbClr val="000000"/>
                 </a:solidFill>
@@ -38207,7 +37918,7 @@
           </a:p>
           <a:p>
             <a:r>
-              <a:rPr lang="en-US" sz="4800" b="0" dirty="0" err="1" smtClean="0">
+              <a:rPr lang="en-US" sz="4800" b="0" dirty="0" err="1">
                 <a:solidFill>
                   <a:srgbClr val="000000"/>
                 </a:solidFill>
@@ -38216,7 +37927,7 @@
               </a:rPr>
               <a:t>thead</a:t>
             </a:r>
-            <a:endParaRPr lang="en-US" sz="4800" b="0" dirty="0" smtClean="0">
+            <a:endParaRPr lang="en-US" sz="4800" b="0" dirty="0">
               <a:solidFill>
                 <a:srgbClr val="000000"/>
               </a:solidFill>
@@ -38226,7 +37937,7 @@
           </a:p>
           <a:p>
             <a:r>
-              <a:rPr lang="en-US" sz="4800" b="0" dirty="0" err="1" smtClean="0">
+              <a:rPr lang="en-US" sz="4800" b="0" dirty="0" err="1">
                 <a:solidFill>
                   <a:srgbClr val="000000"/>
                 </a:solidFill>
@@ -38235,7 +37946,7 @@
               </a:rPr>
               <a:t>tbody</a:t>
             </a:r>
-            <a:endParaRPr lang="en-US" sz="4800" b="0" dirty="0" smtClean="0">
+            <a:endParaRPr lang="en-US" sz="4800" b="0" dirty="0">
               <a:solidFill>
                 <a:srgbClr val="000000"/>
               </a:solidFill>
@@ -38245,7 +37956,7 @@
           </a:p>
           <a:p>
             <a:r>
-              <a:rPr lang="en-US" sz="4800" b="0" dirty="0" err="1" smtClean="0">
+              <a:rPr lang="en-US" sz="4800" b="0" dirty="0" err="1">
                 <a:solidFill>
                   <a:srgbClr val="000000"/>
                 </a:solidFill>
@@ -38254,7 +37965,7 @@
               </a:rPr>
               <a:t>th</a:t>
             </a:r>
-            <a:endParaRPr lang="en-US" sz="4800" b="0" dirty="0" smtClean="0">
+            <a:endParaRPr lang="en-US" sz="4800" b="0" dirty="0">
               <a:solidFill>
                 <a:srgbClr val="000000"/>
               </a:solidFill>
@@ -38264,7 +37975,7 @@
           </a:p>
           <a:p>
             <a:r>
-              <a:rPr lang="en-US" sz="4800" b="0" dirty="0" err="1" smtClean="0">
+              <a:rPr lang="en-US" sz="4800" b="0" dirty="0" err="1">
                 <a:solidFill>
                   <a:srgbClr val="000000"/>
                 </a:solidFill>
@@ -38273,7 +37984,7 @@
               </a:rPr>
               <a:t>tr</a:t>
             </a:r>
-            <a:endParaRPr lang="en-US" sz="4800" b="0" dirty="0" smtClean="0">
+            <a:endParaRPr lang="en-US" sz="4800" b="0" dirty="0">
               <a:solidFill>
                 <a:srgbClr val="000000"/>
               </a:solidFill>
@@ -38283,7 +37994,7 @@
           </a:p>
           <a:p>
             <a:r>
-              <a:rPr lang="en-US" sz="4800" b="0" dirty="0" smtClean="0">
+              <a:rPr lang="en-US" sz="4800" b="0" dirty="0">
                 <a:solidFill>
                   <a:srgbClr val="000000"/>
                 </a:solidFill>
@@ -38750,10 +38461,9 @@
           <a:lstStyle/>
           <a:p>
             <a:r>
-              <a:rPr lang="en-US" dirty="0" smtClean="0"/>
+              <a:rPr lang="en-US" dirty="0"/>
               <a:t>5. Create a numbered list of three movies</a:t>
             </a:r>
-            <a:endParaRPr lang="en-US" dirty="0"/>
           </a:p>
         </p:txBody>
       </p:sp>
@@ -38813,19 +38523,10 @@
                 </a:solidFill>
                 <a:latin typeface="Consolas" panose="020B0609020204030204" pitchFamily="49" charset="0"/>
               </a:rPr>
-              <a:t>&lt;</a:t>
+              <a:t>&lt;li&gt;</a:t>
             </a:r>
             <a:r>
-              <a:rPr lang="it-IT" sz="6600" dirty="0" smtClean="0">
-                <a:solidFill>
-                  <a:srgbClr val="800000"/>
-                </a:solidFill>
-                <a:latin typeface="Consolas" panose="020B0609020204030204" pitchFamily="49" charset="0"/>
-              </a:rPr>
-              <a:t>li&gt;</a:t>
-            </a:r>
-            <a:r>
-              <a:rPr lang="it-IT" sz="6600" dirty="0" smtClean="0">
+              <a:rPr lang="it-IT" sz="6600" dirty="0">
                 <a:solidFill>
                   <a:srgbClr val="000000"/>
                 </a:solidFill>
@@ -38834,78 +38535,13 @@
               <a:t>Bambi</a:t>
             </a:r>
             <a:r>
-              <a:rPr lang="it-IT" sz="6600" dirty="0" smtClean="0">
-                <a:solidFill>
-                  <a:srgbClr val="800000"/>
-                </a:solidFill>
-                <a:latin typeface="Consolas" panose="020B0609020204030204" pitchFamily="49" charset="0"/>
-              </a:rPr>
-              <a:t>&lt;/</a:t>
-            </a:r>
-            <a:r>
               <a:rPr lang="it-IT" sz="6600" dirty="0">
                 <a:solidFill>
                   <a:srgbClr val="800000"/>
                 </a:solidFill>
                 <a:latin typeface="Consolas" panose="020B0609020204030204" pitchFamily="49" charset="0"/>
               </a:rPr>
-              <a:t>li&gt;</a:t>
-            </a:r>
-            <a:endParaRPr lang="it-IT" sz="6600" dirty="0">
-              <a:solidFill>
-                <a:srgbClr val="000000"/>
-              </a:solidFill>
-              <a:latin typeface="Consolas" panose="020B0609020204030204" pitchFamily="49" charset="0"/>
-            </a:endParaRPr>
-          </a:p>
-          <a:p>
-            <a:pPr marL="57150" indent="0">
-              <a:buNone/>
-            </a:pPr>
-            <a:r>
-              <a:rPr lang="it-IT" sz="6600" dirty="0">
-                <a:solidFill>
-                  <a:srgbClr val="000000"/>
-                </a:solidFill>
-                <a:latin typeface="Consolas" panose="020B0609020204030204" pitchFamily="49" charset="0"/>
-              </a:rPr>
-              <a:t>    </a:t>
-            </a:r>
-            <a:r>
-              <a:rPr lang="it-IT" sz="6600" dirty="0" smtClean="0">
-                <a:solidFill>
-                  <a:srgbClr val="800000"/>
-                </a:solidFill>
-                <a:latin typeface="Consolas" panose="020B0609020204030204" pitchFamily="49" charset="0"/>
-              </a:rPr>
-              <a:t>&lt;li&gt;</a:t>
-            </a:r>
-            <a:r>
-              <a:rPr lang="it-IT" sz="6600" dirty="0" smtClean="0">
-                <a:solidFill>
-                  <a:srgbClr val="000000"/>
-                </a:solidFill>
-                <a:latin typeface="Consolas" panose="020B0609020204030204" pitchFamily="49" charset="0"/>
-              </a:rPr>
-              <a:t>Snow White</a:t>
-            </a:r>
-            <a:r>
-              <a:rPr lang="it-IT" sz="6600" dirty="0" smtClean="0">
-                <a:solidFill>
-                  <a:srgbClr val="800000"/>
-                </a:solidFill>
-                <a:latin typeface="Consolas" panose="020B0609020204030204" pitchFamily="49" charset="0"/>
-              </a:rPr>
-              <a:t>&lt;/</a:t>
-            </a:r>
-            <a:r>
-              <a:rPr lang="it-IT" sz="6600" dirty="0">
-                <a:solidFill>
-                  <a:srgbClr val="800000"/>
-                </a:solidFill>
-                <a:latin typeface="Consolas" panose="020B0609020204030204" pitchFamily="49" charset="0"/>
-              </a:rPr>
-              <a:t>li&gt;</a:t>
+              <a:t>&lt;/li&gt;</a:t>
             </a:r>
             <a:endParaRPr lang="it-IT" sz="6600" dirty="0">
               <a:solidFill>
@@ -38934,19 +38570,57 @@
                 </a:solidFill>
                 <a:latin typeface="Consolas" panose="020B0609020204030204" pitchFamily="49" charset="0"/>
               </a:rPr>
-              <a:t>&lt;</a:t>
+              <a:t>&lt;li&gt;</a:t>
             </a:r>
             <a:r>
-              <a:rPr lang="it-IT" sz="6600" dirty="0" smtClean="0">
+              <a:rPr lang="it-IT" sz="6600" dirty="0">
+                <a:solidFill>
+                  <a:srgbClr val="000000"/>
+                </a:solidFill>
+                <a:latin typeface="Consolas" panose="020B0609020204030204" pitchFamily="49" charset="0"/>
+              </a:rPr>
+              <a:t>Snow White</a:t>
+            </a:r>
+            <a:r>
+              <a:rPr lang="it-IT" sz="6600" dirty="0">
                 <a:solidFill>
                   <a:srgbClr val="800000"/>
                 </a:solidFill>
                 <a:latin typeface="Consolas" panose="020B0609020204030204" pitchFamily="49" charset="0"/>
               </a:rPr>
-              <a:t>li&gt;</a:t>
+              <a:t>&lt;/li&gt;</a:t>
+            </a:r>
+            <a:endParaRPr lang="it-IT" sz="6600" dirty="0">
+              <a:solidFill>
+                <a:srgbClr val="000000"/>
+              </a:solidFill>
+              <a:latin typeface="Consolas" panose="020B0609020204030204" pitchFamily="49" charset="0"/>
+            </a:endParaRPr>
+          </a:p>
+          <a:p>
+            <a:pPr marL="57150" indent="0">
+              <a:buNone/>
+            </a:pPr>
+            <a:r>
+              <a:rPr lang="it-IT" sz="6600" dirty="0">
+                <a:solidFill>
+                  <a:srgbClr val="000000"/>
+                </a:solidFill>
+                <a:latin typeface="Consolas" panose="020B0609020204030204" pitchFamily="49" charset="0"/>
+              </a:rPr>
+              <a:t>    </a:t>
             </a:r>
             <a:r>
-              <a:rPr lang="it-IT" sz="6600" dirty="0" smtClean="0">
+              <a:rPr lang="it-IT" sz="6600" dirty="0">
+                <a:solidFill>
+                  <a:srgbClr val="800000"/>
+                </a:solidFill>
+                <a:latin typeface="Consolas" panose="020B0609020204030204" pitchFamily="49" charset="0"/>
+              </a:rPr>
+              <a:t>&lt;li&gt;</a:t>
+            </a:r>
+            <a:r>
+              <a:rPr lang="it-IT" sz="6600" dirty="0">
                 <a:solidFill>
                   <a:srgbClr val="000000"/>
                 </a:solidFill>
@@ -38955,22 +38629,13 @@
               <a:t>Fantasia</a:t>
             </a:r>
             <a:r>
-              <a:rPr lang="it-IT" sz="6600" dirty="0" smtClean="0">
-                <a:solidFill>
-                  <a:srgbClr val="800000"/>
-                </a:solidFill>
-                <a:latin typeface="Consolas" panose="020B0609020204030204" pitchFamily="49" charset="0"/>
-              </a:rPr>
-              <a:t>&lt;/</a:t>
-            </a:r>
-            <a:r>
               <a:rPr lang="it-IT" sz="6600" dirty="0">
                 <a:solidFill>
                   <a:srgbClr val="800000"/>
                 </a:solidFill>
                 <a:latin typeface="Consolas" panose="020B0609020204030204" pitchFamily="49" charset="0"/>
               </a:rPr>
-              <a:t>li&gt;</a:t>
+              <a:t>&lt;/li&gt;</a:t>
             </a:r>
             <a:endParaRPr lang="it-IT" sz="6600" dirty="0">
               <a:solidFill>
@@ -39317,19 +38982,19 @@
           <a:lstStyle/>
           <a:p>
             <a:r>
-              <a:rPr lang="en-US" dirty="0" smtClean="0"/>
+              <a:rPr lang="en-US" dirty="0"/>
               <a:t>6. In </a:t>
             </a:r>
             <a:r>
-              <a:rPr lang="en-US" dirty="0" err="1" smtClean="0"/>
+              <a:rPr lang="en-US" dirty="0" err="1"/>
               <a:t>css</a:t>
             </a:r>
             <a:r>
-              <a:rPr lang="en-US" dirty="0" smtClean="0"/>
+              <a:rPr lang="en-US" dirty="0"/>
               <a:t>, What does the </a:t>
             </a:r>
             <a:r>
-              <a:rPr lang="en-US" sz="4000" cap="none" dirty="0" smtClean="0">
+              <a:rPr lang="en-US" sz="4000" cap="none" dirty="0">
                 <a:solidFill>
                   <a:schemeClr val="accent1">
                     <a:lumMod val="20000"/>
@@ -39341,10 +39006,9 @@
               <a:t>color</a:t>
             </a:r>
             <a:r>
-              <a:rPr lang="en-US" dirty="0" smtClean="0"/>
+              <a:rPr lang="en-US" dirty="0"/>
               <a:t> property do?</a:t>
             </a:r>
-            <a:endParaRPr lang="en-US" dirty="0"/>
           </a:p>
         </p:txBody>
       </p:sp>
@@ -39369,14 +39033,11 @@
               <a:buNone/>
             </a:pPr>
             <a:r>
-              <a:rPr lang="it-IT" sz="6600" dirty="0" smtClean="0">
+              <a:rPr lang="it-IT" sz="6600" dirty="0">
                 <a:latin typeface="+mj-lt"/>
               </a:rPr>
               <a:t>Sets the color of text</a:t>
             </a:r>
-            <a:endParaRPr lang="it-IT" sz="6600" dirty="0">
-              <a:latin typeface="+mj-lt"/>
-            </a:endParaRPr>
           </a:p>
         </p:txBody>
       </p:sp>
@@ -39523,10 +39184,9 @@
           <a:lstStyle/>
           <a:p>
             <a:r>
-              <a:rPr lang="en-US" dirty="0" smtClean="0"/>
+              <a:rPr lang="en-US" dirty="0"/>
               <a:t>7. Which HTML element connects a CSS stylesheet to an html page?</a:t>
             </a:r>
-            <a:endParaRPr lang="en-US" dirty="0"/>
           </a:p>
         </p:txBody>
       </p:sp>
@@ -39551,7 +39211,7 @@
               <a:buNone/>
             </a:pPr>
             <a:r>
-              <a:rPr lang="pl-PL" sz="8800" dirty="0" smtClean="0">
+              <a:rPr lang="pl-PL" sz="8800" dirty="0">
                 <a:solidFill>
                   <a:srgbClr val="800000"/>
                 </a:solidFill>
@@ -39560,7 +39220,7 @@
               <a:t>&lt;</a:t>
             </a:r>
             <a:r>
-              <a:rPr lang="en-US" sz="8800" dirty="0" smtClean="0">
+              <a:rPr lang="en-US" sz="8800" dirty="0">
                 <a:solidFill>
                   <a:srgbClr val="800000"/>
                 </a:solidFill>

--- a/Week06/HtmlCssReviewActivity.pptx
+++ b/Week06/HtmlCssReviewActivity.pptx
@@ -222,7 +222,7 @@
           <a:p>
             <a:fld id="{19104133-B5B0-4351-8158-4F0E5EB1E2BF}" type="datetimeFigureOut">
               <a:rPr lang="en-US" smtClean="0"/>
-              <a:t>3/22/2021</a:t>
+              <a:t>4/3/2022</a:t>
             </a:fld>
             <a:endParaRPr lang="en-US"/>
           </a:p>
@@ -763,7 +763,7 @@
             <a:fld id="{1C2D31DE-C454-491C-B5C3-F097855E3DF7}" type="datetime4">
               <a:rPr lang="en-US" smtClean="0"/>
               <a:pPr/>
-              <a:t>March 22, 2021</a:t>
+              <a:t>April 3, 2022</a:t>
             </a:fld>
             <a:endParaRPr lang="en-US" dirty="0"/>
           </a:p>
@@ -4155,7 +4155,7 @@
           <a:p>
             <a:fld id="{5958763E-B898-436D-883D-03711491D54A}" type="datetimeFigureOut">
               <a:rPr lang="en-US" smtClean="0"/>
-              <a:t>3/22/2021</a:t>
+              <a:t>4/3/2022</a:t>
             </a:fld>
             <a:endParaRPr lang="en-US"/>
           </a:p>
@@ -4348,7 +4348,7 @@
           <a:p>
             <a:fld id="{5958763E-B898-436D-883D-03711491D54A}" type="datetimeFigureOut">
               <a:rPr lang="en-US" smtClean="0"/>
-              <a:t>3/22/2021</a:t>
+              <a:t>4/3/2022</a:t>
             </a:fld>
             <a:endParaRPr lang="en-US"/>
           </a:p>
@@ -4598,7 +4598,7 @@
           <a:p>
             <a:fld id="{5958763E-B898-436D-883D-03711491D54A}" type="datetimeFigureOut">
               <a:rPr lang="en-US" smtClean="0"/>
-              <a:t>3/22/2021</a:t>
+              <a:t>4/3/2022</a:t>
             </a:fld>
             <a:endParaRPr lang="en-US"/>
           </a:p>
@@ -4946,7 +4946,7 @@
           <a:p>
             <a:fld id="{5958763E-B898-436D-883D-03711491D54A}" type="datetimeFigureOut">
               <a:rPr lang="en-US" smtClean="0"/>
-              <a:t>3/22/2021</a:t>
+              <a:t>4/3/2022</a:t>
             </a:fld>
             <a:endParaRPr lang="en-US"/>
           </a:p>
@@ -5362,7 +5362,7 @@
           <a:p>
             <a:fld id="{5958763E-B898-436D-883D-03711491D54A}" type="datetimeFigureOut">
               <a:rPr lang="en-US" smtClean="0"/>
-              <a:t>3/22/2021</a:t>
+              <a:t>4/3/2022</a:t>
             </a:fld>
             <a:endParaRPr lang="en-US"/>
           </a:p>
@@ -5863,7 +5863,7 @@
           <a:p>
             <a:fld id="{5958763E-B898-436D-883D-03711491D54A}" type="datetimeFigureOut">
               <a:rPr lang="en-US" smtClean="0"/>
-              <a:t>3/22/2021</a:t>
+              <a:t>4/3/2022</a:t>
             </a:fld>
             <a:endParaRPr lang="en-US"/>
           </a:p>
@@ -6314,7 +6314,7 @@
           <a:p>
             <a:fld id="{5958763E-B898-436D-883D-03711491D54A}" type="datetimeFigureOut">
               <a:rPr lang="en-US" smtClean="0"/>
-              <a:t>3/22/2021</a:t>
+              <a:t>4/3/2022</a:t>
             </a:fld>
             <a:endParaRPr lang="en-US"/>
           </a:p>
@@ -6925,7 +6925,7 @@
           <a:p>
             <a:fld id="{5958763E-B898-436D-883D-03711491D54A}" type="datetimeFigureOut">
               <a:rPr lang="en-US" smtClean="0"/>
-              <a:t>3/22/2021</a:t>
+              <a:t>4/3/2022</a:t>
             </a:fld>
             <a:endParaRPr lang="en-US"/>
           </a:p>
@@ -7696,7 +7696,7 @@
           <a:p>
             <a:fld id="{5958763E-B898-436D-883D-03711491D54A}" type="datetimeFigureOut">
               <a:rPr lang="en-US" smtClean="0"/>
-              <a:t>3/22/2021</a:t>
+              <a:t>4/3/2022</a:t>
             </a:fld>
             <a:endParaRPr lang="en-US"/>
           </a:p>
@@ -7800,7 +7800,7 @@
           <a:p>
             <a:fld id="{5958763E-B898-436D-883D-03711491D54A}" type="datetimeFigureOut">
               <a:rPr lang="en-US" smtClean="0"/>
-              <a:t>3/22/2021</a:t>
+              <a:t>4/3/2022</a:t>
             </a:fld>
             <a:endParaRPr lang="en-US"/>
           </a:p>
@@ -8127,7 +8127,7 @@
             <a:fld id="{1C2D31DE-C454-491C-B5C3-F097855E3DF7}" type="datetime4">
               <a:rPr lang="en-US" smtClean="0"/>
               <a:pPr/>
-              <a:t>March 22, 2021</a:t>
+              <a:t>April 3, 2022</a:t>
             </a:fld>
             <a:endParaRPr lang="en-US" dirty="0"/>
           </a:p>
@@ -11279,7 +11279,7 @@
           <a:p>
             <a:fld id="{5958763E-B898-436D-883D-03711491D54A}" type="datetimeFigureOut">
               <a:rPr lang="en-US" smtClean="0"/>
-              <a:t>3/22/2021</a:t>
+              <a:t>4/3/2022</a:t>
             </a:fld>
             <a:endParaRPr lang="en-US"/>
           </a:p>
@@ -11403,7 +11403,7 @@
           <a:p>
             <a:fld id="{5958763E-B898-436D-883D-03711491D54A}" type="datetimeFigureOut">
               <a:rPr lang="en-US" smtClean="0"/>
-              <a:t>3/22/2021</a:t>
+              <a:t>4/3/2022</a:t>
             </a:fld>
             <a:endParaRPr lang="en-US"/>
           </a:p>
@@ -11527,7 +11527,7 @@
           <a:p>
             <a:fld id="{5958763E-B898-436D-883D-03711491D54A}" type="datetimeFigureOut">
               <a:rPr lang="en-US" smtClean="0"/>
-              <a:t>3/22/2021</a:t>
+              <a:t>4/3/2022</a:t>
             </a:fld>
             <a:endParaRPr lang="en-US"/>
           </a:p>
@@ -11651,7 +11651,7 @@
           <a:p>
             <a:fld id="{5958763E-B898-436D-883D-03711491D54A}" type="datetimeFigureOut">
               <a:rPr lang="en-US" smtClean="0"/>
-              <a:t>3/22/2021</a:t>
+              <a:t>4/3/2022</a:t>
             </a:fld>
             <a:endParaRPr lang="en-US"/>
           </a:p>
@@ -11775,7 +11775,7 @@
           <a:p>
             <a:fld id="{5958763E-B898-436D-883D-03711491D54A}" type="datetimeFigureOut">
               <a:rPr lang="en-US" smtClean="0"/>
-              <a:t>3/22/2021</a:t>
+              <a:t>4/3/2022</a:t>
             </a:fld>
             <a:endParaRPr lang="en-US"/>
           </a:p>
@@ -11899,7 +11899,7 @@
           <a:p>
             <a:fld id="{5958763E-B898-436D-883D-03711491D54A}" type="datetimeFigureOut">
               <a:rPr lang="en-US" smtClean="0"/>
-              <a:t>3/22/2021</a:t>
+              <a:t>4/3/2022</a:t>
             </a:fld>
             <a:endParaRPr lang="en-US"/>
           </a:p>
@@ -12023,7 +12023,7 @@
           <a:p>
             <a:fld id="{5958763E-B898-436D-883D-03711491D54A}" type="datetimeFigureOut">
               <a:rPr lang="en-US" smtClean="0"/>
-              <a:t>3/22/2021</a:t>
+              <a:t>4/3/2022</a:t>
             </a:fld>
             <a:endParaRPr lang="en-US"/>
           </a:p>
@@ -12147,7 +12147,7 @@
           <a:p>
             <a:fld id="{5958763E-B898-436D-883D-03711491D54A}" type="datetimeFigureOut">
               <a:rPr lang="en-US" smtClean="0"/>
-              <a:t>3/22/2021</a:t>
+              <a:t>4/3/2022</a:t>
             </a:fld>
             <a:endParaRPr lang="en-US"/>
           </a:p>
@@ -12280,7 +12280,7 @@
           <a:p>
             <a:fld id="{5958763E-B898-436D-883D-03711491D54A}" type="datetimeFigureOut">
               <a:rPr lang="en-US" smtClean="0"/>
-              <a:t>3/22/2021</a:t>
+              <a:t>4/3/2022</a:t>
             </a:fld>
             <a:endParaRPr lang="en-US"/>
           </a:p>
@@ -15619,7 +15619,7 @@
             <a:fld id="{1C2D31DE-C454-491C-B5C3-F097855E3DF7}" type="datetime4">
               <a:rPr lang="en-US" smtClean="0"/>
               <a:pPr/>
-              <a:t>March 22, 2021</a:t>
+              <a:t>April 3, 2022</a:t>
             </a:fld>
             <a:endParaRPr lang="en-US" dirty="0"/>
           </a:p>
@@ -27855,7 +27855,7 @@
           <a:p>
             <a:fld id="{5958763E-B898-436D-883D-03711491D54A}" type="datetimeFigureOut">
               <a:rPr lang="en-US" smtClean="0"/>
-              <a:t>3/22/2021</a:t>
+              <a:t>4/3/2022</a:t>
             </a:fld>
             <a:endParaRPr lang="en-US"/>
           </a:p>
@@ -28257,7 +28257,7 @@
           <a:p>
             <a:fld id="{5958763E-B898-436D-883D-03711491D54A}" type="datetimeFigureOut">
               <a:rPr lang="en-US" smtClean="0"/>
-              <a:t>3/22/2021</a:t>
+              <a:t>4/3/2022</a:t>
             </a:fld>
             <a:endParaRPr lang="en-US"/>
           </a:p>
@@ -28551,7 +28551,7 @@
           <a:p>
             <a:fld id="{5958763E-B898-436D-883D-03711491D54A}" type="datetimeFigureOut">
               <a:rPr lang="en-US" smtClean="0"/>
-              <a:t>3/22/2021</a:t>
+              <a:t>4/3/2022</a:t>
             </a:fld>
             <a:endParaRPr lang="en-US"/>
           </a:p>
@@ -28752,7 +28752,7 @@
           <a:p>
             <a:fld id="{5958763E-B898-436D-883D-03711491D54A}" type="datetimeFigureOut">
               <a:rPr lang="en-US" smtClean="0"/>
-              <a:t>3/22/2021</a:t>
+              <a:t>4/3/2022</a:t>
             </a:fld>
             <a:endParaRPr lang="en-US"/>
           </a:p>
@@ -29013,7 +29013,7 @@
           <a:p>
             <a:fld id="{5958763E-B898-436D-883D-03711491D54A}" type="datetimeFigureOut">
               <a:rPr lang="en-US" smtClean="0"/>
-              <a:t>3/22/2021</a:t>
+              <a:t>4/3/2022</a:t>
             </a:fld>
             <a:endParaRPr lang="en-US"/>
           </a:p>
@@ -29521,7 +29521,7 @@
           <a:p>
             <a:fld id="{5958763E-B898-436D-883D-03711491D54A}" type="datetimeFigureOut">
               <a:rPr lang="en-US" smtClean="0"/>
-              <a:t>3/22/2021</a:t>
+              <a:t>4/3/2022</a:t>
             </a:fld>
             <a:endParaRPr lang="en-US"/>
           </a:p>
@@ -30000,7 +30000,7 @@
           <a:p>
             <a:fld id="{5958763E-B898-436D-883D-03711491D54A}" type="datetimeFigureOut">
               <a:rPr lang="en-US" smtClean="0"/>
-              <a:t>3/22/2021</a:t>
+              <a:t>4/3/2022</a:t>
             </a:fld>
             <a:endParaRPr lang="en-US"/>
           </a:p>
@@ -30819,7 +30819,7 @@
           <a:p>
             <a:fld id="{5958763E-B898-436D-883D-03711491D54A}" type="datetimeFigureOut">
               <a:rPr lang="en-US" smtClean="0"/>
-              <a:t>3/22/2021</a:t>
+              <a:t>4/3/2022</a:t>
             </a:fld>
             <a:endParaRPr lang="en-US"/>
           </a:p>
@@ -31020,7 +31020,7 @@
           <a:p>
             <a:fld id="{5958763E-B898-436D-883D-03711491D54A}" type="datetimeFigureOut">
               <a:rPr lang="en-US" smtClean="0"/>
-              <a:t>3/22/2021</a:t>
+              <a:t>4/3/2022</a:t>
             </a:fld>
             <a:endParaRPr lang="en-US"/>
           </a:p>
@@ -31355,7 +31355,7 @@
           <a:p>
             <a:fld id="{5958763E-B898-436D-883D-03711491D54A}" type="datetimeFigureOut">
               <a:rPr lang="en-US" smtClean="0"/>
-              <a:t>3/22/2021</a:t>
+              <a:t>4/3/2022</a:t>
             </a:fld>
             <a:endParaRPr lang="en-US"/>
           </a:p>
@@ -31585,7 +31585,7 @@
           <a:p>
             <a:fld id="{5958763E-B898-436D-883D-03711491D54A}" type="datetimeFigureOut">
               <a:rPr lang="en-US" smtClean="0"/>
-              <a:t>3/22/2021</a:t>
+              <a:t>4/3/2022</a:t>
             </a:fld>
             <a:endParaRPr lang="en-US"/>
           </a:p>
@@ -31829,7 +31829,7 @@
           <a:p>
             <a:fld id="{5958763E-B898-436D-883D-03711491D54A}" type="datetimeFigureOut">
               <a:rPr lang="en-US" smtClean="0"/>
-              <a:t>3/22/2021</a:t>
+              <a:t>4/3/2022</a:t>
             </a:fld>
             <a:endParaRPr lang="en-US"/>
           </a:p>
@@ -32388,17 +32388,35 @@
           </a:p>
           <a:p>
             <a:r>
-              <a:rPr lang="en-US" dirty="0">
+              <a:rPr lang="en-US" sz="2800" dirty="0">
                 <a:hlinkClick r:id="rId2"/>
               </a:rPr>
-              <a:t>https://replit.com/join/wvzndelw-josephmaxwell</a:t>
+              <a:t>https://replit.com/join/qmaefwjwmp-hylandoutreach</a:t>
             </a:r>
-            <a:endParaRPr lang="en-US" dirty="0"/>
+            <a:endParaRPr lang="en-US" sz="2800" dirty="0"/>
           </a:p>
           <a:p>
             <a:r>
               <a:rPr lang="en-US" dirty="0"/>
-              <a:t>Student 1</a:t>
+              <a:t>Student1</a:t>
+            </a:r>
+          </a:p>
+          <a:p>
+            <a:r>
+              <a:rPr lang="en-US" dirty="0"/>
+              <a:t>Student2</a:t>
+            </a:r>
+          </a:p>
+          <a:p>
+            <a:r>
+              <a:rPr lang="en-US" dirty="0"/>
+              <a:t>Student3</a:t>
+            </a:r>
+          </a:p>
+          <a:p>
+            <a:r>
+              <a:rPr lang="en-US" dirty="0"/>
+              <a:t>Student4</a:t>
             </a:r>
           </a:p>
           <a:p>
@@ -32437,18 +32455,39 @@
           </a:p>
           <a:p>
             <a:r>
-              <a:rPr lang="en-US" dirty="0">
+              <a:rPr lang="en-US" sz="2800" dirty="0">
                 <a:hlinkClick r:id="rId3"/>
               </a:rPr>
-              <a:t>https://replit.com/join/wxqxdqpg-josephmaxwell</a:t>
+              <a:t>https://replit.com/join/ywjiowgvnx-hylandoutreach</a:t>
             </a:r>
-            <a:endParaRPr lang="en-US" dirty="0"/>
+            <a:endParaRPr lang="en-US" sz="2800" dirty="0"/>
           </a:p>
           <a:p>
             <a:r>
               <a:rPr lang="en-US" dirty="0"/>
-              <a:t>Student 1</a:t>
+              <a:t>Student1</a:t>
             </a:r>
+          </a:p>
+          <a:p>
+            <a:r>
+              <a:rPr lang="en-US" dirty="0"/>
+              <a:t>Student2</a:t>
+            </a:r>
+          </a:p>
+          <a:p>
+            <a:r>
+              <a:rPr lang="en-US" dirty="0"/>
+              <a:t>Student3</a:t>
+            </a:r>
+          </a:p>
+          <a:p>
+            <a:r>
+              <a:rPr lang="en-US" dirty="0"/>
+              <a:t>Student4</a:t>
+            </a:r>
+          </a:p>
+          <a:p>
+            <a:endParaRPr lang="en-US" dirty="0"/>
           </a:p>
           <a:p>
             <a:endParaRPr lang="en-US" dirty="0"/>
@@ -32486,23 +32525,35 @@
           </a:p>
           <a:p>
             <a:r>
-              <a:rPr lang="en-US">
-                <a:hlinkClick r:id="rId2"/>
+              <a:rPr lang="en-US" sz="2800" dirty="0">
+                <a:hlinkClick r:id="rId4"/>
               </a:rPr>
-              <a:t>https</a:t>
+              <a:t>https://replit.com/join/clfsjzajqs-hylandoutreach</a:t>
             </a:r>
-            <a:r>
-              <a:rPr lang="en-US" dirty="0">
-                <a:hlinkClick r:id="rId2"/>
-              </a:rPr>
-              <a:t>://replit.com/join/wvzndelw-josephmaxwell</a:t>
-            </a:r>
-            <a:endParaRPr lang="en-US" dirty="0"/>
+            <a:endParaRPr lang="en-US" sz="2800" dirty="0"/>
           </a:p>
           <a:p>
             <a:r>
               <a:rPr lang="en-US" dirty="0"/>
-              <a:t>Student 1</a:t>
+              <a:t>Student1</a:t>
+            </a:r>
+          </a:p>
+          <a:p>
+            <a:r>
+              <a:rPr lang="en-US" dirty="0"/>
+              <a:t>Student2</a:t>
+            </a:r>
+          </a:p>
+          <a:p>
+            <a:r>
+              <a:rPr lang="en-US" dirty="0"/>
+              <a:t>Student3</a:t>
+            </a:r>
+          </a:p>
+          <a:p>
+            <a:r>
+              <a:rPr lang="en-US" dirty="0"/>
+              <a:t>Student4</a:t>
             </a:r>
           </a:p>
         </p:txBody>

--- a/Week06/HtmlCssReviewActivity.pptx
+++ b/Week06/HtmlCssReviewActivity.pptx
@@ -5,24 +5,25 @@
     <p:sldMasterId id="2147483648" r:id="rId1"/>
   </p:sldMasterIdLst>
   <p:notesMasterIdLst>
-    <p:notesMasterId r:id="rId17"/>
+    <p:notesMasterId r:id="rId18"/>
   </p:notesMasterIdLst>
   <p:sldIdLst>
-    <p:sldId id="272" r:id="rId2"/>
-    <p:sldId id="258" r:id="rId3"/>
-    <p:sldId id="259" r:id="rId4"/>
-    <p:sldId id="260" r:id="rId5"/>
-    <p:sldId id="261" r:id="rId6"/>
-    <p:sldId id="262" r:id="rId7"/>
-    <p:sldId id="263" r:id="rId8"/>
-    <p:sldId id="264" r:id="rId9"/>
-    <p:sldId id="265" r:id="rId10"/>
-    <p:sldId id="266" r:id="rId11"/>
-    <p:sldId id="267" r:id="rId12"/>
-    <p:sldId id="268" r:id="rId13"/>
-    <p:sldId id="269" r:id="rId14"/>
-    <p:sldId id="271" r:id="rId15"/>
-    <p:sldId id="270" r:id="rId16"/>
+    <p:sldId id="273" r:id="rId2"/>
+    <p:sldId id="272" r:id="rId3"/>
+    <p:sldId id="258" r:id="rId4"/>
+    <p:sldId id="259" r:id="rId5"/>
+    <p:sldId id="260" r:id="rId6"/>
+    <p:sldId id="261" r:id="rId7"/>
+    <p:sldId id="262" r:id="rId8"/>
+    <p:sldId id="263" r:id="rId9"/>
+    <p:sldId id="264" r:id="rId10"/>
+    <p:sldId id="265" r:id="rId11"/>
+    <p:sldId id="266" r:id="rId12"/>
+    <p:sldId id="267" r:id="rId13"/>
+    <p:sldId id="268" r:id="rId14"/>
+    <p:sldId id="269" r:id="rId15"/>
+    <p:sldId id="271" r:id="rId16"/>
+    <p:sldId id="270" r:id="rId17"/>
   </p:sldIdLst>
   <p:sldSz cx="12192000" cy="6858000"/>
   <p:notesSz cx="6858000" cy="9144000"/>
@@ -222,7 +223,7 @@
           <a:p>
             <a:fld id="{19104133-B5B0-4351-8158-4F0E5EB1E2BF}" type="datetimeFigureOut">
               <a:rPr lang="en-US" smtClean="0"/>
-              <a:t>4/3/2022</a:t>
+              <a:t>10/24/2022</a:t>
             </a:fld>
             <a:endParaRPr lang="en-US"/>
           </a:p>
@@ -562,7 +563,7 @@
           <a:p>
             <a:fld id="{DEC8F7F9-57EC-49CF-9FCD-2B781E4B449F}" type="slidenum">
               <a:rPr lang="en-US" smtClean="0"/>
-              <a:t>2</a:t>
+              <a:t>3</a:t>
             </a:fld>
             <a:endParaRPr lang="en-US"/>
           </a:p>
@@ -763,7 +764,7 @@
             <a:fld id="{1C2D31DE-C454-491C-B5C3-F097855E3DF7}" type="datetime4">
               <a:rPr lang="en-US" smtClean="0"/>
               <a:pPr/>
-              <a:t>April 3, 2022</a:t>
+              <a:t>October 24, 2022</a:t>
             </a:fld>
             <a:endParaRPr lang="en-US" dirty="0"/>
           </a:p>
@@ -4155,7 +4156,7 @@
           <a:p>
             <a:fld id="{5958763E-B898-436D-883D-03711491D54A}" type="datetimeFigureOut">
               <a:rPr lang="en-US" smtClean="0"/>
-              <a:t>4/3/2022</a:t>
+              <a:t>10/24/2022</a:t>
             </a:fld>
             <a:endParaRPr lang="en-US"/>
           </a:p>
@@ -4348,7 +4349,7 @@
           <a:p>
             <a:fld id="{5958763E-B898-436D-883D-03711491D54A}" type="datetimeFigureOut">
               <a:rPr lang="en-US" smtClean="0"/>
-              <a:t>4/3/2022</a:t>
+              <a:t>10/24/2022</a:t>
             </a:fld>
             <a:endParaRPr lang="en-US"/>
           </a:p>
@@ -4598,7 +4599,7 @@
           <a:p>
             <a:fld id="{5958763E-B898-436D-883D-03711491D54A}" type="datetimeFigureOut">
               <a:rPr lang="en-US" smtClean="0"/>
-              <a:t>4/3/2022</a:t>
+              <a:t>10/24/2022</a:t>
             </a:fld>
             <a:endParaRPr lang="en-US"/>
           </a:p>
@@ -4946,7 +4947,7 @@
           <a:p>
             <a:fld id="{5958763E-B898-436D-883D-03711491D54A}" type="datetimeFigureOut">
               <a:rPr lang="en-US" smtClean="0"/>
-              <a:t>4/3/2022</a:t>
+              <a:t>10/24/2022</a:t>
             </a:fld>
             <a:endParaRPr lang="en-US"/>
           </a:p>
@@ -5362,7 +5363,7 @@
           <a:p>
             <a:fld id="{5958763E-B898-436D-883D-03711491D54A}" type="datetimeFigureOut">
               <a:rPr lang="en-US" smtClean="0"/>
-              <a:t>4/3/2022</a:t>
+              <a:t>10/24/2022</a:t>
             </a:fld>
             <a:endParaRPr lang="en-US"/>
           </a:p>
@@ -5863,7 +5864,7 @@
           <a:p>
             <a:fld id="{5958763E-B898-436D-883D-03711491D54A}" type="datetimeFigureOut">
               <a:rPr lang="en-US" smtClean="0"/>
-              <a:t>4/3/2022</a:t>
+              <a:t>10/24/2022</a:t>
             </a:fld>
             <a:endParaRPr lang="en-US"/>
           </a:p>
@@ -6314,7 +6315,7 @@
           <a:p>
             <a:fld id="{5958763E-B898-436D-883D-03711491D54A}" type="datetimeFigureOut">
               <a:rPr lang="en-US" smtClean="0"/>
-              <a:t>4/3/2022</a:t>
+              <a:t>10/24/2022</a:t>
             </a:fld>
             <a:endParaRPr lang="en-US"/>
           </a:p>
@@ -6925,7 +6926,7 @@
           <a:p>
             <a:fld id="{5958763E-B898-436D-883D-03711491D54A}" type="datetimeFigureOut">
               <a:rPr lang="en-US" smtClean="0"/>
-              <a:t>4/3/2022</a:t>
+              <a:t>10/24/2022</a:t>
             </a:fld>
             <a:endParaRPr lang="en-US"/>
           </a:p>
@@ -7696,7 +7697,7 @@
           <a:p>
             <a:fld id="{5958763E-B898-436D-883D-03711491D54A}" type="datetimeFigureOut">
               <a:rPr lang="en-US" smtClean="0"/>
-              <a:t>4/3/2022</a:t>
+              <a:t>10/24/2022</a:t>
             </a:fld>
             <a:endParaRPr lang="en-US"/>
           </a:p>
@@ -7800,7 +7801,7 @@
           <a:p>
             <a:fld id="{5958763E-B898-436D-883D-03711491D54A}" type="datetimeFigureOut">
               <a:rPr lang="en-US" smtClean="0"/>
-              <a:t>4/3/2022</a:t>
+              <a:t>10/24/2022</a:t>
             </a:fld>
             <a:endParaRPr lang="en-US"/>
           </a:p>
@@ -8127,7 +8128,7 @@
             <a:fld id="{1C2D31DE-C454-491C-B5C3-F097855E3DF7}" type="datetime4">
               <a:rPr lang="en-US" smtClean="0"/>
               <a:pPr/>
-              <a:t>April 3, 2022</a:t>
+              <a:t>October 24, 2022</a:t>
             </a:fld>
             <a:endParaRPr lang="en-US" dirty="0"/>
           </a:p>
@@ -11279,7 +11280,7 @@
           <a:p>
             <a:fld id="{5958763E-B898-436D-883D-03711491D54A}" type="datetimeFigureOut">
               <a:rPr lang="en-US" smtClean="0"/>
-              <a:t>4/3/2022</a:t>
+              <a:t>10/24/2022</a:t>
             </a:fld>
             <a:endParaRPr lang="en-US"/>
           </a:p>
@@ -11403,7 +11404,7 @@
           <a:p>
             <a:fld id="{5958763E-B898-436D-883D-03711491D54A}" type="datetimeFigureOut">
               <a:rPr lang="en-US" smtClean="0"/>
-              <a:t>4/3/2022</a:t>
+              <a:t>10/24/2022</a:t>
             </a:fld>
             <a:endParaRPr lang="en-US"/>
           </a:p>
@@ -11527,7 +11528,7 @@
           <a:p>
             <a:fld id="{5958763E-B898-436D-883D-03711491D54A}" type="datetimeFigureOut">
               <a:rPr lang="en-US" smtClean="0"/>
-              <a:t>4/3/2022</a:t>
+              <a:t>10/24/2022</a:t>
             </a:fld>
             <a:endParaRPr lang="en-US"/>
           </a:p>
@@ -11651,7 +11652,7 @@
           <a:p>
             <a:fld id="{5958763E-B898-436D-883D-03711491D54A}" type="datetimeFigureOut">
               <a:rPr lang="en-US" smtClean="0"/>
-              <a:t>4/3/2022</a:t>
+              <a:t>10/24/2022</a:t>
             </a:fld>
             <a:endParaRPr lang="en-US"/>
           </a:p>
@@ -11775,7 +11776,7 @@
           <a:p>
             <a:fld id="{5958763E-B898-436D-883D-03711491D54A}" type="datetimeFigureOut">
               <a:rPr lang="en-US" smtClean="0"/>
-              <a:t>4/3/2022</a:t>
+              <a:t>10/24/2022</a:t>
             </a:fld>
             <a:endParaRPr lang="en-US"/>
           </a:p>
@@ -11899,7 +11900,7 @@
           <a:p>
             <a:fld id="{5958763E-B898-436D-883D-03711491D54A}" type="datetimeFigureOut">
               <a:rPr lang="en-US" smtClean="0"/>
-              <a:t>4/3/2022</a:t>
+              <a:t>10/24/2022</a:t>
             </a:fld>
             <a:endParaRPr lang="en-US"/>
           </a:p>
@@ -12023,7 +12024,7 @@
           <a:p>
             <a:fld id="{5958763E-B898-436D-883D-03711491D54A}" type="datetimeFigureOut">
               <a:rPr lang="en-US" smtClean="0"/>
-              <a:t>4/3/2022</a:t>
+              <a:t>10/24/2022</a:t>
             </a:fld>
             <a:endParaRPr lang="en-US"/>
           </a:p>
@@ -12147,7 +12148,7 @@
           <a:p>
             <a:fld id="{5958763E-B898-436D-883D-03711491D54A}" type="datetimeFigureOut">
               <a:rPr lang="en-US" smtClean="0"/>
-              <a:t>4/3/2022</a:t>
+              <a:t>10/24/2022</a:t>
             </a:fld>
             <a:endParaRPr lang="en-US"/>
           </a:p>
@@ -12280,7 +12281,7 @@
           <a:p>
             <a:fld id="{5958763E-B898-436D-883D-03711491D54A}" type="datetimeFigureOut">
               <a:rPr lang="en-US" smtClean="0"/>
-              <a:t>4/3/2022</a:t>
+              <a:t>10/24/2022</a:t>
             </a:fld>
             <a:endParaRPr lang="en-US"/>
           </a:p>
@@ -15619,7 +15620,7 @@
             <a:fld id="{1C2D31DE-C454-491C-B5C3-F097855E3DF7}" type="datetime4">
               <a:rPr lang="en-US" smtClean="0"/>
               <a:pPr/>
-              <a:t>April 3, 2022</a:t>
+              <a:t>October 24, 2022</a:t>
             </a:fld>
             <a:endParaRPr lang="en-US" dirty="0"/>
           </a:p>
@@ -27855,7 +27856,7 @@
           <a:p>
             <a:fld id="{5958763E-B898-436D-883D-03711491D54A}" type="datetimeFigureOut">
               <a:rPr lang="en-US" smtClean="0"/>
-              <a:t>4/3/2022</a:t>
+              <a:t>10/24/2022</a:t>
             </a:fld>
             <a:endParaRPr lang="en-US"/>
           </a:p>
@@ -28257,7 +28258,7 @@
           <a:p>
             <a:fld id="{5958763E-B898-436D-883D-03711491D54A}" type="datetimeFigureOut">
               <a:rPr lang="en-US" smtClean="0"/>
-              <a:t>4/3/2022</a:t>
+              <a:t>10/24/2022</a:t>
             </a:fld>
             <a:endParaRPr lang="en-US"/>
           </a:p>
@@ -28551,7 +28552,7 @@
           <a:p>
             <a:fld id="{5958763E-B898-436D-883D-03711491D54A}" type="datetimeFigureOut">
               <a:rPr lang="en-US" smtClean="0"/>
-              <a:t>4/3/2022</a:t>
+              <a:t>10/24/2022</a:t>
             </a:fld>
             <a:endParaRPr lang="en-US"/>
           </a:p>
@@ -28752,7 +28753,7 @@
           <a:p>
             <a:fld id="{5958763E-B898-436D-883D-03711491D54A}" type="datetimeFigureOut">
               <a:rPr lang="en-US" smtClean="0"/>
-              <a:t>4/3/2022</a:t>
+              <a:t>10/24/2022</a:t>
             </a:fld>
             <a:endParaRPr lang="en-US"/>
           </a:p>
@@ -29013,7 +29014,7 @@
           <a:p>
             <a:fld id="{5958763E-B898-436D-883D-03711491D54A}" type="datetimeFigureOut">
               <a:rPr lang="en-US" smtClean="0"/>
-              <a:t>4/3/2022</a:t>
+              <a:t>10/24/2022</a:t>
             </a:fld>
             <a:endParaRPr lang="en-US"/>
           </a:p>
@@ -29521,7 +29522,7 @@
           <a:p>
             <a:fld id="{5958763E-B898-436D-883D-03711491D54A}" type="datetimeFigureOut">
               <a:rPr lang="en-US" smtClean="0"/>
-              <a:t>4/3/2022</a:t>
+              <a:t>10/24/2022</a:t>
             </a:fld>
             <a:endParaRPr lang="en-US"/>
           </a:p>
@@ -30000,7 +30001,7 @@
           <a:p>
             <a:fld id="{5958763E-B898-436D-883D-03711491D54A}" type="datetimeFigureOut">
               <a:rPr lang="en-US" smtClean="0"/>
-              <a:t>4/3/2022</a:t>
+              <a:t>10/24/2022</a:t>
             </a:fld>
             <a:endParaRPr lang="en-US"/>
           </a:p>
@@ -30819,7 +30820,7 @@
           <a:p>
             <a:fld id="{5958763E-B898-436D-883D-03711491D54A}" type="datetimeFigureOut">
               <a:rPr lang="en-US" smtClean="0"/>
-              <a:t>4/3/2022</a:t>
+              <a:t>10/24/2022</a:t>
             </a:fld>
             <a:endParaRPr lang="en-US"/>
           </a:p>
@@ -31020,7 +31021,7 @@
           <a:p>
             <a:fld id="{5958763E-B898-436D-883D-03711491D54A}" type="datetimeFigureOut">
               <a:rPr lang="en-US" smtClean="0"/>
-              <a:t>4/3/2022</a:t>
+              <a:t>10/24/2022</a:t>
             </a:fld>
             <a:endParaRPr lang="en-US"/>
           </a:p>
@@ -31355,7 +31356,7 @@
           <a:p>
             <a:fld id="{5958763E-B898-436D-883D-03711491D54A}" type="datetimeFigureOut">
               <a:rPr lang="en-US" smtClean="0"/>
-              <a:t>4/3/2022</a:t>
+              <a:t>10/24/2022</a:t>
             </a:fld>
             <a:endParaRPr lang="en-US"/>
           </a:p>
@@ -31585,7 +31586,7 @@
           <a:p>
             <a:fld id="{5958763E-B898-436D-883D-03711491D54A}" type="datetimeFigureOut">
               <a:rPr lang="en-US" smtClean="0"/>
-              <a:t>4/3/2022</a:t>
+              <a:t>10/24/2022</a:t>
             </a:fld>
             <a:endParaRPr lang="en-US"/>
           </a:p>
@@ -31829,7 +31830,7 @@
           <a:p>
             <a:fld id="{5958763E-B898-436D-883D-03711491D54A}" type="datetimeFigureOut">
               <a:rPr lang="en-US" smtClean="0"/>
-              <a:t>4/3/2022</a:t>
+              <a:t>10/24/2022</a:t>
             </a:fld>
             <a:endParaRPr lang="en-US"/>
           </a:p>
@@ -32352,7 +32353,7 @@
           <a:p>
             <a:r>
               <a:rPr lang="en-US" dirty="0"/>
-              <a:t>Review Activity Teams</a:t>
+              <a:t>Review Activity Teams: Virtual</a:t>
             </a:r>
           </a:p>
         </p:txBody>
@@ -32561,7 +32562,7 @@
     </p:spTree>
     <p:extLst>
       <p:ext uri="{BB962C8B-B14F-4D97-AF65-F5344CB8AC3E}">
-        <p14:creationId xmlns:p14="http://schemas.microsoft.com/office/powerpoint/2010/main" val="126340359"/>
+        <p14:creationId xmlns:p14="http://schemas.microsoft.com/office/powerpoint/2010/main" val="550097584"/>
       </p:ext>
     </p:extLst>
   </p:cSld>
@@ -32575,6 +32576,204 @@
 </file>
 
 <file path=ppt/slides/slide10.xml><?xml version="1.0" encoding="utf-8"?>
+<p:sld xmlns:a="http://schemas.openxmlformats.org/drawingml/2006/main" xmlns:r="http://schemas.openxmlformats.org/officeDocument/2006/relationships" xmlns:p="http://schemas.openxmlformats.org/presentationml/2006/main">
+  <p:cSld>
+    <p:spTree>
+      <p:nvGrpSpPr>
+        <p:cNvPr id="1" name=""/>
+        <p:cNvGrpSpPr/>
+        <p:nvPr/>
+      </p:nvGrpSpPr>
+      <p:grpSpPr>
+        <a:xfrm>
+          <a:off x="0" y="0"/>
+          <a:ext cx="0" cy="0"/>
+          <a:chOff x="0" y="0"/>
+          <a:chExt cx="0" cy="0"/>
+        </a:xfrm>
+      </p:grpSpPr>
+      <p:sp>
+        <p:nvSpPr>
+          <p:cNvPr id="2" name="Title 1"/>
+          <p:cNvSpPr>
+            <a:spLocks noGrp="1"/>
+          </p:cNvSpPr>
+          <p:nvPr>
+            <p:ph type="title"/>
+          </p:nvPr>
+        </p:nvSpPr>
+        <p:spPr/>
+        <p:txBody>
+          <a:bodyPr/>
+          <a:lstStyle/>
+          <a:p>
+            <a:r>
+              <a:rPr lang="en-US" dirty="0"/>
+              <a:t>7. Which HTML element connects a CSS stylesheet to an html page?</a:t>
+            </a:r>
+          </a:p>
+        </p:txBody>
+      </p:sp>
+      <p:sp>
+        <p:nvSpPr>
+          <p:cNvPr id="3" name="Content Placeholder 2"/>
+          <p:cNvSpPr>
+            <a:spLocks noGrp="1"/>
+          </p:cNvSpPr>
+          <p:nvPr>
+            <p:ph idx="1"/>
+          </p:nvPr>
+        </p:nvSpPr>
+        <p:spPr/>
+        <p:txBody>
+          <a:bodyPr anchor="ctr">
+            <a:normAutofit/>
+          </a:bodyPr>
+          <a:lstStyle/>
+          <a:p>
+            <a:pPr marL="57150" indent="0" algn="ctr">
+              <a:buNone/>
+            </a:pPr>
+            <a:r>
+              <a:rPr lang="pl-PL" sz="8800" dirty="0">
+                <a:solidFill>
+                  <a:srgbClr val="800000"/>
+                </a:solidFill>
+                <a:latin typeface="Consolas" panose="020B0609020204030204" pitchFamily="49" charset="0"/>
+              </a:rPr>
+              <a:t>&lt;</a:t>
+            </a:r>
+            <a:r>
+              <a:rPr lang="en-US" sz="8800" dirty="0">
+                <a:solidFill>
+                  <a:srgbClr val="800000"/>
+                </a:solidFill>
+                <a:latin typeface="Consolas" panose="020B0609020204030204" pitchFamily="49" charset="0"/>
+              </a:rPr>
+              <a:t>link /&gt;</a:t>
+            </a:r>
+            <a:endParaRPr lang="en-US" sz="8800" dirty="0">
+              <a:solidFill>
+                <a:schemeClr val="accent1">
+                  <a:lumMod val="50000"/>
+                </a:schemeClr>
+              </a:solidFill>
+              <a:latin typeface="Consolas" panose="020B0609020204030204" pitchFamily="49" charset="0"/>
+            </a:endParaRPr>
+          </a:p>
+        </p:txBody>
+      </p:sp>
+    </p:spTree>
+    <p:extLst>
+      <p:ext uri="{BB962C8B-B14F-4D97-AF65-F5344CB8AC3E}">
+        <p14:creationId xmlns:p14="http://schemas.microsoft.com/office/powerpoint/2010/main" val="2013883105"/>
+      </p:ext>
+    </p:extLst>
+  </p:cSld>
+  <p:clrMapOvr>
+    <a:masterClrMapping/>
+  </p:clrMapOvr>
+  <p:transition>
+    <p:fade/>
+  </p:transition>
+  <p:timing>
+    <p:tnLst>
+      <p:par>
+        <p:cTn id="1" dur="indefinite" restart="never" nodeType="tmRoot">
+          <p:childTnLst>
+            <p:seq concurrent="1" nextAc="seek">
+              <p:cTn id="2" dur="indefinite" nodeType="mainSeq">
+                <p:childTnLst>
+                  <p:par>
+                    <p:cTn id="3" fill="hold">
+                      <p:stCondLst>
+                        <p:cond delay="indefinite"/>
+                      </p:stCondLst>
+                      <p:childTnLst>
+                        <p:par>
+                          <p:cTn id="4" fill="hold">
+                            <p:stCondLst>
+                              <p:cond delay="0"/>
+                            </p:stCondLst>
+                            <p:childTnLst>
+                              <p:par>
+                                <p:cTn id="5" presetID="10" presetClass="entr" presetSubtype="0" fill="hold" grpId="0" nodeType="clickEffect">
+                                  <p:stCondLst>
+                                    <p:cond delay="0"/>
+                                  </p:stCondLst>
+                                  <p:childTnLst>
+                                    <p:set>
+                                      <p:cBhvr>
+                                        <p:cTn id="6" dur="1" fill="hold">
+                                          <p:stCondLst>
+                                            <p:cond delay="0"/>
+                                          </p:stCondLst>
+                                        </p:cTn>
+                                        <p:tgtEl>
+                                          <p:spTgt spid="3">
+                                            <p:txEl>
+                                              <p:pRg st="0" end="0"/>
+                                            </p:txEl>
+                                          </p:spTgt>
+                                        </p:tgtEl>
+                                        <p:attrNameLst>
+                                          <p:attrName>style.visibility</p:attrName>
+                                        </p:attrNameLst>
+                                      </p:cBhvr>
+                                      <p:to>
+                                        <p:strVal val="visible"/>
+                                      </p:to>
+                                    </p:set>
+                                    <p:animEffect transition="in" filter="fade">
+                                      <p:cBhvr>
+                                        <p:cTn id="7" dur="500"/>
+                                        <p:tgtEl>
+                                          <p:spTgt spid="3">
+                                            <p:txEl>
+                                              <p:pRg st="0" end="0"/>
+                                            </p:txEl>
+                                          </p:spTgt>
+                                        </p:tgtEl>
+                                      </p:cBhvr>
+                                    </p:animEffect>
+                                  </p:childTnLst>
+                                </p:cTn>
+                              </p:par>
+                            </p:childTnLst>
+                          </p:cTn>
+                        </p:par>
+                      </p:childTnLst>
+                    </p:cTn>
+                  </p:par>
+                </p:childTnLst>
+              </p:cTn>
+              <p:prevCondLst>
+                <p:cond evt="onPrev" delay="0">
+                  <p:tgtEl>
+                    <p:sldTgt/>
+                  </p:tgtEl>
+                </p:cond>
+              </p:prevCondLst>
+              <p:nextCondLst>
+                <p:cond evt="onNext" delay="0">
+                  <p:tgtEl>
+                    <p:sldTgt/>
+                  </p:tgtEl>
+                </p:cond>
+              </p:nextCondLst>
+            </p:seq>
+          </p:childTnLst>
+        </p:cTn>
+      </p:par>
+    </p:tnLst>
+    <p:bldLst>
+      <p:bldP spid="3" grpId="0" build="p"/>
+    </p:bldLst>
+  </p:timing>
+</p:sld>
+</file>
+
+<file path=ppt/slides/slide11.xml><?xml version="1.0" encoding="utf-8"?>
 <p:sld xmlns:a="http://schemas.openxmlformats.org/drawingml/2006/main" xmlns:r="http://schemas.openxmlformats.org/officeDocument/2006/relationships" xmlns:p="http://schemas.openxmlformats.org/presentationml/2006/main">
   <p:cSld>
     <p:spTree>
@@ -32762,7 +32961,7 @@
 </p:sld>
 </file>
 
-<file path=ppt/slides/slide11.xml><?xml version="1.0" encoding="utf-8"?>
+<file path=ppt/slides/slide12.xml><?xml version="1.0" encoding="utf-8"?>
 <p:sld xmlns:a="http://schemas.openxmlformats.org/drawingml/2006/main" xmlns:r="http://schemas.openxmlformats.org/officeDocument/2006/relationships" xmlns:p="http://schemas.openxmlformats.org/presentationml/2006/main">
   <p:cSld>
     <p:spTree>
@@ -33160,7 +33359,7 @@
 </p:sld>
 </file>
 
-<file path=ppt/slides/slide12.xml><?xml version="1.0" encoding="utf-8"?>
+<file path=ppt/slides/slide13.xml><?xml version="1.0" encoding="utf-8"?>
 <p:sld xmlns:a="http://schemas.openxmlformats.org/drawingml/2006/main" xmlns:r="http://schemas.openxmlformats.org/officeDocument/2006/relationships" xmlns:p="http://schemas.openxmlformats.org/presentationml/2006/main">
   <p:cSld>
     <p:spTree>
@@ -33500,7 +33699,7 @@
 </p:sld>
 </file>
 
-<file path=ppt/slides/slide13.xml><?xml version="1.0" encoding="utf-8"?>
+<file path=ppt/slides/slide14.xml><?xml version="1.0" encoding="utf-8"?>
 <p:sld xmlns:a="http://schemas.openxmlformats.org/drawingml/2006/main" xmlns:r="http://schemas.openxmlformats.org/officeDocument/2006/relationships" xmlns:p="http://schemas.openxmlformats.org/presentationml/2006/main">
   <p:cSld>
     <p:spTree>
@@ -33807,7 +34006,7 @@
 </p:sld>
 </file>
 
-<file path=ppt/slides/slide14.xml><?xml version="1.0" encoding="utf-8"?>
+<file path=ppt/slides/slide15.xml><?xml version="1.0" encoding="utf-8"?>
 <p:sld xmlns:a="http://schemas.openxmlformats.org/drawingml/2006/main" xmlns:r="http://schemas.openxmlformats.org/officeDocument/2006/relationships" xmlns:p="http://schemas.openxmlformats.org/presentationml/2006/main">
   <p:cSld>
     <p:spTree>
@@ -33985,7 +34184,7 @@
 </p:sld>
 </file>
 
-<file path=ppt/slides/slide15.xml><?xml version="1.0" encoding="utf-8"?>
+<file path=ppt/slides/slide16.xml><?xml version="1.0" encoding="utf-8"?>
 <p:sld xmlns:a="http://schemas.openxmlformats.org/drawingml/2006/main" xmlns:r="http://schemas.openxmlformats.org/officeDocument/2006/relationships" xmlns:p="http://schemas.openxmlformats.org/presentationml/2006/main">
   <p:cSld>
     <p:spTree>
@@ -34197,6 +34396,262 @@
 </file>
 
 <file path=ppt/slides/slide2.xml><?xml version="1.0" encoding="utf-8"?>
+<p:sld xmlns:a="http://schemas.openxmlformats.org/drawingml/2006/main" xmlns:r="http://schemas.openxmlformats.org/officeDocument/2006/relationships" xmlns:p="http://schemas.openxmlformats.org/presentationml/2006/main">
+  <p:cSld>
+    <p:spTree>
+      <p:nvGrpSpPr>
+        <p:cNvPr id="1" name=""/>
+        <p:cNvGrpSpPr/>
+        <p:nvPr/>
+      </p:nvGrpSpPr>
+      <p:grpSpPr>
+        <a:xfrm>
+          <a:off x="0" y="0"/>
+          <a:ext cx="0" cy="0"/>
+          <a:chOff x="0" y="0"/>
+          <a:chExt cx="0" cy="0"/>
+        </a:xfrm>
+      </p:grpSpPr>
+      <p:sp>
+        <p:nvSpPr>
+          <p:cNvPr id="2" name="Title 1"/>
+          <p:cNvSpPr>
+            <a:spLocks noGrp="1"/>
+          </p:cNvSpPr>
+          <p:nvPr>
+            <p:ph type="title"/>
+          </p:nvPr>
+        </p:nvSpPr>
+        <p:spPr/>
+        <p:txBody>
+          <a:bodyPr/>
+          <a:lstStyle/>
+          <a:p>
+            <a:r>
+              <a:rPr lang="en-US" dirty="0"/>
+              <a:t>Review Activity Teams: In-Person</a:t>
+            </a:r>
+          </a:p>
+        </p:txBody>
+      </p:sp>
+      <p:sp>
+        <p:nvSpPr>
+          <p:cNvPr id="3" name="Content Placeholder 2"/>
+          <p:cNvSpPr>
+            <a:spLocks noGrp="1"/>
+          </p:cNvSpPr>
+          <p:nvPr>
+            <p:ph sz="half" idx="1"/>
+          </p:nvPr>
+        </p:nvSpPr>
+        <p:spPr>
+          <a:ln>
+            <a:solidFill>
+              <a:schemeClr val="tx2"/>
+            </a:solidFill>
+          </a:ln>
+        </p:spPr>
+        <p:txBody>
+          <a:bodyPr/>
+          <a:lstStyle/>
+          <a:p>
+            <a:pPr marL="57150" indent="0" algn="ctr">
+              <a:buNone/>
+            </a:pPr>
+            <a:r>
+              <a:rPr lang="en-US" b="1" u="sng" dirty="0"/>
+              <a:t>Team 4</a:t>
+            </a:r>
+          </a:p>
+          <a:p>
+            <a:r>
+              <a:rPr lang="en-US" sz="2800" dirty="0">
+                <a:hlinkClick r:id="rId2"/>
+              </a:rPr>
+              <a:t>https://replit.com/join/nnzfyknlpr-hylandoutreach</a:t>
+            </a:r>
+            <a:endParaRPr lang="en-US" dirty="0"/>
+          </a:p>
+          <a:p>
+            <a:r>
+              <a:rPr lang="en-US" dirty="0"/>
+              <a:t>Student1</a:t>
+            </a:r>
+          </a:p>
+          <a:p>
+            <a:r>
+              <a:rPr lang="en-US" dirty="0"/>
+              <a:t>Student2</a:t>
+            </a:r>
+          </a:p>
+          <a:p>
+            <a:r>
+              <a:rPr lang="en-US" dirty="0"/>
+              <a:t>Student3</a:t>
+            </a:r>
+          </a:p>
+          <a:p>
+            <a:r>
+              <a:rPr lang="en-US" dirty="0"/>
+              <a:t>Student4</a:t>
+            </a:r>
+          </a:p>
+          <a:p>
+            <a:endParaRPr lang="en-US" dirty="0"/>
+          </a:p>
+        </p:txBody>
+      </p:sp>
+      <p:sp>
+        <p:nvSpPr>
+          <p:cNvPr id="4" name="Content Placeholder 3"/>
+          <p:cNvSpPr>
+            <a:spLocks noGrp="1"/>
+          </p:cNvSpPr>
+          <p:nvPr>
+            <p:ph sz="half" idx="2"/>
+          </p:nvPr>
+        </p:nvSpPr>
+        <p:spPr>
+          <a:ln>
+            <a:solidFill>
+              <a:schemeClr val="tx2"/>
+            </a:solidFill>
+          </a:ln>
+        </p:spPr>
+        <p:txBody>
+          <a:bodyPr/>
+          <a:lstStyle/>
+          <a:p>
+            <a:pPr marL="57150" indent="0" algn="ctr">
+              <a:buNone/>
+            </a:pPr>
+            <a:r>
+              <a:rPr lang="en-US" b="1" u="sng" dirty="0"/>
+              <a:t>Team 5</a:t>
+            </a:r>
+          </a:p>
+          <a:p>
+            <a:r>
+              <a:rPr lang="en-US" sz="2800" dirty="0">
+                <a:hlinkClick r:id="rId3"/>
+              </a:rPr>
+              <a:t>https://replit.com/join/khkvjwamfu-hylandoutreach</a:t>
+            </a:r>
+            <a:endParaRPr lang="en-US" sz="2800" dirty="0"/>
+          </a:p>
+          <a:p>
+            <a:r>
+              <a:rPr lang="en-US" dirty="0"/>
+              <a:t>Student1</a:t>
+            </a:r>
+          </a:p>
+          <a:p>
+            <a:r>
+              <a:rPr lang="en-US" dirty="0"/>
+              <a:t>Student2</a:t>
+            </a:r>
+          </a:p>
+          <a:p>
+            <a:r>
+              <a:rPr lang="en-US" dirty="0"/>
+              <a:t>Student3</a:t>
+            </a:r>
+          </a:p>
+          <a:p>
+            <a:r>
+              <a:rPr lang="en-US" dirty="0"/>
+              <a:t>Student4</a:t>
+            </a:r>
+          </a:p>
+          <a:p>
+            <a:endParaRPr lang="en-US" dirty="0"/>
+          </a:p>
+          <a:p>
+            <a:endParaRPr lang="en-US" dirty="0"/>
+          </a:p>
+        </p:txBody>
+      </p:sp>
+      <p:sp>
+        <p:nvSpPr>
+          <p:cNvPr id="5" name="Content Placeholder 4"/>
+          <p:cNvSpPr>
+            <a:spLocks noGrp="1"/>
+          </p:cNvSpPr>
+          <p:nvPr>
+            <p:ph sz="half" idx="10"/>
+          </p:nvPr>
+        </p:nvSpPr>
+        <p:spPr>
+          <a:ln>
+            <a:solidFill>
+              <a:schemeClr val="tx1"/>
+            </a:solidFill>
+          </a:ln>
+        </p:spPr>
+        <p:txBody>
+          <a:bodyPr/>
+          <a:lstStyle/>
+          <a:p>
+            <a:pPr marL="57150" indent="0" algn="ctr">
+              <a:buNone/>
+            </a:pPr>
+            <a:r>
+              <a:rPr lang="en-US" b="1" u="sng" dirty="0"/>
+              <a:t>Team 6</a:t>
+            </a:r>
+          </a:p>
+          <a:p>
+            <a:r>
+              <a:rPr lang="en-US" sz="2800" dirty="0">
+                <a:hlinkClick r:id="rId4"/>
+              </a:rPr>
+              <a:t>https://replit.com/join/qaejbnplzy-hylandoutreach</a:t>
+            </a:r>
+            <a:endParaRPr lang="en-US" sz="2800" dirty="0"/>
+          </a:p>
+          <a:p>
+            <a:r>
+              <a:rPr lang="en-US" dirty="0"/>
+              <a:t>Student1</a:t>
+            </a:r>
+          </a:p>
+          <a:p>
+            <a:r>
+              <a:rPr lang="en-US" dirty="0"/>
+              <a:t>Student2</a:t>
+            </a:r>
+          </a:p>
+          <a:p>
+            <a:r>
+              <a:rPr lang="en-US" dirty="0"/>
+              <a:t>Student3</a:t>
+            </a:r>
+          </a:p>
+          <a:p>
+            <a:r>
+              <a:rPr lang="en-US" dirty="0"/>
+              <a:t>Student4</a:t>
+            </a:r>
+          </a:p>
+        </p:txBody>
+      </p:sp>
+    </p:spTree>
+    <p:extLst>
+      <p:ext uri="{BB962C8B-B14F-4D97-AF65-F5344CB8AC3E}">
+        <p14:creationId xmlns:p14="http://schemas.microsoft.com/office/powerpoint/2010/main" val="126340359"/>
+      </p:ext>
+    </p:extLst>
+  </p:cSld>
+  <p:clrMapOvr>
+    <a:masterClrMapping/>
+  </p:clrMapOvr>
+  <p:transition>
+    <p:fade/>
+  </p:transition>
+</p:sld>
+</file>
+
+<file path=ppt/slides/slide3.xml><?xml version="1.0" encoding="utf-8"?>
 <p:sld xmlns:a="http://schemas.openxmlformats.org/drawingml/2006/main" xmlns:r="http://schemas.openxmlformats.org/officeDocument/2006/relationships" xmlns:p="http://schemas.openxmlformats.org/presentationml/2006/main">
   <p:cSld>
     <p:spTree>
@@ -37253,7 +37708,7 @@
 </p:sld>
 </file>
 
-<file path=ppt/slides/slide3.xml><?xml version="1.0" encoding="utf-8"?>
+<file path=ppt/slides/slide4.xml><?xml version="1.0" encoding="utf-8"?>
 <p:sld xmlns:a="http://schemas.openxmlformats.org/drawingml/2006/main" xmlns:r="http://schemas.openxmlformats.org/officeDocument/2006/relationships" xmlns:p="http://schemas.openxmlformats.org/presentationml/2006/main">
   <p:cSld>
     <p:spTree>
@@ -37451,7 +37906,7 @@
 </p:sld>
 </file>
 
-<file path=ppt/slides/slide4.xml><?xml version="1.0" encoding="utf-8"?>
+<file path=ppt/slides/slide5.xml><?xml version="1.0" encoding="utf-8"?>
 <p:sld xmlns:a="http://schemas.openxmlformats.org/drawingml/2006/main" xmlns:r="http://schemas.openxmlformats.org/officeDocument/2006/relationships" xmlns:p="http://schemas.openxmlformats.org/presentationml/2006/main">
   <p:cSld>
     <p:spTree>
@@ -37649,7 +38104,7 @@
 </p:sld>
 </file>
 
-<file path=ppt/slides/slide5.xml><?xml version="1.0" encoding="utf-8"?>
+<file path=ppt/slides/slide6.xml><?xml version="1.0" encoding="utf-8"?>
 <p:sld xmlns:a="http://schemas.openxmlformats.org/drawingml/2006/main" xmlns:r="http://schemas.openxmlformats.org/officeDocument/2006/relationships" xmlns:p="http://schemas.openxmlformats.org/presentationml/2006/main">
   <p:cSld>
     <p:spTree>
@@ -37900,7 +38355,7 @@
 </p:sld>
 </file>
 
-<file path=ppt/slides/slide6.xml><?xml version="1.0" encoding="utf-8"?>
+<file path=ppt/slides/slide7.xml><?xml version="1.0" encoding="utf-8"?>
 <p:sld xmlns:a="http://schemas.openxmlformats.org/drawingml/2006/main" xmlns:r="http://schemas.openxmlformats.org/officeDocument/2006/relationships" xmlns:p="http://schemas.openxmlformats.org/presentationml/2006/main">
   <p:cSld>
     <p:spTree>
@@ -38479,7 +38934,7 @@
 </p:sld>
 </file>
 
-<file path=ppt/slides/slide7.xml><?xml version="1.0" encoding="utf-8"?>
+<file path=ppt/slides/slide8.xml><?xml version="1.0" encoding="utf-8"?>
 <p:sld xmlns:a="http://schemas.openxmlformats.org/drawingml/2006/main" xmlns:r="http://schemas.openxmlformats.org/officeDocument/2006/relationships" xmlns:p="http://schemas.openxmlformats.org/presentationml/2006/main">
   <p:cSld>
     <p:spTree>
@@ -39000,7 +39455,7 @@
 </p:sld>
 </file>
 
-<file path=ppt/slides/slide8.xml><?xml version="1.0" encoding="utf-8"?>
+<file path=ppt/slides/slide9.xml><?xml version="1.0" encoding="utf-8"?>
 <p:sld xmlns:a="http://schemas.openxmlformats.org/drawingml/2006/main" xmlns:r="http://schemas.openxmlformats.org/officeDocument/2006/relationships" xmlns:p="http://schemas.openxmlformats.org/presentationml/2006/main">
   <p:cSld>
     <p:spTree>
@@ -39096,204 +39551,6 @@
     <p:extLst>
       <p:ext uri="{BB962C8B-B14F-4D97-AF65-F5344CB8AC3E}">
         <p14:creationId xmlns:p14="http://schemas.microsoft.com/office/powerpoint/2010/main" val="1480472296"/>
-      </p:ext>
-    </p:extLst>
-  </p:cSld>
-  <p:clrMapOvr>
-    <a:masterClrMapping/>
-  </p:clrMapOvr>
-  <p:transition>
-    <p:fade/>
-  </p:transition>
-  <p:timing>
-    <p:tnLst>
-      <p:par>
-        <p:cTn id="1" dur="indefinite" restart="never" nodeType="tmRoot">
-          <p:childTnLst>
-            <p:seq concurrent="1" nextAc="seek">
-              <p:cTn id="2" dur="indefinite" nodeType="mainSeq">
-                <p:childTnLst>
-                  <p:par>
-                    <p:cTn id="3" fill="hold">
-                      <p:stCondLst>
-                        <p:cond delay="indefinite"/>
-                      </p:stCondLst>
-                      <p:childTnLst>
-                        <p:par>
-                          <p:cTn id="4" fill="hold">
-                            <p:stCondLst>
-                              <p:cond delay="0"/>
-                            </p:stCondLst>
-                            <p:childTnLst>
-                              <p:par>
-                                <p:cTn id="5" presetID="10" presetClass="entr" presetSubtype="0" fill="hold" grpId="0" nodeType="clickEffect">
-                                  <p:stCondLst>
-                                    <p:cond delay="0"/>
-                                  </p:stCondLst>
-                                  <p:childTnLst>
-                                    <p:set>
-                                      <p:cBhvr>
-                                        <p:cTn id="6" dur="1" fill="hold">
-                                          <p:stCondLst>
-                                            <p:cond delay="0"/>
-                                          </p:stCondLst>
-                                        </p:cTn>
-                                        <p:tgtEl>
-                                          <p:spTgt spid="3">
-                                            <p:txEl>
-                                              <p:pRg st="0" end="0"/>
-                                            </p:txEl>
-                                          </p:spTgt>
-                                        </p:tgtEl>
-                                        <p:attrNameLst>
-                                          <p:attrName>style.visibility</p:attrName>
-                                        </p:attrNameLst>
-                                      </p:cBhvr>
-                                      <p:to>
-                                        <p:strVal val="visible"/>
-                                      </p:to>
-                                    </p:set>
-                                    <p:animEffect transition="in" filter="fade">
-                                      <p:cBhvr>
-                                        <p:cTn id="7" dur="500"/>
-                                        <p:tgtEl>
-                                          <p:spTgt spid="3">
-                                            <p:txEl>
-                                              <p:pRg st="0" end="0"/>
-                                            </p:txEl>
-                                          </p:spTgt>
-                                        </p:tgtEl>
-                                      </p:cBhvr>
-                                    </p:animEffect>
-                                  </p:childTnLst>
-                                </p:cTn>
-                              </p:par>
-                            </p:childTnLst>
-                          </p:cTn>
-                        </p:par>
-                      </p:childTnLst>
-                    </p:cTn>
-                  </p:par>
-                </p:childTnLst>
-              </p:cTn>
-              <p:prevCondLst>
-                <p:cond evt="onPrev" delay="0">
-                  <p:tgtEl>
-                    <p:sldTgt/>
-                  </p:tgtEl>
-                </p:cond>
-              </p:prevCondLst>
-              <p:nextCondLst>
-                <p:cond evt="onNext" delay="0">
-                  <p:tgtEl>
-                    <p:sldTgt/>
-                  </p:tgtEl>
-                </p:cond>
-              </p:nextCondLst>
-            </p:seq>
-          </p:childTnLst>
-        </p:cTn>
-      </p:par>
-    </p:tnLst>
-    <p:bldLst>
-      <p:bldP spid="3" grpId="0" build="p"/>
-    </p:bldLst>
-  </p:timing>
-</p:sld>
-</file>
-
-<file path=ppt/slides/slide9.xml><?xml version="1.0" encoding="utf-8"?>
-<p:sld xmlns:a="http://schemas.openxmlformats.org/drawingml/2006/main" xmlns:r="http://schemas.openxmlformats.org/officeDocument/2006/relationships" xmlns:p="http://schemas.openxmlformats.org/presentationml/2006/main">
-  <p:cSld>
-    <p:spTree>
-      <p:nvGrpSpPr>
-        <p:cNvPr id="1" name=""/>
-        <p:cNvGrpSpPr/>
-        <p:nvPr/>
-      </p:nvGrpSpPr>
-      <p:grpSpPr>
-        <a:xfrm>
-          <a:off x="0" y="0"/>
-          <a:ext cx="0" cy="0"/>
-          <a:chOff x="0" y="0"/>
-          <a:chExt cx="0" cy="0"/>
-        </a:xfrm>
-      </p:grpSpPr>
-      <p:sp>
-        <p:nvSpPr>
-          <p:cNvPr id="2" name="Title 1"/>
-          <p:cNvSpPr>
-            <a:spLocks noGrp="1"/>
-          </p:cNvSpPr>
-          <p:nvPr>
-            <p:ph type="title"/>
-          </p:nvPr>
-        </p:nvSpPr>
-        <p:spPr/>
-        <p:txBody>
-          <a:bodyPr/>
-          <a:lstStyle/>
-          <a:p>
-            <a:r>
-              <a:rPr lang="en-US" dirty="0"/>
-              <a:t>7. Which HTML element connects a CSS stylesheet to an html page?</a:t>
-            </a:r>
-          </a:p>
-        </p:txBody>
-      </p:sp>
-      <p:sp>
-        <p:nvSpPr>
-          <p:cNvPr id="3" name="Content Placeholder 2"/>
-          <p:cNvSpPr>
-            <a:spLocks noGrp="1"/>
-          </p:cNvSpPr>
-          <p:nvPr>
-            <p:ph idx="1"/>
-          </p:nvPr>
-        </p:nvSpPr>
-        <p:spPr/>
-        <p:txBody>
-          <a:bodyPr anchor="ctr">
-            <a:normAutofit/>
-          </a:bodyPr>
-          <a:lstStyle/>
-          <a:p>
-            <a:pPr marL="57150" indent="0" algn="ctr">
-              <a:buNone/>
-            </a:pPr>
-            <a:r>
-              <a:rPr lang="pl-PL" sz="8800" dirty="0">
-                <a:solidFill>
-                  <a:srgbClr val="800000"/>
-                </a:solidFill>
-                <a:latin typeface="Consolas" panose="020B0609020204030204" pitchFamily="49" charset="0"/>
-              </a:rPr>
-              <a:t>&lt;</a:t>
-            </a:r>
-            <a:r>
-              <a:rPr lang="en-US" sz="8800" dirty="0">
-                <a:solidFill>
-                  <a:srgbClr val="800000"/>
-                </a:solidFill>
-                <a:latin typeface="Consolas" panose="020B0609020204030204" pitchFamily="49" charset="0"/>
-              </a:rPr>
-              <a:t>link /&gt;</a:t>
-            </a:r>
-            <a:endParaRPr lang="en-US" sz="8800" dirty="0">
-              <a:solidFill>
-                <a:schemeClr val="accent1">
-                  <a:lumMod val="50000"/>
-                </a:schemeClr>
-              </a:solidFill>
-              <a:latin typeface="Consolas" panose="020B0609020204030204" pitchFamily="49" charset="0"/>
-            </a:endParaRPr>
-          </a:p>
-        </p:txBody>
-      </p:sp>
-    </p:spTree>
-    <p:extLst>
-      <p:ext uri="{BB962C8B-B14F-4D97-AF65-F5344CB8AC3E}">
-        <p14:creationId xmlns:p14="http://schemas.microsoft.com/office/powerpoint/2010/main" val="2013883105"/>
       </p:ext>
     </p:extLst>
   </p:cSld>

--- a/Week06/HtmlCssReviewActivity.pptx
+++ b/Week06/HtmlCssReviewActivity.pptx
@@ -5,25 +5,24 @@
     <p:sldMasterId id="2147483648" r:id="rId1"/>
   </p:sldMasterIdLst>
   <p:notesMasterIdLst>
-    <p:notesMasterId r:id="rId18"/>
+    <p:notesMasterId r:id="rId17"/>
   </p:notesMasterIdLst>
   <p:sldIdLst>
     <p:sldId id="273" r:id="rId2"/>
-    <p:sldId id="272" r:id="rId3"/>
-    <p:sldId id="258" r:id="rId4"/>
-    <p:sldId id="259" r:id="rId5"/>
-    <p:sldId id="260" r:id="rId6"/>
-    <p:sldId id="261" r:id="rId7"/>
-    <p:sldId id="262" r:id="rId8"/>
-    <p:sldId id="263" r:id="rId9"/>
-    <p:sldId id="264" r:id="rId10"/>
-    <p:sldId id="265" r:id="rId11"/>
-    <p:sldId id="266" r:id="rId12"/>
-    <p:sldId id="267" r:id="rId13"/>
-    <p:sldId id="268" r:id="rId14"/>
-    <p:sldId id="269" r:id="rId15"/>
-    <p:sldId id="271" r:id="rId16"/>
-    <p:sldId id="270" r:id="rId17"/>
+    <p:sldId id="258" r:id="rId3"/>
+    <p:sldId id="259" r:id="rId4"/>
+    <p:sldId id="260" r:id="rId5"/>
+    <p:sldId id="261" r:id="rId6"/>
+    <p:sldId id="262" r:id="rId7"/>
+    <p:sldId id="263" r:id="rId8"/>
+    <p:sldId id="264" r:id="rId9"/>
+    <p:sldId id="265" r:id="rId10"/>
+    <p:sldId id="266" r:id="rId11"/>
+    <p:sldId id="267" r:id="rId12"/>
+    <p:sldId id="268" r:id="rId13"/>
+    <p:sldId id="269" r:id="rId14"/>
+    <p:sldId id="271" r:id="rId15"/>
+    <p:sldId id="270" r:id="rId16"/>
   </p:sldIdLst>
   <p:sldSz cx="12192000" cy="6858000"/>
   <p:notesSz cx="6858000" cy="9144000"/>
@@ -223,7 +222,7 @@
           <a:p>
             <a:fld id="{19104133-B5B0-4351-8158-4F0E5EB1E2BF}" type="datetimeFigureOut">
               <a:rPr lang="en-US" smtClean="0"/>
-              <a:t>10/24/2022</a:t>
+              <a:t>2/3/2023</a:t>
             </a:fld>
             <a:endParaRPr lang="en-US"/>
           </a:p>
@@ -563,7 +562,7 @@
           <a:p>
             <a:fld id="{DEC8F7F9-57EC-49CF-9FCD-2B781E4B449F}" type="slidenum">
               <a:rPr lang="en-US" smtClean="0"/>
-              <a:t>3</a:t>
+              <a:t>2</a:t>
             </a:fld>
             <a:endParaRPr lang="en-US"/>
           </a:p>
@@ -764,7 +763,7 @@
             <a:fld id="{1C2D31DE-C454-491C-B5C3-F097855E3DF7}" type="datetime4">
               <a:rPr lang="en-US" smtClean="0"/>
               <a:pPr/>
-              <a:t>October 24, 2022</a:t>
+              <a:t>February 3, 2023</a:t>
             </a:fld>
             <a:endParaRPr lang="en-US" dirty="0"/>
           </a:p>
@@ -4156,7 +4155,7 @@
           <a:p>
             <a:fld id="{5958763E-B898-436D-883D-03711491D54A}" type="datetimeFigureOut">
               <a:rPr lang="en-US" smtClean="0"/>
-              <a:t>10/24/2022</a:t>
+              <a:t>2/3/2023</a:t>
             </a:fld>
             <a:endParaRPr lang="en-US"/>
           </a:p>
@@ -4349,7 +4348,7 @@
           <a:p>
             <a:fld id="{5958763E-B898-436D-883D-03711491D54A}" type="datetimeFigureOut">
               <a:rPr lang="en-US" smtClean="0"/>
-              <a:t>10/24/2022</a:t>
+              <a:t>2/3/2023</a:t>
             </a:fld>
             <a:endParaRPr lang="en-US"/>
           </a:p>
@@ -4599,7 +4598,7 @@
           <a:p>
             <a:fld id="{5958763E-B898-436D-883D-03711491D54A}" type="datetimeFigureOut">
               <a:rPr lang="en-US" smtClean="0"/>
-              <a:t>10/24/2022</a:t>
+              <a:t>2/3/2023</a:t>
             </a:fld>
             <a:endParaRPr lang="en-US"/>
           </a:p>
@@ -4947,7 +4946,7 @@
           <a:p>
             <a:fld id="{5958763E-B898-436D-883D-03711491D54A}" type="datetimeFigureOut">
               <a:rPr lang="en-US" smtClean="0"/>
-              <a:t>10/24/2022</a:t>
+              <a:t>2/3/2023</a:t>
             </a:fld>
             <a:endParaRPr lang="en-US"/>
           </a:p>
@@ -5363,7 +5362,7 @@
           <a:p>
             <a:fld id="{5958763E-B898-436D-883D-03711491D54A}" type="datetimeFigureOut">
               <a:rPr lang="en-US" smtClean="0"/>
-              <a:t>10/24/2022</a:t>
+              <a:t>2/3/2023</a:t>
             </a:fld>
             <a:endParaRPr lang="en-US"/>
           </a:p>
@@ -5864,7 +5863,7 @@
           <a:p>
             <a:fld id="{5958763E-B898-436D-883D-03711491D54A}" type="datetimeFigureOut">
               <a:rPr lang="en-US" smtClean="0"/>
-              <a:t>10/24/2022</a:t>
+              <a:t>2/3/2023</a:t>
             </a:fld>
             <a:endParaRPr lang="en-US"/>
           </a:p>
@@ -6315,7 +6314,7 @@
           <a:p>
             <a:fld id="{5958763E-B898-436D-883D-03711491D54A}" type="datetimeFigureOut">
               <a:rPr lang="en-US" smtClean="0"/>
-              <a:t>10/24/2022</a:t>
+              <a:t>2/3/2023</a:t>
             </a:fld>
             <a:endParaRPr lang="en-US"/>
           </a:p>
@@ -6926,7 +6925,7 @@
           <a:p>
             <a:fld id="{5958763E-B898-436D-883D-03711491D54A}" type="datetimeFigureOut">
               <a:rPr lang="en-US" smtClean="0"/>
-              <a:t>10/24/2022</a:t>
+              <a:t>2/3/2023</a:t>
             </a:fld>
             <a:endParaRPr lang="en-US"/>
           </a:p>
@@ -7697,7 +7696,7 @@
           <a:p>
             <a:fld id="{5958763E-B898-436D-883D-03711491D54A}" type="datetimeFigureOut">
               <a:rPr lang="en-US" smtClean="0"/>
-              <a:t>10/24/2022</a:t>
+              <a:t>2/3/2023</a:t>
             </a:fld>
             <a:endParaRPr lang="en-US"/>
           </a:p>
@@ -7801,7 +7800,7 @@
           <a:p>
             <a:fld id="{5958763E-B898-436D-883D-03711491D54A}" type="datetimeFigureOut">
               <a:rPr lang="en-US" smtClean="0"/>
-              <a:t>10/24/2022</a:t>
+              <a:t>2/3/2023</a:t>
             </a:fld>
             <a:endParaRPr lang="en-US"/>
           </a:p>
@@ -8128,7 +8127,7 @@
             <a:fld id="{1C2D31DE-C454-491C-B5C3-F097855E3DF7}" type="datetime4">
               <a:rPr lang="en-US" smtClean="0"/>
               <a:pPr/>
-              <a:t>October 24, 2022</a:t>
+              <a:t>February 3, 2023</a:t>
             </a:fld>
             <a:endParaRPr lang="en-US" dirty="0"/>
           </a:p>
@@ -11280,7 +11279,7 @@
           <a:p>
             <a:fld id="{5958763E-B898-436D-883D-03711491D54A}" type="datetimeFigureOut">
               <a:rPr lang="en-US" smtClean="0"/>
-              <a:t>10/24/2022</a:t>
+              <a:t>2/3/2023</a:t>
             </a:fld>
             <a:endParaRPr lang="en-US"/>
           </a:p>
@@ -11404,7 +11403,7 @@
           <a:p>
             <a:fld id="{5958763E-B898-436D-883D-03711491D54A}" type="datetimeFigureOut">
               <a:rPr lang="en-US" smtClean="0"/>
-              <a:t>10/24/2022</a:t>
+              <a:t>2/3/2023</a:t>
             </a:fld>
             <a:endParaRPr lang="en-US"/>
           </a:p>
@@ -11528,7 +11527,7 @@
           <a:p>
             <a:fld id="{5958763E-B898-436D-883D-03711491D54A}" type="datetimeFigureOut">
               <a:rPr lang="en-US" smtClean="0"/>
-              <a:t>10/24/2022</a:t>
+              <a:t>2/3/2023</a:t>
             </a:fld>
             <a:endParaRPr lang="en-US"/>
           </a:p>
@@ -11652,7 +11651,7 @@
           <a:p>
             <a:fld id="{5958763E-B898-436D-883D-03711491D54A}" type="datetimeFigureOut">
               <a:rPr lang="en-US" smtClean="0"/>
-              <a:t>10/24/2022</a:t>
+              <a:t>2/3/2023</a:t>
             </a:fld>
             <a:endParaRPr lang="en-US"/>
           </a:p>
@@ -11776,7 +11775,7 @@
           <a:p>
             <a:fld id="{5958763E-B898-436D-883D-03711491D54A}" type="datetimeFigureOut">
               <a:rPr lang="en-US" smtClean="0"/>
-              <a:t>10/24/2022</a:t>
+              <a:t>2/3/2023</a:t>
             </a:fld>
             <a:endParaRPr lang="en-US"/>
           </a:p>
@@ -11900,7 +11899,7 @@
           <a:p>
             <a:fld id="{5958763E-B898-436D-883D-03711491D54A}" type="datetimeFigureOut">
               <a:rPr lang="en-US" smtClean="0"/>
-              <a:t>10/24/2022</a:t>
+              <a:t>2/3/2023</a:t>
             </a:fld>
             <a:endParaRPr lang="en-US"/>
           </a:p>
@@ -12024,7 +12023,7 @@
           <a:p>
             <a:fld id="{5958763E-B898-436D-883D-03711491D54A}" type="datetimeFigureOut">
               <a:rPr lang="en-US" smtClean="0"/>
-              <a:t>10/24/2022</a:t>
+              <a:t>2/3/2023</a:t>
             </a:fld>
             <a:endParaRPr lang="en-US"/>
           </a:p>
@@ -12148,7 +12147,7 @@
           <a:p>
             <a:fld id="{5958763E-B898-436D-883D-03711491D54A}" type="datetimeFigureOut">
               <a:rPr lang="en-US" smtClean="0"/>
-              <a:t>10/24/2022</a:t>
+              <a:t>2/3/2023</a:t>
             </a:fld>
             <a:endParaRPr lang="en-US"/>
           </a:p>
@@ -12281,7 +12280,7 @@
           <a:p>
             <a:fld id="{5958763E-B898-436D-883D-03711491D54A}" type="datetimeFigureOut">
               <a:rPr lang="en-US" smtClean="0"/>
-              <a:t>10/24/2022</a:t>
+              <a:t>2/3/2023</a:t>
             </a:fld>
             <a:endParaRPr lang="en-US"/>
           </a:p>
@@ -15620,7 +15619,7 @@
             <a:fld id="{1C2D31DE-C454-491C-B5C3-F097855E3DF7}" type="datetime4">
               <a:rPr lang="en-US" smtClean="0"/>
               <a:pPr/>
-              <a:t>October 24, 2022</a:t>
+              <a:t>February 3, 2023</a:t>
             </a:fld>
             <a:endParaRPr lang="en-US" dirty="0"/>
           </a:p>
@@ -27856,7 +27855,7 @@
           <a:p>
             <a:fld id="{5958763E-B898-436D-883D-03711491D54A}" type="datetimeFigureOut">
               <a:rPr lang="en-US" smtClean="0"/>
-              <a:t>10/24/2022</a:t>
+              <a:t>2/3/2023</a:t>
             </a:fld>
             <a:endParaRPr lang="en-US"/>
           </a:p>
@@ -28258,7 +28257,7 @@
           <a:p>
             <a:fld id="{5958763E-B898-436D-883D-03711491D54A}" type="datetimeFigureOut">
               <a:rPr lang="en-US" smtClean="0"/>
-              <a:t>10/24/2022</a:t>
+              <a:t>2/3/2023</a:t>
             </a:fld>
             <a:endParaRPr lang="en-US"/>
           </a:p>
@@ -28552,7 +28551,7 @@
           <a:p>
             <a:fld id="{5958763E-B898-436D-883D-03711491D54A}" type="datetimeFigureOut">
               <a:rPr lang="en-US" smtClean="0"/>
-              <a:t>10/24/2022</a:t>
+              <a:t>2/3/2023</a:t>
             </a:fld>
             <a:endParaRPr lang="en-US"/>
           </a:p>
@@ -28753,7 +28752,7 @@
           <a:p>
             <a:fld id="{5958763E-B898-436D-883D-03711491D54A}" type="datetimeFigureOut">
               <a:rPr lang="en-US" smtClean="0"/>
-              <a:t>10/24/2022</a:t>
+              <a:t>2/3/2023</a:t>
             </a:fld>
             <a:endParaRPr lang="en-US"/>
           </a:p>
@@ -29014,7 +29013,7 @@
           <a:p>
             <a:fld id="{5958763E-B898-436D-883D-03711491D54A}" type="datetimeFigureOut">
               <a:rPr lang="en-US" smtClean="0"/>
-              <a:t>10/24/2022</a:t>
+              <a:t>2/3/2023</a:t>
             </a:fld>
             <a:endParaRPr lang="en-US"/>
           </a:p>
@@ -29522,7 +29521,7 @@
           <a:p>
             <a:fld id="{5958763E-B898-436D-883D-03711491D54A}" type="datetimeFigureOut">
               <a:rPr lang="en-US" smtClean="0"/>
-              <a:t>10/24/2022</a:t>
+              <a:t>2/3/2023</a:t>
             </a:fld>
             <a:endParaRPr lang="en-US"/>
           </a:p>
@@ -30001,7 +30000,7 @@
           <a:p>
             <a:fld id="{5958763E-B898-436D-883D-03711491D54A}" type="datetimeFigureOut">
               <a:rPr lang="en-US" smtClean="0"/>
-              <a:t>10/24/2022</a:t>
+              <a:t>2/3/2023</a:t>
             </a:fld>
             <a:endParaRPr lang="en-US"/>
           </a:p>
@@ -30820,7 +30819,7 @@
           <a:p>
             <a:fld id="{5958763E-B898-436D-883D-03711491D54A}" type="datetimeFigureOut">
               <a:rPr lang="en-US" smtClean="0"/>
-              <a:t>10/24/2022</a:t>
+              <a:t>2/3/2023</a:t>
             </a:fld>
             <a:endParaRPr lang="en-US"/>
           </a:p>
@@ -31021,7 +31020,7 @@
           <a:p>
             <a:fld id="{5958763E-B898-436D-883D-03711491D54A}" type="datetimeFigureOut">
               <a:rPr lang="en-US" smtClean="0"/>
-              <a:t>10/24/2022</a:t>
+              <a:t>2/3/2023</a:t>
             </a:fld>
             <a:endParaRPr lang="en-US"/>
           </a:p>
@@ -31356,7 +31355,7 @@
           <a:p>
             <a:fld id="{5958763E-B898-436D-883D-03711491D54A}" type="datetimeFigureOut">
               <a:rPr lang="en-US" smtClean="0"/>
-              <a:t>10/24/2022</a:t>
+              <a:t>2/3/2023</a:t>
             </a:fld>
             <a:endParaRPr lang="en-US"/>
           </a:p>
@@ -31586,7 +31585,7 @@
           <a:p>
             <a:fld id="{5958763E-B898-436D-883D-03711491D54A}" type="datetimeFigureOut">
               <a:rPr lang="en-US" smtClean="0"/>
-              <a:t>10/24/2022</a:t>
+              <a:t>2/3/2023</a:t>
             </a:fld>
             <a:endParaRPr lang="en-US"/>
           </a:p>
@@ -31830,7 +31829,7 @@
           <a:p>
             <a:fld id="{5958763E-B898-436D-883D-03711491D54A}" type="datetimeFigureOut">
               <a:rPr lang="en-US" smtClean="0"/>
-              <a:t>10/24/2022</a:t>
+              <a:t>2/3/2023</a:t>
             </a:fld>
             <a:endParaRPr lang="en-US"/>
           </a:p>
@@ -32353,7 +32352,7 @@
           <a:p>
             <a:r>
               <a:rPr lang="en-US" dirty="0"/>
-              <a:t>Review Activity Teams: Virtual</a:t>
+              <a:t>Review Activity Teams</a:t>
             </a:r>
           </a:p>
         </p:txBody>
@@ -32609,204 +32608,6 @@
           <a:p>
             <a:r>
               <a:rPr lang="en-US" dirty="0"/>
-              <a:t>7. Which HTML element connects a CSS stylesheet to an html page?</a:t>
-            </a:r>
-          </a:p>
-        </p:txBody>
-      </p:sp>
-      <p:sp>
-        <p:nvSpPr>
-          <p:cNvPr id="3" name="Content Placeholder 2"/>
-          <p:cNvSpPr>
-            <a:spLocks noGrp="1"/>
-          </p:cNvSpPr>
-          <p:nvPr>
-            <p:ph idx="1"/>
-          </p:nvPr>
-        </p:nvSpPr>
-        <p:spPr/>
-        <p:txBody>
-          <a:bodyPr anchor="ctr">
-            <a:normAutofit/>
-          </a:bodyPr>
-          <a:lstStyle/>
-          <a:p>
-            <a:pPr marL="57150" indent="0" algn="ctr">
-              <a:buNone/>
-            </a:pPr>
-            <a:r>
-              <a:rPr lang="pl-PL" sz="8800" dirty="0">
-                <a:solidFill>
-                  <a:srgbClr val="800000"/>
-                </a:solidFill>
-                <a:latin typeface="Consolas" panose="020B0609020204030204" pitchFamily="49" charset="0"/>
-              </a:rPr>
-              <a:t>&lt;</a:t>
-            </a:r>
-            <a:r>
-              <a:rPr lang="en-US" sz="8800" dirty="0">
-                <a:solidFill>
-                  <a:srgbClr val="800000"/>
-                </a:solidFill>
-                <a:latin typeface="Consolas" panose="020B0609020204030204" pitchFamily="49" charset="0"/>
-              </a:rPr>
-              <a:t>link /&gt;</a:t>
-            </a:r>
-            <a:endParaRPr lang="en-US" sz="8800" dirty="0">
-              <a:solidFill>
-                <a:schemeClr val="accent1">
-                  <a:lumMod val="50000"/>
-                </a:schemeClr>
-              </a:solidFill>
-              <a:latin typeface="Consolas" panose="020B0609020204030204" pitchFamily="49" charset="0"/>
-            </a:endParaRPr>
-          </a:p>
-        </p:txBody>
-      </p:sp>
-    </p:spTree>
-    <p:extLst>
-      <p:ext uri="{BB962C8B-B14F-4D97-AF65-F5344CB8AC3E}">
-        <p14:creationId xmlns:p14="http://schemas.microsoft.com/office/powerpoint/2010/main" val="2013883105"/>
-      </p:ext>
-    </p:extLst>
-  </p:cSld>
-  <p:clrMapOvr>
-    <a:masterClrMapping/>
-  </p:clrMapOvr>
-  <p:transition>
-    <p:fade/>
-  </p:transition>
-  <p:timing>
-    <p:tnLst>
-      <p:par>
-        <p:cTn id="1" dur="indefinite" restart="never" nodeType="tmRoot">
-          <p:childTnLst>
-            <p:seq concurrent="1" nextAc="seek">
-              <p:cTn id="2" dur="indefinite" nodeType="mainSeq">
-                <p:childTnLst>
-                  <p:par>
-                    <p:cTn id="3" fill="hold">
-                      <p:stCondLst>
-                        <p:cond delay="indefinite"/>
-                      </p:stCondLst>
-                      <p:childTnLst>
-                        <p:par>
-                          <p:cTn id="4" fill="hold">
-                            <p:stCondLst>
-                              <p:cond delay="0"/>
-                            </p:stCondLst>
-                            <p:childTnLst>
-                              <p:par>
-                                <p:cTn id="5" presetID="10" presetClass="entr" presetSubtype="0" fill="hold" grpId="0" nodeType="clickEffect">
-                                  <p:stCondLst>
-                                    <p:cond delay="0"/>
-                                  </p:stCondLst>
-                                  <p:childTnLst>
-                                    <p:set>
-                                      <p:cBhvr>
-                                        <p:cTn id="6" dur="1" fill="hold">
-                                          <p:stCondLst>
-                                            <p:cond delay="0"/>
-                                          </p:stCondLst>
-                                        </p:cTn>
-                                        <p:tgtEl>
-                                          <p:spTgt spid="3">
-                                            <p:txEl>
-                                              <p:pRg st="0" end="0"/>
-                                            </p:txEl>
-                                          </p:spTgt>
-                                        </p:tgtEl>
-                                        <p:attrNameLst>
-                                          <p:attrName>style.visibility</p:attrName>
-                                        </p:attrNameLst>
-                                      </p:cBhvr>
-                                      <p:to>
-                                        <p:strVal val="visible"/>
-                                      </p:to>
-                                    </p:set>
-                                    <p:animEffect transition="in" filter="fade">
-                                      <p:cBhvr>
-                                        <p:cTn id="7" dur="500"/>
-                                        <p:tgtEl>
-                                          <p:spTgt spid="3">
-                                            <p:txEl>
-                                              <p:pRg st="0" end="0"/>
-                                            </p:txEl>
-                                          </p:spTgt>
-                                        </p:tgtEl>
-                                      </p:cBhvr>
-                                    </p:animEffect>
-                                  </p:childTnLst>
-                                </p:cTn>
-                              </p:par>
-                            </p:childTnLst>
-                          </p:cTn>
-                        </p:par>
-                      </p:childTnLst>
-                    </p:cTn>
-                  </p:par>
-                </p:childTnLst>
-              </p:cTn>
-              <p:prevCondLst>
-                <p:cond evt="onPrev" delay="0">
-                  <p:tgtEl>
-                    <p:sldTgt/>
-                  </p:tgtEl>
-                </p:cond>
-              </p:prevCondLst>
-              <p:nextCondLst>
-                <p:cond evt="onNext" delay="0">
-                  <p:tgtEl>
-                    <p:sldTgt/>
-                  </p:tgtEl>
-                </p:cond>
-              </p:nextCondLst>
-            </p:seq>
-          </p:childTnLst>
-        </p:cTn>
-      </p:par>
-    </p:tnLst>
-    <p:bldLst>
-      <p:bldP spid="3" grpId="0" build="p"/>
-    </p:bldLst>
-  </p:timing>
-</p:sld>
-</file>
-
-<file path=ppt/slides/slide11.xml><?xml version="1.0" encoding="utf-8"?>
-<p:sld xmlns:a="http://schemas.openxmlformats.org/drawingml/2006/main" xmlns:r="http://schemas.openxmlformats.org/officeDocument/2006/relationships" xmlns:p="http://schemas.openxmlformats.org/presentationml/2006/main">
-  <p:cSld>
-    <p:spTree>
-      <p:nvGrpSpPr>
-        <p:cNvPr id="1" name=""/>
-        <p:cNvGrpSpPr/>
-        <p:nvPr/>
-      </p:nvGrpSpPr>
-      <p:grpSpPr>
-        <a:xfrm>
-          <a:off x="0" y="0"/>
-          <a:ext cx="0" cy="0"/>
-          <a:chOff x="0" y="0"/>
-          <a:chExt cx="0" cy="0"/>
-        </a:xfrm>
-      </p:grpSpPr>
-      <p:sp>
-        <p:nvSpPr>
-          <p:cNvPr id="2" name="Title 1"/>
-          <p:cNvSpPr>
-            <a:spLocks noGrp="1"/>
-          </p:cNvSpPr>
-          <p:nvPr>
-            <p:ph type="title"/>
-          </p:nvPr>
-        </p:nvSpPr>
-        <p:spPr/>
-        <p:txBody>
-          <a:bodyPr/>
-          <a:lstStyle/>
-          <a:p>
-            <a:r>
-              <a:rPr lang="en-US" dirty="0"/>
               <a:t>8. Which CSS property can make text larger?</a:t>
             </a:r>
           </a:p>
@@ -32961,7 +32762,7 @@
 </p:sld>
 </file>
 
-<file path=ppt/slides/slide12.xml><?xml version="1.0" encoding="utf-8"?>
+<file path=ppt/slides/slide11.xml><?xml version="1.0" encoding="utf-8"?>
 <p:sld xmlns:a="http://schemas.openxmlformats.org/drawingml/2006/main" xmlns:r="http://schemas.openxmlformats.org/officeDocument/2006/relationships" xmlns:p="http://schemas.openxmlformats.org/presentationml/2006/main">
   <p:cSld>
     <p:spTree>
@@ -33359,7 +33160,7 @@
 </p:sld>
 </file>
 
-<file path=ppt/slides/slide13.xml><?xml version="1.0" encoding="utf-8"?>
+<file path=ppt/slides/slide12.xml><?xml version="1.0" encoding="utf-8"?>
 <p:sld xmlns:a="http://schemas.openxmlformats.org/drawingml/2006/main" xmlns:r="http://schemas.openxmlformats.org/officeDocument/2006/relationships" xmlns:p="http://schemas.openxmlformats.org/presentationml/2006/main">
   <p:cSld>
     <p:spTree>
@@ -33699,7 +33500,7 @@
 </p:sld>
 </file>
 
-<file path=ppt/slides/slide14.xml><?xml version="1.0" encoding="utf-8"?>
+<file path=ppt/slides/slide13.xml><?xml version="1.0" encoding="utf-8"?>
 <p:sld xmlns:a="http://schemas.openxmlformats.org/drawingml/2006/main" xmlns:r="http://schemas.openxmlformats.org/officeDocument/2006/relationships" xmlns:p="http://schemas.openxmlformats.org/presentationml/2006/main">
   <p:cSld>
     <p:spTree>
@@ -34006,7 +33807,7 @@
 </p:sld>
 </file>
 
-<file path=ppt/slides/slide15.xml><?xml version="1.0" encoding="utf-8"?>
+<file path=ppt/slides/slide14.xml><?xml version="1.0" encoding="utf-8"?>
 <p:sld xmlns:a="http://schemas.openxmlformats.org/drawingml/2006/main" xmlns:r="http://schemas.openxmlformats.org/officeDocument/2006/relationships" xmlns:p="http://schemas.openxmlformats.org/presentationml/2006/main">
   <p:cSld>
     <p:spTree>
@@ -34184,7 +33985,7 @@
 </p:sld>
 </file>
 
-<file path=ppt/slides/slide16.xml><?xml version="1.0" encoding="utf-8"?>
+<file path=ppt/slides/slide15.xml><?xml version="1.0" encoding="utf-8"?>
 <p:sld xmlns:a="http://schemas.openxmlformats.org/drawingml/2006/main" xmlns:r="http://schemas.openxmlformats.org/officeDocument/2006/relationships" xmlns:p="http://schemas.openxmlformats.org/presentationml/2006/main">
   <p:cSld>
     <p:spTree>
@@ -34396,262 +34197,6 @@
 </file>
 
 <file path=ppt/slides/slide2.xml><?xml version="1.0" encoding="utf-8"?>
-<p:sld xmlns:a="http://schemas.openxmlformats.org/drawingml/2006/main" xmlns:r="http://schemas.openxmlformats.org/officeDocument/2006/relationships" xmlns:p="http://schemas.openxmlformats.org/presentationml/2006/main">
-  <p:cSld>
-    <p:spTree>
-      <p:nvGrpSpPr>
-        <p:cNvPr id="1" name=""/>
-        <p:cNvGrpSpPr/>
-        <p:nvPr/>
-      </p:nvGrpSpPr>
-      <p:grpSpPr>
-        <a:xfrm>
-          <a:off x="0" y="0"/>
-          <a:ext cx="0" cy="0"/>
-          <a:chOff x="0" y="0"/>
-          <a:chExt cx="0" cy="0"/>
-        </a:xfrm>
-      </p:grpSpPr>
-      <p:sp>
-        <p:nvSpPr>
-          <p:cNvPr id="2" name="Title 1"/>
-          <p:cNvSpPr>
-            <a:spLocks noGrp="1"/>
-          </p:cNvSpPr>
-          <p:nvPr>
-            <p:ph type="title"/>
-          </p:nvPr>
-        </p:nvSpPr>
-        <p:spPr/>
-        <p:txBody>
-          <a:bodyPr/>
-          <a:lstStyle/>
-          <a:p>
-            <a:r>
-              <a:rPr lang="en-US" dirty="0"/>
-              <a:t>Review Activity Teams: In-Person</a:t>
-            </a:r>
-          </a:p>
-        </p:txBody>
-      </p:sp>
-      <p:sp>
-        <p:nvSpPr>
-          <p:cNvPr id="3" name="Content Placeholder 2"/>
-          <p:cNvSpPr>
-            <a:spLocks noGrp="1"/>
-          </p:cNvSpPr>
-          <p:nvPr>
-            <p:ph sz="half" idx="1"/>
-          </p:nvPr>
-        </p:nvSpPr>
-        <p:spPr>
-          <a:ln>
-            <a:solidFill>
-              <a:schemeClr val="tx2"/>
-            </a:solidFill>
-          </a:ln>
-        </p:spPr>
-        <p:txBody>
-          <a:bodyPr/>
-          <a:lstStyle/>
-          <a:p>
-            <a:pPr marL="57150" indent="0" algn="ctr">
-              <a:buNone/>
-            </a:pPr>
-            <a:r>
-              <a:rPr lang="en-US" b="1" u="sng" dirty="0"/>
-              <a:t>Team 4</a:t>
-            </a:r>
-          </a:p>
-          <a:p>
-            <a:r>
-              <a:rPr lang="en-US" sz="2800" dirty="0">
-                <a:hlinkClick r:id="rId2"/>
-              </a:rPr>
-              <a:t>https://replit.com/join/nnzfyknlpr-hylandoutreach</a:t>
-            </a:r>
-            <a:endParaRPr lang="en-US" dirty="0"/>
-          </a:p>
-          <a:p>
-            <a:r>
-              <a:rPr lang="en-US" dirty="0"/>
-              <a:t>Student1</a:t>
-            </a:r>
-          </a:p>
-          <a:p>
-            <a:r>
-              <a:rPr lang="en-US" dirty="0"/>
-              <a:t>Student2</a:t>
-            </a:r>
-          </a:p>
-          <a:p>
-            <a:r>
-              <a:rPr lang="en-US" dirty="0"/>
-              <a:t>Student3</a:t>
-            </a:r>
-          </a:p>
-          <a:p>
-            <a:r>
-              <a:rPr lang="en-US" dirty="0"/>
-              <a:t>Student4</a:t>
-            </a:r>
-          </a:p>
-          <a:p>
-            <a:endParaRPr lang="en-US" dirty="0"/>
-          </a:p>
-        </p:txBody>
-      </p:sp>
-      <p:sp>
-        <p:nvSpPr>
-          <p:cNvPr id="4" name="Content Placeholder 3"/>
-          <p:cNvSpPr>
-            <a:spLocks noGrp="1"/>
-          </p:cNvSpPr>
-          <p:nvPr>
-            <p:ph sz="half" idx="2"/>
-          </p:nvPr>
-        </p:nvSpPr>
-        <p:spPr>
-          <a:ln>
-            <a:solidFill>
-              <a:schemeClr val="tx2"/>
-            </a:solidFill>
-          </a:ln>
-        </p:spPr>
-        <p:txBody>
-          <a:bodyPr/>
-          <a:lstStyle/>
-          <a:p>
-            <a:pPr marL="57150" indent="0" algn="ctr">
-              <a:buNone/>
-            </a:pPr>
-            <a:r>
-              <a:rPr lang="en-US" b="1" u="sng" dirty="0"/>
-              <a:t>Team 5</a:t>
-            </a:r>
-          </a:p>
-          <a:p>
-            <a:r>
-              <a:rPr lang="en-US" sz="2800" dirty="0">
-                <a:hlinkClick r:id="rId3"/>
-              </a:rPr>
-              <a:t>https://replit.com/join/khkvjwamfu-hylandoutreach</a:t>
-            </a:r>
-            <a:endParaRPr lang="en-US" sz="2800" dirty="0"/>
-          </a:p>
-          <a:p>
-            <a:r>
-              <a:rPr lang="en-US" dirty="0"/>
-              <a:t>Student1</a:t>
-            </a:r>
-          </a:p>
-          <a:p>
-            <a:r>
-              <a:rPr lang="en-US" dirty="0"/>
-              <a:t>Student2</a:t>
-            </a:r>
-          </a:p>
-          <a:p>
-            <a:r>
-              <a:rPr lang="en-US" dirty="0"/>
-              <a:t>Student3</a:t>
-            </a:r>
-          </a:p>
-          <a:p>
-            <a:r>
-              <a:rPr lang="en-US" dirty="0"/>
-              <a:t>Student4</a:t>
-            </a:r>
-          </a:p>
-          <a:p>
-            <a:endParaRPr lang="en-US" dirty="0"/>
-          </a:p>
-          <a:p>
-            <a:endParaRPr lang="en-US" dirty="0"/>
-          </a:p>
-        </p:txBody>
-      </p:sp>
-      <p:sp>
-        <p:nvSpPr>
-          <p:cNvPr id="5" name="Content Placeholder 4"/>
-          <p:cNvSpPr>
-            <a:spLocks noGrp="1"/>
-          </p:cNvSpPr>
-          <p:nvPr>
-            <p:ph sz="half" idx="10"/>
-          </p:nvPr>
-        </p:nvSpPr>
-        <p:spPr>
-          <a:ln>
-            <a:solidFill>
-              <a:schemeClr val="tx1"/>
-            </a:solidFill>
-          </a:ln>
-        </p:spPr>
-        <p:txBody>
-          <a:bodyPr/>
-          <a:lstStyle/>
-          <a:p>
-            <a:pPr marL="57150" indent="0" algn="ctr">
-              <a:buNone/>
-            </a:pPr>
-            <a:r>
-              <a:rPr lang="en-US" b="1" u="sng" dirty="0"/>
-              <a:t>Team 6</a:t>
-            </a:r>
-          </a:p>
-          <a:p>
-            <a:r>
-              <a:rPr lang="en-US" sz="2800" dirty="0">
-                <a:hlinkClick r:id="rId4"/>
-              </a:rPr>
-              <a:t>https://replit.com/join/qaejbnplzy-hylandoutreach</a:t>
-            </a:r>
-            <a:endParaRPr lang="en-US" sz="2800" dirty="0"/>
-          </a:p>
-          <a:p>
-            <a:r>
-              <a:rPr lang="en-US" dirty="0"/>
-              <a:t>Student1</a:t>
-            </a:r>
-          </a:p>
-          <a:p>
-            <a:r>
-              <a:rPr lang="en-US" dirty="0"/>
-              <a:t>Student2</a:t>
-            </a:r>
-          </a:p>
-          <a:p>
-            <a:r>
-              <a:rPr lang="en-US" dirty="0"/>
-              <a:t>Student3</a:t>
-            </a:r>
-          </a:p>
-          <a:p>
-            <a:r>
-              <a:rPr lang="en-US" dirty="0"/>
-              <a:t>Student4</a:t>
-            </a:r>
-          </a:p>
-        </p:txBody>
-      </p:sp>
-    </p:spTree>
-    <p:extLst>
-      <p:ext uri="{BB962C8B-B14F-4D97-AF65-F5344CB8AC3E}">
-        <p14:creationId xmlns:p14="http://schemas.microsoft.com/office/powerpoint/2010/main" val="126340359"/>
-      </p:ext>
-    </p:extLst>
-  </p:cSld>
-  <p:clrMapOvr>
-    <a:masterClrMapping/>
-  </p:clrMapOvr>
-  <p:transition>
-    <p:fade/>
-  </p:transition>
-</p:sld>
-</file>
-
-<file path=ppt/slides/slide3.xml><?xml version="1.0" encoding="utf-8"?>
 <p:sld xmlns:a="http://schemas.openxmlformats.org/drawingml/2006/main" xmlns:r="http://schemas.openxmlformats.org/officeDocument/2006/relationships" xmlns:p="http://schemas.openxmlformats.org/presentationml/2006/main">
   <p:cSld>
     <p:spTree>
@@ -37708,7 +37253,7 @@
 </p:sld>
 </file>
 
-<file path=ppt/slides/slide4.xml><?xml version="1.0" encoding="utf-8"?>
+<file path=ppt/slides/slide3.xml><?xml version="1.0" encoding="utf-8"?>
 <p:sld xmlns:a="http://schemas.openxmlformats.org/drawingml/2006/main" xmlns:r="http://schemas.openxmlformats.org/officeDocument/2006/relationships" xmlns:p="http://schemas.openxmlformats.org/presentationml/2006/main">
   <p:cSld>
     <p:spTree>
@@ -37906,7 +37451,7 @@
 </p:sld>
 </file>
 
-<file path=ppt/slides/slide5.xml><?xml version="1.0" encoding="utf-8"?>
+<file path=ppt/slides/slide4.xml><?xml version="1.0" encoding="utf-8"?>
 <p:sld xmlns:a="http://schemas.openxmlformats.org/drawingml/2006/main" xmlns:r="http://schemas.openxmlformats.org/officeDocument/2006/relationships" xmlns:p="http://schemas.openxmlformats.org/presentationml/2006/main">
   <p:cSld>
     <p:spTree>
@@ -38104,7 +37649,7 @@
 </p:sld>
 </file>
 
-<file path=ppt/slides/slide6.xml><?xml version="1.0" encoding="utf-8"?>
+<file path=ppt/slides/slide5.xml><?xml version="1.0" encoding="utf-8"?>
 <p:sld xmlns:a="http://schemas.openxmlformats.org/drawingml/2006/main" xmlns:r="http://schemas.openxmlformats.org/officeDocument/2006/relationships" xmlns:p="http://schemas.openxmlformats.org/presentationml/2006/main">
   <p:cSld>
     <p:spTree>
@@ -38355,7 +37900,7 @@
 </p:sld>
 </file>
 
-<file path=ppt/slides/slide7.xml><?xml version="1.0" encoding="utf-8"?>
+<file path=ppt/slides/slide6.xml><?xml version="1.0" encoding="utf-8"?>
 <p:sld xmlns:a="http://schemas.openxmlformats.org/drawingml/2006/main" xmlns:r="http://schemas.openxmlformats.org/officeDocument/2006/relationships" xmlns:p="http://schemas.openxmlformats.org/presentationml/2006/main">
   <p:cSld>
     <p:spTree>
@@ -38934,7 +38479,7 @@
 </p:sld>
 </file>
 
-<file path=ppt/slides/slide8.xml><?xml version="1.0" encoding="utf-8"?>
+<file path=ppt/slides/slide7.xml><?xml version="1.0" encoding="utf-8"?>
 <p:sld xmlns:a="http://schemas.openxmlformats.org/drawingml/2006/main" xmlns:r="http://schemas.openxmlformats.org/officeDocument/2006/relationships" xmlns:p="http://schemas.openxmlformats.org/presentationml/2006/main">
   <p:cSld>
     <p:spTree>
@@ -39455,7 +39000,7 @@
 </p:sld>
 </file>
 
-<file path=ppt/slides/slide9.xml><?xml version="1.0" encoding="utf-8"?>
+<file path=ppt/slides/slide8.xml><?xml version="1.0" encoding="utf-8"?>
 <p:sld xmlns:a="http://schemas.openxmlformats.org/drawingml/2006/main" xmlns:r="http://schemas.openxmlformats.org/officeDocument/2006/relationships" xmlns:p="http://schemas.openxmlformats.org/presentationml/2006/main">
   <p:cSld>
     <p:spTree>
@@ -39551,6 +39096,204 @@
     <p:extLst>
       <p:ext uri="{BB962C8B-B14F-4D97-AF65-F5344CB8AC3E}">
         <p14:creationId xmlns:p14="http://schemas.microsoft.com/office/powerpoint/2010/main" val="1480472296"/>
+      </p:ext>
+    </p:extLst>
+  </p:cSld>
+  <p:clrMapOvr>
+    <a:masterClrMapping/>
+  </p:clrMapOvr>
+  <p:transition>
+    <p:fade/>
+  </p:transition>
+  <p:timing>
+    <p:tnLst>
+      <p:par>
+        <p:cTn id="1" dur="indefinite" restart="never" nodeType="tmRoot">
+          <p:childTnLst>
+            <p:seq concurrent="1" nextAc="seek">
+              <p:cTn id="2" dur="indefinite" nodeType="mainSeq">
+                <p:childTnLst>
+                  <p:par>
+                    <p:cTn id="3" fill="hold">
+                      <p:stCondLst>
+                        <p:cond delay="indefinite"/>
+                      </p:stCondLst>
+                      <p:childTnLst>
+                        <p:par>
+                          <p:cTn id="4" fill="hold">
+                            <p:stCondLst>
+                              <p:cond delay="0"/>
+                            </p:stCondLst>
+                            <p:childTnLst>
+                              <p:par>
+                                <p:cTn id="5" presetID="10" presetClass="entr" presetSubtype="0" fill="hold" grpId="0" nodeType="clickEffect">
+                                  <p:stCondLst>
+                                    <p:cond delay="0"/>
+                                  </p:stCondLst>
+                                  <p:childTnLst>
+                                    <p:set>
+                                      <p:cBhvr>
+                                        <p:cTn id="6" dur="1" fill="hold">
+                                          <p:stCondLst>
+                                            <p:cond delay="0"/>
+                                          </p:stCondLst>
+                                        </p:cTn>
+                                        <p:tgtEl>
+                                          <p:spTgt spid="3">
+                                            <p:txEl>
+                                              <p:pRg st="0" end="0"/>
+                                            </p:txEl>
+                                          </p:spTgt>
+                                        </p:tgtEl>
+                                        <p:attrNameLst>
+                                          <p:attrName>style.visibility</p:attrName>
+                                        </p:attrNameLst>
+                                      </p:cBhvr>
+                                      <p:to>
+                                        <p:strVal val="visible"/>
+                                      </p:to>
+                                    </p:set>
+                                    <p:animEffect transition="in" filter="fade">
+                                      <p:cBhvr>
+                                        <p:cTn id="7" dur="500"/>
+                                        <p:tgtEl>
+                                          <p:spTgt spid="3">
+                                            <p:txEl>
+                                              <p:pRg st="0" end="0"/>
+                                            </p:txEl>
+                                          </p:spTgt>
+                                        </p:tgtEl>
+                                      </p:cBhvr>
+                                    </p:animEffect>
+                                  </p:childTnLst>
+                                </p:cTn>
+                              </p:par>
+                            </p:childTnLst>
+                          </p:cTn>
+                        </p:par>
+                      </p:childTnLst>
+                    </p:cTn>
+                  </p:par>
+                </p:childTnLst>
+              </p:cTn>
+              <p:prevCondLst>
+                <p:cond evt="onPrev" delay="0">
+                  <p:tgtEl>
+                    <p:sldTgt/>
+                  </p:tgtEl>
+                </p:cond>
+              </p:prevCondLst>
+              <p:nextCondLst>
+                <p:cond evt="onNext" delay="0">
+                  <p:tgtEl>
+                    <p:sldTgt/>
+                  </p:tgtEl>
+                </p:cond>
+              </p:nextCondLst>
+            </p:seq>
+          </p:childTnLst>
+        </p:cTn>
+      </p:par>
+    </p:tnLst>
+    <p:bldLst>
+      <p:bldP spid="3" grpId="0" build="p"/>
+    </p:bldLst>
+  </p:timing>
+</p:sld>
+</file>
+
+<file path=ppt/slides/slide9.xml><?xml version="1.0" encoding="utf-8"?>
+<p:sld xmlns:a="http://schemas.openxmlformats.org/drawingml/2006/main" xmlns:r="http://schemas.openxmlformats.org/officeDocument/2006/relationships" xmlns:p="http://schemas.openxmlformats.org/presentationml/2006/main">
+  <p:cSld>
+    <p:spTree>
+      <p:nvGrpSpPr>
+        <p:cNvPr id="1" name=""/>
+        <p:cNvGrpSpPr/>
+        <p:nvPr/>
+      </p:nvGrpSpPr>
+      <p:grpSpPr>
+        <a:xfrm>
+          <a:off x="0" y="0"/>
+          <a:ext cx="0" cy="0"/>
+          <a:chOff x="0" y="0"/>
+          <a:chExt cx="0" cy="0"/>
+        </a:xfrm>
+      </p:grpSpPr>
+      <p:sp>
+        <p:nvSpPr>
+          <p:cNvPr id="2" name="Title 1"/>
+          <p:cNvSpPr>
+            <a:spLocks noGrp="1"/>
+          </p:cNvSpPr>
+          <p:nvPr>
+            <p:ph type="title"/>
+          </p:nvPr>
+        </p:nvSpPr>
+        <p:spPr/>
+        <p:txBody>
+          <a:bodyPr/>
+          <a:lstStyle/>
+          <a:p>
+            <a:r>
+              <a:rPr lang="en-US" dirty="0"/>
+              <a:t>7. Which HTML element connects a CSS stylesheet to an html page?</a:t>
+            </a:r>
+          </a:p>
+        </p:txBody>
+      </p:sp>
+      <p:sp>
+        <p:nvSpPr>
+          <p:cNvPr id="3" name="Content Placeholder 2"/>
+          <p:cNvSpPr>
+            <a:spLocks noGrp="1"/>
+          </p:cNvSpPr>
+          <p:nvPr>
+            <p:ph idx="1"/>
+          </p:nvPr>
+        </p:nvSpPr>
+        <p:spPr/>
+        <p:txBody>
+          <a:bodyPr anchor="ctr">
+            <a:normAutofit/>
+          </a:bodyPr>
+          <a:lstStyle/>
+          <a:p>
+            <a:pPr marL="57150" indent="0" algn="ctr">
+              <a:buNone/>
+            </a:pPr>
+            <a:r>
+              <a:rPr lang="pl-PL" sz="8800" dirty="0">
+                <a:solidFill>
+                  <a:srgbClr val="800000"/>
+                </a:solidFill>
+                <a:latin typeface="Consolas" panose="020B0609020204030204" pitchFamily="49" charset="0"/>
+              </a:rPr>
+              <a:t>&lt;</a:t>
+            </a:r>
+            <a:r>
+              <a:rPr lang="en-US" sz="8800" dirty="0">
+                <a:solidFill>
+                  <a:srgbClr val="800000"/>
+                </a:solidFill>
+                <a:latin typeface="Consolas" panose="020B0609020204030204" pitchFamily="49" charset="0"/>
+              </a:rPr>
+              <a:t>link /&gt;</a:t>
+            </a:r>
+            <a:endParaRPr lang="en-US" sz="8800" dirty="0">
+              <a:solidFill>
+                <a:schemeClr val="accent1">
+                  <a:lumMod val="50000"/>
+                </a:schemeClr>
+              </a:solidFill>
+              <a:latin typeface="Consolas" panose="020B0609020204030204" pitchFamily="49" charset="0"/>
+            </a:endParaRPr>
+          </a:p>
+        </p:txBody>
+      </p:sp>
+    </p:spTree>
+    <p:extLst>
+      <p:ext uri="{BB962C8B-B14F-4D97-AF65-F5344CB8AC3E}">
+        <p14:creationId xmlns:p14="http://schemas.microsoft.com/office/powerpoint/2010/main" val="2013883105"/>
       </p:ext>
     </p:extLst>
   </p:cSld>

--- a/Week06/HtmlCssReviewActivity.pptx
+++ b/Week06/HtmlCssReviewActivity.pptx
@@ -4117,7 +4117,7 @@
           <a:p>
             <a:fld id="{5958763E-B898-436D-883D-03711491D54A}" type="datetimeFigureOut">
               <a:rPr lang="en-US" smtClean="0"/>
-              <a:t>2/9/2023</a:t>
+              <a:t>10/23/2023</a:t>
             </a:fld>
             <a:endParaRPr lang="en-US"/>
           </a:p>
@@ -4432,7 +4432,7 @@
             <a:fld id="{1C2D31DE-C454-491C-B5C3-F097855E3DF7}" type="datetime4">
               <a:rPr lang="en-US" smtClean="0"/>
               <a:pPr/>
-              <a:t>February 9, 2023</a:t>
+              <a:t>October 23, 2023</a:t>
             </a:fld>
             <a:endParaRPr lang="en-US" dirty="0"/>
           </a:p>
@@ -8876,66 +8876,44 @@
               <a:buNone/>
             </a:pPr>
             <a:r>
-              <a:rPr lang="en-US" b="1" dirty="0">
+              <a:rPr lang="en-US" dirty="0">
                 <a:hlinkClick r:id="rId2"/>
               </a:rPr>
               <a:t>https://replit.com/join/</a:t>
             </a:r>
+          </a:p>
+          <a:p>
+            <a:pPr marL="127000" indent="0">
+              <a:buNone/>
+            </a:pPr>
             <a:r>
-              <a:rPr lang="en-US" sz="2000" b="1" dirty="0">
+              <a:rPr lang="en-US" sz="2400" b="1" dirty="0" err="1">
                 <a:hlinkClick r:id="rId2"/>
               </a:rPr>
-              <a:t>qmaefwjwmp-hylandoutreach</a:t>
+              <a:t>tnbeqtqrqn-hylandoutreach</a:t>
             </a:r>
-            <a:endParaRPr lang="en-US" sz="2000" b="1" dirty="0"/>
+            <a:endParaRPr lang="en-US" sz="2400" b="1" dirty="0"/>
           </a:p>
           <a:p>
             <a:endParaRPr lang="en-US" dirty="0"/>
           </a:p>
           <a:p>
+            <a:pPr marL="127000" indent="0" algn="ctr">
+              <a:buNone/>
+            </a:pPr>
             <a:r>
-              <a:rPr lang="en-US" dirty="0"/>
-              <a:t>Student1</a:t>
+              <a:rPr lang="en-US" sz="3200" dirty="0"/>
+              <a:t>In-Person</a:t>
             </a:r>
           </a:p>
           <a:p>
+            <a:pPr marL="127000" indent="0" algn="ctr">
+              <a:buNone/>
+            </a:pPr>
             <a:r>
-              <a:rPr lang="en-US" dirty="0"/>
-              <a:t>Student2</a:t>
+              <a:rPr lang="en-US" sz="3200" dirty="0"/>
+              <a:t>House Left</a:t>
             </a:r>
-          </a:p>
-          <a:p>
-            <a:r>
-              <a:rPr lang="en-US" dirty="0"/>
-              <a:t>Student3</a:t>
-            </a:r>
-          </a:p>
-          <a:p>
-            <a:r>
-              <a:rPr lang="en-US" dirty="0"/>
-              <a:t>Student4</a:t>
-            </a:r>
-          </a:p>
-          <a:p>
-            <a:r>
-              <a:rPr lang="en-US" dirty="0"/>
-              <a:t>Student5</a:t>
-            </a:r>
-          </a:p>
-          <a:p>
-            <a:r>
-              <a:rPr lang="en-US" dirty="0"/>
-              <a:t>Student6</a:t>
-            </a:r>
-          </a:p>
-          <a:p>
-            <a:r>
-              <a:rPr lang="en-US" dirty="0"/>
-              <a:t>Student7</a:t>
-            </a:r>
-          </a:p>
-          <a:p>
-            <a:endParaRPr lang="en-US" dirty="0"/>
           </a:p>
         </p:txBody>
       </p:sp>
@@ -8974,12 +8952,12 @@
               <a:buNone/>
             </a:pPr>
             <a:r>
-              <a:rPr lang="en-US" sz="2400" b="1" u="sng" dirty="0"/>
+              <a:rPr lang="en-US" sz="2400" b="1" u="sng"/>
               <a:t>Team 3</a:t>
             </a:r>
           </a:p>
           <a:p>
-            <a:pPr marL="127000" indent="0">
+            <a:pPr marL="42863" indent="0" algn="ctr">
               <a:buNone/>
             </a:pPr>
             <a:endParaRPr lang="en-US" sz="2100" dirty="0">
@@ -8991,66 +8969,38 @@
               <a:buNone/>
             </a:pPr>
             <a:r>
-              <a:rPr lang="en-US" b="1" dirty="0">
-                <a:hlinkClick r:id="rId3"/>
+              <a:rPr lang="en-US" dirty="0">
+                <a:hlinkClick r:id="rId4"/>
               </a:rPr>
               <a:t>https://replit.com/join/</a:t>
             </a:r>
+          </a:p>
+          <a:p>
+            <a:pPr marL="127000" indent="0">
+              <a:buNone/>
+            </a:pPr>
             <a:r>
-              <a:rPr lang="en-US" sz="2000" b="1" dirty="0">
-                <a:hlinkClick r:id="rId3"/>
+              <a:rPr lang="en-US" sz="2400" b="1" dirty="0" err="1">
+                <a:hlinkClick r:id="rId4"/>
               </a:rPr>
-              <a:t>clfsjzajqs-hylandoutreach</a:t>
+              <a:t>yzhoxecfvr-hylandoutreach</a:t>
             </a:r>
-            <a:endParaRPr lang="en-US" sz="2000" b="1" dirty="0"/>
-          </a:p>
-          <a:p>
+            <a:endParaRPr lang="en-US" sz="2400" b="1" dirty="0"/>
+          </a:p>
+          <a:p>
+            <a:pPr marL="127000" indent="0">
+              <a:buNone/>
+            </a:pPr>
             <a:endParaRPr lang="en-US" dirty="0"/>
           </a:p>
           <a:p>
+            <a:pPr marL="127000" indent="0" algn="ctr">
+              <a:buNone/>
+            </a:pPr>
             <a:r>
-              <a:rPr lang="en-US" dirty="0"/>
-              <a:t>Student1</a:t>
+              <a:rPr lang="en-US" sz="3200" dirty="0"/>
+              <a:t>Virtual</a:t>
             </a:r>
-          </a:p>
-          <a:p>
-            <a:r>
-              <a:rPr lang="en-US" dirty="0"/>
-              <a:t>Student2</a:t>
-            </a:r>
-          </a:p>
-          <a:p>
-            <a:r>
-              <a:rPr lang="en-US" dirty="0"/>
-              <a:t>Student3</a:t>
-            </a:r>
-          </a:p>
-          <a:p>
-            <a:r>
-              <a:rPr lang="en-US" dirty="0"/>
-              <a:t>Student4</a:t>
-            </a:r>
-          </a:p>
-          <a:p>
-            <a:r>
-              <a:rPr lang="en-US" dirty="0"/>
-              <a:t>Student5</a:t>
-            </a:r>
-          </a:p>
-          <a:p>
-            <a:r>
-              <a:rPr lang="en-US" dirty="0"/>
-              <a:t>Student6</a:t>
-            </a:r>
-          </a:p>
-          <a:p>
-            <a:r>
-              <a:rPr lang="en-US" dirty="0"/>
-              <a:t>Student7</a:t>
-            </a:r>
-          </a:p>
-          <a:p>
-            <a:endParaRPr lang="en-US" dirty="0"/>
           </a:p>
         </p:txBody>
       </p:sp>
@@ -9104,66 +9054,50 @@
               <a:buNone/>
             </a:pPr>
             <a:r>
-              <a:rPr lang="en-US" b="1" dirty="0">
-                <a:hlinkClick r:id="rId4"/>
+              <a:rPr lang="en-US" dirty="0">
+                <a:hlinkClick r:id="rId5"/>
               </a:rPr>
               <a:t>https://replit.com/join/</a:t>
             </a:r>
+          </a:p>
+          <a:p>
+            <a:pPr marL="127000" indent="0">
+              <a:buNone/>
+            </a:pPr>
             <a:r>
-              <a:rPr lang="en-US" sz="2000" b="1" dirty="0">
-                <a:hlinkClick r:id="rId4"/>
+              <a:rPr lang="en-US" sz="2400" b="1" dirty="0" err="1">
+                <a:hlinkClick r:id="rId5"/>
               </a:rPr>
-              <a:t>ywjiowgvnx-hylandoutreach</a:t>
+              <a:t>uwktjxhmyx-hylandoutreach</a:t>
             </a:r>
-            <a:endParaRPr lang="en-US" sz="2000" b="1" dirty="0"/>
-          </a:p>
-          <a:p>
+            <a:r>
+              <a:rPr lang="en-US" sz="2400" b="1" dirty="0"/>
+              <a:t> </a:t>
+            </a:r>
+          </a:p>
+          <a:p>
+            <a:pPr marL="127000" indent="0">
+              <a:buNone/>
+            </a:pPr>
             <a:endParaRPr lang="en-US" dirty="0"/>
           </a:p>
           <a:p>
+            <a:pPr marL="127000" indent="0" algn="ctr">
+              <a:buNone/>
+            </a:pPr>
             <a:r>
-              <a:rPr lang="en-US" dirty="0"/>
-              <a:t>Student1</a:t>
+              <a:rPr lang="en-US" sz="3200" dirty="0"/>
+              <a:t>In-Person</a:t>
             </a:r>
           </a:p>
           <a:p>
+            <a:pPr marL="127000" indent="0" algn="ctr">
+              <a:buNone/>
+            </a:pPr>
             <a:r>
-              <a:rPr lang="en-US" dirty="0"/>
-              <a:t>Student2</a:t>
+              <a:rPr lang="en-US" sz="3200" dirty="0"/>
+              <a:t>House Right</a:t>
             </a:r>
-          </a:p>
-          <a:p>
-            <a:r>
-              <a:rPr lang="en-US" dirty="0"/>
-              <a:t>Student3</a:t>
-            </a:r>
-          </a:p>
-          <a:p>
-            <a:r>
-              <a:rPr lang="en-US" dirty="0"/>
-              <a:t>Student4</a:t>
-            </a:r>
-          </a:p>
-          <a:p>
-            <a:r>
-              <a:rPr lang="en-US" dirty="0"/>
-              <a:t>Student5</a:t>
-            </a:r>
-          </a:p>
-          <a:p>
-            <a:r>
-              <a:rPr lang="en-US" dirty="0"/>
-              <a:t>Student6</a:t>
-            </a:r>
-          </a:p>
-          <a:p>
-            <a:r>
-              <a:rPr lang="en-US" dirty="0"/>
-              <a:t>Student7</a:t>
-            </a:r>
-          </a:p>
-          <a:p>
-            <a:endParaRPr lang="en-US" dirty="0"/>
           </a:p>
           <a:p>
             <a:endParaRPr lang="en-US" dirty="0"/>

--- a/Week06/HtmlCssReviewActivity.pptx
+++ b/Week06/HtmlCssReviewActivity.pptx
@@ -4117,7 +4117,7 @@
           <a:p>
             <a:fld id="{5958763E-B898-436D-883D-03711491D54A}" type="datetimeFigureOut">
               <a:rPr lang="en-US" smtClean="0"/>
-              <a:t>10/23/2023</a:t>
+              <a:t>1/31/2024</a:t>
             </a:fld>
             <a:endParaRPr lang="en-US"/>
           </a:p>
@@ -4432,7 +4432,7 @@
             <a:fld id="{1C2D31DE-C454-491C-B5C3-F097855E3DF7}" type="datetime4">
               <a:rPr lang="en-US" smtClean="0"/>
               <a:pPr/>
-              <a:t>October 23, 2023</a:t>
+              <a:t>January 31, 2024</a:t>
             </a:fld>
             <a:endParaRPr lang="en-US" dirty="0"/>
           </a:p>
@@ -8881,21 +8881,23 @@
               </a:rPr>
               <a:t>https://replit.com/join/</a:t>
             </a:r>
+            <a:endParaRPr lang="en-US" dirty="0"/>
           </a:p>
           <a:p>
             <a:pPr marL="127000" indent="0">
               <a:buNone/>
             </a:pPr>
             <a:r>
-              <a:rPr lang="en-US" sz="2400" b="1" dirty="0" err="1">
-                <a:hlinkClick r:id="rId2"/>
-              </a:rPr>
-              <a:t>tnbeqtqrqn-hylandoutreach</a:t>
+              <a:rPr lang="en-US" sz="2400" b="1" u="sng" dirty="0" err="1"/>
+              <a:t>iwrphdxtqh-hylandoutreach</a:t>
             </a:r>
-            <a:endParaRPr lang="en-US" sz="2400" b="1" dirty="0"/>
-          </a:p>
-          <a:p>
-            <a:endParaRPr lang="en-US" dirty="0"/>
+            <a:endParaRPr lang="en-US" sz="2400" b="1" u="sng" dirty="0"/>
+          </a:p>
+          <a:p>
+            <a:pPr marL="127000" indent="0" algn="ctr">
+              <a:buNone/>
+            </a:pPr>
+            <a:endParaRPr lang="en-US" sz="3200" dirty="0"/>
           </a:p>
           <a:p>
             <a:pPr marL="127000" indent="0" algn="ctr">
@@ -8952,7 +8954,7 @@
               <a:buNone/>
             </a:pPr>
             <a:r>
-              <a:rPr lang="en-US" sz="2400" b="1" u="sng"/>
+              <a:rPr lang="en-US" sz="2400" b="1" u="sng" dirty="0"/>
               <a:t>Team 3</a:t>
             </a:r>
           </a:p>
@@ -8970,28 +8972,27 @@
             </a:pPr>
             <a:r>
               <a:rPr lang="en-US" dirty="0">
-                <a:hlinkClick r:id="rId4"/>
+                <a:hlinkClick r:id="rId2"/>
               </a:rPr>
               <a:t>https://replit.com/join/</a:t>
             </a:r>
+            <a:endParaRPr lang="en-US" dirty="0"/>
           </a:p>
           <a:p>
             <a:pPr marL="127000" indent="0">
               <a:buNone/>
             </a:pPr>
             <a:r>
-              <a:rPr lang="en-US" sz="2400" b="1" dirty="0" err="1">
-                <a:hlinkClick r:id="rId4"/>
-              </a:rPr>
-              <a:t>yzhoxecfvr-hylandoutreach</a:t>
+              <a:rPr lang="en-US" sz="2400" b="1" u="sng" dirty="0" err="1"/>
+              <a:t>ntdyhoognx-hylandoutreach</a:t>
             </a:r>
-            <a:endParaRPr lang="en-US" sz="2400" b="1" dirty="0"/>
-          </a:p>
-          <a:p>
-            <a:pPr marL="127000" indent="0">
+            <a:endParaRPr lang="en-US" sz="2400" b="1" u="sng" dirty="0"/>
+          </a:p>
+          <a:p>
+            <a:pPr marL="127000" indent="0" algn="ctr">
               <a:buNone/>
             </a:pPr>
-            <a:endParaRPr lang="en-US" dirty="0"/>
+            <a:endParaRPr lang="en-US" sz="3200" dirty="0"/>
           </a:p>
           <a:p>
             <a:pPr marL="127000" indent="0" algn="ctr">
@@ -9055,31 +9056,27 @@
             </a:pPr>
             <a:r>
               <a:rPr lang="en-US" dirty="0">
-                <a:hlinkClick r:id="rId5"/>
+                <a:hlinkClick r:id="rId2"/>
               </a:rPr>
               <a:t>https://replit.com/join/</a:t>
             </a:r>
+            <a:endParaRPr lang="en-US" dirty="0"/>
           </a:p>
           <a:p>
             <a:pPr marL="127000" indent="0">
               <a:buNone/>
             </a:pPr>
             <a:r>
-              <a:rPr lang="en-US" sz="2400" b="1" dirty="0" err="1">
-                <a:hlinkClick r:id="rId5"/>
-              </a:rPr>
-              <a:t>uwktjxhmyx-hylandoutreach</a:t>
+              <a:rPr lang="en-US" sz="2400" b="1" u="sng" dirty="0" err="1"/>
+              <a:t>lncqcuvvdw-hylandoutreach</a:t>
             </a:r>
-            <a:r>
-              <a:rPr lang="en-US" sz="2400" b="1" dirty="0"/>
-              <a:t> </a:t>
-            </a:r>
-          </a:p>
-          <a:p>
-            <a:pPr marL="127000" indent="0">
+            <a:endParaRPr lang="en-US" sz="2400" b="1" u="sng" dirty="0"/>
+          </a:p>
+          <a:p>
+            <a:pPr marL="127000" indent="0" algn="ctr">
               <a:buNone/>
             </a:pPr>
-            <a:endParaRPr lang="en-US" dirty="0"/>
+            <a:endParaRPr lang="en-US" sz="3200" dirty="0"/>
           </a:p>
           <a:p>
             <a:pPr marL="127000" indent="0" algn="ctr">

--- a/Week06/HtmlCssReviewActivity.pptx
+++ b/Week06/HtmlCssReviewActivity.pptx
@@ -51,6 +51,13 @@
       <p:font typeface="Roboto Condensed Light" panose="02000000000000000000" pitchFamily="2" charset="0"/>
       <p:regular r:id="rId26"/>
       <p:italic r:id="rId27"/>
+    </p:embeddedFont>
+    <p:embeddedFont>
+      <p:font typeface="Segoe UI" panose="020B0502040204020203" pitchFamily="34" charset="0"/>
+      <p:regular r:id="rId28"/>
+      <p:bold r:id="rId29"/>
+      <p:italic r:id="rId30"/>
+      <p:boldItalic r:id="rId31"/>
     </p:embeddedFont>
   </p:embeddedFontLst>
   <p:defaultTextStyle>
@@ -4117,7 +4124,7 @@
           <a:p>
             <a:fld id="{5958763E-B898-436D-883D-03711491D54A}" type="datetimeFigureOut">
               <a:rPr lang="en-US" smtClean="0"/>
-              <a:t>1/31/2024</a:t>
+              <a:t>4/9/2025</a:t>
             </a:fld>
             <a:endParaRPr lang="en-US"/>
           </a:p>
@@ -4432,7 +4439,7 @@
             <a:fld id="{1C2D31DE-C454-491C-B5C3-F097855E3DF7}" type="datetime4">
               <a:rPr lang="en-US" smtClean="0"/>
               <a:pPr/>
-              <a:t>January 31, 2024</a:t>
+              <a:t>April 9, 2025</a:t>
             </a:fld>
             <a:endParaRPr lang="en-US" dirty="0"/>
           </a:p>
@@ -11784,7 +11791,7 @@
           <a:p>
             <a:r>
               <a:rPr lang="en-US" sz="2000" dirty="0"/>
-              <a:t>4. List the six elements needed for a table</a:t>
+              <a:t>4. List the four elements needed for a table</a:t>
             </a:r>
           </a:p>
         </p:txBody>
@@ -11802,7 +11809,7 @@
         <p:spPr/>
         <p:txBody>
           <a:bodyPr anchor="t">
-            <a:normAutofit lnSpcReduction="10000"/>
+            <a:normAutofit/>
           </a:bodyPr>
           <a:lstStyle/>
           <a:p>
@@ -11818,46 +11825,6 @@
               </a:rPr>
               <a:t>table</a:t>
             </a:r>
-          </a:p>
-          <a:p>
-            <a:pPr marL="152400" indent="0">
-              <a:buNone/>
-            </a:pPr>
-            <a:r>
-              <a:rPr lang="en-US" sz="3600" dirty="0" err="1">
-                <a:solidFill>
-                  <a:srgbClr val="000000"/>
-                </a:solidFill>
-                <a:latin typeface="Consolas" panose="020B0609020204030204" pitchFamily="49" charset="0"/>
-              </a:rPr>
-              <a:t>thead</a:t>
-            </a:r>
-            <a:endParaRPr lang="en-US" sz="3600" dirty="0">
-              <a:solidFill>
-                <a:srgbClr val="000000"/>
-              </a:solidFill>
-              <a:latin typeface="Consolas" panose="020B0609020204030204" pitchFamily="49" charset="0"/>
-            </a:endParaRPr>
-          </a:p>
-          <a:p>
-            <a:pPr marL="152400" indent="0">
-              <a:buNone/>
-            </a:pPr>
-            <a:r>
-              <a:rPr lang="en-US" sz="3600" dirty="0" err="1">
-                <a:solidFill>
-                  <a:srgbClr val="000000"/>
-                </a:solidFill>
-                <a:latin typeface="Consolas" panose="020B0609020204030204" pitchFamily="49" charset="0"/>
-              </a:rPr>
-              <a:t>tbody</a:t>
-            </a:r>
-            <a:endParaRPr lang="en-US" sz="3600" dirty="0">
-              <a:solidFill>
-                <a:srgbClr val="000000"/>
-              </a:solidFill>
-              <a:latin typeface="Consolas" panose="020B0609020204030204" pitchFamily="49" charset="0"/>
-            </a:endParaRPr>
           </a:p>
           <a:p>
             <a:pPr marL="152400" indent="0">
@@ -12169,128 +12136,6 @@
                                           <p:spTgt spid="3">
                                             <p:txEl>
                                               <p:pRg st="3" end="3"/>
-                                            </p:txEl>
-                                          </p:spTgt>
-                                        </p:tgtEl>
-                                      </p:cBhvr>
-                                    </p:animEffect>
-                                  </p:childTnLst>
-                                </p:cTn>
-                              </p:par>
-                            </p:childTnLst>
-                          </p:cTn>
-                        </p:par>
-                      </p:childTnLst>
-                    </p:cTn>
-                  </p:par>
-                  <p:par>
-                    <p:cTn id="23" fill="hold">
-                      <p:stCondLst>
-                        <p:cond delay="indefinite"/>
-                      </p:stCondLst>
-                      <p:childTnLst>
-                        <p:par>
-                          <p:cTn id="24" fill="hold">
-                            <p:stCondLst>
-                              <p:cond delay="0"/>
-                            </p:stCondLst>
-                            <p:childTnLst>
-                              <p:par>
-                                <p:cTn id="25" presetID="10" presetClass="entr" presetSubtype="0" fill="hold" grpId="0" nodeType="clickEffect">
-                                  <p:stCondLst>
-                                    <p:cond delay="0"/>
-                                  </p:stCondLst>
-                                  <p:childTnLst>
-                                    <p:set>
-                                      <p:cBhvr>
-                                        <p:cTn id="26" dur="1" fill="hold">
-                                          <p:stCondLst>
-                                            <p:cond delay="0"/>
-                                          </p:stCondLst>
-                                        </p:cTn>
-                                        <p:tgtEl>
-                                          <p:spTgt spid="3">
-                                            <p:txEl>
-                                              <p:pRg st="4" end="4"/>
-                                            </p:txEl>
-                                          </p:spTgt>
-                                        </p:tgtEl>
-                                        <p:attrNameLst>
-                                          <p:attrName>style.visibility</p:attrName>
-                                        </p:attrNameLst>
-                                      </p:cBhvr>
-                                      <p:to>
-                                        <p:strVal val="visible"/>
-                                      </p:to>
-                                    </p:set>
-                                    <p:animEffect transition="in" filter="fade">
-                                      <p:cBhvr>
-                                        <p:cTn id="27" dur="500"/>
-                                        <p:tgtEl>
-                                          <p:spTgt spid="3">
-                                            <p:txEl>
-                                              <p:pRg st="4" end="4"/>
-                                            </p:txEl>
-                                          </p:spTgt>
-                                        </p:tgtEl>
-                                      </p:cBhvr>
-                                    </p:animEffect>
-                                  </p:childTnLst>
-                                </p:cTn>
-                              </p:par>
-                            </p:childTnLst>
-                          </p:cTn>
-                        </p:par>
-                      </p:childTnLst>
-                    </p:cTn>
-                  </p:par>
-                  <p:par>
-                    <p:cTn id="28" fill="hold">
-                      <p:stCondLst>
-                        <p:cond delay="indefinite"/>
-                      </p:stCondLst>
-                      <p:childTnLst>
-                        <p:par>
-                          <p:cTn id="29" fill="hold">
-                            <p:stCondLst>
-                              <p:cond delay="0"/>
-                            </p:stCondLst>
-                            <p:childTnLst>
-                              <p:par>
-                                <p:cTn id="30" presetID="10" presetClass="entr" presetSubtype="0" fill="hold" grpId="0" nodeType="clickEffect">
-                                  <p:stCondLst>
-                                    <p:cond delay="0"/>
-                                  </p:stCondLst>
-                                  <p:childTnLst>
-                                    <p:set>
-                                      <p:cBhvr>
-                                        <p:cTn id="31" dur="1" fill="hold">
-                                          <p:stCondLst>
-                                            <p:cond delay="0"/>
-                                          </p:stCondLst>
-                                        </p:cTn>
-                                        <p:tgtEl>
-                                          <p:spTgt spid="3">
-                                            <p:txEl>
-                                              <p:pRg st="5" end="5"/>
-                                            </p:txEl>
-                                          </p:spTgt>
-                                        </p:tgtEl>
-                                        <p:attrNameLst>
-                                          <p:attrName>style.visibility</p:attrName>
-                                        </p:attrNameLst>
-                                      </p:cBhvr>
-                                      <p:to>
-                                        <p:strVal val="visible"/>
-                                      </p:to>
-                                    </p:set>
-                                    <p:animEffect transition="in" filter="fade">
-                                      <p:cBhvr>
-                                        <p:cTn id="32" dur="500"/>
-                                        <p:tgtEl>
-                                          <p:spTgt spid="3">
-                                            <p:txEl>
-                                              <p:pRg st="5" end="5"/>
                                             </p:txEl>
                                           </p:spTgt>
                                         </p:tgtEl>
